--- a/Presentasjon_ML.pptx
+++ b/Presentasjon_ML.pptx
@@ -2,18 +2,35 @@
 <file path=ppt/presentation.xml><?xml version="1.0" encoding="utf-8"?>
 <p:presentation xmlns:a="http://schemas.openxmlformats.org/drawingml/2006/main" xmlns:r="http://schemas.openxmlformats.org/officeDocument/2006/relationships" xmlns:p="http://schemas.openxmlformats.org/presentationml/2006/main" saveSubsetFonts="1" autoCompressPictures="0">
   <p:sldMasterIdLst>
-    <p:sldMasterId id="2147483648" r:id="rId1"/>
+    <p:sldMasterId id="2147483763" r:id="rId1"/>
   </p:sldMasterIdLst>
+  <p:notesMasterIdLst>
+    <p:notesMasterId r:id="rId17"/>
+  </p:notesMasterIdLst>
   <p:sldIdLst>
     <p:sldId id="256" r:id="rId2"/>
+    <p:sldId id="258" r:id="rId3"/>
+    <p:sldId id="257" r:id="rId4"/>
+    <p:sldId id="264" r:id="rId5"/>
+    <p:sldId id="261" r:id="rId6"/>
+    <p:sldId id="259" r:id="rId7"/>
+    <p:sldId id="275" r:id="rId8"/>
+    <p:sldId id="265" r:id="rId9"/>
+    <p:sldId id="266" r:id="rId10"/>
+    <p:sldId id="267" r:id="rId11"/>
+    <p:sldId id="272" r:id="rId12"/>
+    <p:sldId id="273" r:id="rId13"/>
+    <p:sldId id="274" r:id="rId14"/>
+    <p:sldId id="263" r:id="rId15"/>
+    <p:sldId id="271" r:id="rId16"/>
   </p:sldIdLst>
   <p:sldSz cx="12192000" cy="6858000"/>
   <p:notesSz cx="6858000" cy="9144000"/>
   <p:defaultTextStyle>
     <a:defPPr>
-      <a:defRPr lang="nb-NO"/>
+      <a:defRPr lang="en-US"/>
     </a:defPPr>
-    <a:lvl1pPr marL="0" algn="l" defTabSz="914400" rtl="0" eaLnBrk="1" latinLnBrk="0" hangingPunct="1">
+    <a:lvl1pPr marL="0" algn="l" defTabSz="457200" rtl="0" eaLnBrk="1" latinLnBrk="0" hangingPunct="1">
       <a:defRPr sz="1800" kern="1200">
         <a:solidFill>
           <a:schemeClr val="tx1"/>
@@ -23,7 +40,7 @@
         <a:cs typeface="+mn-cs"/>
       </a:defRPr>
     </a:lvl1pPr>
-    <a:lvl2pPr marL="457200" algn="l" defTabSz="914400" rtl="0" eaLnBrk="1" latinLnBrk="0" hangingPunct="1">
+    <a:lvl2pPr marL="457200" algn="l" defTabSz="457200" rtl="0" eaLnBrk="1" latinLnBrk="0" hangingPunct="1">
       <a:defRPr sz="1800" kern="1200">
         <a:solidFill>
           <a:schemeClr val="tx1"/>
@@ -33,7 +50,7 @@
         <a:cs typeface="+mn-cs"/>
       </a:defRPr>
     </a:lvl2pPr>
-    <a:lvl3pPr marL="914400" algn="l" defTabSz="914400" rtl="0" eaLnBrk="1" latinLnBrk="0" hangingPunct="1">
+    <a:lvl3pPr marL="914400" algn="l" defTabSz="457200" rtl="0" eaLnBrk="1" latinLnBrk="0" hangingPunct="1">
       <a:defRPr sz="1800" kern="1200">
         <a:solidFill>
           <a:schemeClr val="tx1"/>
@@ -43,7 +60,7 @@
         <a:cs typeface="+mn-cs"/>
       </a:defRPr>
     </a:lvl3pPr>
-    <a:lvl4pPr marL="1371600" algn="l" defTabSz="914400" rtl="0" eaLnBrk="1" latinLnBrk="0" hangingPunct="1">
+    <a:lvl4pPr marL="1371600" algn="l" defTabSz="457200" rtl="0" eaLnBrk="1" latinLnBrk="0" hangingPunct="1">
       <a:defRPr sz="1800" kern="1200">
         <a:solidFill>
           <a:schemeClr val="tx1"/>
@@ -53,7 +70,7 @@
         <a:cs typeface="+mn-cs"/>
       </a:defRPr>
     </a:lvl4pPr>
-    <a:lvl5pPr marL="1828800" algn="l" defTabSz="914400" rtl="0" eaLnBrk="1" latinLnBrk="0" hangingPunct="1">
+    <a:lvl5pPr marL="1828800" algn="l" defTabSz="457200" rtl="0" eaLnBrk="1" latinLnBrk="0" hangingPunct="1">
       <a:defRPr sz="1800" kern="1200">
         <a:solidFill>
           <a:schemeClr val="tx1"/>
@@ -63,7 +80,7 @@
         <a:cs typeface="+mn-cs"/>
       </a:defRPr>
     </a:lvl5pPr>
-    <a:lvl6pPr marL="2286000" algn="l" defTabSz="914400" rtl="0" eaLnBrk="1" latinLnBrk="0" hangingPunct="1">
+    <a:lvl6pPr marL="2286000" algn="l" defTabSz="457200" rtl="0" eaLnBrk="1" latinLnBrk="0" hangingPunct="1">
       <a:defRPr sz="1800" kern="1200">
         <a:solidFill>
           <a:schemeClr val="tx1"/>
@@ -73,7 +90,7 @@
         <a:cs typeface="+mn-cs"/>
       </a:defRPr>
     </a:lvl6pPr>
-    <a:lvl7pPr marL="2743200" algn="l" defTabSz="914400" rtl="0" eaLnBrk="1" latinLnBrk="0" hangingPunct="1">
+    <a:lvl7pPr marL="2743200" algn="l" defTabSz="457200" rtl="0" eaLnBrk="1" latinLnBrk="0" hangingPunct="1">
       <a:defRPr sz="1800" kern="1200">
         <a:solidFill>
           <a:schemeClr val="tx1"/>
@@ -83,7 +100,7 @@
         <a:cs typeface="+mn-cs"/>
       </a:defRPr>
     </a:lvl7pPr>
-    <a:lvl8pPr marL="3200400" algn="l" defTabSz="914400" rtl="0" eaLnBrk="1" latinLnBrk="0" hangingPunct="1">
+    <a:lvl8pPr marL="3200400" algn="l" defTabSz="457200" rtl="0" eaLnBrk="1" latinLnBrk="0" hangingPunct="1">
       <a:defRPr sz="1800" kern="1200">
         <a:solidFill>
           <a:schemeClr val="tx1"/>
@@ -93,7 +110,7 @@
         <a:cs typeface="+mn-cs"/>
       </a:defRPr>
     </a:lvl8pPr>
-    <a:lvl9pPr marL="3657600" algn="l" defTabSz="914400" rtl="0" eaLnBrk="1" latinLnBrk="0" hangingPunct="1">
+    <a:lvl9pPr marL="3657600" algn="l" defTabSz="457200" rtl="0" eaLnBrk="1" latinLnBrk="0" hangingPunct="1">
       <a:defRPr sz="1800" kern="1200">
         <a:solidFill>
           <a:schemeClr val="tx1"/>
@@ -104,12 +121,22 @@
       </a:defRPr>
     </a:lvl9pPr>
   </p:defaultTextStyle>
+  <p:extLst>
+    <p:ext uri="{EFAFB233-063F-42B5-8137-9DF3F51BA10A}">
+      <p15:sldGuideLst xmlns:p15="http://schemas.microsoft.com/office/powerpoint/2012/main"/>
+    </p:ext>
+  </p:extLst>
 </p:presentation>
 </file>
 
-<file path=ppt/slideLayouts/slideLayout1.xml><?xml version="1.0" encoding="utf-8"?>
-<p:sldLayout xmlns:a="http://schemas.openxmlformats.org/drawingml/2006/main" xmlns:r="http://schemas.openxmlformats.org/officeDocument/2006/relationships" xmlns:p="http://schemas.openxmlformats.org/presentationml/2006/main" type="title" preserve="1">
-  <p:cSld name="Tittellysbilde">
+<file path=ppt/notesMasters/notesMaster1.xml><?xml version="1.0" encoding="utf-8"?>
+<p:notesMaster xmlns:a="http://schemas.openxmlformats.org/drawingml/2006/main" xmlns:r="http://schemas.openxmlformats.org/officeDocument/2006/relationships" xmlns:p="http://schemas.openxmlformats.org/presentationml/2006/main">
+  <p:cSld>
+    <p:bg>
+      <p:bgRef idx="1001">
+        <a:schemeClr val="bg1"/>
+      </p:bgRef>
+    </p:bg>
     <p:spTree>
       <p:nvGrpSpPr>
         <p:cNvPr id="1" name=""/>
@@ -126,47 +153,394 @@
       </p:grpSpPr>
       <p:sp>
         <p:nvSpPr>
-          <p:cNvPr id="2" name="Tittel 1">
-            <a:extLst>
-              <a:ext uri="{FF2B5EF4-FFF2-40B4-BE49-F238E27FC236}">
-                <a16:creationId xmlns:a16="http://schemas.microsoft.com/office/drawing/2014/main" id="{C0617C5A-07F4-F905-3104-3A074D77AC71}"/>
-              </a:ext>
-            </a:extLst>
-          </p:cNvPr>
-          <p:cNvSpPr>
-            <a:spLocks noGrp="1"/>
-          </p:cNvSpPr>
-          <p:nvPr>
-            <p:ph type="ctrTitle"/>
+          <p:cNvPr id="2" name="Plassholder for topptekst 1"/>
+          <p:cNvSpPr>
+            <a:spLocks noGrp="1"/>
+          </p:cNvSpPr>
+          <p:nvPr>
+            <p:ph type="hdr" sz="quarter"/>
           </p:nvPr>
         </p:nvSpPr>
         <p:spPr>
           <a:xfrm>
-            <a:off x="1524000" y="1122363"/>
-            <a:ext cx="9144000" cy="2387600"/>
+            <a:off x="0" y="0"/>
+            <a:ext cx="2971800" cy="458788"/>
+          </a:xfrm>
+          <a:prstGeom prst="rect">
+            <a:avLst/>
+          </a:prstGeom>
+        </p:spPr>
+        <p:txBody>
+          <a:bodyPr vert="horz" lIns="91440" tIns="45720" rIns="91440" bIns="45720" rtlCol="0"/>
+          <a:lstStyle>
+            <a:lvl1pPr algn="l">
+              <a:defRPr sz="1200"/>
+            </a:lvl1pPr>
+          </a:lstStyle>
+          <a:p>
+            <a:endParaRPr lang="nb-NO"/>
+          </a:p>
+        </p:txBody>
+      </p:sp>
+      <p:sp>
+        <p:nvSpPr>
+          <p:cNvPr id="3" name="Plassholder for dato 2"/>
+          <p:cNvSpPr>
+            <a:spLocks noGrp="1"/>
+          </p:cNvSpPr>
+          <p:nvPr>
+            <p:ph type="dt" idx="1"/>
+          </p:nvPr>
+        </p:nvSpPr>
+        <p:spPr>
+          <a:xfrm>
+            <a:off x="3884613" y="0"/>
+            <a:ext cx="2971800" cy="458788"/>
+          </a:xfrm>
+          <a:prstGeom prst="rect">
+            <a:avLst/>
+          </a:prstGeom>
+        </p:spPr>
+        <p:txBody>
+          <a:bodyPr vert="horz" lIns="91440" tIns="45720" rIns="91440" bIns="45720" rtlCol="0"/>
+          <a:lstStyle>
+            <a:lvl1pPr algn="r">
+              <a:defRPr sz="1200"/>
+            </a:lvl1pPr>
+          </a:lstStyle>
+          <a:p>
+            <a:fld id="{3CD0CE7B-105B-664E-9F80-728B06ECFBFE}" type="datetimeFigureOut">
+              <a:rPr lang="nb-NO" smtClean="0"/>
+              <a:t>14.03.2024</a:t>
+            </a:fld>
+            <a:endParaRPr lang="nb-NO"/>
+          </a:p>
+        </p:txBody>
+      </p:sp>
+      <p:sp>
+        <p:nvSpPr>
+          <p:cNvPr id="4" name="Plassholder for lysbilde 3"/>
+          <p:cNvSpPr>
+            <a:spLocks noGrp="1" noRot="1" noChangeAspect="1"/>
+          </p:cNvSpPr>
+          <p:nvPr>
+            <p:ph type="sldImg" idx="2"/>
+          </p:nvPr>
+        </p:nvSpPr>
+        <p:spPr>
+          <a:xfrm>
+            <a:off x="685800" y="1143000"/>
+            <a:ext cx="5486400" cy="3086100"/>
+          </a:xfrm>
+          <a:prstGeom prst="rect">
+            <a:avLst/>
+          </a:prstGeom>
+          <a:noFill/>
+          <a:ln w="12700">
+            <a:solidFill>
+              <a:prstClr val="black"/>
+            </a:solidFill>
+          </a:ln>
+        </p:spPr>
+        <p:txBody>
+          <a:bodyPr vert="horz" lIns="91440" tIns="45720" rIns="91440" bIns="45720" rtlCol="0" anchor="ctr"/>
+          <a:lstStyle/>
+          <a:p>
+            <a:endParaRPr lang="nb-NO"/>
+          </a:p>
+        </p:txBody>
+      </p:sp>
+      <p:sp>
+        <p:nvSpPr>
+          <p:cNvPr id="5" name="Plassholder for notater 4"/>
+          <p:cNvSpPr>
+            <a:spLocks noGrp="1"/>
+          </p:cNvSpPr>
+          <p:nvPr>
+            <p:ph type="body" sz="quarter" idx="3"/>
+          </p:nvPr>
+        </p:nvSpPr>
+        <p:spPr>
+          <a:xfrm>
+            <a:off x="685800" y="4400550"/>
+            <a:ext cx="5486400" cy="3600450"/>
+          </a:xfrm>
+          <a:prstGeom prst="rect">
+            <a:avLst/>
+          </a:prstGeom>
+        </p:spPr>
+        <p:txBody>
+          <a:bodyPr vert="horz" lIns="91440" tIns="45720" rIns="91440" bIns="45720" rtlCol="0"/>
+          <a:lstStyle/>
+          <a:p>
+            <a:pPr lvl="0"/>
+            <a:r>
+              <a:rPr lang="nb-NO"/>
+              <a:t>Klikk for å redigere tekststiler i malen</a:t>
+            </a:r>
+          </a:p>
+          <a:p>
+            <a:pPr lvl="1"/>
+            <a:r>
+              <a:rPr lang="nb-NO"/>
+              <a:t>Andre nivå</a:t>
+            </a:r>
+          </a:p>
+          <a:p>
+            <a:pPr lvl="2"/>
+            <a:r>
+              <a:rPr lang="nb-NO"/>
+              <a:t>Tredje nivå</a:t>
+            </a:r>
+          </a:p>
+          <a:p>
+            <a:pPr lvl="3"/>
+            <a:r>
+              <a:rPr lang="nb-NO"/>
+              <a:t>Fjerde nivå</a:t>
+            </a:r>
+          </a:p>
+          <a:p>
+            <a:pPr lvl="4"/>
+            <a:r>
+              <a:rPr lang="nb-NO"/>
+              <a:t>Femte nivå</a:t>
+            </a:r>
+          </a:p>
+        </p:txBody>
+      </p:sp>
+      <p:sp>
+        <p:nvSpPr>
+          <p:cNvPr id="6" name="Plassholder for bunntekst 5"/>
+          <p:cNvSpPr>
+            <a:spLocks noGrp="1"/>
+          </p:cNvSpPr>
+          <p:nvPr>
+            <p:ph type="ftr" sz="quarter" idx="4"/>
+          </p:nvPr>
+        </p:nvSpPr>
+        <p:spPr>
+          <a:xfrm>
+            <a:off x="0" y="8685213"/>
+            <a:ext cx="2971800" cy="458787"/>
+          </a:xfrm>
+          <a:prstGeom prst="rect">
+            <a:avLst/>
+          </a:prstGeom>
+        </p:spPr>
+        <p:txBody>
+          <a:bodyPr vert="horz" lIns="91440" tIns="45720" rIns="91440" bIns="45720" rtlCol="0" anchor="b"/>
+          <a:lstStyle>
+            <a:lvl1pPr algn="l">
+              <a:defRPr sz="1200"/>
+            </a:lvl1pPr>
+          </a:lstStyle>
+          <a:p>
+            <a:endParaRPr lang="nb-NO"/>
+          </a:p>
+        </p:txBody>
+      </p:sp>
+      <p:sp>
+        <p:nvSpPr>
+          <p:cNvPr id="7" name="Plassholder for lysbildenummer 6"/>
+          <p:cNvSpPr>
+            <a:spLocks noGrp="1"/>
+          </p:cNvSpPr>
+          <p:nvPr>
+            <p:ph type="sldNum" sz="quarter" idx="5"/>
+          </p:nvPr>
+        </p:nvSpPr>
+        <p:spPr>
+          <a:xfrm>
+            <a:off x="3884613" y="8685213"/>
+            <a:ext cx="2971800" cy="458787"/>
+          </a:xfrm>
+          <a:prstGeom prst="rect">
+            <a:avLst/>
+          </a:prstGeom>
+        </p:spPr>
+        <p:txBody>
+          <a:bodyPr vert="horz" lIns="91440" tIns="45720" rIns="91440" bIns="45720" rtlCol="0" anchor="b"/>
+          <a:lstStyle>
+            <a:lvl1pPr algn="r">
+              <a:defRPr sz="1200"/>
+            </a:lvl1pPr>
+          </a:lstStyle>
+          <a:p>
+            <a:fld id="{A8973B08-6CC6-B249-BAB9-BF2D16965BAC}" type="slidenum">
+              <a:rPr lang="nb-NO" smtClean="0"/>
+              <a:t>‹#›</a:t>
+            </a:fld>
+            <a:endParaRPr lang="nb-NO"/>
+          </a:p>
+        </p:txBody>
+      </p:sp>
+    </p:spTree>
+    <p:extLst>
+      <p:ext uri="{BB962C8B-B14F-4D97-AF65-F5344CB8AC3E}">
+        <p14:creationId xmlns:p14="http://schemas.microsoft.com/office/powerpoint/2010/main" val="1486623497"/>
+      </p:ext>
+    </p:extLst>
+  </p:cSld>
+  <p:clrMap bg1="lt1" tx1="dk1" bg2="lt2" tx2="dk2" accent1="accent1" accent2="accent2" accent3="accent3" accent4="accent4" accent5="accent5" accent6="accent6" hlink="hlink" folHlink="folHlink"/>
+  <p:notesStyle>
+    <a:lvl1pPr marL="0" algn="l" defTabSz="914400" rtl="0" eaLnBrk="1" latinLnBrk="0" hangingPunct="1">
+      <a:defRPr sz="1200" kern="1200">
+        <a:solidFill>
+          <a:schemeClr val="tx1"/>
+        </a:solidFill>
+        <a:latin typeface="+mn-lt"/>
+        <a:ea typeface="+mn-ea"/>
+        <a:cs typeface="+mn-cs"/>
+      </a:defRPr>
+    </a:lvl1pPr>
+    <a:lvl2pPr marL="457200" algn="l" defTabSz="914400" rtl="0" eaLnBrk="1" latinLnBrk="0" hangingPunct="1">
+      <a:defRPr sz="1200" kern="1200">
+        <a:solidFill>
+          <a:schemeClr val="tx1"/>
+        </a:solidFill>
+        <a:latin typeface="+mn-lt"/>
+        <a:ea typeface="+mn-ea"/>
+        <a:cs typeface="+mn-cs"/>
+      </a:defRPr>
+    </a:lvl2pPr>
+    <a:lvl3pPr marL="914400" algn="l" defTabSz="914400" rtl="0" eaLnBrk="1" latinLnBrk="0" hangingPunct="1">
+      <a:defRPr sz="1200" kern="1200">
+        <a:solidFill>
+          <a:schemeClr val="tx1"/>
+        </a:solidFill>
+        <a:latin typeface="+mn-lt"/>
+        <a:ea typeface="+mn-ea"/>
+        <a:cs typeface="+mn-cs"/>
+      </a:defRPr>
+    </a:lvl3pPr>
+    <a:lvl4pPr marL="1371600" algn="l" defTabSz="914400" rtl="0" eaLnBrk="1" latinLnBrk="0" hangingPunct="1">
+      <a:defRPr sz="1200" kern="1200">
+        <a:solidFill>
+          <a:schemeClr val="tx1"/>
+        </a:solidFill>
+        <a:latin typeface="+mn-lt"/>
+        <a:ea typeface="+mn-ea"/>
+        <a:cs typeface="+mn-cs"/>
+      </a:defRPr>
+    </a:lvl4pPr>
+    <a:lvl5pPr marL="1828800" algn="l" defTabSz="914400" rtl="0" eaLnBrk="1" latinLnBrk="0" hangingPunct="1">
+      <a:defRPr sz="1200" kern="1200">
+        <a:solidFill>
+          <a:schemeClr val="tx1"/>
+        </a:solidFill>
+        <a:latin typeface="+mn-lt"/>
+        <a:ea typeface="+mn-ea"/>
+        <a:cs typeface="+mn-cs"/>
+      </a:defRPr>
+    </a:lvl5pPr>
+    <a:lvl6pPr marL="2286000" algn="l" defTabSz="914400" rtl="0" eaLnBrk="1" latinLnBrk="0" hangingPunct="1">
+      <a:defRPr sz="1200" kern="1200">
+        <a:solidFill>
+          <a:schemeClr val="tx1"/>
+        </a:solidFill>
+        <a:latin typeface="+mn-lt"/>
+        <a:ea typeface="+mn-ea"/>
+        <a:cs typeface="+mn-cs"/>
+      </a:defRPr>
+    </a:lvl6pPr>
+    <a:lvl7pPr marL="2743200" algn="l" defTabSz="914400" rtl="0" eaLnBrk="1" latinLnBrk="0" hangingPunct="1">
+      <a:defRPr sz="1200" kern="1200">
+        <a:solidFill>
+          <a:schemeClr val="tx1"/>
+        </a:solidFill>
+        <a:latin typeface="+mn-lt"/>
+        <a:ea typeface="+mn-ea"/>
+        <a:cs typeface="+mn-cs"/>
+      </a:defRPr>
+    </a:lvl7pPr>
+    <a:lvl8pPr marL="3200400" algn="l" defTabSz="914400" rtl="0" eaLnBrk="1" latinLnBrk="0" hangingPunct="1">
+      <a:defRPr sz="1200" kern="1200">
+        <a:solidFill>
+          <a:schemeClr val="tx1"/>
+        </a:solidFill>
+        <a:latin typeface="+mn-lt"/>
+        <a:ea typeface="+mn-ea"/>
+        <a:cs typeface="+mn-cs"/>
+      </a:defRPr>
+    </a:lvl8pPr>
+    <a:lvl9pPr marL="3657600" algn="l" defTabSz="914400" rtl="0" eaLnBrk="1" latinLnBrk="0" hangingPunct="1">
+      <a:defRPr sz="1200" kern="1200">
+        <a:solidFill>
+          <a:schemeClr val="tx1"/>
+        </a:solidFill>
+        <a:latin typeface="+mn-lt"/>
+        <a:ea typeface="+mn-ea"/>
+        <a:cs typeface="+mn-cs"/>
+      </a:defRPr>
+    </a:lvl9pPr>
+  </p:notesStyle>
+</p:notesMaster>
+</file>
+
+<file path=ppt/slideLayouts/slideLayout1.xml><?xml version="1.0" encoding="utf-8"?>
+<p:sldLayout xmlns:a="http://schemas.openxmlformats.org/drawingml/2006/main" xmlns:r="http://schemas.openxmlformats.org/officeDocument/2006/relationships" xmlns:p="http://schemas.openxmlformats.org/presentationml/2006/main" type="title" preserve="1">
+  <p:cSld name="Title Slide">
+    <p:spTree>
+      <p:nvGrpSpPr>
+        <p:cNvPr id="1" name=""/>
+        <p:cNvGrpSpPr/>
+        <p:nvPr/>
+      </p:nvGrpSpPr>
+      <p:grpSpPr>
+        <a:xfrm>
+          <a:off x="0" y="0"/>
+          <a:ext cx="0" cy="0"/>
+          <a:chOff x="0" y="0"/>
+          <a:chExt cx="0" cy="0"/>
+        </a:xfrm>
+      </p:grpSpPr>
+      <p:sp>
+        <p:nvSpPr>
+          <p:cNvPr id="2" name="Title 1">
+            <a:extLst>
+              <a:ext uri="{FF2B5EF4-FFF2-40B4-BE49-F238E27FC236}">
+                <a16:creationId xmlns:a16="http://schemas.microsoft.com/office/drawing/2014/main" id="{1C3784DA-E3E0-4099-8BC4-1813584CD794}"/>
+              </a:ext>
+            </a:extLst>
+          </p:cNvPr>
+          <p:cNvSpPr>
+            <a:spLocks noGrp="1"/>
+          </p:cNvSpPr>
+          <p:nvPr>
+            <p:ph type="ctrTitle"/>
+          </p:nvPr>
+        </p:nvSpPr>
+        <p:spPr>
+          <a:xfrm>
+            <a:off x="1246415" y="800100"/>
+            <a:ext cx="8447314" cy="3314694"/>
           </a:xfrm>
         </p:spPr>
         <p:txBody>
-          <a:bodyPr anchor="b"/>
+          <a:bodyPr anchor="b">
+            <a:normAutofit/>
+          </a:bodyPr>
           <a:lstStyle>
-            <a:lvl1pPr algn="ctr">
-              <a:defRPr sz="6000"/>
+            <a:lvl1pPr algn="l">
+              <a:defRPr sz="4800"/>
             </a:lvl1pPr>
           </a:lstStyle>
           <a:p>
             <a:r>
-              <a:rPr lang="nb-NO"/>
-              <a:t>Klikk for å redigere tittelstil</a:t>
-            </a:r>
-          </a:p>
-        </p:txBody>
-      </p:sp>
-      <p:sp>
-        <p:nvSpPr>
-          <p:cNvPr id="3" name="Undertittel 2">
-            <a:extLst>
-              <a:ext uri="{FF2B5EF4-FFF2-40B4-BE49-F238E27FC236}">
-                <a16:creationId xmlns:a16="http://schemas.microsoft.com/office/drawing/2014/main" id="{8BC4AD60-4CF5-A6AA-C8BE-5CD6A71C082D}"/>
+              <a:rPr lang="en-US"/>
+              <a:t>Click to edit Master title style</a:t>
+            </a:r>
+            <a:endParaRPr lang="en-US" dirty="0"/>
+          </a:p>
+        </p:txBody>
+      </p:sp>
+      <p:sp>
+        <p:nvSpPr>
+          <p:cNvPr id="3" name="Subtitle 2">
+            <a:extLst>
+              <a:ext uri="{FF2B5EF4-FFF2-40B4-BE49-F238E27FC236}">
+                <a16:creationId xmlns:a16="http://schemas.microsoft.com/office/drawing/2014/main" id="{8E1BD63B-9405-4E42-9E2F-07573F9B15A9}"/>
               </a:ext>
             </a:extLst>
           </p:cNvPr>
@@ -179,16 +553,21 @@
         </p:nvSpPr>
         <p:spPr>
           <a:xfrm>
-            <a:off x="1524000" y="3602038"/>
-            <a:ext cx="9144000" cy="1655762"/>
+            <a:off x="1246415" y="4909459"/>
+            <a:ext cx="8292874" cy="914395"/>
           </a:xfrm>
         </p:spPr>
         <p:txBody>
-          <a:bodyPr/>
+          <a:bodyPr anchor="ctr">
+            <a:normAutofit/>
+          </a:bodyPr>
           <a:lstStyle>
-            <a:lvl1pPr marL="0" indent="0" algn="ctr">
+            <a:lvl1pPr marL="0" indent="0" algn="l">
+              <a:lnSpc>
+                <a:spcPct val="100000"/>
+              </a:lnSpc>
               <a:buNone/>
-              <a:defRPr sz="2400"/>
+              <a:defRPr sz="2000"/>
             </a:lvl1pPr>
             <a:lvl2pPr marL="457200" indent="0" algn="ctr">
               <a:buNone/>
@@ -225,18 +604,19 @@
           </a:lstStyle>
           <a:p>
             <a:r>
-              <a:rPr lang="nb-NO"/>
-              <a:t>Klikk for å redigere undertittelstil i malen</a:t>
-            </a:r>
-          </a:p>
-        </p:txBody>
-      </p:sp>
-      <p:sp>
-        <p:nvSpPr>
-          <p:cNvPr id="4" name="Plassholder for dato 3">
-            <a:extLst>
-              <a:ext uri="{FF2B5EF4-FFF2-40B4-BE49-F238E27FC236}">
-                <a16:creationId xmlns:a16="http://schemas.microsoft.com/office/drawing/2014/main" id="{BBD8440C-FA8E-B29A-98BB-01E133D5549F}"/>
+              <a:rPr lang="en-US"/>
+              <a:t>Click to edit Master subtitle style</a:t>
+            </a:r>
+            <a:endParaRPr lang="en-US" dirty="0"/>
+          </a:p>
+        </p:txBody>
+      </p:sp>
+      <p:sp>
+        <p:nvSpPr>
+          <p:cNvPr id="4" name="Date Placeholder 3">
+            <a:extLst>
+              <a:ext uri="{FF2B5EF4-FFF2-40B4-BE49-F238E27FC236}">
+                <a16:creationId xmlns:a16="http://schemas.microsoft.com/office/drawing/2014/main" id="{7568D03A-9A11-476C-B52A-593F3C019230}"/>
               </a:ext>
             </a:extLst>
           </p:cNvPr>
@@ -252,20 +632,20 @@
           <a:bodyPr/>
           <a:lstStyle/>
           <a:p>
-            <a:fld id="{89FAC23A-ED61-E045-A2B4-E818AB6F07ED}" type="datetimeFigureOut">
-              <a:rPr lang="nb-NO" smtClean="0"/>
-              <a:t>20.02.2024</a:t>
+            <a:fld id="{098A0168-EB40-45AF-89A1-87DE0A55FFC6}" type="datetime1">
+              <a:rPr lang="en-US" smtClean="0"/>
+              <a:t>3/14/24</a:t>
             </a:fld>
-            <a:endParaRPr lang="nb-NO"/>
-          </a:p>
-        </p:txBody>
-      </p:sp>
-      <p:sp>
-        <p:nvSpPr>
-          <p:cNvPr id="5" name="Plassholder for bunntekst 4">
-            <a:extLst>
-              <a:ext uri="{FF2B5EF4-FFF2-40B4-BE49-F238E27FC236}">
-                <a16:creationId xmlns:a16="http://schemas.microsoft.com/office/drawing/2014/main" id="{6F357365-A6E7-9580-3009-6358EC7B4452}"/>
+            <a:endParaRPr lang="en-US"/>
+          </a:p>
+        </p:txBody>
+      </p:sp>
+      <p:sp>
+        <p:nvSpPr>
+          <p:cNvPr id="5" name="Footer Placeholder 4">
+            <a:extLst>
+              <a:ext uri="{FF2B5EF4-FFF2-40B4-BE49-F238E27FC236}">
+                <a16:creationId xmlns:a16="http://schemas.microsoft.com/office/drawing/2014/main" id="{DA950CD1-7906-4885-9A4D-B764220DD973}"/>
               </a:ext>
             </a:extLst>
           </p:cNvPr>
@@ -281,16 +661,16 @@
           <a:bodyPr/>
           <a:lstStyle/>
           <a:p>
-            <a:endParaRPr lang="nb-NO"/>
-          </a:p>
-        </p:txBody>
-      </p:sp>
-      <p:sp>
-        <p:nvSpPr>
-          <p:cNvPr id="6" name="Plassholder for lysbildenummer 5">
-            <a:extLst>
-              <a:ext uri="{FF2B5EF4-FFF2-40B4-BE49-F238E27FC236}">
-                <a16:creationId xmlns:a16="http://schemas.microsoft.com/office/drawing/2014/main" id="{FB440A38-4F0A-8D67-B23A-945CE440E44E}"/>
+            <a:endParaRPr lang="en-US"/>
+          </a:p>
+        </p:txBody>
+      </p:sp>
+      <p:sp>
+        <p:nvSpPr>
+          <p:cNvPr id="6" name="Slide Number Placeholder 5">
+            <a:extLst>
+              <a:ext uri="{FF2B5EF4-FFF2-40B4-BE49-F238E27FC236}">
+                <a16:creationId xmlns:a16="http://schemas.microsoft.com/office/drawing/2014/main" id="{A5DECA96-1AD5-41FE-AB5C-68ABD652299C}"/>
               </a:ext>
             </a:extLst>
           </p:cNvPr>
@@ -306,18 +686,61 @@
           <a:bodyPr/>
           <a:lstStyle/>
           <a:p>
-            <a:fld id="{22EF6CA4-7148-2745-B404-BB9E7F3B7ED5}" type="slidenum">
-              <a:rPr lang="nb-NO" smtClean="0"/>
+            <a:fld id="{81D2C36F-4504-47C0-B82F-A167342A2754}" type="slidenum">
+              <a:rPr lang="en-US" smtClean="0"/>
               <a:t>‹#›</a:t>
             </a:fld>
-            <a:endParaRPr lang="nb-NO"/>
-          </a:p>
-        </p:txBody>
-      </p:sp>
+            <a:endParaRPr lang="en-US"/>
+          </a:p>
+        </p:txBody>
+      </p:sp>
+      <p:cxnSp>
+        <p:nvCxnSpPr>
+          <p:cNvPr id="7" name="Straight Connector 6">
+            <a:extLst>
+              <a:ext uri="{FF2B5EF4-FFF2-40B4-BE49-F238E27FC236}">
+                <a16:creationId xmlns:a16="http://schemas.microsoft.com/office/drawing/2014/main" id="{0A09E39A-DA3F-4BDC-A89A-6545C1DD3721}"/>
+              </a:ext>
+            </a:extLst>
+          </p:cNvPr>
+          <p:cNvCxnSpPr>
+            <a:cxnSpLocks/>
+          </p:cNvCxnSpPr>
+          <p:nvPr/>
+        </p:nvCxnSpPr>
+        <p:spPr>
+          <a:xfrm>
+            <a:off x="360154" y="4602664"/>
+            <a:ext cx="10375638" cy="0"/>
+          </a:xfrm>
+          <a:prstGeom prst="line">
+            <a:avLst/>
+          </a:prstGeom>
+          <a:ln w="12700">
+            <a:solidFill>
+              <a:schemeClr val="accent1"/>
+            </a:solidFill>
+          </a:ln>
+        </p:spPr>
+        <p:style>
+          <a:lnRef idx="1">
+            <a:schemeClr val="accent1"/>
+          </a:lnRef>
+          <a:fillRef idx="0">
+            <a:schemeClr val="accent1"/>
+          </a:fillRef>
+          <a:effectRef idx="0">
+            <a:schemeClr val="accent1"/>
+          </a:effectRef>
+          <a:fontRef idx="minor">
+            <a:schemeClr val="tx1"/>
+          </a:fontRef>
+        </p:style>
+      </p:cxnSp>
     </p:spTree>
     <p:extLst>
       <p:ext uri="{BB962C8B-B14F-4D97-AF65-F5344CB8AC3E}">
-        <p14:creationId xmlns:p14="http://schemas.microsoft.com/office/powerpoint/2010/main" val="3861978030"/>
+        <p14:creationId xmlns:p14="http://schemas.microsoft.com/office/powerpoint/2010/main" val="3443593655"/>
       </p:ext>
     </p:extLst>
   </p:cSld>
@@ -329,7 +752,7 @@
 
 <file path=ppt/slideLayouts/slideLayout10.xml><?xml version="1.0" encoding="utf-8"?>
 <p:sldLayout xmlns:a="http://schemas.openxmlformats.org/drawingml/2006/main" xmlns:r="http://schemas.openxmlformats.org/officeDocument/2006/relationships" xmlns:p="http://schemas.openxmlformats.org/presentationml/2006/main" type="vertTx" preserve="1">
-  <p:cSld name="Loddrett tekst">
+  <p:cSld name="Title and Vertical Text">
     <p:spTree>
       <p:nvGrpSpPr>
         <p:cNvPr id="1" name=""/>
@@ -346,10 +769,10 @@
       </p:grpSpPr>
       <p:sp>
         <p:nvSpPr>
-          <p:cNvPr id="2" name="Tittel 1">
-            <a:extLst>
-              <a:ext uri="{FF2B5EF4-FFF2-40B4-BE49-F238E27FC236}">
-                <a16:creationId xmlns:a16="http://schemas.microsoft.com/office/drawing/2014/main" id="{CD7CAD4E-A83E-316A-66A9-748CDDF09983}"/>
+          <p:cNvPr id="2" name="Title 1">
+            <a:extLst>
+              <a:ext uri="{FF2B5EF4-FFF2-40B4-BE49-F238E27FC236}">
+                <a16:creationId xmlns:a16="http://schemas.microsoft.com/office/drawing/2014/main" id="{ABBB4882-AC48-4F1E-837D-E154BEEDC958}"/>
               </a:ext>
             </a:extLst>
           </p:cNvPr>
@@ -360,24 +783,29 @@
             <p:ph type="title"/>
           </p:nvPr>
         </p:nvSpPr>
-        <p:spPr/>
-        <p:txBody>
-          <a:bodyPr/>
-          <a:lstStyle/>
-          <a:p>
-            <a:r>
-              <a:rPr lang="nb-NO"/>
-              <a:t>Klikk for å redigere tittelstil</a:t>
-            </a:r>
-          </a:p>
-        </p:txBody>
-      </p:sp>
-      <p:sp>
-        <p:nvSpPr>
-          <p:cNvPr id="3" name="Plassholder for loddrett tekst 2">
-            <a:extLst>
-              <a:ext uri="{FF2B5EF4-FFF2-40B4-BE49-F238E27FC236}">
-                <a16:creationId xmlns:a16="http://schemas.microsoft.com/office/drawing/2014/main" id="{CFC19122-2AF6-4BE0-EB82-263973B10D8D}"/>
+        <p:spPr>
+          <a:xfrm>
+            <a:off x="838200" y="525439"/>
+            <a:ext cx="9613106" cy="1282889"/>
+          </a:xfrm>
+        </p:spPr>
+        <p:txBody>
+          <a:bodyPr/>
+          <a:lstStyle/>
+          <a:p>
+            <a:r>
+              <a:rPr lang="en-US"/>
+              <a:t>Click to edit Master title style</a:t>
+            </a:r>
+          </a:p>
+        </p:txBody>
+      </p:sp>
+      <p:sp>
+        <p:nvSpPr>
+          <p:cNvPr id="3" name="Vertical Text Placeholder 2">
+            <a:extLst>
+              <a:ext uri="{FF2B5EF4-FFF2-40B4-BE49-F238E27FC236}">
+                <a16:creationId xmlns:a16="http://schemas.microsoft.com/office/drawing/2014/main" id="{EEFD34B7-C335-425E-BF89-DB1A0C235373}"/>
               </a:ext>
             </a:extLst>
           </p:cNvPr>
@@ -388,53 +816,58 @@
             <p:ph type="body" orient="vert" idx="1"/>
           </p:nvPr>
         </p:nvSpPr>
-        <p:spPr/>
+        <p:spPr>
+          <a:xfrm>
+            <a:off x="838200" y="1914525"/>
+            <a:ext cx="9613106" cy="3883675"/>
+          </a:xfrm>
+        </p:spPr>
         <p:txBody>
           <a:bodyPr vert="eaVert"/>
           <a:lstStyle/>
           <a:p>
             <a:pPr lvl="0"/>
             <a:r>
-              <a:rPr lang="nb-NO"/>
-              <a:t>Klikk for å redigere tekststiler i malen</a:t>
+              <a:rPr lang="en-US"/>
+              <a:t>Click to edit Master text styles</a:t>
             </a:r>
           </a:p>
           <a:p>
             <a:pPr lvl="1"/>
             <a:r>
-              <a:rPr lang="nb-NO"/>
-              <a:t>Andre nivå</a:t>
+              <a:rPr lang="en-US"/>
+              <a:t>Second level</a:t>
             </a:r>
           </a:p>
           <a:p>
             <a:pPr lvl="2"/>
             <a:r>
-              <a:rPr lang="nb-NO"/>
-              <a:t>Tredje nivå</a:t>
+              <a:rPr lang="en-US"/>
+              <a:t>Third level</a:t>
             </a:r>
           </a:p>
           <a:p>
             <a:pPr lvl="3"/>
             <a:r>
-              <a:rPr lang="nb-NO"/>
-              <a:t>Fjerde nivå</a:t>
+              <a:rPr lang="en-US"/>
+              <a:t>Fourth level</a:t>
             </a:r>
           </a:p>
           <a:p>
             <a:pPr lvl="4"/>
             <a:r>
-              <a:rPr lang="nb-NO"/>
-              <a:t>Femte nivå</a:t>
-            </a:r>
-          </a:p>
-        </p:txBody>
-      </p:sp>
-      <p:sp>
-        <p:nvSpPr>
-          <p:cNvPr id="4" name="Plassholder for dato 3">
-            <a:extLst>
-              <a:ext uri="{FF2B5EF4-FFF2-40B4-BE49-F238E27FC236}">
-                <a16:creationId xmlns:a16="http://schemas.microsoft.com/office/drawing/2014/main" id="{BC268615-4017-4A85-F383-D9E4485CB483}"/>
+              <a:rPr lang="en-US"/>
+              <a:t>Fifth level</a:t>
+            </a:r>
+          </a:p>
+        </p:txBody>
+      </p:sp>
+      <p:sp>
+        <p:nvSpPr>
+          <p:cNvPr id="4" name="Date Placeholder 3">
+            <a:extLst>
+              <a:ext uri="{FF2B5EF4-FFF2-40B4-BE49-F238E27FC236}">
+                <a16:creationId xmlns:a16="http://schemas.microsoft.com/office/drawing/2014/main" id="{6DD63754-C885-4DC6-962D-C861267B64D4}"/>
               </a:ext>
             </a:extLst>
           </p:cNvPr>
@@ -450,20 +883,20 @@
           <a:bodyPr/>
           <a:lstStyle/>
           <a:p>
-            <a:fld id="{89FAC23A-ED61-E045-A2B4-E818AB6F07ED}" type="datetimeFigureOut">
-              <a:rPr lang="nb-NO" smtClean="0"/>
-              <a:t>20.02.2024</a:t>
+            <a:fld id="{8F8CA68F-747D-436A-B5BB-2EBC3ED499E4}" type="datetime1">
+              <a:rPr lang="en-US" smtClean="0"/>
+              <a:t>3/14/24</a:t>
             </a:fld>
-            <a:endParaRPr lang="nb-NO"/>
-          </a:p>
-        </p:txBody>
-      </p:sp>
-      <p:sp>
-        <p:nvSpPr>
-          <p:cNvPr id="5" name="Plassholder for bunntekst 4">
-            <a:extLst>
-              <a:ext uri="{FF2B5EF4-FFF2-40B4-BE49-F238E27FC236}">
-                <a16:creationId xmlns:a16="http://schemas.microsoft.com/office/drawing/2014/main" id="{61E1FE83-45FE-216B-4ECD-17F99A07D541}"/>
+            <a:endParaRPr lang="en-US"/>
+          </a:p>
+        </p:txBody>
+      </p:sp>
+      <p:sp>
+        <p:nvSpPr>
+          <p:cNvPr id="5" name="Footer Placeholder 4">
+            <a:extLst>
+              <a:ext uri="{FF2B5EF4-FFF2-40B4-BE49-F238E27FC236}">
+                <a16:creationId xmlns:a16="http://schemas.microsoft.com/office/drawing/2014/main" id="{B6EC9693-03CD-4EBD-A3D7-BE310CD5FDC4}"/>
               </a:ext>
             </a:extLst>
           </p:cNvPr>
@@ -479,16 +912,16 @@
           <a:bodyPr/>
           <a:lstStyle/>
           <a:p>
-            <a:endParaRPr lang="nb-NO"/>
-          </a:p>
-        </p:txBody>
-      </p:sp>
-      <p:sp>
-        <p:nvSpPr>
-          <p:cNvPr id="6" name="Plassholder for lysbildenummer 5">
-            <a:extLst>
-              <a:ext uri="{FF2B5EF4-FFF2-40B4-BE49-F238E27FC236}">
-                <a16:creationId xmlns:a16="http://schemas.microsoft.com/office/drawing/2014/main" id="{2CE1A190-A6BD-F0BE-6460-47F8087CFE49}"/>
+            <a:endParaRPr lang="en-US"/>
+          </a:p>
+        </p:txBody>
+      </p:sp>
+      <p:sp>
+        <p:nvSpPr>
+          <p:cNvPr id="6" name="Slide Number Placeholder 5">
+            <a:extLst>
+              <a:ext uri="{FF2B5EF4-FFF2-40B4-BE49-F238E27FC236}">
+                <a16:creationId xmlns:a16="http://schemas.microsoft.com/office/drawing/2014/main" id="{A2CBBD01-5E50-4FF1-A1D6-B24B7B75E857}"/>
               </a:ext>
             </a:extLst>
           </p:cNvPr>
@@ -504,18 +937,18 @@
           <a:bodyPr/>
           <a:lstStyle/>
           <a:p>
-            <a:fld id="{22EF6CA4-7148-2745-B404-BB9E7F3B7ED5}" type="slidenum">
-              <a:rPr lang="nb-NO" smtClean="0"/>
+            <a:fld id="{81D2C36F-4504-47C0-B82F-A167342A2754}" type="slidenum">
+              <a:rPr lang="en-US" smtClean="0"/>
               <a:t>‹#›</a:t>
             </a:fld>
-            <a:endParaRPr lang="nb-NO"/>
+            <a:endParaRPr lang="en-US"/>
           </a:p>
         </p:txBody>
       </p:sp>
     </p:spTree>
     <p:extLst>
       <p:ext uri="{BB962C8B-B14F-4D97-AF65-F5344CB8AC3E}">
-        <p14:creationId xmlns:p14="http://schemas.microsoft.com/office/powerpoint/2010/main" val="2729728955"/>
+        <p14:creationId xmlns:p14="http://schemas.microsoft.com/office/powerpoint/2010/main" val="715908641"/>
       </p:ext>
     </p:extLst>
   </p:cSld>
@@ -527,7 +960,7 @@
 
 <file path=ppt/slideLayouts/slideLayout11.xml><?xml version="1.0" encoding="utf-8"?>
 <p:sldLayout xmlns:a="http://schemas.openxmlformats.org/drawingml/2006/main" xmlns:r="http://schemas.openxmlformats.org/officeDocument/2006/relationships" xmlns:p="http://schemas.openxmlformats.org/presentationml/2006/main" type="vertTitleAndTx" preserve="1">
-  <p:cSld name="Loddrett tittel og tekst">
+  <p:cSld name="Vertical Title and Text">
     <p:spTree>
       <p:nvGrpSpPr>
         <p:cNvPr id="1" name=""/>
@@ -544,10 +977,10 @@
       </p:grpSpPr>
       <p:sp>
         <p:nvSpPr>
-          <p:cNvPr id="2" name="Loddrett tittel 1">
-            <a:extLst>
-              <a:ext uri="{FF2B5EF4-FFF2-40B4-BE49-F238E27FC236}">
-                <a16:creationId xmlns:a16="http://schemas.microsoft.com/office/drawing/2014/main" id="{A9F0EF12-7D12-FD22-5B02-34759E8CAD54}"/>
+          <p:cNvPr id="2" name="Vertical Title 1">
+            <a:extLst>
+              <a:ext uri="{FF2B5EF4-FFF2-40B4-BE49-F238E27FC236}">
+                <a16:creationId xmlns:a16="http://schemas.microsoft.com/office/drawing/2014/main" id="{9CEA1D39-AB23-4CEE-BBAA-55B29415D413}"/>
               </a:ext>
             </a:extLst>
           </p:cNvPr>
@@ -560,8 +993,8 @@
         </p:nvSpPr>
         <p:spPr>
           <a:xfrm>
-            <a:off x="8724900" y="365125"/>
-            <a:ext cx="2628900" cy="5811838"/>
+            <a:off x="8724900" y="578644"/>
+            <a:ext cx="1912144" cy="5272088"/>
           </a:xfrm>
         </p:spPr>
         <p:txBody>
@@ -569,18 +1002,19 @@
           <a:lstStyle/>
           <a:p>
             <a:r>
-              <a:rPr lang="nb-NO"/>
-              <a:t>Klikk for å redigere tittelstil</a:t>
-            </a:r>
-          </a:p>
-        </p:txBody>
-      </p:sp>
-      <p:sp>
-        <p:nvSpPr>
-          <p:cNvPr id="3" name="Plassholder for loddrett tekst 2">
-            <a:extLst>
-              <a:ext uri="{FF2B5EF4-FFF2-40B4-BE49-F238E27FC236}">
-                <a16:creationId xmlns:a16="http://schemas.microsoft.com/office/drawing/2014/main" id="{9990F1B0-3523-EA76-6C28-234588546B83}"/>
+              <a:rPr lang="en-US"/>
+              <a:t>Click to edit Master title style</a:t>
+            </a:r>
+            <a:endParaRPr lang="en-US" dirty="0"/>
+          </a:p>
+        </p:txBody>
+      </p:sp>
+      <p:sp>
+        <p:nvSpPr>
+          <p:cNvPr id="3" name="Vertical Text Placeholder 2">
+            <a:extLst>
+              <a:ext uri="{FF2B5EF4-FFF2-40B4-BE49-F238E27FC236}">
+                <a16:creationId xmlns:a16="http://schemas.microsoft.com/office/drawing/2014/main" id="{BCC20688-FA9B-4ABD-9E9E-C7EADE949A9D}"/>
               </a:ext>
             </a:extLst>
           </p:cNvPr>
@@ -593,8 +1027,8 @@
         </p:nvSpPr>
         <p:spPr>
           <a:xfrm>
-            <a:off x="838200" y="365125"/>
-            <a:ext cx="7734300" cy="5811838"/>
+            <a:off x="628652" y="578643"/>
+            <a:ext cx="7943848" cy="5272088"/>
           </a:xfrm>
         </p:spPr>
         <p:txBody>
@@ -603,46 +1037,47 @@
           <a:p>
             <a:pPr lvl="0"/>
             <a:r>
-              <a:rPr lang="nb-NO"/>
-              <a:t>Klikk for å redigere tekststiler i malen</a:t>
+              <a:rPr lang="en-US"/>
+              <a:t>Click to edit Master text styles</a:t>
             </a:r>
           </a:p>
           <a:p>
             <a:pPr lvl="1"/>
             <a:r>
-              <a:rPr lang="nb-NO"/>
-              <a:t>Andre nivå</a:t>
+              <a:rPr lang="en-US"/>
+              <a:t>Second level</a:t>
             </a:r>
           </a:p>
           <a:p>
             <a:pPr lvl="2"/>
             <a:r>
-              <a:rPr lang="nb-NO"/>
-              <a:t>Tredje nivå</a:t>
+              <a:rPr lang="en-US"/>
+              <a:t>Third level</a:t>
             </a:r>
           </a:p>
           <a:p>
             <a:pPr lvl="3"/>
             <a:r>
-              <a:rPr lang="nb-NO"/>
-              <a:t>Fjerde nivå</a:t>
+              <a:rPr lang="en-US"/>
+              <a:t>Fourth level</a:t>
             </a:r>
           </a:p>
           <a:p>
             <a:pPr lvl="4"/>
             <a:r>
-              <a:rPr lang="nb-NO"/>
-              <a:t>Femte nivå</a:t>
-            </a:r>
-          </a:p>
-        </p:txBody>
-      </p:sp>
-      <p:sp>
-        <p:nvSpPr>
-          <p:cNvPr id="4" name="Plassholder for dato 3">
-            <a:extLst>
-              <a:ext uri="{FF2B5EF4-FFF2-40B4-BE49-F238E27FC236}">
-                <a16:creationId xmlns:a16="http://schemas.microsoft.com/office/drawing/2014/main" id="{F2AC8712-B28B-5B5D-EC20-8C48E84CB358}"/>
+              <a:rPr lang="en-US"/>
+              <a:t>Fifth level</a:t>
+            </a:r>
+            <a:endParaRPr lang="en-US" dirty="0"/>
+          </a:p>
+        </p:txBody>
+      </p:sp>
+      <p:sp>
+        <p:nvSpPr>
+          <p:cNvPr id="4" name="Date Placeholder 3">
+            <a:extLst>
+              <a:ext uri="{FF2B5EF4-FFF2-40B4-BE49-F238E27FC236}">
+                <a16:creationId xmlns:a16="http://schemas.microsoft.com/office/drawing/2014/main" id="{616B1A6B-AE19-4BD4-AE49-43E78CC0B058}"/>
               </a:ext>
             </a:extLst>
           </p:cNvPr>
@@ -658,20 +1093,20 @@
           <a:bodyPr/>
           <a:lstStyle/>
           <a:p>
-            <a:fld id="{89FAC23A-ED61-E045-A2B4-E818AB6F07ED}" type="datetimeFigureOut">
-              <a:rPr lang="nb-NO" smtClean="0"/>
-              <a:t>20.02.2024</a:t>
+            <a:fld id="{6DD8DC11-9E39-40A0-B3DC-E3F2AD04A616}" type="datetime1">
+              <a:rPr lang="en-US" smtClean="0"/>
+              <a:t>3/14/24</a:t>
             </a:fld>
-            <a:endParaRPr lang="nb-NO"/>
-          </a:p>
-        </p:txBody>
-      </p:sp>
-      <p:sp>
-        <p:nvSpPr>
-          <p:cNvPr id="5" name="Plassholder for bunntekst 4">
-            <a:extLst>
-              <a:ext uri="{FF2B5EF4-FFF2-40B4-BE49-F238E27FC236}">
-                <a16:creationId xmlns:a16="http://schemas.microsoft.com/office/drawing/2014/main" id="{00B54674-4221-19AB-7850-9E1D6D879848}"/>
+            <a:endParaRPr lang="en-US"/>
+          </a:p>
+        </p:txBody>
+      </p:sp>
+      <p:sp>
+        <p:nvSpPr>
+          <p:cNvPr id="5" name="Footer Placeholder 4">
+            <a:extLst>
+              <a:ext uri="{FF2B5EF4-FFF2-40B4-BE49-F238E27FC236}">
+                <a16:creationId xmlns:a16="http://schemas.microsoft.com/office/drawing/2014/main" id="{F6862144-27EE-4CE0-B167-F5DBA41B38C1}"/>
               </a:ext>
             </a:extLst>
           </p:cNvPr>
@@ -687,16 +1122,16 @@
           <a:bodyPr/>
           <a:lstStyle/>
           <a:p>
-            <a:endParaRPr lang="nb-NO"/>
-          </a:p>
-        </p:txBody>
-      </p:sp>
-      <p:sp>
-        <p:nvSpPr>
-          <p:cNvPr id="6" name="Plassholder for lysbildenummer 5">
-            <a:extLst>
-              <a:ext uri="{FF2B5EF4-FFF2-40B4-BE49-F238E27FC236}">
-                <a16:creationId xmlns:a16="http://schemas.microsoft.com/office/drawing/2014/main" id="{B24604C8-DF76-690A-C443-90B7B5D6998E}"/>
+            <a:endParaRPr lang="en-US"/>
+          </a:p>
+        </p:txBody>
+      </p:sp>
+      <p:sp>
+        <p:nvSpPr>
+          <p:cNvPr id="6" name="Slide Number Placeholder 5">
+            <a:extLst>
+              <a:ext uri="{FF2B5EF4-FFF2-40B4-BE49-F238E27FC236}">
+                <a16:creationId xmlns:a16="http://schemas.microsoft.com/office/drawing/2014/main" id="{F88A40B2-EFB0-47EA-878B-6405E1DC189B}"/>
               </a:ext>
             </a:extLst>
           </p:cNvPr>
@@ -712,18 +1147,18 @@
           <a:bodyPr/>
           <a:lstStyle/>
           <a:p>
-            <a:fld id="{22EF6CA4-7148-2745-B404-BB9E7F3B7ED5}" type="slidenum">
-              <a:rPr lang="nb-NO" smtClean="0"/>
+            <a:fld id="{81D2C36F-4504-47C0-B82F-A167342A2754}" type="slidenum">
+              <a:rPr lang="en-US" smtClean="0"/>
               <a:t>‹#›</a:t>
             </a:fld>
-            <a:endParaRPr lang="nb-NO"/>
+            <a:endParaRPr lang="en-US"/>
           </a:p>
         </p:txBody>
       </p:sp>
     </p:spTree>
     <p:extLst>
       <p:ext uri="{BB962C8B-B14F-4D97-AF65-F5344CB8AC3E}">
-        <p14:creationId xmlns:p14="http://schemas.microsoft.com/office/powerpoint/2010/main" val="1078981347"/>
+        <p14:creationId xmlns:p14="http://schemas.microsoft.com/office/powerpoint/2010/main" val="1610086918"/>
       </p:ext>
     </p:extLst>
   </p:cSld>
@@ -735,7 +1170,7 @@
 
 <file path=ppt/slideLayouts/slideLayout2.xml><?xml version="1.0" encoding="utf-8"?>
 <p:sldLayout xmlns:a="http://schemas.openxmlformats.org/drawingml/2006/main" xmlns:r="http://schemas.openxmlformats.org/officeDocument/2006/relationships" xmlns:p="http://schemas.openxmlformats.org/presentationml/2006/main" type="obj" preserve="1">
-  <p:cSld name="Tittel og innhold">
+  <p:cSld name="Title and Content">
     <p:spTree>
       <p:nvGrpSpPr>
         <p:cNvPr id="1" name=""/>
@@ -752,10 +1187,10 @@
       </p:grpSpPr>
       <p:sp>
         <p:nvSpPr>
-          <p:cNvPr id="2" name="Tittel 1">
-            <a:extLst>
-              <a:ext uri="{FF2B5EF4-FFF2-40B4-BE49-F238E27FC236}">
-                <a16:creationId xmlns:a16="http://schemas.microsoft.com/office/drawing/2014/main" id="{E0D7B413-359F-2312-C9FC-59E63BFE772E}"/>
+          <p:cNvPr id="2" name="Title 1">
+            <a:extLst>
+              <a:ext uri="{FF2B5EF4-FFF2-40B4-BE49-F238E27FC236}">
+                <a16:creationId xmlns:a16="http://schemas.microsoft.com/office/drawing/2014/main" id="{39F2BEE8-2E4A-4A4A-833E-89D8D794E5BB}"/>
               </a:ext>
             </a:extLst>
           </p:cNvPr>
@@ -766,24 +1201,30 @@
             <p:ph type="title"/>
           </p:nvPr>
         </p:nvSpPr>
-        <p:spPr/>
-        <p:txBody>
-          <a:bodyPr/>
-          <a:lstStyle/>
-          <a:p>
-            <a:r>
-              <a:rPr lang="nb-NO"/>
-              <a:t>Klikk for å redigere tittelstil</a:t>
-            </a:r>
-          </a:p>
-        </p:txBody>
-      </p:sp>
-      <p:sp>
-        <p:nvSpPr>
-          <p:cNvPr id="3" name="Plassholder for innhold 2">
-            <a:extLst>
-              <a:ext uri="{FF2B5EF4-FFF2-40B4-BE49-F238E27FC236}">
-                <a16:creationId xmlns:a16="http://schemas.microsoft.com/office/drawing/2014/main" id="{10D27A4F-EDB8-9678-2F8D-3F9927C28F71}"/>
+        <p:spPr>
+          <a:xfrm>
+            <a:off x="838199" y="545914"/>
+            <a:ext cx="9527275" cy="1241944"/>
+          </a:xfrm>
+        </p:spPr>
+        <p:txBody>
+          <a:bodyPr anchor="ctr"/>
+          <a:lstStyle/>
+          <a:p>
+            <a:r>
+              <a:rPr lang="en-US"/>
+              <a:t>Click to edit Master title style</a:t>
+            </a:r>
+            <a:endParaRPr lang="en-US" dirty="0"/>
+          </a:p>
+        </p:txBody>
+      </p:sp>
+      <p:sp>
+        <p:nvSpPr>
+          <p:cNvPr id="3" name="Content Placeholder 2">
+            <a:extLst>
+              <a:ext uri="{FF2B5EF4-FFF2-40B4-BE49-F238E27FC236}">
+                <a16:creationId xmlns:a16="http://schemas.microsoft.com/office/drawing/2014/main" id="{4946CFDA-CDBF-4B24-9EC3-827F540F71D4}"/>
               </a:ext>
             </a:extLst>
           </p:cNvPr>
@@ -794,53 +1235,59 @@
             <p:ph idx="1"/>
           </p:nvPr>
         </p:nvSpPr>
-        <p:spPr/>
+        <p:spPr>
+          <a:xfrm>
+            <a:off x="838199" y="2108595"/>
+            <a:ext cx="9527275" cy="3643931"/>
+          </a:xfrm>
+        </p:spPr>
         <p:txBody>
           <a:bodyPr/>
           <a:lstStyle/>
           <a:p>
             <a:pPr lvl="0"/>
             <a:r>
-              <a:rPr lang="nb-NO"/>
-              <a:t>Klikk for å redigere tekststiler i malen</a:t>
+              <a:rPr lang="en-US"/>
+              <a:t>Click to edit Master text styles</a:t>
             </a:r>
           </a:p>
           <a:p>
             <a:pPr lvl="1"/>
             <a:r>
-              <a:rPr lang="nb-NO"/>
-              <a:t>Andre nivå</a:t>
+              <a:rPr lang="en-US"/>
+              <a:t>Second level</a:t>
             </a:r>
           </a:p>
           <a:p>
             <a:pPr lvl="2"/>
             <a:r>
-              <a:rPr lang="nb-NO"/>
-              <a:t>Tredje nivå</a:t>
+              <a:rPr lang="en-US"/>
+              <a:t>Third level</a:t>
             </a:r>
           </a:p>
           <a:p>
             <a:pPr lvl="3"/>
             <a:r>
-              <a:rPr lang="nb-NO"/>
-              <a:t>Fjerde nivå</a:t>
+              <a:rPr lang="en-US"/>
+              <a:t>Fourth level</a:t>
             </a:r>
           </a:p>
           <a:p>
             <a:pPr lvl="4"/>
             <a:r>
-              <a:rPr lang="nb-NO"/>
-              <a:t>Femte nivå</a:t>
-            </a:r>
-          </a:p>
-        </p:txBody>
-      </p:sp>
-      <p:sp>
-        <p:nvSpPr>
-          <p:cNvPr id="4" name="Plassholder for dato 3">
-            <a:extLst>
-              <a:ext uri="{FF2B5EF4-FFF2-40B4-BE49-F238E27FC236}">
-                <a16:creationId xmlns:a16="http://schemas.microsoft.com/office/drawing/2014/main" id="{43312F48-8C3A-D5F5-66AC-DCD368499B35}"/>
+              <a:rPr lang="en-US"/>
+              <a:t>Fifth level</a:t>
+            </a:r>
+            <a:endParaRPr lang="en-US" dirty="0"/>
+          </a:p>
+        </p:txBody>
+      </p:sp>
+      <p:sp>
+        <p:nvSpPr>
+          <p:cNvPr id="4" name="Date Placeholder 3">
+            <a:extLst>
+              <a:ext uri="{FF2B5EF4-FFF2-40B4-BE49-F238E27FC236}">
+                <a16:creationId xmlns:a16="http://schemas.microsoft.com/office/drawing/2014/main" id="{9525871D-4A14-4A17-A0ED-7DDA7752B54D}"/>
               </a:ext>
             </a:extLst>
           </p:cNvPr>
@@ -856,20 +1303,20 @@
           <a:bodyPr/>
           <a:lstStyle/>
           <a:p>
-            <a:fld id="{89FAC23A-ED61-E045-A2B4-E818AB6F07ED}" type="datetimeFigureOut">
-              <a:rPr lang="nb-NO" smtClean="0"/>
-              <a:t>20.02.2024</a:t>
+            <a:fld id="{BE0A88F0-556B-4BB7-8AAB-D63AEB65C662}" type="datetime1">
+              <a:rPr lang="en-US" smtClean="0"/>
+              <a:t>3/14/24</a:t>
             </a:fld>
-            <a:endParaRPr lang="nb-NO"/>
-          </a:p>
-        </p:txBody>
-      </p:sp>
-      <p:sp>
-        <p:nvSpPr>
-          <p:cNvPr id="5" name="Plassholder for bunntekst 4">
-            <a:extLst>
-              <a:ext uri="{FF2B5EF4-FFF2-40B4-BE49-F238E27FC236}">
-                <a16:creationId xmlns:a16="http://schemas.microsoft.com/office/drawing/2014/main" id="{F28543CE-43B1-AF4A-152E-BC42B85082E1}"/>
+            <a:endParaRPr lang="en-US"/>
+          </a:p>
+        </p:txBody>
+      </p:sp>
+      <p:sp>
+        <p:nvSpPr>
+          <p:cNvPr id="5" name="Footer Placeholder 4">
+            <a:extLst>
+              <a:ext uri="{FF2B5EF4-FFF2-40B4-BE49-F238E27FC236}">
+                <a16:creationId xmlns:a16="http://schemas.microsoft.com/office/drawing/2014/main" id="{DD5BD654-899B-4DAF-93B9-1CBCAB5F6D37}"/>
               </a:ext>
             </a:extLst>
           </p:cNvPr>
@@ -885,16 +1332,16 @@
           <a:bodyPr/>
           <a:lstStyle/>
           <a:p>
-            <a:endParaRPr lang="nb-NO"/>
-          </a:p>
-        </p:txBody>
-      </p:sp>
-      <p:sp>
-        <p:nvSpPr>
-          <p:cNvPr id="6" name="Plassholder for lysbildenummer 5">
-            <a:extLst>
-              <a:ext uri="{FF2B5EF4-FFF2-40B4-BE49-F238E27FC236}">
-                <a16:creationId xmlns:a16="http://schemas.microsoft.com/office/drawing/2014/main" id="{ADDCA5C3-8D19-1F43-3A61-179A35C33439}"/>
+            <a:endParaRPr lang="en-US"/>
+          </a:p>
+        </p:txBody>
+      </p:sp>
+      <p:sp>
+        <p:nvSpPr>
+          <p:cNvPr id="6" name="Slide Number Placeholder 5">
+            <a:extLst>
+              <a:ext uri="{FF2B5EF4-FFF2-40B4-BE49-F238E27FC236}">
+                <a16:creationId xmlns:a16="http://schemas.microsoft.com/office/drawing/2014/main" id="{B25F7FCA-B968-443D-90A7-E0F3C6D64EFE}"/>
               </a:ext>
             </a:extLst>
           </p:cNvPr>
@@ -910,18 +1357,61 @@
           <a:bodyPr/>
           <a:lstStyle/>
           <a:p>
-            <a:fld id="{22EF6CA4-7148-2745-B404-BB9E7F3B7ED5}" type="slidenum">
-              <a:rPr lang="nb-NO" smtClean="0"/>
+            <a:fld id="{81D2C36F-4504-47C0-B82F-A167342A2754}" type="slidenum">
+              <a:rPr lang="en-US" smtClean="0"/>
               <a:t>‹#›</a:t>
             </a:fld>
-            <a:endParaRPr lang="nb-NO"/>
-          </a:p>
-        </p:txBody>
-      </p:sp>
+            <a:endParaRPr lang="en-US"/>
+          </a:p>
+        </p:txBody>
+      </p:sp>
+      <p:cxnSp>
+        <p:nvCxnSpPr>
+          <p:cNvPr id="9" name="Straight Connector 8">
+            <a:extLst>
+              <a:ext uri="{FF2B5EF4-FFF2-40B4-BE49-F238E27FC236}">
+                <a16:creationId xmlns:a16="http://schemas.microsoft.com/office/drawing/2014/main" id="{C7F5CC56-CBE8-4152-AD5E-982DD286AA28}"/>
+              </a:ext>
+            </a:extLst>
+          </p:cNvPr>
+          <p:cNvCxnSpPr>
+            <a:cxnSpLocks/>
+          </p:cNvCxnSpPr>
+          <p:nvPr/>
+        </p:nvCxnSpPr>
+        <p:spPr>
+          <a:xfrm>
+            <a:off x="386707" y="1905000"/>
+            <a:ext cx="10375638" cy="0"/>
+          </a:xfrm>
+          <a:prstGeom prst="line">
+            <a:avLst/>
+          </a:prstGeom>
+          <a:ln w="12700">
+            <a:solidFill>
+              <a:schemeClr val="accent1"/>
+            </a:solidFill>
+          </a:ln>
+        </p:spPr>
+        <p:style>
+          <a:lnRef idx="1">
+            <a:schemeClr val="accent1"/>
+          </a:lnRef>
+          <a:fillRef idx="0">
+            <a:schemeClr val="accent1"/>
+          </a:fillRef>
+          <a:effectRef idx="0">
+            <a:schemeClr val="accent1"/>
+          </a:effectRef>
+          <a:fontRef idx="minor">
+            <a:schemeClr val="tx1"/>
+          </a:fontRef>
+        </p:style>
+      </p:cxnSp>
     </p:spTree>
     <p:extLst>
       <p:ext uri="{BB962C8B-B14F-4D97-AF65-F5344CB8AC3E}">
-        <p14:creationId xmlns:p14="http://schemas.microsoft.com/office/powerpoint/2010/main" val="273355098"/>
+        <p14:creationId xmlns:p14="http://schemas.microsoft.com/office/powerpoint/2010/main" val="2806981149"/>
       </p:ext>
     </p:extLst>
   </p:cSld>
@@ -933,7 +1423,7 @@
 
 <file path=ppt/slideLayouts/slideLayout3.xml><?xml version="1.0" encoding="utf-8"?>
 <p:sldLayout xmlns:a="http://schemas.openxmlformats.org/drawingml/2006/main" xmlns:r="http://schemas.openxmlformats.org/officeDocument/2006/relationships" xmlns:p="http://schemas.openxmlformats.org/presentationml/2006/main" type="secHead" preserve="1">
-  <p:cSld name="Deloverskrift">
+  <p:cSld name="Section Header">
     <p:spTree>
       <p:nvGrpSpPr>
         <p:cNvPr id="1" name=""/>
@@ -950,10 +1440,10 @@
       </p:grpSpPr>
       <p:sp>
         <p:nvSpPr>
-          <p:cNvPr id="2" name="Tittel 1">
-            <a:extLst>
-              <a:ext uri="{FF2B5EF4-FFF2-40B4-BE49-F238E27FC236}">
-                <a16:creationId xmlns:a16="http://schemas.microsoft.com/office/drawing/2014/main" id="{13996D37-6AC9-DBA8-80C1-5E21E06326E2}"/>
+          <p:cNvPr id="2" name="Title 1">
+            <a:extLst>
+              <a:ext uri="{FF2B5EF4-FFF2-40B4-BE49-F238E27FC236}">
+                <a16:creationId xmlns:a16="http://schemas.microsoft.com/office/drawing/2014/main" id="{94A895B8-786F-418B-9367-52B19526828B}"/>
               </a:ext>
             </a:extLst>
           </p:cNvPr>
@@ -966,8 +1456,8 @@
         </p:nvSpPr>
         <p:spPr>
           <a:xfrm>
-            <a:off x="831850" y="1709738"/>
-            <a:ext cx="10515600" cy="2852737"/>
+            <a:off x="831850" y="1073426"/>
+            <a:ext cx="8840344" cy="3489049"/>
           </a:xfrm>
         </p:spPr>
         <p:txBody>
@@ -979,18 +1469,19 @@
           </a:lstStyle>
           <a:p>
             <a:r>
-              <a:rPr lang="nb-NO"/>
-              <a:t>Klikk for å redigere tittelstil</a:t>
-            </a:r>
-          </a:p>
-        </p:txBody>
-      </p:sp>
-      <p:sp>
-        <p:nvSpPr>
-          <p:cNvPr id="3" name="Plassholder for tekst 2">
-            <a:extLst>
-              <a:ext uri="{FF2B5EF4-FFF2-40B4-BE49-F238E27FC236}">
-                <a16:creationId xmlns:a16="http://schemas.microsoft.com/office/drawing/2014/main" id="{6C29FA5F-1CE9-4C42-7D1F-D0BF0B086D49}"/>
+              <a:rPr lang="en-US"/>
+              <a:t>Click to edit Master title style</a:t>
+            </a:r>
+            <a:endParaRPr lang="en-US" dirty="0"/>
+          </a:p>
+        </p:txBody>
+      </p:sp>
+      <p:sp>
+        <p:nvSpPr>
+          <p:cNvPr id="3" name="Text Placeholder 2">
+            <a:extLst>
+              <a:ext uri="{FF2B5EF4-FFF2-40B4-BE49-F238E27FC236}">
+                <a16:creationId xmlns:a16="http://schemas.microsoft.com/office/drawing/2014/main" id="{C1BCF574-9044-4964-B6AE-A3983D595C9B}"/>
               </a:ext>
             </a:extLst>
           </p:cNvPr>
@@ -1003,8 +1494,8 @@
         </p:nvSpPr>
         <p:spPr>
           <a:xfrm>
-            <a:off x="831850" y="4589463"/>
-            <a:ext cx="10515600" cy="1500187"/>
+            <a:off x="831850" y="4818488"/>
+            <a:ext cx="8840344" cy="900772"/>
           </a:xfrm>
         </p:spPr>
         <p:txBody>
@@ -1014,9 +1505,7 @@
               <a:buNone/>
               <a:defRPr sz="2400">
                 <a:solidFill>
-                  <a:schemeClr val="tx1">
-                    <a:tint val="75000"/>
-                  </a:schemeClr>
+                  <a:schemeClr val="accent1"/>
                 </a:solidFill>
               </a:defRPr>
             </a:lvl1pPr>
@@ -1104,18 +1593,18 @@
           <a:p>
             <a:pPr lvl="0"/>
             <a:r>
-              <a:rPr lang="nb-NO"/>
-              <a:t>Klikk for å redigere tekststiler i malen</a:t>
-            </a:r>
-          </a:p>
-        </p:txBody>
-      </p:sp>
-      <p:sp>
-        <p:nvSpPr>
-          <p:cNvPr id="4" name="Plassholder for dato 3">
-            <a:extLst>
-              <a:ext uri="{FF2B5EF4-FFF2-40B4-BE49-F238E27FC236}">
-                <a16:creationId xmlns:a16="http://schemas.microsoft.com/office/drawing/2014/main" id="{E753A957-D2FD-915D-484C-71C4376F5125}"/>
+              <a:rPr lang="en-US"/>
+              <a:t>Click to edit Master text styles</a:t>
+            </a:r>
+          </a:p>
+        </p:txBody>
+      </p:sp>
+      <p:sp>
+        <p:nvSpPr>
+          <p:cNvPr id="4" name="Date Placeholder 3">
+            <a:extLst>
+              <a:ext uri="{FF2B5EF4-FFF2-40B4-BE49-F238E27FC236}">
+                <a16:creationId xmlns:a16="http://schemas.microsoft.com/office/drawing/2014/main" id="{F9D2A109-E9F9-428E-858A-38375BF1D978}"/>
               </a:ext>
             </a:extLst>
           </p:cNvPr>
@@ -1131,20 +1620,20 @@
           <a:bodyPr/>
           <a:lstStyle/>
           <a:p>
-            <a:fld id="{89FAC23A-ED61-E045-A2B4-E818AB6F07ED}" type="datetimeFigureOut">
-              <a:rPr lang="nb-NO" smtClean="0"/>
-              <a:t>20.02.2024</a:t>
+            <a:fld id="{60E05506-6815-4E0E-B1DE-ECA35C2016DF}" type="datetime1">
+              <a:rPr lang="en-US" smtClean="0"/>
+              <a:t>3/14/24</a:t>
             </a:fld>
-            <a:endParaRPr lang="nb-NO"/>
-          </a:p>
-        </p:txBody>
-      </p:sp>
-      <p:sp>
-        <p:nvSpPr>
-          <p:cNvPr id="5" name="Plassholder for bunntekst 4">
-            <a:extLst>
-              <a:ext uri="{FF2B5EF4-FFF2-40B4-BE49-F238E27FC236}">
-                <a16:creationId xmlns:a16="http://schemas.microsoft.com/office/drawing/2014/main" id="{73313DC8-330B-0526-A7BA-A5945CBD8F8B}"/>
+            <a:endParaRPr lang="en-US"/>
+          </a:p>
+        </p:txBody>
+      </p:sp>
+      <p:sp>
+        <p:nvSpPr>
+          <p:cNvPr id="5" name="Footer Placeholder 4">
+            <a:extLst>
+              <a:ext uri="{FF2B5EF4-FFF2-40B4-BE49-F238E27FC236}">
+                <a16:creationId xmlns:a16="http://schemas.microsoft.com/office/drawing/2014/main" id="{4DD9BA6F-665B-4D62-84D1-23E03428CBC8}"/>
               </a:ext>
             </a:extLst>
           </p:cNvPr>
@@ -1160,16 +1649,16 @@
           <a:bodyPr/>
           <a:lstStyle/>
           <a:p>
-            <a:endParaRPr lang="nb-NO"/>
-          </a:p>
-        </p:txBody>
-      </p:sp>
-      <p:sp>
-        <p:nvSpPr>
-          <p:cNvPr id="6" name="Plassholder for lysbildenummer 5">
-            <a:extLst>
-              <a:ext uri="{FF2B5EF4-FFF2-40B4-BE49-F238E27FC236}">
-                <a16:creationId xmlns:a16="http://schemas.microsoft.com/office/drawing/2014/main" id="{EEFAB8BD-D4C5-D60F-7D13-BF763095864B}"/>
+            <a:endParaRPr lang="en-US"/>
+          </a:p>
+        </p:txBody>
+      </p:sp>
+      <p:sp>
+        <p:nvSpPr>
+          <p:cNvPr id="6" name="Slide Number Placeholder 5">
+            <a:extLst>
+              <a:ext uri="{FF2B5EF4-FFF2-40B4-BE49-F238E27FC236}">
+                <a16:creationId xmlns:a16="http://schemas.microsoft.com/office/drawing/2014/main" id="{9EA1A2D7-4390-4B51-90D4-900EAAB13CBC}"/>
               </a:ext>
             </a:extLst>
           </p:cNvPr>
@@ -1185,18 +1674,18 @@
           <a:bodyPr/>
           <a:lstStyle/>
           <a:p>
-            <a:fld id="{22EF6CA4-7148-2745-B404-BB9E7F3B7ED5}" type="slidenum">
-              <a:rPr lang="nb-NO" smtClean="0"/>
+            <a:fld id="{81D2C36F-4504-47C0-B82F-A167342A2754}" type="slidenum">
+              <a:rPr lang="en-US" smtClean="0"/>
               <a:t>‹#›</a:t>
             </a:fld>
-            <a:endParaRPr lang="nb-NO"/>
+            <a:endParaRPr lang="en-US"/>
           </a:p>
         </p:txBody>
       </p:sp>
     </p:spTree>
     <p:extLst>
       <p:ext uri="{BB962C8B-B14F-4D97-AF65-F5344CB8AC3E}">
-        <p14:creationId xmlns:p14="http://schemas.microsoft.com/office/powerpoint/2010/main" val="1650527892"/>
+        <p14:creationId xmlns:p14="http://schemas.microsoft.com/office/powerpoint/2010/main" val="133776706"/>
       </p:ext>
     </p:extLst>
   </p:cSld>
@@ -1208,7 +1697,7 @@
 
 <file path=ppt/slideLayouts/slideLayout4.xml><?xml version="1.0" encoding="utf-8"?>
 <p:sldLayout xmlns:a="http://schemas.openxmlformats.org/drawingml/2006/main" xmlns:r="http://schemas.openxmlformats.org/officeDocument/2006/relationships" xmlns:p="http://schemas.openxmlformats.org/presentationml/2006/main" type="twoObj" preserve="1">
-  <p:cSld name="To innholdsdeler">
+  <p:cSld name="Two Content">
     <p:spTree>
       <p:nvGrpSpPr>
         <p:cNvPr id="1" name=""/>
@@ -1225,10 +1714,10 @@
       </p:grpSpPr>
       <p:sp>
         <p:nvSpPr>
-          <p:cNvPr id="2" name="Tittel 1">
-            <a:extLst>
-              <a:ext uri="{FF2B5EF4-FFF2-40B4-BE49-F238E27FC236}">
-                <a16:creationId xmlns:a16="http://schemas.microsoft.com/office/drawing/2014/main" id="{5B6BC757-D0C9-794A-1881-062FEF02F8EC}"/>
+          <p:cNvPr id="2" name="Title 1">
+            <a:extLst>
+              <a:ext uri="{FF2B5EF4-FFF2-40B4-BE49-F238E27FC236}">
+                <a16:creationId xmlns:a16="http://schemas.microsoft.com/office/drawing/2014/main" id="{109166EE-5127-48B4-A6F6-F5F6B38DB27A}"/>
               </a:ext>
             </a:extLst>
           </p:cNvPr>
@@ -1237,102 +1726,46 @@
           </p:cNvSpPr>
           <p:nvPr>
             <p:ph type="title"/>
-          </p:nvPr>
-        </p:nvSpPr>
-        <p:spPr/>
-        <p:txBody>
-          <a:bodyPr/>
-          <a:lstStyle/>
-          <a:p>
-            <a:r>
-              <a:rPr lang="nb-NO"/>
-              <a:t>Klikk for å redigere tittelstil</a:t>
-            </a:r>
-          </a:p>
-        </p:txBody>
-      </p:sp>
-      <p:sp>
-        <p:nvSpPr>
-          <p:cNvPr id="3" name="Plassholder for innhold 2">
-            <a:extLst>
-              <a:ext uri="{FF2B5EF4-FFF2-40B4-BE49-F238E27FC236}">
-                <a16:creationId xmlns:a16="http://schemas.microsoft.com/office/drawing/2014/main" id="{A9B1A7CF-B6F2-FB4E-5E3D-63B00AE0167F}"/>
-              </a:ext>
-            </a:extLst>
-          </p:cNvPr>
-          <p:cNvSpPr>
-            <a:spLocks noGrp="1"/>
-          </p:cNvSpPr>
-          <p:nvPr>
-            <p:ph sz="half" idx="1"/>
           </p:nvPr>
         </p:nvSpPr>
         <p:spPr>
           <a:xfrm>
-            <a:off x="838200" y="1825625"/>
-            <a:ext cx="5181600" cy="4351338"/>
+            <a:off x="838199" y="587828"/>
+            <a:ext cx="9578683" cy="990601"/>
           </a:xfrm>
         </p:spPr>
         <p:txBody>
-          <a:bodyPr/>
-          <a:lstStyle/>
-          <a:p>
-            <a:pPr lvl="0"/>
-            <a:r>
-              <a:rPr lang="nb-NO"/>
-              <a:t>Klikk for å redigere tekststiler i malen</a:t>
-            </a:r>
-          </a:p>
-          <a:p>
-            <a:pPr lvl="1"/>
-            <a:r>
-              <a:rPr lang="nb-NO"/>
-              <a:t>Andre nivå</a:t>
-            </a:r>
-          </a:p>
-          <a:p>
-            <a:pPr lvl="2"/>
-            <a:r>
-              <a:rPr lang="nb-NO"/>
-              <a:t>Tredje nivå</a:t>
-            </a:r>
-          </a:p>
-          <a:p>
-            <a:pPr lvl="3"/>
-            <a:r>
-              <a:rPr lang="nb-NO"/>
-              <a:t>Fjerde nivå</a:t>
-            </a:r>
-          </a:p>
-          <a:p>
-            <a:pPr lvl="4"/>
-            <a:r>
-              <a:rPr lang="nb-NO"/>
-              <a:t>Femte nivå</a:t>
-            </a:r>
-          </a:p>
-        </p:txBody>
-      </p:sp>
-      <p:sp>
-        <p:nvSpPr>
-          <p:cNvPr id="4" name="Plassholder for innhold 3">
-            <a:extLst>
-              <a:ext uri="{FF2B5EF4-FFF2-40B4-BE49-F238E27FC236}">
-                <a16:creationId xmlns:a16="http://schemas.microsoft.com/office/drawing/2014/main" id="{A74A588A-34B3-32B8-22FC-FDCC817BAA8E}"/>
-              </a:ext>
-            </a:extLst>
-          </p:cNvPr>
-          <p:cNvSpPr>
-            <a:spLocks noGrp="1"/>
-          </p:cNvSpPr>
-          <p:nvPr>
-            <p:ph sz="half" idx="2"/>
+          <a:bodyPr anchor="ctr"/>
+          <a:lstStyle/>
+          <a:p>
+            <a:r>
+              <a:rPr lang="en-US"/>
+              <a:t>Click to edit Master title style</a:t>
+            </a:r>
+            <a:endParaRPr lang="en-US" dirty="0"/>
+          </a:p>
+        </p:txBody>
+      </p:sp>
+      <p:sp>
+        <p:nvSpPr>
+          <p:cNvPr id="3" name="Content Placeholder 2">
+            <a:extLst>
+              <a:ext uri="{FF2B5EF4-FFF2-40B4-BE49-F238E27FC236}">
+                <a16:creationId xmlns:a16="http://schemas.microsoft.com/office/drawing/2014/main" id="{AE57B8A9-5914-49F9-8E0E-C8723C5339D3}"/>
+              </a:ext>
+            </a:extLst>
+          </p:cNvPr>
+          <p:cNvSpPr>
+            <a:spLocks noGrp="1"/>
+          </p:cNvSpPr>
+          <p:nvPr>
+            <p:ph sz="half" idx="1"/>
           </p:nvPr>
         </p:nvSpPr>
         <p:spPr>
           <a:xfrm>
-            <a:off x="6172200" y="1825625"/>
-            <a:ext cx="5181600" cy="4351338"/>
+            <a:off x="838201" y="2057407"/>
+            <a:ext cx="4318906" cy="3725136"/>
           </a:xfrm>
         </p:spPr>
         <p:txBody>
@@ -1341,46 +1774,110 @@
           <a:p>
             <a:pPr lvl="0"/>
             <a:r>
-              <a:rPr lang="nb-NO"/>
-              <a:t>Klikk for å redigere tekststiler i malen</a:t>
+              <a:rPr lang="en-US"/>
+              <a:t>Click to edit Master text styles</a:t>
             </a:r>
           </a:p>
           <a:p>
             <a:pPr lvl="1"/>
             <a:r>
-              <a:rPr lang="nb-NO"/>
-              <a:t>Andre nivå</a:t>
+              <a:rPr lang="en-US"/>
+              <a:t>Second level</a:t>
             </a:r>
           </a:p>
           <a:p>
             <a:pPr lvl="2"/>
             <a:r>
-              <a:rPr lang="nb-NO"/>
-              <a:t>Tredje nivå</a:t>
+              <a:rPr lang="en-US"/>
+              <a:t>Third level</a:t>
             </a:r>
           </a:p>
           <a:p>
             <a:pPr lvl="3"/>
             <a:r>
-              <a:rPr lang="nb-NO"/>
-              <a:t>Fjerde nivå</a:t>
+              <a:rPr lang="en-US"/>
+              <a:t>Fourth level</a:t>
             </a:r>
           </a:p>
           <a:p>
             <a:pPr lvl="4"/>
             <a:r>
-              <a:rPr lang="nb-NO"/>
-              <a:t>Femte nivå</a:t>
-            </a:r>
-          </a:p>
-        </p:txBody>
-      </p:sp>
-      <p:sp>
-        <p:nvSpPr>
-          <p:cNvPr id="5" name="Plassholder for dato 4">
-            <a:extLst>
-              <a:ext uri="{FF2B5EF4-FFF2-40B4-BE49-F238E27FC236}">
-                <a16:creationId xmlns:a16="http://schemas.microsoft.com/office/drawing/2014/main" id="{5872E55E-7CA8-6491-F676-C78F4A46FC61}"/>
+              <a:rPr lang="en-US"/>
+              <a:t>Fifth level</a:t>
+            </a:r>
+            <a:endParaRPr lang="en-US" dirty="0"/>
+          </a:p>
+        </p:txBody>
+      </p:sp>
+      <p:sp>
+        <p:nvSpPr>
+          <p:cNvPr id="4" name="Content Placeholder 3">
+            <a:extLst>
+              <a:ext uri="{FF2B5EF4-FFF2-40B4-BE49-F238E27FC236}">
+                <a16:creationId xmlns:a16="http://schemas.microsoft.com/office/drawing/2014/main" id="{69E7D0C2-CAEA-4E31-8FA6-D866315DF61C}"/>
+              </a:ext>
+            </a:extLst>
+          </p:cNvPr>
+          <p:cNvSpPr>
+            <a:spLocks noGrp="1"/>
+          </p:cNvSpPr>
+          <p:nvPr>
+            <p:ph sz="half" idx="2"/>
+          </p:nvPr>
+        </p:nvSpPr>
+        <p:spPr>
+          <a:xfrm>
+            <a:off x="5969577" y="2057407"/>
+            <a:ext cx="4405746" cy="3725135"/>
+          </a:xfrm>
+        </p:spPr>
+        <p:txBody>
+          <a:bodyPr/>
+          <a:lstStyle/>
+          <a:p>
+            <a:pPr lvl="0"/>
+            <a:r>
+              <a:rPr lang="en-US"/>
+              <a:t>Click to edit Master text styles</a:t>
+            </a:r>
+          </a:p>
+          <a:p>
+            <a:pPr lvl="1"/>
+            <a:r>
+              <a:rPr lang="en-US"/>
+              <a:t>Second level</a:t>
+            </a:r>
+          </a:p>
+          <a:p>
+            <a:pPr lvl="2"/>
+            <a:r>
+              <a:rPr lang="en-US"/>
+              <a:t>Third level</a:t>
+            </a:r>
+          </a:p>
+          <a:p>
+            <a:pPr lvl="3"/>
+            <a:r>
+              <a:rPr lang="en-US"/>
+              <a:t>Fourth level</a:t>
+            </a:r>
+          </a:p>
+          <a:p>
+            <a:pPr lvl="4"/>
+            <a:r>
+              <a:rPr lang="en-US"/>
+              <a:t>Fifth level</a:t>
+            </a:r>
+            <a:endParaRPr lang="en-US" dirty="0"/>
+          </a:p>
+        </p:txBody>
+      </p:sp>
+      <p:sp>
+        <p:nvSpPr>
+          <p:cNvPr id="5" name="Date Placeholder 4">
+            <a:extLst>
+              <a:ext uri="{FF2B5EF4-FFF2-40B4-BE49-F238E27FC236}">
+                <a16:creationId xmlns:a16="http://schemas.microsoft.com/office/drawing/2014/main" id="{D51E5DE2-0BD6-45B3-BDB1-675BA058BF2E}"/>
               </a:ext>
             </a:extLst>
           </p:cNvPr>
@@ -1396,20 +1893,20 @@
           <a:bodyPr/>
           <a:lstStyle/>
           <a:p>
-            <a:fld id="{89FAC23A-ED61-E045-A2B4-E818AB6F07ED}" type="datetimeFigureOut">
-              <a:rPr lang="nb-NO" smtClean="0"/>
-              <a:t>20.02.2024</a:t>
+            <a:fld id="{FC6E85F7-A724-48A4-9D33-CEBC5174E865}" type="datetime1">
+              <a:rPr lang="en-US" smtClean="0"/>
+              <a:t>3/14/24</a:t>
             </a:fld>
-            <a:endParaRPr lang="nb-NO"/>
-          </a:p>
-        </p:txBody>
-      </p:sp>
-      <p:sp>
-        <p:nvSpPr>
-          <p:cNvPr id="6" name="Plassholder for bunntekst 5">
-            <a:extLst>
-              <a:ext uri="{FF2B5EF4-FFF2-40B4-BE49-F238E27FC236}">
-                <a16:creationId xmlns:a16="http://schemas.microsoft.com/office/drawing/2014/main" id="{4611EDD2-0206-4C8D-6FA7-108AA250B771}"/>
+            <a:endParaRPr lang="en-US"/>
+          </a:p>
+        </p:txBody>
+      </p:sp>
+      <p:sp>
+        <p:nvSpPr>
+          <p:cNvPr id="6" name="Footer Placeholder 5">
+            <a:extLst>
+              <a:ext uri="{FF2B5EF4-FFF2-40B4-BE49-F238E27FC236}">
+                <a16:creationId xmlns:a16="http://schemas.microsoft.com/office/drawing/2014/main" id="{082622B7-97C1-4C72-BCA9-290DC716FE2E}"/>
               </a:ext>
             </a:extLst>
           </p:cNvPr>
@@ -1425,16 +1922,16 @@
           <a:bodyPr/>
           <a:lstStyle/>
           <a:p>
-            <a:endParaRPr lang="nb-NO"/>
-          </a:p>
-        </p:txBody>
-      </p:sp>
-      <p:sp>
-        <p:nvSpPr>
-          <p:cNvPr id="7" name="Plassholder for lysbildenummer 6">
-            <a:extLst>
-              <a:ext uri="{FF2B5EF4-FFF2-40B4-BE49-F238E27FC236}">
-                <a16:creationId xmlns:a16="http://schemas.microsoft.com/office/drawing/2014/main" id="{FAA652A7-FF53-DD56-6080-94DF8D6383EE}"/>
+            <a:endParaRPr lang="en-US"/>
+          </a:p>
+        </p:txBody>
+      </p:sp>
+      <p:sp>
+        <p:nvSpPr>
+          <p:cNvPr id="7" name="Slide Number Placeholder 6">
+            <a:extLst>
+              <a:ext uri="{FF2B5EF4-FFF2-40B4-BE49-F238E27FC236}">
+                <a16:creationId xmlns:a16="http://schemas.microsoft.com/office/drawing/2014/main" id="{5957BEE3-B3AE-45B6-924A-08ABC95181D7}"/>
               </a:ext>
             </a:extLst>
           </p:cNvPr>
@@ -1450,18 +1947,104 @@
           <a:bodyPr/>
           <a:lstStyle/>
           <a:p>
-            <a:fld id="{22EF6CA4-7148-2745-B404-BB9E7F3B7ED5}" type="slidenum">
-              <a:rPr lang="nb-NO" smtClean="0"/>
+            <a:fld id="{81D2C36F-4504-47C0-B82F-A167342A2754}" type="slidenum">
+              <a:rPr lang="en-US" smtClean="0"/>
               <a:t>‹#›</a:t>
             </a:fld>
-            <a:endParaRPr lang="nb-NO"/>
-          </a:p>
-        </p:txBody>
-      </p:sp>
+            <a:endParaRPr lang="en-US"/>
+          </a:p>
+        </p:txBody>
+      </p:sp>
+      <p:cxnSp>
+        <p:nvCxnSpPr>
+          <p:cNvPr id="8" name="Straight Connector 7">
+            <a:extLst>
+              <a:ext uri="{FF2B5EF4-FFF2-40B4-BE49-F238E27FC236}">
+                <a16:creationId xmlns:a16="http://schemas.microsoft.com/office/drawing/2014/main" id="{6610397D-8A25-4307-B58D-8DE617EFD26D}"/>
+              </a:ext>
+            </a:extLst>
+          </p:cNvPr>
+          <p:cNvCxnSpPr>
+            <a:cxnSpLocks/>
+          </p:cNvCxnSpPr>
+          <p:nvPr/>
+        </p:nvCxnSpPr>
+        <p:spPr>
+          <a:xfrm>
+            <a:off x="375523" y="1760404"/>
+            <a:ext cx="10375638" cy="0"/>
+          </a:xfrm>
+          <a:prstGeom prst="line">
+            <a:avLst/>
+          </a:prstGeom>
+          <a:ln w="12700">
+            <a:solidFill>
+              <a:schemeClr val="accent1"/>
+            </a:solidFill>
+          </a:ln>
+        </p:spPr>
+        <p:style>
+          <a:lnRef idx="1">
+            <a:schemeClr val="accent1"/>
+          </a:lnRef>
+          <a:fillRef idx="0">
+            <a:schemeClr val="accent1"/>
+          </a:fillRef>
+          <a:effectRef idx="0">
+            <a:schemeClr val="accent1"/>
+          </a:effectRef>
+          <a:fontRef idx="minor">
+            <a:schemeClr val="tx1"/>
+          </a:fontRef>
+        </p:style>
+      </p:cxnSp>
+      <p:cxnSp>
+        <p:nvCxnSpPr>
+          <p:cNvPr id="9" name="Straight Connector 8">
+            <a:extLst>
+              <a:ext uri="{FF2B5EF4-FFF2-40B4-BE49-F238E27FC236}">
+                <a16:creationId xmlns:a16="http://schemas.microsoft.com/office/drawing/2014/main" id="{9B747697-5C57-4DA6-8ED6-CAB14CDD220A}"/>
+              </a:ext>
+            </a:extLst>
+          </p:cNvPr>
+          <p:cNvCxnSpPr>
+            <a:cxnSpLocks/>
+          </p:cNvCxnSpPr>
+          <p:nvPr/>
+        </p:nvCxnSpPr>
+        <p:spPr>
+          <a:xfrm>
+            <a:off x="5563342" y="1752600"/>
+            <a:ext cx="0" cy="4300105"/>
+          </a:xfrm>
+          <a:prstGeom prst="line">
+            <a:avLst/>
+          </a:prstGeom>
+          <a:ln w="12700">
+            <a:solidFill>
+              <a:schemeClr val="accent1"/>
+            </a:solidFill>
+          </a:ln>
+        </p:spPr>
+        <p:style>
+          <a:lnRef idx="1">
+            <a:schemeClr val="accent1"/>
+          </a:lnRef>
+          <a:fillRef idx="0">
+            <a:schemeClr val="accent1"/>
+          </a:fillRef>
+          <a:effectRef idx="0">
+            <a:schemeClr val="accent1"/>
+          </a:effectRef>
+          <a:fontRef idx="minor">
+            <a:schemeClr val="tx1"/>
+          </a:fontRef>
+        </p:style>
+      </p:cxnSp>
     </p:spTree>
     <p:extLst>
       <p:ext uri="{BB962C8B-B14F-4D97-AF65-F5344CB8AC3E}">
-        <p14:creationId xmlns:p14="http://schemas.microsoft.com/office/powerpoint/2010/main" val="1339326161"/>
+        <p14:creationId xmlns:p14="http://schemas.microsoft.com/office/powerpoint/2010/main" val="1219648714"/>
       </p:ext>
     </p:extLst>
   </p:cSld>
@@ -1473,7 +2056,7 @@
 
 <file path=ppt/slideLayouts/slideLayout5.xml><?xml version="1.0" encoding="utf-8"?>
 <p:sldLayout xmlns:a="http://schemas.openxmlformats.org/drawingml/2006/main" xmlns:r="http://schemas.openxmlformats.org/officeDocument/2006/relationships" xmlns:p="http://schemas.openxmlformats.org/presentationml/2006/main" type="twoTxTwoObj" preserve="1">
-  <p:cSld name="Sammenligning">
+  <p:cSld name="Comparison">
     <p:spTree>
       <p:nvGrpSpPr>
         <p:cNvPr id="1" name=""/>
@@ -1490,10 +2073,10 @@
       </p:grpSpPr>
       <p:sp>
         <p:nvSpPr>
-          <p:cNvPr id="2" name="Tittel 1">
-            <a:extLst>
-              <a:ext uri="{FF2B5EF4-FFF2-40B4-BE49-F238E27FC236}">
-                <a16:creationId xmlns:a16="http://schemas.microsoft.com/office/drawing/2014/main" id="{A16E4105-66C7-8B5F-F3D5-77FDB234868C}"/>
+          <p:cNvPr id="2" name="Title 1">
+            <a:extLst>
+              <a:ext uri="{FF2B5EF4-FFF2-40B4-BE49-F238E27FC236}">
+                <a16:creationId xmlns:a16="http://schemas.microsoft.com/office/drawing/2014/main" id="{B2F22296-2B01-4044-AD7B-497BAC8AEA68}"/>
               </a:ext>
             </a:extLst>
           </p:cNvPr>
@@ -1506,27 +2089,28 @@
         </p:nvSpPr>
         <p:spPr>
           <a:xfrm>
-            <a:off x="839788" y="365125"/>
-            <a:ext cx="10515600" cy="1325563"/>
+            <a:off x="839788" y="609600"/>
+            <a:ext cx="10515600" cy="951491"/>
           </a:xfrm>
         </p:spPr>
         <p:txBody>
-          <a:bodyPr/>
-          <a:lstStyle/>
-          <a:p>
-            <a:r>
-              <a:rPr lang="nb-NO"/>
-              <a:t>Klikk for å redigere tittelstil</a:t>
-            </a:r>
-          </a:p>
-        </p:txBody>
-      </p:sp>
-      <p:sp>
-        <p:nvSpPr>
-          <p:cNvPr id="3" name="Plassholder for tekst 2">
-            <a:extLst>
-              <a:ext uri="{FF2B5EF4-FFF2-40B4-BE49-F238E27FC236}">
-                <a16:creationId xmlns:a16="http://schemas.microsoft.com/office/drawing/2014/main" id="{69CFBBD7-9A39-AEAE-6BCB-5E776621EDEE}"/>
+          <a:bodyPr anchor="ctr"/>
+          <a:lstStyle/>
+          <a:p>
+            <a:r>
+              <a:rPr lang="en-US"/>
+              <a:t>Click to edit Master title style</a:t>
+            </a:r>
+            <a:endParaRPr lang="en-US" dirty="0"/>
+          </a:p>
+        </p:txBody>
+      </p:sp>
+      <p:sp>
+        <p:nvSpPr>
+          <p:cNvPr id="3" name="Text Placeholder 2">
+            <a:extLst>
+              <a:ext uri="{FF2B5EF4-FFF2-40B4-BE49-F238E27FC236}">
+                <a16:creationId xmlns:a16="http://schemas.microsoft.com/office/drawing/2014/main" id="{0CF08880-DE5D-4299-BAC3-D45377C49993}"/>
               </a:ext>
             </a:extLst>
           </p:cNvPr>
@@ -1539,16 +2123,21 @@
         </p:nvSpPr>
         <p:spPr>
           <a:xfrm>
-            <a:off x="839788" y="1681163"/>
-            <a:ext cx="5157787" cy="823912"/>
+            <a:off x="839789" y="1989859"/>
+            <a:ext cx="4381644" cy="602671"/>
           </a:xfrm>
         </p:spPr>
         <p:txBody>
-          <a:bodyPr anchor="b"/>
+          <a:bodyPr anchor="b">
+            <a:noAutofit/>
+          </a:bodyPr>
           <a:lstStyle>
             <a:lvl1pPr marL="0" indent="0">
+              <a:lnSpc>
+                <a:spcPct val="100000"/>
+              </a:lnSpc>
               <a:buNone/>
-              <a:defRPr sz="2400" b="1"/>
+              <a:defRPr sz="1800" b="1" cap="all" spc="300" baseline="0"/>
             </a:lvl1pPr>
             <a:lvl2pPr marL="457200" indent="0">
               <a:buNone/>
@@ -1586,18 +2175,18 @@
           <a:p>
             <a:pPr lvl="0"/>
             <a:r>
-              <a:rPr lang="nb-NO"/>
-              <a:t>Klikk for å redigere tekststiler i malen</a:t>
-            </a:r>
-          </a:p>
-        </p:txBody>
-      </p:sp>
-      <p:sp>
-        <p:nvSpPr>
-          <p:cNvPr id="4" name="Plassholder for innhold 3">
-            <a:extLst>
-              <a:ext uri="{FF2B5EF4-FFF2-40B4-BE49-F238E27FC236}">
-                <a16:creationId xmlns:a16="http://schemas.microsoft.com/office/drawing/2014/main" id="{0DC988C5-F641-CCA1-8711-825F068B047A}"/>
+              <a:rPr lang="en-US"/>
+              <a:t>Click to edit Master text styles</a:t>
+            </a:r>
+          </a:p>
+        </p:txBody>
+      </p:sp>
+      <p:sp>
+        <p:nvSpPr>
+          <p:cNvPr id="4" name="Content Placeholder 3">
+            <a:extLst>
+              <a:ext uri="{FF2B5EF4-FFF2-40B4-BE49-F238E27FC236}">
+                <a16:creationId xmlns:a16="http://schemas.microsoft.com/office/drawing/2014/main" id="{BF2A655D-7A3A-4BA5-B82A-744276BE2586}"/>
               </a:ext>
             </a:extLst>
           </p:cNvPr>
@@ -1610,8 +2199,8 @@
         </p:nvSpPr>
         <p:spPr>
           <a:xfrm>
-            <a:off x="839788" y="2505075"/>
-            <a:ext cx="5157787" cy="3684588"/>
+            <a:off x="839789" y="2713126"/>
+            <a:ext cx="4381644" cy="3121369"/>
           </a:xfrm>
         </p:spPr>
         <p:txBody>
@@ -1620,46 +2209,47 @@
           <a:p>
             <a:pPr lvl="0"/>
             <a:r>
-              <a:rPr lang="nb-NO"/>
-              <a:t>Klikk for å redigere tekststiler i malen</a:t>
+              <a:rPr lang="en-US"/>
+              <a:t>Click to edit Master text styles</a:t>
             </a:r>
           </a:p>
           <a:p>
             <a:pPr lvl="1"/>
             <a:r>
-              <a:rPr lang="nb-NO"/>
-              <a:t>Andre nivå</a:t>
+              <a:rPr lang="en-US"/>
+              <a:t>Second level</a:t>
             </a:r>
           </a:p>
           <a:p>
             <a:pPr lvl="2"/>
             <a:r>
-              <a:rPr lang="nb-NO"/>
-              <a:t>Tredje nivå</a:t>
+              <a:rPr lang="en-US"/>
+              <a:t>Third level</a:t>
             </a:r>
           </a:p>
           <a:p>
             <a:pPr lvl="3"/>
             <a:r>
-              <a:rPr lang="nb-NO"/>
-              <a:t>Fjerde nivå</a:t>
+              <a:rPr lang="en-US"/>
+              <a:t>Fourth level</a:t>
             </a:r>
           </a:p>
           <a:p>
             <a:pPr lvl="4"/>
             <a:r>
-              <a:rPr lang="nb-NO"/>
-              <a:t>Femte nivå</a:t>
-            </a:r>
-          </a:p>
-        </p:txBody>
-      </p:sp>
-      <p:sp>
-        <p:nvSpPr>
-          <p:cNvPr id="5" name="Plassholder for tekst 4">
-            <a:extLst>
-              <a:ext uri="{FF2B5EF4-FFF2-40B4-BE49-F238E27FC236}">
-                <a16:creationId xmlns:a16="http://schemas.microsoft.com/office/drawing/2014/main" id="{8A361195-2DD7-0182-FEE8-7916B8CAC167}"/>
+              <a:rPr lang="en-US"/>
+              <a:t>Fifth level</a:t>
+            </a:r>
+            <a:endParaRPr lang="en-US" dirty="0"/>
+          </a:p>
+        </p:txBody>
+      </p:sp>
+      <p:sp>
+        <p:nvSpPr>
+          <p:cNvPr id="5" name="Text Placeholder 4">
+            <a:extLst>
+              <a:ext uri="{FF2B5EF4-FFF2-40B4-BE49-F238E27FC236}">
+                <a16:creationId xmlns:a16="http://schemas.microsoft.com/office/drawing/2014/main" id="{62037933-BDAC-4317-9B7E-E30CF0B42ECE}"/>
               </a:ext>
             </a:extLst>
           </p:cNvPr>
@@ -1672,16 +2262,21 @@
         </p:nvSpPr>
         <p:spPr>
           <a:xfrm>
-            <a:off x="6172200" y="1681163"/>
-            <a:ext cx="5183188" cy="823912"/>
+            <a:off x="5950530" y="1989859"/>
+            <a:ext cx="4487137" cy="602671"/>
           </a:xfrm>
         </p:spPr>
         <p:txBody>
-          <a:bodyPr anchor="b"/>
+          <a:bodyPr anchor="b">
+            <a:noAutofit/>
+          </a:bodyPr>
           <a:lstStyle>
             <a:lvl1pPr marL="0" indent="0">
+              <a:lnSpc>
+                <a:spcPct val="100000"/>
+              </a:lnSpc>
               <a:buNone/>
-              <a:defRPr sz="2400" b="1"/>
+              <a:defRPr sz="1800" b="1" cap="all" spc="300" baseline="0"/>
             </a:lvl1pPr>
             <a:lvl2pPr marL="457200" indent="0">
               <a:buNone/>
@@ -1719,18 +2314,18 @@
           <a:p>
             <a:pPr lvl="0"/>
             <a:r>
-              <a:rPr lang="nb-NO"/>
-              <a:t>Klikk for å redigere tekststiler i malen</a:t>
-            </a:r>
-          </a:p>
-        </p:txBody>
-      </p:sp>
-      <p:sp>
-        <p:nvSpPr>
-          <p:cNvPr id="6" name="Plassholder for innhold 5">
-            <a:extLst>
-              <a:ext uri="{FF2B5EF4-FFF2-40B4-BE49-F238E27FC236}">
-                <a16:creationId xmlns:a16="http://schemas.microsoft.com/office/drawing/2014/main" id="{2ACAF15F-32C5-B119-BE54-C8AF00DAF359}"/>
+              <a:rPr lang="en-US"/>
+              <a:t>Click to edit Master text styles</a:t>
+            </a:r>
+          </a:p>
+        </p:txBody>
+      </p:sp>
+      <p:sp>
+        <p:nvSpPr>
+          <p:cNvPr id="6" name="Content Placeholder 5">
+            <a:extLst>
+              <a:ext uri="{FF2B5EF4-FFF2-40B4-BE49-F238E27FC236}">
+                <a16:creationId xmlns:a16="http://schemas.microsoft.com/office/drawing/2014/main" id="{53A5878F-AE56-4F8C-A84A-A8534180DE41}"/>
               </a:ext>
             </a:extLst>
           </p:cNvPr>
@@ -1743,8 +2338,8 @@
         </p:nvSpPr>
         <p:spPr>
           <a:xfrm>
-            <a:off x="6172200" y="2505075"/>
-            <a:ext cx="5183188" cy="3684588"/>
+            <a:off x="5950531" y="2713127"/>
+            <a:ext cx="4487136" cy="3121368"/>
           </a:xfrm>
         </p:spPr>
         <p:txBody>
@@ -1753,46 +2348,47 @@
           <a:p>
             <a:pPr lvl="0"/>
             <a:r>
-              <a:rPr lang="nb-NO"/>
-              <a:t>Klikk for å redigere tekststiler i malen</a:t>
+              <a:rPr lang="en-US"/>
+              <a:t>Click to edit Master text styles</a:t>
             </a:r>
           </a:p>
           <a:p>
             <a:pPr lvl="1"/>
             <a:r>
-              <a:rPr lang="nb-NO"/>
-              <a:t>Andre nivå</a:t>
+              <a:rPr lang="en-US"/>
+              <a:t>Second level</a:t>
             </a:r>
           </a:p>
           <a:p>
             <a:pPr lvl="2"/>
             <a:r>
-              <a:rPr lang="nb-NO"/>
-              <a:t>Tredje nivå</a:t>
+              <a:rPr lang="en-US"/>
+              <a:t>Third level</a:t>
             </a:r>
           </a:p>
           <a:p>
             <a:pPr lvl="3"/>
             <a:r>
-              <a:rPr lang="nb-NO"/>
-              <a:t>Fjerde nivå</a:t>
+              <a:rPr lang="en-US"/>
+              <a:t>Fourth level</a:t>
             </a:r>
           </a:p>
           <a:p>
             <a:pPr lvl="4"/>
             <a:r>
-              <a:rPr lang="nb-NO"/>
-              <a:t>Femte nivå</a:t>
-            </a:r>
-          </a:p>
-        </p:txBody>
-      </p:sp>
-      <p:sp>
-        <p:nvSpPr>
-          <p:cNvPr id="7" name="Plassholder for dato 6">
-            <a:extLst>
-              <a:ext uri="{FF2B5EF4-FFF2-40B4-BE49-F238E27FC236}">
-                <a16:creationId xmlns:a16="http://schemas.microsoft.com/office/drawing/2014/main" id="{1F9B4D78-02CC-F82D-BE78-C9C066358397}"/>
+              <a:rPr lang="en-US"/>
+              <a:t>Fifth level</a:t>
+            </a:r>
+            <a:endParaRPr lang="en-US" dirty="0"/>
+          </a:p>
+        </p:txBody>
+      </p:sp>
+      <p:sp>
+        <p:nvSpPr>
+          <p:cNvPr id="7" name="Date Placeholder 6">
+            <a:extLst>
+              <a:ext uri="{FF2B5EF4-FFF2-40B4-BE49-F238E27FC236}">
+                <a16:creationId xmlns:a16="http://schemas.microsoft.com/office/drawing/2014/main" id="{BFFF249A-9D93-4A8E-9284-5AB19AC0AC12}"/>
               </a:ext>
             </a:extLst>
           </p:cNvPr>
@@ -1808,20 +2404,20 @@
           <a:bodyPr/>
           <a:lstStyle/>
           <a:p>
-            <a:fld id="{89FAC23A-ED61-E045-A2B4-E818AB6F07ED}" type="datetimeFigureOut">
-              <a:rPr lang="nb-NO" smtClean="0"/>
-              <a:t>20.02.2024</a:t>
+            <a:fld id="{42806E7A-BDD3-46A3-BEE2-EB821F9236B4}" type="datetime1">
+              <a:rPr lang="en-US" smtClean="0"/>
+              <a:t>3/14/24</a:t>
             </a:fld>
-            <a:endParaRPr lang="nb-NO"/>
-          </a:p>
-        </p:txBody>
-      </p:sp>
-      <p:sp>
-        <p:nvSpPr>
-          <p:cNvPr id="8" name="Plassholder for bunntekst 7">
-            <a:extLst>
-              <a:ext uri="{FF2B5EF4-FFF2-40B4-BE49-F238E27FC236}">
-                <a16:creationId xmlns:a16="http://schemas.microsoft.com/office/drawing/2014/main" id="{816BEA6F-CCE6-5E63-B094-D6883218FA89}"/>
+            <a:endParaRPr lang="en-US"/>
+          </a:p>
+        </p:txBody>
+      </p:sp>
+      <p:sp>
+        <p:nvSpPr>
+          <p:cNvPr id="8" name="Footer Placeholder 7">
+            <a:extLst>
+              <a:ext uri="{FF2B5EF4-FFF2-40B4-BE49-F238E27FC236}">
+                <a16:creationId xmlns:a16="http://schemas.microsoft.com/office/drawing/2014/main" id="{B5563883-9438-44C9-877E-EC771D1B318A}"/>
               </a:ext>
             </a:extLst>
           </p:cNvPr>
@@ -1837,16 +2433,16 @@
           <a:bodyPr/>
           <a:lstStyle/>
           <a:p>
-            <a:endParaRPr lang="nb-NO"/>
-          </a:p>
-        </p:txBody>
-      </p:sp>
-      <p:sp>
-        <p:nvSpPr>
-          <p:cNvPr id="9" name="Plassholder for lysbildenummer 8">
-            <a:extLst>
-              <a:ext uri="{FF2B5EF4-FFF2-40B4-BE49-F238E27FC236}">
-                <a16:creationId xmlns:a16="http://schemas.microsoft.com/office/drawing/2014/main" id="{F3D05F08-CD70-4C9F-B19E-16B3FC84B19E}"/>
+            <a:endParaRPr lang="en-US"/>
+          </a:p>
+        </p:txBody>
+      </p:sp>
+      <p:sp>
+        <p:nvSpPr>
+          <p:cNvPr id="9" name="Slide Number Placeholder 8">
+            <a:extLst>
+              <a:ext uri="{FF2B5EF4-FFF2-40B4-BE49-F238E27FC236}">
+                <a16:creationId xmlns:a16="http://schemas.microsoft.com/office/drawing/2014/main" id="{7E5ED3CC-D7BA-43BD-973A-B09921FEDEA8}"/>
               </a:ext>
             </a:extLst>
           </p:cNvPr>
@@ -1862,18 +2458,104 @@
           <a:bodyPr/>
           <a:lstStyle/>
           <a:p>
-            <a:fld id="{22EF6CA4-7148-2745-B404-BB9E7F3B7ED5}" type="slidenum">
-              <a:rPr lang="nb-NO" smtClean="0"/>
+            <a:fld id="{81D2C36F-4504-47C0-B82F-A167342A2754}" type="slidenum">
+              <a:rPr lang="en-US" smtClean="0"/>
               <a:t>‹#›</a:t>
             </a:fld>
-            <a:endParaRPr lang="nb-NO"/>
-          </a:p>
-        </p:txBody>
-      </p:sp>
+            <a:endParaRPr lang="en-US"/>
+          </a:p>
+        </p:txBody>
+      </p:sp>
+      <p:cxnSp>
+        <p:nvCxnSpPr>
+          <p:cNvPr id="10" name="Straight Connector 9">
+            <a:extLst>
+              <a:ext uri="{FF2B5EF4-FFF2-40B4-BE49-F238E27FC236}">
+                <a16:creationId xmlns:a16="http://schemas.microsoft.com/office/drawing/2014/main" id="{14B03ADF-AEED-49C1-9CF7-7749387E2A4F}"/>
+              </a:ext>
+            </a:extLst>
+          </p:cNvPr>
+          <p:cNvCxnSpPr>
+            <a:cxnSpLocks/>
+          </p:cNvCxnSpPr>
+          <p:nvPr/>
+        </p:nvCxnSpPr>
+        <p:spPr>
+          <a:xfrm>
+            <a:off x="378503" y="1752600"/>
+            <a:ext cx="10375638" cy="0"/>
+          </a:xfrm>
+          <a:prstGeom prst="line">
+            <a:avLst/>
+          </a:prstGeom>
+          <a:ln w="12700">
+            <a:solidFill>
+              <a:schemeClr val="accent1"/>
+            </a:solidFill>
+          </a:ln>
+        </p:spPr>
+        <p:style>
+          <a:lnRef idx="1">
+            <a:schemeClr val="accent1"/>
+          </a:lnRef>
+          <a:fillRef idx="0">
+            <a:schemeClr val="accent1"/>
+          </a:fillRef>
+          <a:effectRef idx="0">
+            <a:schemeClr val="accent1"/>
+          </a:effectRef>
+          <a:fontRef idx="minor">
+            <a:schemeClr val="tx1"/>
+          </a:fontRef>
+        </p:style>
+      </p:cxnSp>
+      <p:cxnSp>
+        <p:nvCxnSpPr>
+          <p:cNvPr id="11" name="Straight Connector 10">
+            <a:extLst>
+              <a:ext uri="{FF2B5EF4-FFF2-40B4-BE49-F238E27FC236}">
+                <a16:creationId xmlns:a16="http://schemas.microsoft.com/office/drawing/2014/main" id="{CB5345CA-2FC8-42B9-85F7-84F77724D011}"/>
+              </a:ext>
+            </a:extLst>
+          </p:cNvPr>
+          <p:cNvCxnSpPr>
+            <a:cxnSpLocks/>
+          </p:cNvCxnSpPr>
+          <p:nvPr/>
+        </p:nvCxnSpPr>
+        <p:spPr>
+          <a:xfrm>
+            <a:off x="5563342" y="1752600"/>
+            <a:ext cx="0" cy="4300105"/>
+          </a:xfrm>
+          <a:prstGeom prst="line">
+            <a:avLst/>
+          </a:prstGeom>
+          <a:ln w="12700">
+            <a:solidFill>
+              <a:schemeClr val="accent1"/>
+            </a:solidFill>
+          </a:ln>
+        </p:spPr>
+        <p:style>
+          <a:lnRef idx="1">
+            <a:schemeClr val="accent1"/>
+          </a:lnRef>
+          <a:fillRef idx="0">
+            <a:schemeClr val="accent1"/>
+          </a:fillRef>
+          <a:effectRef idx="0">
+            <a:schemeClr val="accent1"/>
+          </a:effectRef>
+          <a:fontRef idx="minor">
+            <a:schemeClr val="tx1"/>
+          </a:fontRef>
+        </p:style>
+      </p:cxnSp>
     </p:spTree>
     <p:extLst>
       <p:ext uri="{BB962C8B-B14F-4D97-AF65-F5344CB8AC3E}">
-        <p14:creationId xmlns:p14="http://schemas.microsoft.com/office/powerpoint/2010/main" val="141505683"/>
+        <p14:creationId xmlns:p14="http://schemas.microsoft.com/office/powerpoint/2010/main" val="3566389528"/>
       </p:ext>
     </p:extLst>
   </p:cSld>
@@ -1885,7 +2567,7 @@
 
 <file path=ppt/slideLayouts/slideLayout6.xml><?xml version="1.0" encoding="utf-8"?>
 <p:sldLayout xmlns:a="http://schemas.openxmlformats.org/drawingml/2006/main" xmlns:r="http://schemas.openxmlformats.org/officeDocument/2006/relationships" xmlns:p="http://schemas.openxmlformats.org/presentationml/2006/main" type="titleOnly" preserve="1">
-  <p:cSld name="Bare tittel">
+  <p:cSld name="Title Only">
     <p:spTree>
       <p:nvGrpSpPr>
         <p:cNvPr id="1" name=""/>
@@ -1902,10 +2584,10 @@
       </p:grpSpPr>
       <p:sp>
         <p:nvSpPr>
-          <p:cNvPr id="2" name="Tittel 1">
-            <a:extLst>
-              <a:ext uri="{FF2B5EF4-FFF2-40B4-BE49-F238E27FC236}">
-                <a16:creationId xmlns:a16="http://schemas.microsoft.com/office/drawing/2014/main" id="{CE39E6E2-2AAF-58B5-C5E6-55D55B6FDF58}"/>
+          <p:cNvPr id="2" name="Title 1">
+            <a:extLst>
+              <a:ext uri="{FF2B5EF4-FFF2-40B4-BE49-F238E27FC236}">
+                <a16:creationId xmlns:a16="http://schemas.microsoft.com/office/drawing/2014/main" id="{140F8770-E2EE-4C9B-9F89-128DAC6618AF}"/>
               </a:ext>
             </a:extLst>
           </p:cNvPr>
@@ -1916,24 +2598,30 @@
             <p:ph type="title"/>
           </p:nvPr>
         </p:nvSpPr>
-        <p:spPr/>
-        <p:txBody>
-          <a:bodyPr/>
-          <a:lstStyle/>
-          <a:p>
-            <a:r>
-              <a:rPr lang="nb-NO"/>
-              <a:t>Klikk for å redigere tittelstil</a:t>
-            </a:r>
-          </a:p>
-        </p:txBody>
-      </p:sp>
-      <p:sp>
-        <p:nvSpPr>
-          <p:cNvPr id="3" name="Plassholder for dato 2">
-            <a:extLst>
-              <a:ext uri="{FF2B5EF4-FFF2-40B4-BE49-F238E27FC236}">
-                <a16:creationId xmlns:a16="http://schemas.microsoft.com/office/drawing/2014/main" id="{A33BBBA2-2CB3-D713-38C0-92FBC3FA15F3}"/>
+        <p:spPr>
+          <a:xfrm>
+            <a:off x="785116" y="703687"/>
+            <a:ext cx="9406190" cy="1722589"/>
+          </a:xfrm>
+        </p:spPr>
+        <p:txBody>
+          <a:bodyPr/>
+          <a:lstStyle/>
+          <a:p>
+            <a:r>
+              <a:rPr lang="en-US"/>
+              <a:t>Click to edit Master title style</a:t>
+            </a:r>
+            <a:endParaRPr lang="en-US" dirty="0"/>
+          </a:p>
+        </p:txBody>
+      </p:sp>
+      <p:sp>
+        <p:nvSpPr>
+          <p:cNvPr id="3" name="Date Placeholder 2">
+            <a:extLst>
+              <a:ext uri="{FF2B5EF4-FFF2-40B4-BE49-F238E27FC236}">
+                <a16:creationId xmlns:a16="http://schemas.microsoft.com/office/drawing/2014/main" id="{A91CE391-8E22-4716-8A8B-C39BA61A7726}"/>
               </a:ext>
             </a:extLst>
           </p:cNvPr>
@@ -1949,20 +2637,20 @@
           <a:bodyPr/>
           <a:lstStyle/>
           <a:p>
-            <a:fld id="{89FAC23A-ED61-E045-A2B4-E818AB6F07ED}" type="datetimeFigureOut">
-              <a:rPr lang="nb-NO" smtClean="0"/>
-              <a:t>20.02.2024</a:t>
+            <a:fld id="{9ED1540C-9440-4E7A-B71A-BEFEE06869E3}" type="datetime1">
+              <a:rPr lang="en-US" smtClean="0"/>
+              <a:t>3/14/24</a:t>
             </a:fld>
-            <a:endParaRPr lang="nb-NO"/>
-          </a:p>
-        </p:txBody>
-      </p:sp>
-      <p:sp>
-        <p:nvSpPr>
-          <p:cNvPr id="4" name="Plassholder for bunntekst 3">
-            <a:extLst>
-              <a:ext uri="{FF2B5EF4-FFF2-40B4-BE49-F238E27FC236}">
-                <a16:creationId xmlns:a16="http://schemas.microsoft.com/office/drawing/2014/main" id="{56CFAF6F-51ED-B446-B061-5090E725B742}"/>
+            <a:endParaRPr lang="en-US"/>
+          </a:p>
+        </p:txBody>
+      </p:sp>
+      <p:sp>
+        <p:nvSpPr>
+          <p:cNvPr id="4" name="Footer Placeholder 3">
+            <a:extLst>
+              <a:ext uri="{FF2B5EF4-FFF2-40B4-BE49-F238E27FC236}">
+                <a16:creationId xmlns:a16="http://schemas.microsoft.com/office/drawing/2014/main" id="{1A6C042F-179F-4DBC-80B7-34B89EA270B8}"/>
               </a:ext>
             </a:extLst>
           </p:cNvPr>
@@ -1978,16 +2666,16 @@
           <a:bodyPr/>
           <a:lstStyle/>
           <a:p>
-            <a:endParaRPr lang="nb-NO"/>
-          </a:p>
-        </p:txBody>
-      </p:sp>
-      <p:sp>
-        <p:nvSpPr>
-          <p:cNvPr id="5" name="Plassholder for lysbildenummer 4">
-            <a:extLst>
-              <a:ext uri="{FF2B5EF4-FFF2-40B4-BE49-F238E27FC236}">
-                <a16:creationId xmlns:a16="http://schemas.microsoft.com/office/drawing/2014/main" id="{45197679-F49C-FA4E-7FD9-10E3A362CAD8}"/>
+            <a:endParaRPr lang="en-US"/>
+          </a:p>
+        </p:txBody>
+      </p:sp>
+      <p:sp>
+        <p:nvSpPr>
+          <p:cNvPr id="5" name="Slide Number Placeholder 4">
+            <a:extLst>
+              <a:ext uri="{FF2B5EF4-FFF2-40B4-BE49-F238E27FC236}">
+                <a16:creationId xmlns:a16="http://schemas.microsoft.com/office/drawing/2014/main" id="{BD386EA4-4BE5-4D17-A1DC-196FEA972B8C}"/>
               </a:ext>
             </a:extLst>
           </p:cNvPr>
@@ -2003,18 +2691,18 @@
           <a:bodyPr/>
           <a:lstStyle/>
           <a:p>
-            <a:fld id="{22EF6CA4-7148-2745-B404-BB9E7F3B7ED5}" type="slidenum">
-              <a:rPr lang="nb-NO" smtClean="0"/>
+            <a:fld id="{81D2C36F-4504-47C0-B82F-A167342A2754}" type="slidenum">
+              <a:rPr lang="en-US" smtClean="0"/>
               <a:t>‹#›</a:t>
             </a:fld>
-            <a:endParaRPr lang="nb-NO"/>
+            <a:endParaRPr lang="en-US"/>
           </a:p>
         </p:txBody>
       </p:sp>
     </p:spTree>
     <p:extLst>
       <p:ext uri="{BB962C8B-B14F-4D97-AF65-F5344CB8AC3E}">
-        <p14:creationId xmlns:p14="http://schemas.microsoft.com/office/powerpoint/2010/main" val="3374930055"/>
+        <p14:creationId xmlns:p14="http://schemas.microsoft.com/office/powerpoint/2010/main" val="250076577"/>
       </p:ext>
     </p:extLst>
   </p:cSld>
@@ -2026,7 +2714,7 @@
 
 <file path=ppt/slideLayouts/slideLayout7.xml><?xml version="1.0" encoding="utf-8"?>
 <p:sldLayout xmlns:a="http://schemas.openxmlformats.org/drawingml/2006/main" xmlns:r="http://schemas.openxmlformats.org/officeDocument/2006/relationships" xmlns:p="http://schemas.openxmlformats.org/presentationml/2006/main" type="blank" preserve="1">
-  <p:cSld name="Tomt">
+  <p:cSld name="Blank">
     <p:spTree>
       <p:nvGrpSpPr>
         <p:cNvPr id="1" name=""/>
@@ -2043,10 +2731,10 @@
       </p:grpSpPr>
       <p:sp>
         <p:nvSpPr>
-          <p:cNvPr id="2" name="Plassholder for dato 1">
-            <a:extLst>
-              <a:ext uri="{FF2B5EF4-FFF2-40B4-BE49-F238E27FC236}">
-                <a16:creationId xmlns:a16="http://schemas.microsoft.com/office/drawing/2014/main" id="{6A250D72-0EB3-2146-FCF6-DF53770DE35B}"/>
+          <p:cNvPr id="2" name="Date Placeholder 1">
+            <a:extLst>
+              <a:ext uri="{FF2B5EF4-FFF2-40B4-BE49-F238E27FC236}">
+                <a16:creationId xmlns:a16="http://schemas.microsoft.com/office/drawing/2014/main" id="{6E649B6B-2C1C-452D-9F93-BD9A6F2B08D4}"/>
               </a:ext>
             </a:extLst>
           </p:cNvPr>
@@ -2062,20 +2750,20 @@
           <a:bodyPr/>
           <a:lstStyle/>
           <a:p>
-            <a:fld id="{89FAC23A-ED61-E045-A2B4-E818AB6F07ED}" type="datetimeFigureOut">
-              <a:rPr lang="nb-NO" smtClean="0"/>
-              <a:t>20.02.2024</a:t>
+            <a:fld id="{E0318DDB-88AC-4039-B59C-B05DC4C9C16C}" type="datetime1">
+              <a:rPr lang="en-US" smtClean="0"/>
+              <a:t>3/14/24</a:t>
             </a:fld>
-            <a:endParaRPr lang="nb-NO"/>
-          </a:p>
-        </p:txBody>
-      </p:sp>
-      <p:sp>
-        <p:nvSpPr>
-          <p:cNvPr id="3" name="Plassholder for bunntekst 2">
-            <a:extLst>
-              <a:ext uri="{FF2B5EF4-FFF2-40B4-BE49-F238E27FC236}">
-                <a16:creationId xmlns:a16="http://schemas.microsoft.com/office/drawing/2014/main" id="{6E4374E7-9105-7482-AAA5-ADA7D4B2A2E2}"/>
+            <a:endParaRPr lang="en-US"/>
+          </a:p>
+        </p:txBody>
+      </p:sp>
+      <p:sp>
+        <p:nvSpPr>
+          <p:cNvPr id="3" name="Footer Placeholder 2">
+            <a:extLst>
+              <a:ext uri="{FF2B5EF4-FFF2-40B4-BE49-F238E27FC236}">
+                <a16:creationId xmlns:a16="http://schemas.microsoft.com/office/drawing/2014/main" id="{647CA8ED-78AC-4474-8874-E4C424297D2E}"/>
               </a:ext>
             </a:extLst>
           </p:cNvPr>
@@ -2091,16 +2779,16 @@
           <a:bodyPr/>
           <a:lstStyle/>
           <a:p>
-            <a:endParaRPr lang="nb-NO"/>
-          </a:p>
-        </p:txBody>
-      </p:sp>
-      <p:sp>
-        <p:nvSpPr>
-          <p:cNvPr id="4" name="Plassholder for lysbildenummer 3">
-            <a:extLst>
-              <a:ext uri="{FF2B5EF4-FFF2-40B4-BE49-F238E27FC236}">
-                <a16:creationId xmlns:a16="http://schemas.microsoft.com/office/drawing/2014/main" id="{DAD2554B-76DB-0330-F413-03D2E4663465}"/>
+            <a:endParaRPr lang="en-US"/>
+          </a:p>
+        </p:txBody>
+      </p:sp>
+      <p:sp>
+        <p:nvSpPr>
+          <p:cNvPr id="4" name="Slide Number Placeholder 3">
+            <a:extLst>
+              <a:ext uri="{FF2B5EF4-FFF2-40B4-BE49-F238E27FC236}">
+                <a16:creationId xmlns:a16="http://schemas.microsoft.com/office/drawing/2014/main" id="{AB90B764-0B68-4801-ADE7-931059129F2A}"/>
               </a:ext>
             </a:extLst>
           </p:cNvPr>
@@ -2116,18 +2804,18 @@
           <a:bodyPr/>
           <a:lstStyle/>
           <a:p>
-            <a:fld id="{22EF6CA4-7148-2745-B404-BB9E7F3B7ED5}" type="slidenum">
-              <a:rPr lang="nb-NO" smtClean="0"/>
+            <a:fld id="{81D2C36F-4504-47C0-B82F-A167342A2754}" type="slidenum">
+              <a:rPr lang="en-US" smtClean="0"/>
               <a:t>‹#›</a:t>
             </a:fld>
-            <a:endParaRPr lang="nb-NO"/>
+            <a:endParaRPr lang="en-US"/>
           </a:p>
         </p:txBody>
       </p:sp>
     </p:spTree>
     <p:extLst>
       <p:ext uri="{BB962C8B-B14F-4D97-AF65-F5344CB8AC3E}">
-        <p14:creationId xmlns:p14="http://schemas.microsoft.com/office/powerpoint/2010/main" val="3642585276"/>
+        <p14:creationId xmlns:p14="http://schemas.microsoft.com/office/powerpoint/2010/main" val="2844093595"/>
       </p:ext>
     </p:extLst>
   </p:cSld>
@@ -2139,7 +2827,7 @@
 
 <file path=ppt/slideLayouts/slideLayout8.xml><?xml version="1.0" encoding="utf-8"?>
 <p:sldLayout xmlns:a="http://schemas.openxmlformats.org/drawingml/2006/main" xmlns:r="http://schemas.openxmlformats.org/officeDocument/2006/relationships" xmlns:p="http://schemas.openxmlformats.org/presentationml/2006/main" type="objTx" preserve="1">
-  <p:cSld name="Innhold med tekst">
+  <p:cSld name="Content with Caption">
     <p:spTree>
       <p:nvGrpSpPr>
         <p:cNvPr id="1" name=""/>
@@ -2156,10 +2844,10 @@
       </p:grpSpPr>
       <p:sp>
         <p:nvSpPr>
-          <p:cNvPr id="2" name="Tittel 1">
-            <a:extLst>
-              <a:ext uri="{FF2B5EF4-FFF2-40B4-BE49-F238E27FC236}">
-                <a16:creationId xmlns:a16="http://schemas.microsoft.com/office/drawing/2014/main" id="{225BAAA2-DA4E-0F0F-57F9-47BDDCEDD773}"/>
+          <p:cNvPr id="2" name="Title 1">
+            <a:extLst>
+              <a:ext uri="{FF2B5EF4-FFF2-40B4-BE49-F238E27FC236}">
+                <a16:creationId xmlns:a16="http://schemas.microsoft.com/office/drawing/2014/main" id="{39AE717A-ED7D-43FE-881F-9407FF220457}"/>
               </a:ext>
             </a:extLst>
           </p:cNvPr>
@@ -2172,8 +2860,8 @@
         </p:nvSpPr>
         <p:spPr>
           <a:xfrm>
-            <a:off x="839788" y="457200"/>
-            <a:ext cx="3932237" cy="1600200"/>
+            <a:off x="839788" y="597476"/>
+            <a:ext cx="3932237" cy="1693717"/>
           </a:xfrm>
         </p:spPr>
         <p:txBody>
@@ -2185,18 +2873,19 @@
           </a:lstStyle>
           <a:p>
             <a:r>
-              <a:rPr lang="nb-NO"/>
-              <a:t>Klikk for å redigere tittelstil</a:t>
-            </a:r>
-          </a:p>
-        </p:txBody>
-      </p:sp>
-      <p:sp>
-        <p:nvSpPr>
-          <p:cNvPr id="3" name="Plassholder for innhold 2">
-            <a:extLst>
-              <a:ext uri="{FF2B5EF4-FFF2-40B4-BE49-F238E27FC236}">
-                <a16:creationId xmlns:a16="http://schemas.microsoft.com/office/drawing/2014/main" id="{D539F9BE-2855-7189-2674-D7F3C9A38D07}"/>
+              <a:rPr lang="en-US"/>
+              <a:t>Click to edit Master title style</a:t>
+            </a:r>
+            <a:endParaRPr lang="en-US" dirty="0"/>
+          </a:p>
+        </p:txBody>
+      </p:sp>
+      <p:sp>
+        <p:nvSpPr>
+          <p:cNvPr id="3" name="Content Placeholder 2">
+            <a:extLst>
+              <a:ext uri="{FF2B5EF4-FFF2-40B4-BE49-F238E27FC236}">
+                <a16:creationId xmlns:a16="http://schemas.microsoft.com/office/drawing/2014/main" id="{936FE954-332E-4D66-AFFD-A15389A769C2}"/>
               </a:ext>
             </a:extLst>
           </p:cNvPr>
@@ -2209,27 +2898,29 @@
         </p:nvSpPr>
         <p:spPr>
           <a:xfrm>
-            <a:off x="5183188" y="987425"/>
-            <a:ext cx="6172200" cy="4873625"/>
+            <a:off x="5183188" y="597475"/>
+            <a:ext cx="5140180" cy="5263575"/>
           </a:xfrm>
         </p:spPr>
         <p:txBody>
-          <a:bodyPr/>
+          <a:bodyPr>
+            <a:normAutofit/>
+          </a:bodyPr>
           <a:lstStyle>
             <a:lvl1pPr>
-              <a:defRPr sz="3200"/>
+              <a:defRPr sz="2800"/>
             </a:lvl1pPr>
             <a:lvl2pPr>
-              <a:defRPr sz="2800"/>
+              <a:defRPr sz="2400"/>
             </a:lvl2pPr>
             <a:lvl3pPr>
-              <a:defRPr sz="2400"/>
+              <a:defRPr sz="2000"/>
             </a:lvl3pPr>
             <a:lvl4pPr>
-              <a:defRPr sz="2000"/>
+              <a:defRPr sz="1800"/>
             </a:lvl4pPr>
             <a:lvl5pPr>
-              <a:defRPr sz="2000"/>
+              <a:defRPr sz="1800"/>
             </a:lvl5pPr>
             <a:lvl6pPr>
               <a:defRPr sz="2000"/>
@@ -2247,46 +2938,47 @@
           <a:p>
             <a:pPr lvl="0"/>
             <a:r>
-              <a:rPr lang="nb-NO"/>
-              <a:t>Klikk for å redigere tekststiler i malen</a:t>
+              <a:rPr lang="en-US"/>
+              <a:t>Click to edit Master text styles</a:t>
             </a:r>
           </a:p>
           <a:p>
             <a:pPr lvl="1"/>
             <a:r>
-              <a:rPr lang="nb-NO"/>
-              <a:t>Andre nivå</a:t>
+              <a:rPr lang="en-US"/>
+              <a:t>Second level</a:t>
             </a:r>
           </a:p>
           <a:p>
             <a:pPr lvl="2"/>
             <a:r>
-              <a:rPr lang="nb-NO"/>
-              <a:t>Tredje nivå</a:t>
+              <a:rPr lang="en-US"/>
+              <a:t>Third level</a:t>
             </a:r>
           </a:p>
           <a:p>
             <a:pPr lvl="3"/>
             <a:r>
-              <a:rPr lang="nb-NO"/>
-              <a:t>Fjerde nivå</a:t>
+              <a:rPr lang="en-US"/>
+              <a:t>Fourth level</a:t>
             </a:r>
           </a:p>
           <a:p>
             <a:pPr lvl="4"/>
             <a:r>
-              <a:rPr lang="nb-NO"/>
-              <a:t>Femte nivå</a:t>
-            </a:r>
-          </a:p>
-        </p:txBody>
-      </p:sp>
-      <p:sp>
-        <p:nvSpPr>
-          <p:cNvPr id="4" name="Plassholder for tekst 3">
-            <a:extLst>
-              <a:ext uri="{FF2B5EF4-FFF2-40B4-BE49-F238E27FC236}">
-                <a16:creationId xmlns:a16="http://schemas.microsoft.com/office/drawing/2014/main" id="{8A23640A-FAAF-2505-7AAC-502F1170421C}"/>
+              <a:rPr lang="en-US"/>
+              <a:t>Fifth level</a:t>
+            </a:r>
+            <a:endParaRPr lang="en-US" dirty="0"/>
+          </a:p>
+        </p:txBody>
+      </p:sp>
+      <p:sp>
+        <p:nvSpPr>
+          <p:cNvPr id="4" name="Text Placeholder 3">
+            <a:extLst>
+              <a:ext uri="{FF2B5EF4-FFF2-40B4-BE49-F238E27FC236}">
+                <a16:creationId xmlns:a16="http://schemas.microsoft.com/office/drawing/2014/main" id="{59D15CDA-9FC3-4F17-963C-DD9E226ECC28}"/>
               </a:ext>
             </a:extLst>
           </p:cNvPr>
@@ -2299,8 +2991,8 @@
         </p:nvSpPr>
         <p:spPr>
           <a:xfrm>
-            <a:off x="839788" y="2057400"/>
-            <a:ext cx="3932237" cy="3811588"/>
+            <a:off x="839788" y="2291194"/>
+            <a:ext cx="3932237" cy="3577793"/>
           </a:xfrm>
         </p:spPr>
         <p:txBody>
@@ -2346,18 +3038,18 @@
           <a:p>
             <a:pPr lvl="0"/>
             <a:r>
-              <a:rPr lang="nb-NO"/>
-              <a:t>Klikk for å redigere tekststiler i malen</a:t>
-            </a:r>
-          </a:p>
-        </p:txBody>
-      </p:sp>
-      <p:sp>
-        <p:nvSpPr>
-          <p:cNvPr id="5" name="Plassholder for dato 4">
-            <a:extLst>
-              <a:ext uri="{FF2B5EF4-FFF2-40B4-BE49-F238E27FC236}">
-                <a16:creationId xmlns:a16="http://schemas.microsoft.com/office/drawing/2014/main" id="{14222E54-FEA3-DCDE-5792-83E5AADF8287}"/>
+              <a:rPr lang="en-US"/>
+              <a:t>Click to edit Master text styles</a:t>
+            </a:r>
+          </a:p>
+        </p:txBody>
+      </p:sp>
+      <p:sp>
+        <p:nvSpPr>
+          <p:cNvPr id="5" name="Date Placeholder 4">
+            <a:extLst>
+              <a:ext uri="{FF2B5EF4-FFF2-40B4-BE49-F238E27FC236}">
+                <a16:creationId xmlns:a16="http://schemas.microsoft.com/office/drawing/2014/main" id="{DCCC30BE-8EE8-4A41-B20E-ACEFC980C039}"/>
               </a:ext>
             </a:extLst>
           </p:cNvPr>
@@ -2373,20 +3065,20 @@
           <a:bodyPr/>
           <a:lstStyle/>
           <a:p>
-            <a:fld id="{89FAC23A-ED61-E045-A2B4-E818AB6F07ED}" type="datetimeFigureOut">
-              <a:rPr lang="nb-NO" smtClean="0"/>
-              <a:t>20.02.2024</a:t>
+            <a:fld id="{E082ABFB-60E7-4BA1-866A-7059F058065B}" type="datetime1">
+              <a:rPr lang="en-US" smtClean="0"/>
+              <a:t>3/14/24</a:t>
             </a:fld>
-            <a:endParaRPr lang="nb-NO"/>
-          </a:p>
-        </p:txBody>
-      </p:sp>
-      <p:sp>
-        <p:nvSpPr>
-          <p:cNvPr id="6" name="Plassholder for bunntekst 5">
-            <a:extLst>
-              <a:ext uri="{FF2B5EF4-FFF2-40B4-BE49-F238E27FC236}">
-                <a16:creationId xmlns:a16="http://schemas.microsoft.com/office/drawing/2014/main" id="{A245A62D-0B62-CC9D-F06A-9FBCD765D860}"/>
+            <a:endParaRPr lang="en-US"/>
+          </a:p>
+        </p:txBody>
+      </p:sp>
+      <p:sp>
+        <p:nvSpPr>
+          <p:cNvPr id="6" name="Footer Placeholder 5">
+            <a:extLst>
+              <a:ext uri="{FF2B5EF4-FFF2-40B4-BE49-F238E27FC236}">
+                <a16:creationId xmlns:a16="http://schemas.microsoft.com/office/drawing/2014/main" id="{644B6719-F550-42EF-B377-8E41A46D00B8}"/>
               </a:ext>
             </a:extLst>
           </p:cNvPr>
@@ -2402,16 +3094,16 @@
           <a:bodyPr/>
           <a:lstStyle/>
           <a:p>
-            <a:endParaRPr lang="nb-NO"/>
-          </a:p>
-        </p:txBody>
-      </p:sp>
-      <p:sp>
-        <p:nvSpPr>
-          <p:cNvPr id="7" name="Plassholder for lysbildenummer 6">
-            <a:extLst>
-              <a:ext uri="{FF2B5EF4-FFF2-40B4-BE49-F238E27FC236}">
-                <a16:creationId xmlns:a16="http://schemas.microsoft.com/office/drawing/2014/main" id="{1EA5C00E-F543-D09E-D039-0F5726ED4031}"/>
+            <a:endParaRPr lang="en-US"/>
+          </a:p>
+        </p:txBody>
+      </p:sp>
+      <p:sp>
+        <p:nvSpPr>
+          <p:cNvPr id="7" name="Slide Number Placeholder 6">
+            <a:extLst>
+              <a:ext uri="{FF2B5EF4-FFF2-40B4-BE49-F238E27FC236}">
+                <a16:creationId xmlns:a16="http://schemas.microsoft.com/office/drawing/2014/main" id="{397A6636-5EF9-499C-A3A0-3021812D0D06}"/>
               </a:ext>
             </a:extLst>
           </p:cNvPr>
@@ -2427,18 +3119,18 @@
           <a:bodyPr/>
           <a:lstStyle/>
           <a:p>
-            <a:fld id="{22EF6CA4-7148-2745-B404-BB9E7F3B7ED5}" type="slidenum">
-              <a:rPr lang="nb-NO" smtClean="0"/>
+            <a:fld id="{81D2C36F-4504-47C0-B82F-A167342A2754}" type="slidenum">
+              <a:rPr lang="en-US" smtClean="0"/>
               <a:t>‹#›</a:t>
             </a:fld>
-            <a:endParaRPr lang="nb-NO"/>
+            <a:endParaRPr lang="en-US"/>
           </a:p>
         </p:txBody>
       </p:sp>
     </p:spTree>
     <p:extLst>
       <p:ext uri="{BB962C8B-B14F-4D97-AF65-F5344CB8AC3E}">
-        <p14:creationId xmlns:p14="http://schemas.microsoft.com/office/powerpoint/2010/main" val="849386371"/>
+        <p14:creationId xmlns:p14="http://schemas.microsoft.com/office/powerpoint/2010/main" val="2252417931"/>
       </p:ext>
     </p:extLst>
   </p:cSld>
@@ -2450,7 +3142,7 @@
 
 <file path=ppt/slideLayouts/slideLayout9.xml><?xml version="1.0" encoding="utf-8"?>
 <p:sldLayout xmlns:a="http://schemas.openxmlformats.org/drawingml/2006/main" xmlns:r="http://schemas.openxmlformats.org/officeDocument/2006/relationships" xmlns:p="http://schemas.openxmlformats.org/presentationml/2006/main" type="picTx" preserve="1">
-  <p:cSld name="Bilde med tekst">
+  <p:cSld name="Picture with Caption">
     <p:spTree>
       <p:nvGrpSpPr>
         <p:cNvPr id="1" name=""/>
@@ -2467,10 +3159,10 @@
       </p:grpSpPr>
       <p:sp>
         <p:nvSpPr>
-          <p:cNvPr id="2" name="Tittel 1">
-            <a:extLst>
-              <a:ext uri="{FF2B5EF4-FFF2-40B4-BE49-F238E27FC236}">
-                <a16:creationId xmlns:a16="http://schemas.microsoft.com/office/drawing/2014/main" id="{E45ED4EA-664E-8AE8-1D17-9050AC52B408}"/>
+          <p:cNvPr id="2" name="Title 1">
+            <a:extLst>
+              <a:ext uri="{FF2B5EF4-FFF2-40B4-BE49-F238E27FC236}">
+                <a16:creationId xmlns:a16="http://schemas.microsoft.com/office/drawing/2014/main" id="{3AC038CB-27F1-47CF-B05A-CC0688301831}"/>
               </a:ext>
             </a:extLst>
           </p:cNvPr>
@@ -2483,8 +3175,8 @@
         </p:nvSpPr>
         <p:spPr>
           <a:xfrm>
-            <a:off x="839788" y="457200"/>
-            <a:ext cx="3932237" cy="1600200"/>
+            <a:off x="839788" y="659822"/>
+            <a:ext cx="3932237" cy="1652154"/>
           </a:xfrm>
         </p:spPr>
         <p:txBody>
@@ -2496,18 +3188,19 @@
           </a:lstStyle>
           <a:p>
             <a:r>
-              <a:rPr lang="nb-NO"/>
-              <a:t>Klikk for å redigere tittelstil</a:t>
-            </a:r>
-          </a:p>
-        </p:txBody>
-      </p:sp>
-      <p:sp>
-        <p:nvSpPr>
-          <p:cNvPr id="3" name="Plassholder for bilde 2">
-            <a:extLst>
-              <a:ext uri="{FF2B5EF4-FFF2-40B4-BE49-F238E27FC236}">
-                <a16:creationId xmlns:a16="http://schemas.microsoft.com/office/drawing/2014/main" id="{3F6F011A-3162-17A8-5A0C-ADEE394D912B}"/>
+              <a:rPr lang="en-US"/>
+              <a:t>Click to edit Master title style</a:t>
+            </a:r>
+            <a:endParaRPr lang="en-US" dirty="0"/>
+          </a:p>
+        </p:txBody>
+      </p:sp>
+      <p:sp>
+        <p:nvSpPr>
+          <p:cNvPr id="3" name="Picture Placeholder 2">
+            <a:extLst>
+              <a:ext uri="{FF2B5EF4-FFF2-40B4-BE49-F238E27FC236}">
+                <a16:creationId xmlns:a16="http://schemas.microsoft.com/office/drawing/2014/main" id="{489C67EA-3155-4708-9B86-D7B2B54FC2BB}"/>
               </a:ext>
             </a:extLst>
           </p:cNvPr>
@@ -2520,8 +3213,8 @@
         </p:nvSpPr>
         <p:spPr>
           <a:xfrm>
-            <a:off x="5183188" y="987425"/>
-            <a:ext cx="6172200" cy="4873625"/>
+            <a:off x="5183188" y="703687"/>
+            <a:ext cx="5212917" cy="4969019"/>
           </a:xfrm>
         </p:spPr>
         <p:txBody>
@@ -2565,16 +3258,19 @@
             </a:lvl9pPr>
           </a:lstStyle>
           <a:p>
-            <a:endParaRPr lang="nb-NO"/>
-          </a:p>
-        </p:txBody>
-      </p:sp>
-      <p:sp>
-        <p:nvSpPr>
-          <p:cNvPr id="4" name="Plassholder for tekst 3">
-            <a:extLst>
-              <a:ext uri="{FF2B5EF4-FFF2-40B4-BE49-F238E27FC236}">
-                <a16:creationId xmlns:a16="http://schemas.microsoft.com/office/drawing/2014/main" id="{3CEFA3DF-926C-BA43-BDFD-E4462FC5AC0C}"/>
+            <a:r>
+              <a:rPr lang="en-US"/>
+              <a:t>Click icon to add picture</a:t>
+            </a:r>
+          </a:p>
+        </p:txBody>
+      </p:sp>
+      <p:sp>
+        <p:nvSpPr>
+          <p:cNvPr id="4" name="Text Placeholder 3">
+            <a:extLst>
+              <a:ext uri="{FF2B5EF4-FFF2-40B4-BE49-F238E27FC236}">
+                <a16:creationId xmlns:a16="http://schemas.microsoft.com/office/drawing/2014/main" id="{07B434F1-C813-4E9B-98A4-B0B372CE2767}"/>
               </a:ext>
             </a:extLst>
           </p:cNvPr>
@@ -2587,8 +3283,8 @@
         </p:nvSpPr>
         <p:spPr>
           <a:xfrm>
-            <a:off x="839788" y="2057400"/>
-            <a:ext cx="3932237" cy="3811588"/>
+            <a:off x="839788" y="2426277"/>
+            <a:ext cx="3932237" cy="3246429"/>
           </a:xfrm>
         </p:spPr>
         <p:txBody>
@@ -2634,18 +3330,18 @@
           <a:p>
             <a:pPr lvl="0"/>
             <a:r>
-              <a:rPr lang="nb-NO"/>
-              <a:t>Klikk for å redigere tekststiler i malen</a:t>
-            </a:r>
-          </a:p>
-        </p:txBody>
-      </p:sp>
-      <p:sp>
-        <p:nvSpPr>
-          <p:cNvPr id="5" name="Plassholder for dato 4">
-            <a:extLst>
-              <a:ext uri="{FF2B5EF4-FFF2-40B4-BE49-F238E27FC236}">
-                <a16:creationId xmlns:a16="http://schemas.microsoft.com/office/drawing/2014/main" id="{E2D3F6DA-C44C-3DFA-21B0-67749FF03391}"/>
+              <a:rPr lang="en-US"/>
+              <a:t>Click to edit Master text styles</a:t>
+            </a:r>
+          </a:p>
+        </p:txBody>
+      </p:sp>
+      <p:sp>
+        <p:nvSpPr>
+          <p:cNvPr id="5" name="Date Placeholder 4">
+            <a:extLst>
+              <a:ext uri="{FF2B5EF4-FFF2-40B4-BE49-F238E27FC236}">
+                <a16:creationId xmlns:a16="http://schemas.microsoft.com/office/drawing/2014/main" id="{9122A0B8-75E7-465D-84CB-BC9C3FB2F5CA}"/>
               </a:ext>
             </a:extLst>
           </p:cNvPr>
@@ -2661,20 +3357,20 @@
           <a:bodyPr/>
           <a:lstStyle/>
           <a:p>
-            <a:fld id="{89FAC23A-ED61-E045-A2B4-E818AB6F07ED}" type="datetimeFigureOut">
-              <a:rPr lang="nb-NO" smtClean="0"/>
-              <a:t>20.02.2024</a:t>
+            <a:fld id="{2694112F-55F4-4776-A323-7418930321C8}" type="datetime1">
+              <a:rPr lang="en-US" smtClean="0"/>
+              <a:t>3/14/24</a:t>
             </a:fld>
-            <a:endParaRPr lang="nb-NO"/>
-          </a:p>
-        </p:txBody>
-      </p:sp>
-      <p:sp>
-        <p:nvSpPr>
-          <p:cNvPr id="6" name="Plassholder for bunntekst 5">
-            <a:extLst>
-              <a:ext uri="{FF2B5EF4-FFF2-40B4-BE49-F238E27FC236}">
-                <a16:creationId xmlns:a16="http://schemas.microsoft.com/office/drawing/2014/main" id="{92E4EDFC-DE66-8DCE-61E5-C122F63DE45C}"/>
+            <a:endParaRPr lang="en-US"/>
+          </a:p>
+        </p:txBody>
+      </p:sp>
+      <p:sp>
+        <p:nvSpPr>
+          <p:cNvPr id="6" name="Footer Placeholder 5">
+            <a:extLst>
+              <a:ext uri="{FF2B5EF4-FFF2-40B4-BE49-F238E27FC236}">
+                <a16:creationId xmlns:a16="http://schemas.microsoft.com/office/drawing/2014/main" id="{1C3879C9-B751-43BD-8B27-FA18290E11BC}"/>
               </a:ext>
             </a:extLst>
           </p:cNvPr>
@@ -2690,16 +3386,16 @@
           <a:bodyPr/>
           <a:lstStyle/>
           <a:p>
-            <a:endParaRPr lang="nb-NO"/>
-          </a:p>
-        </p:txBody>
-      </p:sp>
-      <p:sp>
-        <p:nvSpPr>
-          <p:cNvPr id="7" name="Plassholder for lysbildenummer 6">
-            <a:extLst>
-              <a:ext uri="{FF2B5EF4-FFF2-40B4-BE49-F238E27FC236}">
-                <a16:creationId xmlns:a16="http://schemas.microsoft.com/office/drawing/2014/main" id="{44BC8ED2-FA20-4D15-0964-565ADB6D5081}"/>
+            <a:endParaRPr lang="en-US"/>
+          </a:p>
+        </p:txBody>
+      </p:sp>
+      <p:sp>
+        <p:nvSpPr>
+          <p:cNvPr id="7" name="Slide Number Placeholder 6">
+            <a:extLst>
+              <a:ext uri="{FF2B5EF4-FFF2-40B4-BE49-F238E27FC236}">
+                <a16:creationId xmlns:a16="http://schemas.microsoft.com/office/drawing/2014/main" id="{EB1998FB-27B9-46E5-90E3-09B108B0E807}"/>
               </a:ext>
             </a:extLst>
           </p:cNvPr>
@@ -2715,18 +3411,18 @@
           <a:bodyPr/>
           <a:lstStyle/>
           <a:p>
-            <a:fld id="{22EF6CA4-7148-2745-B404-BB9E7F3B7ED5}" type="slidenum">
-              <a:rPr lang="nb-NO" smtClean="0"/>
+            <a:fld id="{81D2C36F-4504-47C0-B82F-A167342A2754}" type="slidenum">
+              <a:rPr lang="en-US" smtClean="0"/>
               <a:t>‹#›</a:t>
             </a:fld>
-            <a:endParaRPr lang="nb-NO"/>
+            <a:endParaRPr lang="en-US"/>
           </a:p>
         </p:txBody>
       </p:sp>
     </p:spTree>
     <p:extLst>
       <p:ext uri="{BB962C8B-B14F-4D97-AF65-F5344CB8AC3E}">
-        <p14:creationId xmlns:p14="http://schemas.microsoft.com/office/powerpoint/2010/main" val="2481180201"/>
+        <p14:creationId xmlns:p14="http://schemas.microsoft.com/office/powerpoint/2010/main" val="767354306"/>
       </p:ext>
     </p:extLst>
   </p:cSld>
@@ -2760,24 +3456,78 @@
       </p:grpSpPr>
       <p:sp>
         <p:nvSpPr>
-          <p:cNvPr id="2" name="Plassholder for tittel 1">
-            <a:extLst>
-              <a:ext uri="{FF2B5EF4-FFF2-40B4-BE49-F238E27FC236}">
-                <a16:creationId xmlns:a16="http://schemas.microsoft.com/office/drawing/2014/main" id="{C3C274DE-2F21-67DE-335A-EC62ACB9124E}"/>
-              </a:ext>
-            </a:extLst>
-          </p:cNvPr>
-          <p:cNvSpPr>
-            <a:spLocks noGrp="1"/>
-          </p:cNvSpPr>
-          <p:nvPr>
-            <p:ph type="title"/>
-          </p:nvPr>
+          <p:cNvPr id="7" name="Rectangle 6">
+            <a:extLst>
+              <a:ext uri="{FF2B5EF4-FFF2-40B4-BE49-F238E27FC236}">
+                <a16:creationId xmlns:a16="http://schemas.microsoft.com/office/drawing/2014/main" id="{8FBA68A5-A7C7-4D91-AB95-6E0B6FFD8743}"/>
+              </a:ext>
+            </a:extLst>
+          </p:cNvPr>
+          <p:cNvSpPr/>
+          <p:nvPr/>
         </p:nvSpPr>
         <p:spPr>
           <a:xfrm>
-            <a:off x="838200" y="365125"/>
-            <a:ext cx="10515600" cy="1325563"/>
+            <a:off x="0" y="0"/>
+            <a:ext cx="12192000" cy="6858000"/>
+          </a:xfrm>
+          <a:prstGeom prst="rect">
+            <a:avLst/>
+          </a:prstGeom>
+          <a:solidFill>
+            <a:schemeClr val="accent1">
+              <a:alpha val="5000"/>
+            </a:schemeClr>
+          </a:solidFill>
+          <a:ln>
+            <a:noFill/>
+          </a:ln>
+        </p:spPr>
+        <p:style>
+          <a:lnRef idx="2">
+            <a:schemeClr val="accent1">
+              <a:shade val="50000"/>
+            </a:schemeClr>
+          </a:lnRef>
+          <a:fillRef idx="1">
+            <a:schemeClr val="accent1"/>
+          </a:fillRef>
+          <a:effectRef idx="0">
+            <a:schemeClr val="accent1"/>
+          </a:effectRef>
+          <a:fontRef idx="minor">
+            <a:schemeClr val="lt1"/>
+          </a:fontRef>
+        </p:style>
+        <p:txBody>
+          <a:bodyPr rtlCol="0" anchor="ctr"/>
+          <a:lstStyle/>
+          <a:p>
+            <a:pPr algn="ctr"/>
+            <a:endParaRPr lang="en-US"/>
+          </a:p>
+        </p:txBody>
+      </p:sp>
+      <p:sp>
+        <p:nvSpPr>
+          <p:cNvPr id="2" name="Title Placeholder 1">
+            <a:extLst>
+              <a:ext uri="{FF2B5EF4-FFF2-40B4-BE49-F238E27FC236}">
+                <a16:creationId xmlns:a16="http://schemas.microsoft.com/office/drawing/2014/main" id="{11F93EBF-655A-4373-ADBE-9606BFA94B8E}"/>
+              </a:ext>
+            </a:extLst>
+          </p:cNvPr>
+          <p:cNvSpPr>
+            <a:spLocks noGrp="1"/>
+          </p:cNvSpPr>
+          <p:nvPr>
+            <p:ph type="title"/>
+          </p:nvPr>
+        </p:nvSpPr>
+        <p:spPr>
+          <a:xfrm>
+            <a:off x="838200" y="525439"/>
+            <a:ext cx="9485160" cy="1282889"/>
           </a:xfrm>
           <a:prstGeom prst="rect">
             <a:avLst/>
@@ -2790,18 +3540,19 @@
           <a:lstStyle/>
           <a:p>
             <a:r>
-              <a:rPr lang="nb-NO"/>
-              <a:t>Klikk for å redigere tittelstil</a:t>
-            </a:r>
-          </a:p>
-        </p:txBody>
-      </p:sp>
-      <p:sp>
-        <p:nvSpPr>
-          <p:cNvPr id="3" name="Plassholder for tekst 2">
-            <a:extLst>
-              <a:ext uri="{FF2B5EF4-FFF2-40B4-BE49-F238E27FC236}">
-                <a16:creationId xmlns:a16="http://schemas.microsoft.com/office/drawing/2014/main" id="{0A63B687-8311-51DC-BB50-7B31FABAEAD2}"/>
+              <a:rPr lang="en-US"/>
+              <a:t>Click to edit Master title style</a:t>
+            </a:r>
+            <a:endParaRPr lang="en-US" dirty="0"/>
+          </a:p>
+        </p:txBody>
+      </p:sp>
+      <p:sp>
+        <p:nvSpPr>
+          <p:cNvPr id="3" name="Text Placeholder 2">
+            <a:extLst>
+              <a:ext uri="{FF2B5EF4-FFF2-40B4-BE49-F238E27FC236}">
+                <a16:creationId xmlns:a16="http://schemas.microsoft.com/office/drawing/2014/main" id="{DAAF2994-4D2E-43BB-9D9B-117ED94ABDE7}"/>
               </a:ext>
             </a:extLst>
           </p:cNvPr>
@@ -2814,8 +3565,8 @@
         </p:nvSpPr>
         <p:spPr>
           <a:xfrm>
-            <a:off x="838200" y="1825625"/>
-            <a:ext cx="10515600" cy="4351338"/>
+            <a:off x="838200" y="2091757"/>
+            <a:ext cx="9485163" cy="3706443"/>
           </a:xfrm>
           <a:prstGeom prst="rect">
             <a:avLst/>
@@ -2829,46 +3580,47 @@
           <a:p>
             <a:pPr lvl="0"/>
             <a:r>
-              <a:rPr lang="nb-NO"/>
-              <a:t>Klikk for å redigere tekststiler i malen</a:t>
+              <a:rPr lang="en-US"/>
+              <a:t>Click to edit Master text styles</a:t>
             </a:r>
           </a:p>
           <a:p>
             <a:pPr lvl="1"/>
             <a:r>
-              <a:rPr lang="nb-NO"/>
-              <a:t>Andre nivå</a:t>
+              <a:rPr lang="en-US"/>
+              <a:t>Second level</a:t>
             </a:r>
           </a:p>
           <a:p>
             <a:pPr lvl="2"/>
             <a:r>
-              <a:rPr lang="nb-NO"/>
-              <a:t>Tredje nivå</a:t>
+              <a:rPr lang="en-US"/>
+              <a:t>Third level</a:t>
             </a:r>
           </a:p>
           <a:p>
             <a:pPr lvl="3"/>
             <a:r>
-              <a:rPr lang="nb-NO"/>
-              <a:t>Fjerde nivå</a:t>
+              <a:rPr lang="en-US"/>
+              <a:t>Fourth level</a:t>
             </a:r>
           </a:p>
           <a:p>
             <a:pPr lvl="4"/>
             <a:r>
-              <a:rPr lang="nb-NO"/>
-              <a:t>Femte nivå</a:t>
-            </a:r>
-          </a:p>
-        </p:txBody>
-      </p:sp>
-      <p:sp>
-        <p:nvSpPr>
-          <p:cNvPr id="4" name="Plassholder for dato 3">
-            <a:extLst>
-              <a:ext uri="{FF2B5EF4-FFF2-40B4-BE49-F238E27FC236}">
-                <a16:creationId xmlns:a16="http://schemas.microsoft.com/office/drawing/2014/main" id="{C3D37A49-318A-97C7-453C-A2CF1FC6A26D}"/>
+              <a:rPr lang="en-US"/>
+              <a:t>Fifth level</a:t>
+            </a:r>
+            <a:endParaRPr lang="en-US" dirty="0"/>
+          </a:p>
+        </p:txBody>
+      </p:sp>
+      <p:sp>
+        <p:nvSpPr>
+          <p:cNvPr id="4" name="Date Placeholder 3">
+            <a:extLst>
+              <a:ext uri="{FF2B5EF4-FFF2-40B4-BE49-F238E27FC236}">
+                <a16:creationId xmlns:a16="http://schemas.microsoft.com/office/drawing/2014/main" id="{DBF28926-9DF1-4A3E-8B81-2191D6F75EF9}"/>
               </a:ext>
             </a:extLst>
           </p:cNvPr>
@@ -2881,8 +3633,8 @@
         </p:nvSpPr>
         <p:spPr>
           <a:xfrm>
-            <a:off x="838200" y="6356350"/>
-            <a:ext cx="2743200" cy="365125"/>
+            <a:off x="628652" y="6140304"/>
+            <a:ext cx="3154896" cy="287075"/>
           </a:xfrm>
           <a:prstGeom prst="rect">
             <a:avLst/>
@@ -2892,30 +3644,28 @@
           <a:bodyPr vert="horz" lIns="91440" tIns="45720" rIns="91440" bIns="45720" rtlCol="0" anchor="ctr"/>
           <a:lstStyle>
             <a:lvl1pPr algn="l">
-              <a:defRPr sz="1200">
+              <a:defRPr sz="1000" cap="all" spc="300" baseline="0">
                 <a:solidFill>
-                  <a:schemeClr val="tx1">
-                    <a:tint val="75000"/>
-                  </a:schemeClr>
+                  <a:schemeClr val="accent1"/>
                 </a:solidFill>
               </a:defRPr>
             </a:lvl1pPr>
           </a:lstStyle>
           <a:p>
-            <a:fld id="{89FAC23A-ED61-E045-A2B4-E818AB6F07ED}" type="datetimeFigureOut">
-              <a:rPr lang="nb-NO" smtClean="0"/>
-              <a:t>20.02.2024</a:t>
+            <a:fld id="{CFBEA57F-793F-4683-BD8A-741FD4B89154}" type="datetime1">
+              <a:rPr lang="en-US" smtClean="0"/>
+              <a:t>3/14/24</a:t>
             </a:fld>
-            <a:endParaRPr lang="nb-NO"/>
-          </a:p>
-        </p:txBody>
-      </p:sp>
-      <p:sp>
-        <p:nvSpPr>
-          <p:cNvPr id="5" name="Plassholder for bunntekst 4">
-            <a:extLst>
-              <a:ext uri="{FF2B5EF4-FFF2-40B4-BE49-F238E27FC236}">
-                <a16:creationId xmlns:a16="http://schemas.microsoft.com/office/drawing/2014/main" id="{73F5F3A5-19CE-83B3-E8BD-33BE0B4D58E3}"/>
+            <a:endParaRPr lang="en-US" dirty="0"/>
+          </a:p>
+        </p:txBody>
+      </p:sp>
+      <p:sp>
+        <p:nvSpPr>
+          <p:cNvPr id="5" name="Footer Placeholder 4">
+            <a:extLst>
+              <a:ext uri="{FF2B5EF4-FFF2-40B4-BE49-F238E27FC236}">
+                <a16:creationId xmlns:a16="http://schemas.microsoft.com/office/drawing/2014/main" id="{7D01BD4F-CE83-48A3-9683-19CF03C0A586}"/>
               </a:ext>
             </a:extLst>
           </p:cNvPr>
@@ -2927,8 +3677,8 @@
           </p:nvPr>
         </p:nvSpPr>
         <p:spPr>
-          <a:xfrm>
-            <a:off x="4038600" y="6356350"/>
+          <a:xfrm rot="5400000">
+            <a:off x="9233562" y="2578525"/>
             <a:ext cx="4114800" cy="365125"/>
           </a:xfrm>
           <a:prstGeom prst="rect">
@@ -2938,27 +3688,25 @@
         <p:txBody>
           <a:bodyPr vert="horz" lIns="91440" tIns="45720" rIns="91440" bIns="45720" rtlCol="0" anchor="ctr"/>
           <a:lstStyle>
-            <a:lvl1pPr algn="ctr">
-              <a:defRPr sz="1200">
+            <a:lvl1pPr algn="l">
+              <a:defRPr sz="1050" b="1" cap="all" spc="300" baseline="0">
                 <a:solidFill>
-                  <a:schemeClr val="tx1">
-                    <a:tint val="75000"/>
-                  </a:schemeClr>
+                  <a:schemeClr val="accent1"/>
                 </a:solidFill>
               </a:defRPr>
             </a:lvl1pPr>
           </a:lstStyle>
           <a:p>
-            <a:endParaRPr lang="nb-NO"/>
-          </a:p>
-        </p:txBody>
-      </p:sp>
-      <p:sp>
-        <p:nvSpPr>
-          <p:cNvPr id="6" name="Plassholder for lysbildenummer 5">
-            <a:extLst>
-              <a:ext uri="{FF2B5EF4-FFF2-40B4-BE49-F238E27FC236}">
-                <a16:creationId xmlns:a16="http://schemas.microsoft.com/office/drawing/2014/main" id="{38E5139D-5253-C987-7DC2-97591BAE5BF1}"/>
+            <a:endParaRPr lang="en-US" dirty="0"/>
+          </a:p>
+        </p:txBody>
+      </p:sp>
+      <p:sp>
+        <p:nvSpPr>
+          <p:cNvPr id="6" name="Slide Number Placeholder 5">
+            <a:extLst>
+              <a:ext uri="{FF2B5EF4-FFF2-40B4-BE49-F238E27FC236}">
+                <a16:creationId xmlns:a16="http://schemas.microsoft.com/office/drawing/2014/main" id="{3AB94939-09B3-4A6E-88F8-4D923A56D479}"/>
               </a:ext>
             </a:extLst>
           </p:cNvPr>
@@ -2971,8 +3719,8 @@
         </p:nvSpPr>
         <p:spPr>
           <a:xfrm>
-            <a:off x="8610600" y="6356350"/>
-            <a:ext cx="2743200" cy="365125"/>
+            <a:off x="10821701" y="5672706"/>
+            <a:ext cx="951908" cy="754673"/>
           </a:xfrm>
           <a:prstGeom prst="rect">
             <a:avLst/>
@@ -2981,46 +3729,183 @@
         <p:txBody>
           <a:bodyPr vert="horz" lIns="91440" tIns="45720" rIns="91440" bIns="45720" rtlCol="0" anchor="ctr"/>
           <a:lstStyle>
-            <a:lvl1pPr algn="r">
-              <a:defRPr sz="1200">
+            <a:lvl1pPr algn="ctr">
+              <a:defRPr sz="3600" b="1">
                 <a:solidFill>
-                  <a:schemeClr val="tx1">
-                    <a:tint val="75000"/>
-                  </a:schemeClr>
+                  <a:schemeClr val="accent1"/>
                 </a:solidFill>
               </a:defRPr>
             </a:lvl1pPr>
           </a:lstStyle>
           <a:p>
-            <a:fld id="{22EF6CA4-7148-2745-B404-BB9E7F3B7ED5}" type="slidenum">
-              <a:rPr lang="nb-NO" smtClean="0"/>
+            <a:fld id="{81D2C36F-4504-47C0-B82F-A167342A2754}" type="slidenum">
+              <a:rPr lang="en-US" smtClean="0"/>
               <a:t>‹#›</a:t>
             </a:fld>
-            <a:endParaRPr lang="nb-NO"/>
-          </a:p>
-        </p:txBody>
-      </p:sp>
+            <a:endParaRPr lang="en-US" dirty="0"/>
+          </a:p>
+        </p:txBody>
+      </p:sp>
+      <p:sp>
+        <p:nvSpPr>
+          <p:cNvPr id="15" name="Rectangle 14">
+            <a:extLst>
+              <a:ext uri="{FF2B5EF4-FFF2-40B4-BE49-F238E27FC236}">
+                <a16:creationId xmlns:a16="http://schemas.microsoft.com/office/drawing/2014/main" id="{DA4051E3-92B2-42FC-BB3D-372E4A614439}"/>
+              </a:ext>
+            </a:extLst>
+          </p:cNvPr>
+          <p:cNvSpPr/>
+          <p:nvPr/>
+        </p:nvSpPr>
+        <p:spPr>
+          <a:xfrm>
+            <a:off x="367744" y="334928"/>
+            <a:ext cx="11456511" cy="6188146"/>
+          </a:xfrm>
+          <a:prstGeom prst="rect">
+            <a:avLst/>
+          </a:prstGeom>
+          <a:noFill/>
+          <a:ln>
+            <a:solidFill>
+              <a:schemeClr val="accent1"/>
+            </a:solidFill>
+          </a:ln>
+        </p:spPr>
+        <p:style>
+          <a:lnRef idx="2">
+            <a:schemeClr val="accent1">
+              <a:shade val="50000"/>
+            </a:schemeClr>
+          </a:lnRef>
+          <a:fillRef idx="1">
+            <a:schemeClr val="accent1"/>
+          </a:fillRef>
+          <a:effectRef idx="0">
+            <a:schemeClr val="accent1"/>
+          </a:effectRef>
+          <a:fontRef idx="minor">
+            <a:schemeClr val="lt1"/>
+          </a:fontRef>
+        </p:style>
+        <p:txBody>
+          <a:bodyPr rtlCol="0" anchor="ctr"/>
+          <a:lstStyle/>
+          <a:p>
+            <a:pPr algn="ctr"/>
+            <a:endParaRPr lang="en-US"/>
+          </a:p>
+        </p:txBody>
+      </p:sp>
+      <p:cxnSp>
+        <p:nvCxnSpPr>
+          <p:cNvPr id="16" name="Straight Connector 15">
+            <a:extLst>
+              <a:ext uri="{FF2B5EF4-FFF2-40B4-BE49-F238E27FC236}">
+                <a16:creationId xmlns:a16="http://schemas.microsoft.com/office/drawing/2014/main" id="{3C425084-C97A-4C25-AE47-DDECF2DD3ABC}"/>
+              </a:ext>
+            </a:extLst>
+          </p:cNvPr>
+          <p:cNvCxnSpPr>
+            <a:cxnSpLocks/>
+          </p:cNvCxnSpPr>
+          <p:nvPr/>
+        </p:nvCxnSpPr>
+        <p:spPr>
+          <a:xfrm>
+            <a:off x="10748698" y="334928"/>
+            <a:ext cx="0" cy="6188146"/>
+          </a:xfrm>
+          <a:prstGeom prst="line">
+            <a:avLst/>
+          </a:prstGeom>
+          <a:ln w="12700">
+            <a:solidFill>
+              <a:schemeClr val="accent1"/>
+            </a:solidFill>
+          </a:ln>
+        </p:spPr>
+        <p:style>
+          <a:lnRef idx="1">
+            <a:schemeClr val="accent1"/>
+          </a:lnRef>
+          <a:fillRef idx="0">
+            <a:schemeClr val="accent1"/>
+          </a:fillRef>
+          <a:effectRef idx="0">
+            <a:schemeClr val="accent1"/>
+          </a:effectRef>
+          <a:fontRef idx="minor">
+            <a:schemeClr val="tx1"/>
+          </a:fontRef>
+        </p:style>
+      </p:cxnSp>
+      <p:cxnSp>
+        <p:nvCxnSpPr>
+          <p:cNvPr id="17" name="Straight Connector 16">
+            <a:extLst>
+              <a:ext uri="{FF2B5EF4-FFF2-40B4-BE49-F238E27FC236}">
+                <a16:creationId xmlns:a16="http://schemas.microsoft.com/office/drawing/2014/main" id="{96A478A1-0B34-4F2B-88FA-CF47551E5DF9}"/>
+              </a:ext>
+            </a:extLst>
+          </p:cNvPr>
+          <p:cNvCxnSpPr>
+            <a:cxnSpLocks/>
+          </p:cNvCxnSpPr>
+          <p:nvPr/>
+        </p:nvCxnSpPr>
+        <p:spPr>
+          <a:xfrm>
+            <a:off x="373060" y="6047437"/>
+            <a:ext cx="10375638" cy="0"/>
+          </a:xfrm>
+          <a:prstGeom prst="line">
+            <a:avLst/>
+          </a:prstGeom>
+          <a:ln w="12700">
+            <a:solidFill>
+              <a:schemeClr val="accent1"/>
+            </a:solidFill>
+          </a:ln>
+        </p:spPr>
+        <p:style>
+          <a:lnRef idx="1">
+            <a:schemeClr val="accent1"/>
+          </a:lnRef>
+          <a:fillRef idx="0">
+            <a:schemeClr val="accent1"/>
+          </a:fillRef>
+          <a:effectRef idx="0">
+            <a:schemeClr val="accent1"/>
+          </a:effectRef>
+          <a:fontRef idx="minor">
+            <a:schemeClr val="tx1"/>
+          </a:fontRef>
+        </p:style>
+      </p:cxnSp>
     </p:spTree>
     <p:extLst>
       <p:ext uri="{BB962C8B-B14F-4D97-AF65-F5344CB8AC3E}">
-        <p14:creationId xmlns:p14="http://schemas.microsoft.com/office/powerpoint/2010/main" val="3330904790"/>
+        <p14:creationId xmlns:p14="http://schemas.microsoft.com/office/powerpoint/2010/main" val="3511749938"/>
       </p:ext>
     </p:extLst>
   </p:cSld>
   <p:clrMap bg1="lt1" tx1="dk1" bg2="lt2" tx2="dk2" accent1="accent1" accent2="accent2" accent3="accent3" accent4="accent4" accent5="accent5" accent6="accent6" hlink="hlink" folHlink="folHlink"/>
   <p:sldLayoutIdLst>
-    <p:sldLayoutId id="2147483649" r:id="rId1"/>
-    <p:sldLayoutId id="2147483650" r:id="rId2"/>
-    <p:sldLayoutId id="2147483651" r:id="rId3"/>
-    <p:sldLayoutId id="2147483652" r:id="rId4"/>
-    <p:sldLayoutId id="2147483653" r:id="rId5"/>
-    <p:sldLayoutId id="2147483654" r:id="rId6"/>
-    <p:sldLayoutId id="2147483655" r:id="rId7"/>
-    <p:sldLayoutId id="2147483656" r:id="rId8"/>
-    <p:sldLayoutId id="2147483657" r:id="rId9"/>
-    <p:sldLayoutId id="2147483658" r:id="rId10"/>
-    <p:sldLayoutId id="2147483659" r:id="rId11"/>
+    <p:sldLayoutId id="2147483752" r:id="rId1"/>
+    <p:sldLayoutId id="2147483753" r:id="rId2"/>
+    <p:sldLayoutId id="2147483754" r:id="rId3"/>
+    <p:sldLayoutId id="2147483755" r:id="rId4"/>
+    <p:sldLayoutId id="2147483756" r:id="rId5"/>
+    <p:sldLayoutId id="2147483762" r:id="rId6"/>
+    <p:sldLayoutId id="2147483757" r:id="rId7"/>
+    <p:sldLayoutId id="2147483758" r:id="rId8"/>
+    <p:sldLayoutId id="2147483759" r:id="rId9"/>
+    <p:sldLayoutId id="2147483761" r:id="rId10"/>
+    <p:sldLayoutId id="2147483760" r:id="rId11"/>
   </p:sldLayoutIdLst>
+  <p:hf hdr="0"/>
   <p:txStyles>
     <p:titleStyle>
       <a:lvl1pPr algn="l" defTabSz="914400" rtl="0" eaLnBrk="1" latinLnBrk="0" hangingPunct="1">
@@ -3031,9 +3916,9 @@
           <a:spcPct val="0"/>
         </a:spcBef>
         <a:buNone/>
-        <a:defRPr sz="4400" kern="1200">
+        <a:defRPr sz="4000" kern="1200">
           <a:solidFill>
-            <a:schemeClr val="tx1"/>
+            <a:schemeClr val="accent1"/>
           </a:solidFill>
           <a:latin typeface="+mj-lt"/>
           <a:ea typeface="+mj-ea"/>
@@ -3044,16 +3929,16 @@
     <p:bodyStyle>
       <a:lvl1pPr marL="228600" indent="-228600" algn="l" defTabSz="914400" rtl="0" eaLnBrk="1" latinLnBrk="0" hangingPunct="1">
         <a:lnSpc>
-          <a:spcPct val="90000"/>
+          <a:spcPct val="140000"/>
         </a:lnSpc>
         <a:spcBef>
           <a:spcPts val="1000"/>
         </a:spcBef>
         <a:buFont typeface="Arial" panose="020B0604020202020204" pitchFamily="34" charset="0"/>
         <a:buChar char="•"/>
-        <a:defRPr sz="2800" kern="1200">
+        <a:defRPr sz="1800" kern="1200">
           <a:solidFill>
-            <a:schemeClr val="tx1"/>
+            <a:schemeClr val="accent1"/>
           </a:solidFill>
           <a:latin typeface="+mn-lt"/>
           <a:ea typeface="+mn-ea"/>
@@ -3062,16 +3947,16 @@
       </a:lvl1pPr>
       <a:lvl2pPr marL="685800" indent="-228600" algn="l" defTabSz="914400" rtl="0" eaLnBrk="1" latinLnBrk="0" hangingPunct="1">
         <a:lnSpc>
-          <a:spcPct val="90000"/>
+          <a:spcPct val="140000"/>
         </a:lnSpc>
         <a:spcBef>
           <a:spcPts val="500"/>
         </a:spcBef>
         <a:buFont typeface="Arial" panose="020B0604020202020204" pitchFamily="34" charset="0"/>
         <a:buChar char="•"/>
-        <a:defRPr sz="2400" kern="1200">
+        <a:defRPr sz="1600" kern="1200">
           <a:solidFill>
-            <a:schemeClr val="tx1"/>
+            <a:schemeClr val="accent1"/>
           </a:solidFill>
           <a:latin typeface="+mn-lt"/>
           <a:ea typeface="+mn-ea"/>
@@ -3080,16 +3965,16 @@
       </a:lvl2pPr>
       <a:lvl3pPr marL="1143000" indent="-228600" algn="l" defTabSz="914400" rtl="0" eaLnBrk="1" latinLnBrk="0" hangingPunct="1">
         <a:lnSpc>
-          <a:spcPct val="90000"/>
+          <a:spcPct val="140000"/>
         </a:lnSpc>
         <a:spcBef>
           <a:spcPts val="500"/>
         </a:spcBef>
         <a:buFont typeface="Arial" panose="020B0604020202020204" pitchFamily="34" charset="0"/>
         <a:buChar char="•"/>
-        <a:defRPr sz="2000" kern="1200">
+        <a:defRPr sz="1400" kern="1200">
           <a:solidFill>
-            <a:schemeClr val="tx1"/>
+            <a:schemeClr val="accent1"/>
           </a:solidFill>
           <a:latin typeface="+mn-lt"/>
           <a:ea typeface="+mn-ea"/>
@@ -3098,16 +3983,16 @@
       </a:lvl3pPr>
       <a:lvl4pPr marL="1600200" indent="-228600" algn="l" defTabSz="914400" rtl="0" eaLnBrk="1" latinLnBrk="0" hangingPunct="1">
         <a:lnSpc>
-          <a:spcPct val="90000"/>
+          <a:spcPct val="140000"/>
         </a:lnSpc>
         <a:spcBef>
           <a:spcPts val="500"/>
         </a:spcBef>
         <a:buFont typeface="Arial" panose="020B0604020202020204" pitchFamily="34" charset="0"/>
         <a:buChar char="•"/>
-        <a:defRPr sz="1800" kern="1200">
+        <a:defRPr sz="1200" kern="1200">
           <a:solidFill>
-            <a:schemeClr val="tx1"/>
+            <a:schemeClr val="accent1"/>
           </a:solidFill>
           <a:latin typeface="+mn-lt"/>
           <a:ea typeface="+mn-ea"/>
@@ -3116,16 +4001,16 @@
       </a:lvl4pPr>
       <a:lvl5pPr marL="2057400" indent="-228600" algn="l" defTabSz="914400" rtl="0" eaLnBrk="1" latinLnBrk="0" hangingPunct="1">
         <a:lnSpc>
-          <a:spcPct val="90000"/>
+          <a:spcPct val="140000"/>
         </a:lnSpc>
         <a:spcBef>
           <a:spcPts val="500"/>
         </a:spcBef>
         <a:buFont typeface="Arial" panose="020B0604020202020204" pitchFamily="34" charset="0"/>
         <a:buChar char="•"/>
-        <a:defRPr sz="1800" kern="1200">
+        <a:defRPr sz="1200" kern="1200">
           <a:solidFill>
-            <a:schemeClr val="tx1"/>
+            <a:schemeClr val="accent1"/>
           </a:solidFill>
           <a:latin typeface="+mn-lt"/>
           <a:ea typeface="+mn-ea"/>
@@ -3207,7 +4092,7 @@
     </p:bodyStyle>
     <p:otherStyle>
       <a:defPPr>
-        <a:defRPr lang="nb-NO"/>
+        <a:defRPr lang="en-US"/>
       </a:defPPr>
       <a:lvl1pPr marL="0" algn="l" defTabSz="914400" rtl="0" eaLnBrk="1" latinLnBrk="0" hangingPunct="1">
         <a:defRPr sz="1800" kern="1200">
@@ -3307,6 +4192,14 @@
 <file path=ppt/slides/slide1.xml><?xml version="1.0" encoding="utf-8"?>
 <p:sld xmlns:a="http://schemas.openxmlformats.org/drawingml/2006/main" xmlns:r="http://schemas.openxmlformats.org/officeDocument/2006/relationships" xmlns:p="http://schemas.openxmlformats.org/presentationml/2006/main">
   <p:cSld>
+    <p:bg>
+      <p:bgPr>
+        <a:solidFill>
+          <a:schemeClr val="bg1"/>
+        </a:solidFill>
+        <a:effectLst/>
+      </p:bgPr>
+    </p:bg>
     <p:spTree>
       <p:nvGrpSpPr>
         <p:cNvPr id="1" name=""/>
@@ -3321,6 +4214,330 @@
           <a:chExt cx="0" cy="0"/>
         </a:xfrm>
       </p:grpSpPr>
+      <p:sp useBgFill="1">
+        <p:nvSpPr>
+          <p:cNvPr id="9" name="Rectangle 8">
+            <a:extLst>
+              <a:ext uri="{FF2B5EF4-FFF2-40B4-BE49-F238E27FC236}">
+                <a16:creationId xmlns:a16="http://schemas.microsoft.com/office/drawing/2014/main" id="{B9BBDDCC-0358-4EDD-9820-287B1D8FDEE8}"/>
+              </a:ext>
+              <a:ext uri="{C183D7F6-B498-43B3-948B-1728B52AA6E4}">
+                <adec:decorative xmlns:adec="http://schemas.microsoft.com/office/drawing/2017/decorative" val="1"/>
+              </a:ext>
+            </a:extLst>
+          </p:cNvPr>
+          <p:cNvSpPr>
+            <a:spLocks noGrp="1" noRot="1" noChangeAspect="1" noMove="1" noResize="1" noEditPoints="1" noAdjustHandles="1" noChangeArrowheads="1" noChangeShapeType="1" noTextEdit="1"/>
+          </p:cNvSpPr>
+          <p:nvPr>
+            <p:extLst>
+              <p:ext uri="{386F3935-93C4-4BCD-93E2-E3B085C9AB24}">
+                <p16:designElem xmlns:p16="http://schemas.microsoft.com/office/powerpoint/2015/main" val="1"/>
+              </p:ext>
+            </p:extLst>
+          </p:nvPr>
+        </p:nvSpPr>
+        <p:spPr>
+          <a:xfrm>
+            <a:off x="0" y="0"/>
+            <a:ext cx="12192000" cy="6858000"/>
+          </a:xfrm>
+          <a:prstGeom prst="rect">
+            <a:avLst/>
+          </a:prstGeom>
+          <a:ln w="12700" cap="flat" cmpd="sng" algn="ctr">
+            <a:noFill/>
+            <a:prstDash val="solid"/>
+            <a:miter lim="800000"/>
+          </a:ln>
+          <a:effectLst/>
+          <a:extLst>
+            <a:ext uri="{91240B29-F687-4F45-9708-019B960494DF}">
+              <a14:hiddenLine xmlns:a14="http://schemas.microsoft.com/office/drawing/2010/main" w="12700" cap="flat" cmpd="sng" algn="ctr">
+                <a:solidFill>
+                  <a:schemeClr val="accent1">
+                    <a:shade val="50000"/>
+                  </a:schemeClr>
+                </a:solidFill>
+                <a:prstDash val="solid"/>
+                <a:miter lim="800000"/>
+              </a14:hiddenLine>
+            </a:ext>
+          </a:extLst>
+        </p:spPr>
+        <p:style>
+          <a:lnRef idx="2">
+            <a:schemeClr val="accent1">
+              <a:shade val="50000"/>
+            </a:schemeClr>
+          </a:lnRef>
+          <a:fillRef idx="1">
+            <a:schemeClr val="accent1"/>
+          </a:fillRef>
+          <a:effectRef idx="0">
+            <a:schemeClr val="accent1"/>
+          </a:effectRef>
+          <a:fontRef idx="minor">
+            <a:schemeClr val="lt1"/>
+          </a:fontRef>
+        </p:style>
+        <p:txBody>
+          <a:bodyPr rtlCol="0" anchor="ctr"/>
+          <a:lstStyle/>
+          <a:p>
+            <a:pPr algn="ctr"/>
+            <a:endParaRPr lang="en-US"/>
+          </a:p>
+        </p:txBody>
+      </p:sp>
+      <p:pic>
+        <p:nvPicPr>
+          <p:cNvPr id="4" name="Picture 3" descr="Et bilde som inneholder skjermbilde, kunst, mønster, Fargerikt&#10;&#10;Automatisk generert beskrivelse">
+            <a:extLst>
+              <a:ext uri="{FF2B5EF4-FFF2-40B4-BE49-F238E27FC236}">
+                <a16:creationId xmlns:a16="http://schemas.microsoft.com/office/drawing/2014/main" id="{5EB0F6EE-0934-AB0B-AAA2-A88E165BCF2E}"/>
+              </a:ext>
+            </a:extLst>
+          </p:cNvPr>
+          <p:cNvPicPr>
+            <a:picLocks noChangeAspect="1"/>
+          </p:cNvPicPr>
+          <p:nvPr/>
+        </p:nvPicPr>
+        <p:blipFill rotWithShape="1">
+          <a:blip r:embed="rId2"/>
+          <a:srcRect t="9160" b="6570"/>
+          <a:stretch/>
+        </p:blipFill>
+        <p:spPr>
+          <a:xfrm>
+            <a:off x="20" y="10"/>
+            <a:ext cx="12191979" cy="6857990"/>
+          </a:xfrm>
+          <a:prstGeom prst="rect">
+            <a:avLst/>
+          </a:prstGeom>
+        </p:spPr>
+      </p:pic>
+      <p:sp>
+        <p:nvSpPr>
+          <p:cNvPr id="11" name="Rectangle 10">
+            <a:extLst>
+              <a:ext uri="{FF2B5EF4-FFF2-40B4-BE49-F238E27FC236}">
+                <a16:creationId xmlns:a16="http://schemas.microsoft.com/office/drawing/2014/main" id="{DE85C6F8-1197-41BB-810E-FD2CBA60E3A9}"/>
+              </a:ext>
+              <a:ext uri="{C183D7F6-B498-43B3-948B-1728B52AA6E4}">
+                <adec:decorative xmlns:adec="http://schemas.microsoft.com/office/drawing/2017/decorative" val="1"/>
+              </a:ext>
+            </a:extLst>
+          </p:cNvPr>
+          <p:cNvSpPr>
+            <a:spLocks noGrp="1" noRot="1" noChangeAspect="1" noMove="1" noResize="1" noEditPoints="1" noAdjustHandles="1" noChangeArrowheads="1" noChangeShapeType="1" noTextEdit="1"/>
+          </p:cNvSpPr>
+          <p:nvPr>
+            <p:extLst>
+              <p:ext uri="{386F3935-93C4-4BCD-93E2-E3B085C9AB24}">
+                <p16:designElem xmlns:p16="http://schemas.microsoft.com/office/powerpoint/2015/main" val="1"/>
+              </p:ext>
+            </p:extLst>
+          </p:nvPr>
+        </p:nvSpPr>
+        <p:spPr>
+          <a:xfrm rot="16200000">
+            <a:off x="-429902" y="429899"/>
+            <a:ext cx="6858000" cy="5998193"/>
+          </a:xfrm>
+          <a:prstGeom prst="rect">
+            <a:avLst/>
+          </a:prstGeom>
+          <a:gradFill>
+            <a:gsLst>
+              <a:gs pos="100000">
+                <a:srgbClr val="000000">
+                  <a:alpha val="0"/>
+                </a:srgbClr>
+              </a:gs>
+              <a:gs pos="0">
+                <a:schemeClr val="tx1"/>
+              </a:gs>
+              <a:gs pos="0">
+                <a:srgbClr val="000000">
+                  <a:alpha val="28000"/>
+                </a:srgbClr>
+              </a:gs>
+            </a:gsLst>
+            <a:lin ang="5400000" scaled="1"/>
+          </a:gradFill>
+          <a:ln>
+            <a:noFill/>
+          </a:ln>
+        </p:spPr>
+        <p:style>
+          <a:lnRef idx="2">
+            <a:schemeClr val="accent1">
+              <a:shade val="50000"/>
+            </a:schemeClr>
+          </a:lnRef>
+          <a:fillRef idx="1">
+            <a:schemeClr val="accent1"/>
+          </a:fillRef>
+          <a:effectRef idx="0">
+            <a:schemeClr val="accent1"/>
+          </a:effectRef>
+          <a:fontRef idx="minor">
+            <a:schemeClr val="lt1"/>
+          </a:fontRef>
+        </p:style>
+        <p:txBody>
+          <a:bodyPr rtlCol="0" anchor="ctr"/>
+          <a:lstStyle/>
+          <a:p>
+            <a:pPr algn="ctr"/>
+            <a:endParaRPr lang="en-US"/>
+          </a:p>
+        </p:txBody>
+      </p:sp>
+      <p:sp>
+        <p:nvSpPr>
+          <p:cNvPr id="13" name="Rectangle 12">
+            <a:extLst>
+              <a:ext uri="{FF2B5EF4-FFF2-40B4-BE49-F238E27FC236}">
+                <a16:creationId xmlns:a16="http://schemas.microsoft.com/office/drawing/2014/main" id="{155C8441-74BB-42B4-8567-536A10555DC9}"/>
+              </a:ext>
+              <a:ext uri="{C183D7F6-B498-43B3-948B-1728B52AA6E4}">
+                <adec:decorative xmlns:adec="http://schemas.microsoft.com/office/drawing/2017/decorative" val="1"/>
+              </a:ext>
+            </a:extLst>
+          </p:cNvPr>
+          <p:cNvSpPr>
+            <a:spLocks noGrp="1" noRot="1" noChangeAspect="1" noMove="1" noResize="1" noEditPoints="1" noAdjustHandles="1" noChangeArrowheads="1" noChangeShapeType="1" noTextEdit="1"/>
+          </p:cNvSpPr>
+          <p:nvPr>
+            <p:extLst>
+              <p:ext uri="{386F3935-93C4-4BCD-93E2-E3B085C9AB24}">
+                <p16:designElem xmlns:p16="http://schemas.microsoft.com/office/powerpoint/2015/main" val="1"/>
+              </p:ext>
+            </p:extLst>
+          </p:nvPr>
+        </p:nvSpPr>
+        <p:spPr>
+          <a:xfrm rot="5400000">
+            <a:off x="7308835" y="1964820"/>
+            <a:ext cx="6858000" cy="2928361"/>
+          </a:xfrm>
+          <a:prstGeom prst="rect">
+            <a:avLst/>
+          </a:prstGeom>
+          <a:gradFill>
+            <a:gsLst>
+              <a:gs pos="100000">
+                <a:srgbClr val="000000">
+                  <a:alpha val="0"/>
+                </a:srgbClr>
+              </a:gs>
+              <a:gs pos="0">
+                <a:schemeClr val="tx1"/>
+              </a:gs>
+              <a:gs pos="0">
+                <a:srgbClr val="000000">
+                  <a:alpha val="14000"/>
+                </a:srgbClr>
+              </a:gs>
+            </a:gsLst>
+            <a:lin ang="5400000" scaled="1"/>
+          </a:gradFill>
+          <a:ln>
+            <a:noFill/>
+          </a:ln>
+        </p:spPr>
+        <p:style>
+          <a:lnRef idx="2">
+            <a:schemeClr val="accent1">
+              <a:shade val="50000"/>
+            </a:schemeClr>
+          </a:lnRef>
+          <a:fillRef idx="1">
+            <a:schemeClr val="accent1"/>
+          </a:fillRef>
+          <a:effectRef idx="0">
+            <a:schemeClr val="accent1"/>
+          </a:effectRef>
+          <a:fontRef idx="minor">
+            <a:schemeClr val="lt1"/>
+          </a:fontRef>
+        </p:style>
+        <p:txBody>
+          <a:bodyPr rtlCol="0" anchor="ctr"/>
+          <a:lstStyle/>
+          <a:p>
+            <a:pPr algn="ctr"/>
+            <a:endParaRPr lang="en-US"/>
+          </a:p>
+        </p:txBody>
+      </p:sp>
+      <p:sp>
+        <p:nvSpPr>
+          <p:cNvPr id="380" name="Rectangle 14">
+            <a:extLst>
+              <a:ext uri="{FF2B5EF4-FFF2-40B4-BE49-F238E27FC236}">
+                <a16:creationId xmlns:a16="http://schemas.microsoft.com/office/drawing/2014/main" id="{FBE31AC6-E383-4D2B-9A24-69EEE084D547}"/>
+              </a:ext>
+              <a:ext uri="{C183D7F6-B498-43B3-948B-1728B52AA6E4}">
+                <adec:decorative xmlns:adec="http://schemas.microsoft.com/office/drawing/2017/decorative" val="1"/>
+              </a:ext>
+            </a:extLst>
+          </p:cNvPr>
+          <p:cNvSpPr>
+            <a:spLocks noGrp="1" noRot="1" noChangeAspect="1" noMove="1" noResize="1" noEditPoints="1" noAdjustHandles="1" noChangeArrowheads="1" noChangeShapeType="1" noTextEdit="1"/>
+          </p:cNvSpPr>
+          <p:nvPr>
+            <p:extLst>
+              <p:ext uri="{386F3935-93C4-4BCD-93E2-E3B085C9AB24}">
+                <p16:designElem xmlns:p16="http://schemas.microsoft.com/office/powerpoint/2015/main" val="1"/>
+              </p:ext>
+            </p:extLst>
+          </p:nvPr>
+        </p:nvSpPr>
+        <p:spPr>
+          <a:xfrm>
+            <a:off x="370541" y="334928"/>
+            <a:ext cx="11453713" cy="6188146"/>
+          </a:xfrm>
+          <a:prstGeom prst="rect">
+            <a:avLst/>
+          </a:prstGeom>
+          <a:noFill/>
+          <a:ln>
+            <a:solidFill>
+              <a:srgbClr val="FFFFFF"/>
+            </a:solidFill>
+          </a:ln>
+        </p:spPr>
+        <p:style>
+          <a:lnRef idx="2">
+            <a:schemeClr val="accent1">
+              <a:shade val="50000"/>
+            </a:schemeClr>
+          </a:lnRef>
+          <a:fillRef idx="1">
+            <a:schemeClr val="accent1"/>
+          </a:fillRef>
+          <a:effectRef idx="0">
+            <a:schemeClr val="accent1"/>
+          </a:effectRef>
+          <a:fontRef idx="minor">
+            <a:schemeClr val="lt1"/>
+          </a:fontRef>
+        </p:style>
+        <p:txBody>
+          <a:bodyPr rtlCol="0" anchor="ctr"/>
+          <a:lstStyle/>
+          <a:p>
+            <a:pPr algn="ctr"/>
+            <a:endParaRPr lang="en-US"/>
+          </a:p>
+        </p:txBody>
+      </p:sp>
       <p:sp>
         <p:nvSpPr>
           <p:cNvPr id="2" name="Tittel 1">
@@ -3337,12 +4554,26 @@
             <p:ph type="ctrTitle"/>
           </p:nvPr>
         </p:nvSpPr>
-        <p:spPr/>
-        <p:txBody>
-          <a:bodyPr/>
-          <a:lstStyle/>
-          <a:p>
-            <a:endParaRPr lang="nb-NO"/>
+        <p:spPr>
+          <a:xfrm>
+            <a:off x="718475" y="658807"/>
+            <a:ext cx="8891690" cy="1035463"/>
+          </a:xfrm>
+        </p:spPr>
+        <p:txBody>
+          <a:bodyPr anchor="ctr">
+            <a:normAutofit/>
+          </a:bodyPr>
+          <a:lstStyle/>
+          <a:p>
+            <a:r>
+              <a:rPr lang="nb-NO" dirty="0">
+                <a:solidFill>
+                  <a:srgbClr val="FFFFFF"/>
+                </a:solidFill>
+              </a:rPr>
+              <a:t>Maskinlæring</a:t>
+            </a:r>
           </a:p>
         </p:txBody>
       </p:sp>
@@ -3362,15 +4593,185 @@
             <p:ph type="subTitle" idx="1"/>
           </p:nvPr>
         </p:nvSpPr>
-        <p:spPr/>
-        <p:txBody>
-          <a:bodyPr/>
-          <a:lstStyle/>
-          <a:p>
-            <a:endParaRPr lang="nb-NO"/>
-          </a:p>
-        </p:txBody>
-      </p:sp>
+        <p:spPr>
+          <a:xfrm>
+            <a:off x="838200" y="4225403"/>
+            <a:ext cx="6594805" cy="1346397"/>
+          </a:xfrm>
+        </p:spPr>
+        <p:txBody>
+          <a:bodyPr anchor="b">
+            <a:normAutofit/>
+          </a:bodyPr>
+          <a:lstStyle/>
+          <a:p>
+            <a:r>
+              <a:rPr lang="nb-NO" sz="1800" dirty="0">
+                <a:solidFill>
+                  <a:srgbClr val="FFFFFF"/>
+                </a:solidFill>
+              </a:rPr>
+              <a:t>En workshop med Eik Lab av Jorid Holmen</a:t>
+            </a:r>
+          </a:p>
+        </p:txBody>
+      </p:sp>
+      <p:cxnSp>
+        <p:nvCxnSpPr>
+          <p:cNvPr id="381" name="Straight Connector 16">
+            <a:extLst>
+              <a:ext uri="{FF2B5EF4-FFF2-40B4-BE49-F238E27FC236}">
+                <a16:creationId xmlns:a16="http://schemas.microsoft.com/office/drawing/2014/main" id="{2DD089E2-CEA3-48C4-9094-610D00D9460C}"/>
+              </a:ext>
+              <a:ext uri="{C183D7F6-B498-43B3-948B-1728B52AA6E4}">
+                <adec:decorative xmlns:adec="http://schemas.microsoft.com/office/drawing/2017/decorative" val="1"/>
+              </a:ext>
+            </a:extLst>
+          </p:cNvPr>
+          <p:cNvCxnSpPr>
+            <a:cxnSpLocks noGrp="1" noRot="1" noChangeAspect="1" noMove="1" noResize="1" noEditPoints="1" noAdjustHandles="1" noChangeArrowheads="1" noChangeShapeType="1"/>
+          </p:cNvCxnSpPr>
+          <p:nvPr>
+            <p:extLst>
+              <p:ext uri="{386F3935-93C4-4BCD-93E2-E3B085C9AB24}">
+                <p16:designElem xmlns:p16="http://schemas.microsoft.com/office/powerpoint/2015/main" val="1"/>
+              </p:ext>
+            </p:extLst>
+          </p:nvPr>
+        </p:nvCxnSpPr>
+        <p:spPr>
+          <a:xfrm>
+            <a:off x="10748698" y="334928"/>
+            <a:ext cx="0" cy="6188146"/>
+          </a:xfrm>
+          <a:prstGeom prst="line">
+            <a:avLst/>
+          </a:prstGeom>
+          <a:ln w="12700">
+            <a:solidFill>
+              <a:srgbClr val="FFFFFF"/>
+            </a:solidFill>
+          </a:ln>
+        </p:spPr>
+        <p:style>
+          <a:lnRef idx="1">
+            <a:schemeClr val="accent1"/>
+          </a:lnRef>
+          <a:fillRef idx="0">
+            <a:schemeClr val="accent1"/>
+          </a:fillRef>
+          <a:effectRef idx="0">
+            <a:schemeClr val="accent1"/>
+          </a:effectRef>
+          <a:fontRef idx="minor">
+            <a:schemeClr val="tx1"/>
+          </a:fontRef>
+        </p:style>
+      </p:cxnSp>
+      <p:cxnSp>
+        <p:nvCxnSpPr>
+          <p:cNvPr id="19" name="Straight Connector 18">
+            <a:extLst>
+              <a:ext uri="{FF2B5EF4-FFF2-40B4-BE49-F238E27FC236}">
+                <a16:creationId xmlns:a16="http://schemas.microsoft.com/office/drawing/2014/main" id="{2F49F475-10BF-4E7D-9BE8-5329BCAFE2C8}"/>
+              </a:ext>
+              <a:ext uri="{C183D7F6-B498-43B3-948B-1728B52AA6E4}">
+                <adec:decorative xmlns:adec="http://schemas.microsoft.com/office/drawing/2017/decorative" val="1"/>
+              </a:ext>
+            </a:extLst>
+          </p:cNvPr>
+          <p:cNvCxnSpPr>
+            <a:cxnSpLocks noGrp="1" noRot="1" noChangeAspect="1" noMove="1" noResize="1" noEditPoints="1" noAdjustHandles="1" noChangeArrowheads="1" noChangeShapeType="1"/>
+          </p:cNvCxnSpPr>
+          <p:nvPr>
+            <p:extLst>
+              <p:ext uri="{386F3935-93C4-4BCD-93E2-E3B085C9AB24}">
+                <p16:designElem xmlns:p16="http://schemas.microsoft.com/office/powerpoint/2015/main" val="1"/>
+              </p:ext>
+            </p:extLst>
+          </p:nvPr>
+        </p:nvCxnSpPr>
+        <p:spPr>
+          <a:xfrm>
+            <a:off x="370541" y="1913965"/>
+            <a:ext cx="10378157" cy="0"/>
+          </a:xfrm>
+          <a:prstGeom prst="line">
+            <a:avLst/>
+          </a:prstGeom>
+          <a:ln w="12700">
+            <a:solidFill>
+              <a:srgbClr val="FFFFFF"/>
+            </a:solidFill>
+          </a:ln>
+        </p:spPr>
+        <p:style>
+          <a:lnRef idx="1">
+            <a:schemeClr val="accent1"/>
+          </a:lnRef>
+          <a:fillRef idx="0">
+            <a:schemeClr val="accent1"/>
+          </a:fillRef>
+          <a:effectRef idx="0">
+            <a:schemeClr val="accent1"/>
+          </a:effectRef>
+          <a:fontRef idx="minor">
+            <a:schemeClr val="tx1"/>
+          </a:fontRef>
+        </p:style>
+      </p:cxnSp>
+      <p:cxnSp>
+        <p:nvCxnSpPr>
+          <p:cNvPr id="21" name="Straight Connector 20">
+            <a:extLst>
+              <a:ext uri="{FF2B5EF4-FFF2-40B4-BE49-F238E27FC236}">
+                <a16:creationId xmlns:a16="http://schemas.microsoft.com/office/drawing/2014/main" id="{621E947D-525D-4D2A-B0C3-E1BFCA6060FD}"/>
+              </a:ext>
+              <a:ext uri="{C183D7F6-B498-43B3-948B-1728B52AA6E4}">
+                <adec:decorative xmlns:adec="http://schemas.microsoft.com/office/drawing/2017/decorative" val="1"/>
+              </a:ext>
+            </a:extLst>
+          </p:cNvPr>
+          <p:cNvCxnSpPr>
+            <a:cxnSpLocks noGrp="1" noRot="1" noChangeAspect="1" noMove="1" noResize="1" noEditPoints="1" noAdjustHandles="1" noChangeArrowheads="1" noChangeShapeType="1"/>
+          </p:cNvCxnSpPr>
+          <p:nvPr>
+            <p:extLst>
+              <p:ext uri="{386F3935-93C4-4BCD-93E2-E3B085C9AB24}">
+                <p16:designElem xmlns:p16="http://schemas.microsoft.com/office/powerpoint/2015/main" val="1"/>
+              </p:ext>
+            </p:extLst>
+          </p:nvPr>
+        </p:nvCxnSpPr>
+        <p:spPr>
+          <a:xfrm>
+            <a:off x="370541" y="6047437"/>
+            <a:ext cx="10378157" cy="0"/>
+          </a:xfrm>
+          <a:prstGeom prst="line">
+            <a:avLst/>
+          </a:prstGeom>
+          <a:ln w="12700">
+            <a:solidFill>
+              <a:srgbClr val="FFFFFF"/>
+            </a:solidFill>
+          </a:ln>
+        </p:spPr>
+        <p:style>
+          <a:lnRef idx="1">
+            <a:schemeClr val="accent1"/>
+          </a:lnRef>
+          <a:fillRef idx="0">
+            <a:schemeClr val="accent1"/>
+          </a:fillRef>
+          <a:effectRef idx="0">
+            <a:schemeClr val="accent1"/>
+          </a:effectRef>
+          <a:fontRef idx="minor">
+            <a:schemeClr val="tx1"/>
+          </a:fontRef>
+        </p:style>
+      </p:cxnSp>
     </p:spTree>
     <p:extLst>
       <p:ext uri="{BB962C8B-B14F-4D97-AF65-F5344CB8AC3E}">
@@ -3384,151 +4785,3231 @@
 </p:sld>
 </file>
 
+<file path=ppt/slides/slide10.xml><?xml version="1.0" encoding="utf-8"?>
+<p:sld xmlns:a="http://schemas.openxmlformats.org/drawingml/2006/main" xmlns:r="http://schemas.openxmlformats.org/officeDocument/2006/relationships" xmlns:p="http://schemas.openxmlformats.org/presentationml/2006/main">
+  <p:cSld>
+    <p:spTree>
+      <p:nvGrpSpPr>
+        <p:cNvPr id="1" name=""/>
+        <p:cNvGrpSpPr/>
+        <p:nvPr/>
+      </p:nvGrpSpPr>
+      <p:grpSpPr>
+        <a:xfrm>
+          <a:off x="0" y="0"/>
+          <a:ext cx="0" cy="0"/>
+          <a:chOff x="0" y="0"/>
+          <a:chExt cx="0" cy="0"/>
+        </a:xfrm>
+      </p:grpSpPr>
+      <p:sp>
+        <p:nvSpPr>
+          <p:cNvPr id="2" name="Tittel 1">
+            <a:extLst>
+              <a:ext uri="{FF2B5EF4-FFF2-40B4-BE49-F238E27FC236}">
+                <a16:creationId xmlns:a16="http://schemas.microsoft.com/office/drawing/2014/main" id="{57FB405D-A07A-0977-E1ED-ADC243BD6748}"/>
+              </a:ext>
+            </a:extLst>
+          </p:cNvPr>
+          <p:cNvSpPr>
+            <a:spLocks noGrp="1"/>
+          </p:cNvSpPr>
+          <p:nvPr>
+            <p:ph type="title"/>
+          </p:nvPr>
+        </p:nvSpPr>
+        <p:spPr/>
+        <p:txBody>
+          <a:bodyPr/>
+          <a:lstStyle/>
+          <a:p>
+            <a:r>
+              <a:rPr lang="nb-NO" dirty="0" err="1"/>
+              <a:t>Adaline</a:t>
+            </a:r>
+            <a:r>
+              <a:rPr lang="nb-NO" dirty="0"/>
+              <a:t> – Adaptive Linear Neuron</a:t>
+            </a:r>
+          </a:p>
+        </p:txBody>
+      </p:sp>
+      <p:sp>
+        <p:nvSpPr>
+          <p:cNvPr id="4" name="Plassholder for dato 3">
+            <a:extLst>
+              <a:ext uri="{FF2B5EF4-FFF2-40B4-BE49-F238E27FC236}">
+                <a16:creationId xmlns:a16="http://schemas.microsoft.com/office/drawing/2014/main" id="{FD21E666-42AA-E5F4-E3AC-92A39C6577F8}"/>
+              </a:ext>
+            </a:extLst>
+          </p:cNvPr>
+          <p:cNvSpPr>
+            <a:spLocks noGrp="1"/>
+          </p:cNvSpPr>
+          <p:nvPr>
+            <p:ph type="dt" sz="half" idx="10"/>
+          </p:nvPr>
+        </p:nvSpPr>
+        <p:spPr/>
+        <p:txBody>
+          <a:bodyPr/>
+          <a:lstStyle/>
+          <a:p>
+            <a:fld id="{BE0A88F0-556B-4BB7-8AAB-D63AEB65C662}" type="datetime1">
+              <a:rPr lang="en-US" smtClean="0"/>
+              <a:t>3/14/24</a:t>
+            </a:fld>
+            <a:endParaRPr lang="en-US"/>
+          </a:p>
+        </p:txBody>
+      </p:sp>
+      <p:sp>
+        <p:nvSpPr>
+          <p:cNvPr id="5" name="Plassholder for bunntekst 4">
+            <a:extLst>
+              <a:ext uri="{FF2B5EF4-FFF2-40B4-BE49-F238E27FC236}">
+                <a16:creationId xmlns:a16="http://schemas.microsoft.com/office/drawing/2014/main" id="{8DFDC586-6F3E-289D-7995-E0D57AC63C1C}"/>
+              </a:ext>
+            </a:extLst>
+          </p:cNvPr>
+          <p:cNvSpPr>
+            <a:spLocks noGrp="1"/>
+          </p:cNvSpPr>
+          <p:nvPr>
+            <p:ph type="ftr" sz="quarter" idx="11"/>
+          </p:nvPr>
+        </p:nvSpPr>
+        <p:spPr/>
+        <p:txBody>
+          <a:bodyPr/>
+          <a:lstStyle/>
+          <a:p>
+            <a:endParaRPr lang="en-US"/>
+          </a:p>
+        </p:txBody>
+      </p:sp>
+      <p:sp>
+        <p:nvSpPr>
+          <p:cNvPr id="6" name="Plassholder for lysbildenummer 5">
+            <a:extLst>
+              <a:ext uri="{FF2B5EF4-FFF2-40B4-BE49-F238E27FC236}">
+                <a16:creationId xmlns:a16="http://schemas.microsoft.com/office/drawing/2014/main" id="{8071A1D6-20DC-6372-8616-375F8BAD0FBC}"/>
+              </a:ext>
+            </a:extLst>
+          </p:cNvPr>
+          <p:cNvSpPr>
+            <a:spLocks noGrp="1"/>
+          </p:cNvSpPr>
+          <p:nvPr>
+            <p:ph type="sldNum" sz="quarter" idx="12"/>
+          </p:nvPr>
+        </p:nvSpPr>
+        <p:spPr/>
+        <p:txBody>
+          <a:bodyPr/>
+          <a:lstStyle/>
+          <a:p>
+            <a:fld id="{81D2C36F-4504-47C0-B82F-A167342A2754}" type="slidenum">
+              <a:rPr lang="en-US" smtClean="0"/>
+              <a:t>10</a:t>
+            </a:fld>
+            <a:endParaRPr lang="en-US"/>
+          </a:p>
+        </p:txBody>
+      </p:sp>
+      <p:pic>
+        <p:nvPicPr>
+          <p:cNvPr id="1026" name="Picture 2" descr="Adaline: Adaptive Linear Neuron Classifier - mlxtend">
+            <a:extLst>
+              <a:ext uri="{FF2B5EF4-FFF2-40B4-BE49-F238E27FC236}">
+                <a16:creationId xmlns:a16="http://schemas.microsoft.com/office/drawing/2014/main" id="{1B8EDFB0-A547-7E2A-D2BD-E8039252642F}"/>
+              </a:ext>
+            </a:extLst>
+          </p:cNvPr>
+          <p:cNvPicPr>
+            <a:picLocks noGrp="1" noChangeAspect="1" noChangeArrowheads="1"/>
+          </p:cNvPicPr>
+          <p:nvPr>
+            <p:ph idx="1"/>
+          </p:nvPr>
+        </p:nvPicPr>
+        <p:blipFill>
+          <a:blip r:embed="rId2">
+            <a:extLst>
+              <a:ext uri="{28A0092B-C50C-407E-A947-70E740481C1C}">
+                <a14:useLocalDpi xmlns:a14="http://schemas.microsoft.com/office/drawing/2010/main" val="0"/>
+              </a:ext>
+            </a:extLst>
+          </a:blip>
+          <a:srcRect/>
+          <a:stretch>
+            <a:fillRect/>
+          </a:stretch>
+        </p:blipFill>
+        <p:spPr bwMode="auto">
+          <a:xfrm>
+            <a:off x="1347648" y="2177625"/>
+            <a:ext cx="8630710" cy="3495081"/>
+          </a:xfrm>
+          <a:prstGeom prst="rect">
+            <a:avLst/>
+          </a:prstGeom>
+          <a:noFill/>
+          <a:extLst>
+            <a:ext uri="{909E8E84-426E-40DD-AFC4-6F175D3DCCD1}">
+              <a14:hiddenFill xmlns:a14="http://schemas.microsoft.com/office/drawing/2010/main">
+                <a:solidFill>
+                  <a:srgbClr val="FFFFFF"/>
+                </a:solidFill>
+              </a14:hiddenFill>
+            </a:ext>
+          </a:extLst>
+        </p:spPr>
+      </p:pic>
+    </p:spTree>
+    <p:extLst>
+      <p:ext uri="{BB962C8B-B14F-4D97-AF65-F5344CB8AC3E}">
+        <p14:creationId xmlns:p14="http://schemas.microsoft.com/office/powerpoint/2010/main" val="2608315214"/>
+      </p:ext>
+    </p:extLst>
+  </p:cSld>
+  <p:clrMapOvr>
+    <a:masterClrMapping/>
+  </p:clrMapOvr>
+</p:sld>
+</file>
+
+<file path=ppt/slides/slide11.xml><?xml version="1.0" encoding="utf-8"?>
+<p:sld xmlns:a="http://schemas.openxmlformats.org/drawingml/2006/main" xmlns:r="http://schemas.openxmlformats.org/officeDocument/2006/relationships" xmlns:p="http://schemas.openxmlformats.org/presentationml/2006/main">
+  <p:cSld>
+    <p:spTree>
+      <p:nvGrpSpPr>
+        <p:cNvPr id="1" name=""/>
+        <p:cNvGrpSpPr/>
+        <p:nvPr/>
+      </p:nvGrpSpPr>
+      <p:grpSpPr>
+        <a:xfrm>
+          <a:off x="0" y="0"/>
+          <a:ext cx="0" cy="0"/>
+          <a:chOff x="0" y="0"/>
+          <a:chExt cx="0" cy="0"/>
+        </a:xfrm>
+      </p:grpSpPr>
+      <p:sp>
+        <p:nvSpPr>
+          <p:cNvPr id="2" name="Tittel 1">
+            <a:extLst>
+              <a:ext uri="{FF2B5EF4-FFF2-40B4-BE49-F238E27FC236}">
+                <a16:creationId xmlns:a16="http://schemas.microsoft.com/office/drawing/2014/main" id="{57FB405D-A07A-0977-E1ED-ADC243BD6748}"/>
+              </a:ext>
+            </a:extLst>
+          </p:cNvPr>
+          <p:cNvSpPr>
+            <a:spLocks noGrp="1"/>
+          </p:cNvSpPr>
+          <p:nvPr>
+            <p:ph type="title"/>
+          </p:nvPr>
+        </p:nvSpPr>
+        <p:spPr/>
+        <p:txBody>
+          <a:bodyPr/>
+          <a:lstStyle/>
+          <a:p>
+            <a:r>
+              <a:rPr lang="nb-NO" dirty="0" err="1"/>
+              <a:t>Adaline</a:t>
+            </a:r>
+            <a:r>
+              <a:rPr lang="nb-NO" dirty="0"/>
+              <a:t> – Adaptive Linear Neuron</a:t>
+            </a:r>
+          </a:p>
+        </p:txBody>
+      </p:sp>
+      <p:sp>
+        <p:nvSpPr>
+          <p:cNvPr id="4" name="Plassholder for dato 3">
+            <a:extLst>
+              <a:ext uri="{FF2B5EF4-FFF2-40B4-BE49-F238E27FC236}">
+                <a16:creationId xmlns:a16="http://schemas.microsoft.com/office/drawing/2014/main" id="{FD21E666-42AA-E5F4-E3AC-92A39C6577F8}"/>
+              </a:ext>
+            </a:extLst>
+          </p:cNvPr>
+          <p:cNvSpPr>
+            <a:spLocks noGrp="1"/>
+          </p:cNvSpPr>
+          <p:nvPr>
+            <p:ph type="dt" sz="half" idx="10"/>
+          </p:nvPr>
+        </p:nvSpPr>
+        <p:spPr/>
+        <p:txBody>
+          <a:bodyPr/>
+          <a:lstStyle/>
+          <a:p>
+            <a:fld id="{BE0A88F0-556B-4BB7-8AAB-D63AEB65C662}" type="datetime1">
+              <a:rPr lang="en-US" smtClean="0"/>
+              <a:t>3/14/24</a:t>
+            </a:fld>
+            <a:endParaRPr lang="en-US"/>
+          </a:p>
+        </p:txBody>
+      </p:sp>
+      <p:sp>
+        <p:nvSpPr>
+          <p:cNvPr id="5" name="Plassholder for bunntekst 4">
+            <a:extLst>
+              <a:ext uri="{FF2B5EF4-FFF2-40B4-BE49-F238E27FC236}">
+                <a16:creationId xmlns:a16="http://schemas.microsoft.com/office/drawing/2014/main" id="{8DFDC586-6F3E-289D-7995-E0D57AC63C1C}"/>
+              </a:ext>
+            </a:extLst>
+          </p:cNvPr>
+          <p:cNvSpPr>
+            <a:spLocks noGrp="1"/>
+          </p:cNvSpPr>
+          <p:nvPr>
+            <p:ph type="ftr" sz="quarter" idx="11"/>
+          </p:nvPr>
+        </p:nvSpPr>
+        <p:spPr/>
+        <p:txBody>
+          <a:bodyPr/>
+          <a:lstStyle/>
+          <a:p>
+            <a:endParaRPr lang="en-US"/>
+          </a:p>
+        </p:txBody>
+      </p:sp>
+      <p:sp>
+        <p:nvSpPr>
+          <p:cNvPr id="6" name="Plassholder for lysbildenummer 5">
+            <a:extLst>
+              <a:ext uri="{FF2B5EF4-FFF2-40B4-BE49-F238E27FC236}">
+                <a16:creationId xmlns:a16="http://schemas.microsoft.com/office/drawing/2014/main" id="{8071A1D6-20DC-6372-8616-375F8BAD0FBC}"/>
+              </a:ext>
+            </a:extLst>
+          </p:cNvPr>
+          <p:cNvSpPr>
+            <a:spLocks noGrp="1"/>
+          </p:cNvSpPr>
+          <p:nvPr>
+            <p:ph type="sldNum" sz="quarter" idx="12"/>
+          </p:nvPr>
+        </p:nvSpPr>
+        <p:spPr/>
+        <p:txBody>
+          <a:bodyPr/>
+          <a:lstStyle/>
+          <a:p>
+            <a:fld id="{81D2C36F-4504-47C0-B82F-A167342A2754}" type="slidenum">
+              <a:rPr lang="en-US" smtClean="0"/>
+              <a:t>11</a:t>
+            </a:fld>
+            <a:endParaRPr lang="en-US"/>
+          </a:p>
+        </p:txBody>
+      </p:sp>
+      <p:pic>
+        <p:nvPicPr>
+          <p:cNvPr id="1026" name="Picture 2" descr="Adaline: Adaptive Linear Neuron Classifier - mlxtend">
+            <a:extLst>
+              <a:ext uri="{FF2B5EF4-FFF2-40B4-BE49-F238E27FC236}">
+                <a16:creationId xmlns:a16="http://schemas.microsoft.com/office/drawing/2014/main" id="{1B8EDFB0-A547-7E2A-D2BD-E8039252642F}"/>
+              </a:ext>
+            </a:extLst>
+          </p:cNvPr>
+          <p:cNvPicPr>
+            <a:picLocks noGrp="1" noChangeAspect="1" noChangeArrowheads="1"/>
+          </p:cNvPicPr>
+          <p:nvPr>
+            <p:ph idx="1"/>
+          </p:nvPr>
+        </p:nvPicPr>
+        <p:blipFill>
+          <a:blip r:embed="rId2">
+            <a:extLst>
+              <a:ext uri="{28A0092B-C50C-407E-A947-70E740481C1C}">
+                <a14:useLocalDpi xmlns:a14="http://schemas.microsoft.com/office/drawing/2010/main" val="0"/>
+              </a:ext>
+            </a:extLst>
+          </a:blip>
+          <a:srcRect/>
+          <a:stretch>
+            <a:fillRect/>
+          </a:stretch>
+        </p:blipFill>
+        <p:spPr bwMode="auto">
+          <a:xfrm>
+            <a:off x="1347648" y="2177625"/>
+            <a:ext cx="8630710" cy="3495081"/>
+          </a:xfrm>
+          <a:prstGeom prst="rect">
+            <a:avLst/>
+          </a:prstGeom>
+          <a:noFill/>
+          <a:extLst>
+            <a:ext uri="{909E8E84-426E-40DD-AFC4-6F175D3DCCD1}">
+              <a14:hiddenFill xmlns:a14="http://schemas.microsoft.com/office/drawing/2010/main">
+                <a:solidFill>
+                  <a:srgbClr val="FFFFFF"/>
+                </a:solidFill>
+              </a14:hiddenFill>
+            </a:ext>
+          </a:extLst>
+        </p:spPr>
+      </p:pic>
+      <p:pic>
+        <p:nvPicPr>
+          <p:cNvPr id="3" name="Bilde 2">
+            <a:extLst>
+              <a:ext uri="{FF2B5EF4-FFF2-40B4-BE49-F238E27FC236}">
+                <a16:creationId xmlns:a16="http://schemas.microsoft.com/office/drawing/2014/main" id="{CABB8327-AA94-97CB-FF19-AEBD84EE6C15}"/>
+              </a:ext>
+            </a:extLst>
+          </p:cNvPr>
+          <p:cNvPicPr>
+            <a:picLocks noChangeAspect="1"/>
+          </p:cNvPicPr>
+          <p:nvPr/>
+        </p:nvPicPr>
+        <p:blipFill>
+          <a:blip r:embed="rId3"/>
+          <a:stretch>
+            <a:fillRect/>
+          </a:stretch>
+        </p:blipFill>
+        <p:spPr>
+          <a:xfrm>
+            <a:off x="3607935" y="4970379"/>
+            <a:ext cx="6007939" cy="612274"/>
+          </a:xfrm>
+          <a:prstGeom prst="rect">
+            <a:avLst/>
+          </a:prstGeom>
+        </p:spPr>
+      </p:pic>
+    </p:spTree>
+    <p:extLst>
+      <p:ext uri="{BB962C8B-B14F-4D97-AF65-F5344CB8AC3E}">
+        <p14:creationId xmlns:p14="http://schemas.microsoft.com/office/powerpoint/2010/main" val="1121750029"/>
+      </p:ext>
+    </p:extLst>
+  </p:cSld>
+  <p:clrMapOvr>
+    <a:masterClrMapping/>
+  </p:clrMapOvr>
+</p:sld>
+</file>
+
+<file path=ppt/slides/slide12.xml><?xml version="1.0" encoding="utf-8"?>
+<p:sld xmlns:a="http://schemas.openxmlformats.org/drawingml/2006/main" xmlns:r="http://schemas.openxmlformats.org/officeDocument/2006/relationships" xmlns:p="http://schemas.openxmlformats.org/presentationml/2006/main">
+  <p:cSld>
+    <p:spTree>
+      <p:nvGrpSpPr>
+        <p:cNvPr id="1" name=""/>
+        <p:cNvGrpSpPr/>
+        <p:nvPr/>
+      </p:nvGrpSpPr>
+      <p:grpSpPr>
+        <a:xfrm>
+          <a:off x="0" y="0"/>
+          <a:ext cx="0" cy="0"/>
+          <a:chOff x="0" y="0"/>
+          <a:chExt cx="0" cy="0"/>
+        </a:xfrm>
+      </p:grpSpPr>
+      <p:sp>
+        <p:nvSpPr>
+          <p:cNvPr id="2" name="Tittel 1">
+            <a:extLst>
+              <a:ext uri="{FF2B5EF4-FFF2-40B4-BE49-F238E27FC236}">
+                <a16:creationId xmlns:a16="http://schemas.microsoft.com/office/drawing/2014/main" id="{57FB405D-A07A-0977-E1ED-ADC243BD6748}"/>
+              </a:ext>
+            </a:extLst>
+          </p:cNvPr>
+          <p:cNvSpPr>
+            <a:spLocks noGrp="1"/>
+          </p:cNvSpPr>
+          <p:nvPr>
+            <p:ph type="title"/>
+          </p:nvPr>
+        </p:nvSpPr>
+        <p:spPr/>
+        <p:txBody>
+          <a:bodyPr/>
+          <a:lstStyle/>
+          <a:p>
+            <a:r>
+              <a:rPr lang="nb-NO" dirty="0" err="1"/>
+              <a:t>Adaline</a:t>
+            </a:r>
+            <a:r>
+              <a:rPr lang="nb-NO" dirty="0"/>
+              <a:t> – Adaptive Linear Neuron</a:t>
+            </a:r>
+          </a:p>
+        </p:txBody>
+      </p:sp>
+      <p:sp>
+        <p:nvSpPr>
+          <p:cNvPr id="4" name="Plassholder for dato 3">
+            <a:extLst>
+              <a:ext uri="{FF2B5EF4-FFF2-40B4-BE49-F238E27FC236}">
+                <a16:creationId xmlns:a16="http://schemas.microsoft.com/office/drawing/2014/main" id="{FD21E666-42AA-E5F4-E3AC-92A39C6577F8}"/>
+              </a:ext>
+            </a:extLst>
+          </p:cNvPr>
+          <p:cNvSpPr>
+            <a:spLocks noGrp="1"/>
+          </p:cNvSpPr>
+          <p:nvPr>
+            <p:ph type="dt" sz="half" idx="10"/>
+          </p:nvPr>
+        </p:nvSpPr>
+        <p:spPr/>
+        <p:txBody>
+          <a:bodyPr/>
+          <a:lstStyle/>
+          <a:p>
+            <a:fld id="{BE0A88F0-556B-4BB7-8AAB-D63AEB65C662}" type="datetime1">
+              <a:rPr lang="en-US" smtClean="0"/>
+              <a:t>3/14/24</a:t>
+            </a:fld>
+            <a:endParaRPr lang="en-US"/>
+          </a:p>
+        </p:txBody>
+      </p:sp>
+      <p:sp>
+        <p:nvSpPr>
+          <p:cNvPr id="5" name="Plassholder for bunntekst 4">
+            <a:extLst>
+              <a:ext uri="{FF2B5EF4-FFF2-40B4-BE49-F238E27FC236}">
+                <a16:creationId xmlns:a16="http://schemas.microsoft.com/office/drawing/2014/main" id="{8DFDC586-6F3E-289D-7995-E0D57AC63C1C}"/>
+              </a:ext>
+            </a:extLst>
+          </p:cNvPr>
+          <p:cNvSpPr>
+            <a:spLocks noGrp="1"/>
+          </p:cNvSpPr>
+          <p:nvPr>
+            <p:ph type="ftr" sz="quarter" idx="11"/>
+          </p:nvPr>
+        </p:nvSpPr>
+        <p:spPr/>
+        <p:txBody>
+          <a:bodyPr/>
+          <a:lstStyle/>
+          <a:p>
+            <a:endParaRPr lang="en-US"/>
+          </a:p>
+        </p:txBody>
+      </p:sp>
+      <p:sp>
+        <p:nvSpPr>
+          <p:cNvPr id="6" name="Plassholder for lysbildenummer 5">
+            <a:extLst>
+              <a:ext uri="{FF2B5EF4-FFF2-40B4-BE49-F238E27FC236}">
+                <a16:creationId xmlns:a16="http://schemas.microsoft.com/office/drawing/2014/main" id="{8071A1D6-20DC-6372-8616-375F8BAD0FBC}"/>
+              </a:ext>
+            </a:extLst>
+          </p:cNvPr>
+          <p:cNvSpPr>
+            <a:spLocks noGrp="1"/>
+          </p:cNvSpPr>
+          <p:nvPr>
+            <p:ph type="sldNum" sz="quarter" idx="12"/>
+          </p:nvPr>
+        </p:nvSpPr>
+        <p:spPr/>
+        <p:txBody>
+          <a:bodyPr/>
+          <a:lstStyle/>
+          <a:p>
+            <a:fld id="{81D2C36F-4504-47C0-B82F-A167342A2754}" type="slidenum">
+              <a:rPr lang="en-US" smtClean="0"/>
+              <a:t>12</a:t>
+            </a:fld>
+            <a:endParaRPr lang="en-US"/>
+          </a:p>
+        </p:txBody>
+      </p:sp>
+      <p:pic>
+        <p:nvPicPr>
+          <p:cNvPr id="1026" name="Picture 2" descr="Adaline: Adaptive Linear Neuron Classifier - mlxtend">
+            <a:extLst>
+              <a:ext uri="{FF2B5EF4-FFF2-40B4-BE49-F238E27FC236}">
+                <a16:creationId xmlns:a16="http://schemas.microsoft.com/office/drawing/2014/main" id="{1B8EDFB0-A547-7E2A-D2BD-E8039252642F}"/>
+              </a:ext>
+            </a:extLst>
+          </p:cNvPr>
+          <p:cNvPicPr>
+            <a:picLocks noGrp="1" noChangeAspect="1" noChangeArrowheads="1"/>
+          </p:cNvPicPr>
+          <p:nvPr>
+            <p:ph idx="1"/>
+          </p:nvPr>
+        </p:nvPicPr>
+        <p:blipFill>
+          <a:blip r:embed="rId2">
+            <a:extLst>
+              <a:ext uri="{28A0092B-C50C-407E-A947-70E740481C1C}">
+                <a14:useLocalDpi xmlns:a14="http://schemas.microsoft.com/office/drawing/2010/main" val="0"/>
+              </a:ext>
+            </a:extLst>
+          </a:blip>
+          <a:srcRect/>
+          <a:stretch>
+            <a:fillRect/>
+          </a:stretch>
+        </p:blipFill>
+        <p:spPr bwMode="auto">
+          <a:xfrm>
+            <a:off x="1347648" y="2177625"/>
+            <a:ext cx="8630710" cy="3495081"/>
+          </a:xfrm>
+          <a:prstGeom prst="rect">
+            <a:avLst/>
+          </a:prstGeom>
+          <a:noFill/>
+          <a:extLst>
+            <a:ext uri="{909E8E84-426E-40DD-AFC4-6F175D3DCCD1}">
+              <a14:hiddenFill xmlns:a14="http://schemas.microsoft.com/office/drawing/2010/main">
+                <a:solidFill>
+                  <a:srgbClr val="FFFFFF"/>
+                </a:solidFill>
+              </a14:hiddenFill>
+            </a:ext>
+          </a:extLst>
+        </p:spPr>
+      </p:pic>
+    </p:spTree>
+    <p:extLst>
+      <p:ext uri="{BB962C8B-B14F-4D97-AF65-F5344CB8AC3E}">
+        <p14:creationId xmlns:p14="http://schemas.microsoft.com/office/powerpoint/2010/main" val="352716452"/>
+      </p:ext>
+    </p:extLst>
+  </p:cSld>
+  <p:clrMapOvr>
+    <a:masterClrMapping/>
+  </p:clrMapOvr>
+</p:sld>
+</file>
+
+<file path=ppt/slides/slide13.xml><?xml version="1.0" encoding="utf-8"?>
+<p:sld xmlns:a="http://schemas.openxmlformats.org/drawingml/2006/main" xmlns:r="http://schemas.openxmlformats.org/officeDocument/2006/relationships" xmlns:p="http://schemas.openxmlformats.org/presentationml/2006/main">
+  <p:cSld>
+    <p:spTree>
+      <p:nvGrpSpPr>
+        <p:cNvPr id="1" name=""/>
+        <p:cNvGrpSpPr/>
+        <p:nvPr/>
+      </p:nvGrpSpPr>
+      <p:grpSpPr>
+        <a:xfrm>
+          <a:off x="0" y="0"/>
+          <a:ext cx="0" cy="0"/>
+          <a:chOff x="0" y="0"/>
+          <a:chExt cx="0" cy="0"/>
+        </a:xfrm>
+      </p:grpSpPr>
+      <p:sp>
+        <p:nvSpPr>
+          <p:cNvPr id="2" name="Tittel 1">
+            <a:extLst>
+              <a:ext uri="{FF2B5EF4-FFF2-40B4-BE49-F238E27FC236}">
+                <a16:creationId xmlns:a16="http://schemas.microsoft.com/office/drawing/2014/main" id="{57FB405D-A07A-0977-E1ED-ADC243BD6748}"/>
+              </a:ext>
+            </a:extLst>
+          </p:cNvPr>
+          <p:cNvSpPr>
+            <a:spLocks noGrp="1"/>
+          </p:cNvSpPr>
+          <p:nvPr>
+            <p:ph type="title"/>
+          </p:nvPr>
+        </p:nvSpPr>
+        <p:spPr/>
+        <p:txBody>
+          <a:bodyPr/>
+          <a:lstStyle/>
+          <a:p>
+            <a:r>
+              <a:rPr lang="nb-NO" dirty="0" err="1"/>
+              <a:t>Adaline</a:t>
+            </a:r>
+            <a:r>
+              <a:rPr lang="nb-NO" dirty="0"/>
+              <a:t> – Adaptive Linear Neuron</a:t>
+            </a:r>
+          </a:p>
+        </p:txBody>
+      </p:sp>
+      <p:sp>
+        <p:nvSpPr>
+          <p:cNvPr id="4" name="Plassholder for dato 3">
+            <a:extLst>
+              <a:ext uri="{FF2B5EF4-FFF2-40B4-BE49-F238E27FC236}">
+                <a16:creationId xmlns:a16="http://schemas.microsoft.com/office/drawing/2014/main" id="{FD21E666-42AA-E5F4-E3AC-92A39C6577F8}"/>
+              </a:ext>
+            </a:extLst>
+          </p:cNvPr>
+          <p:cNvSpPr>
+            <a:spLocks noGrp="1"/>
+          </p:cNvSpPr>
+          <p:nvPr>
+            <p:ph type="dt" sz="half" idx="10"/>
+          </p:nvPr>
+        </p:nvSpPr>
+        <p:spPr/>
+        <p:txBody>
+          <a:bodyPr/>
+          <a:lstStyle/>
+          <a:p>
+            <a:fld id="{BE0A88F0-556B-4BB7-8AAB-D63AEB65C662}" type="datetime1">
+              <a:rPr lang="en-US" smtClean="0"/>
+              <a:t>3/14/24</a:t>
+            </a:fld>
+            <a:endParaRPr lang="en-US"/>
+          </a:p>
+        </p:txBody>
+      </p:sp>
+      <p:sp>
+        <p:nvSpPr>
+          <p:cNvPr id="5" name="Plassholder for bunntekst 4">
+            <a:extLst>
+              <a:ext uri="{FF2B5EF4-FFF2-40B4-BE49-F238E27FC236}">
+                <a16:creationId xmlns:a16="http://schemas.microsoft.com/office/drawing/2014/main" id="{8DFDC586-6F3E-289D-7995-E0D57AC63C1C}"/>
+              </a:ext>
+            </a:extLst>
+          </p:cNvPr>
+          <p:cNvSpPr>
+            <a:spLocks noGrp="1"/>
+          </p:cNvSpPr>
+          <p:nvPr>
+            <p:ph type="ftr" sz="quarter" idx="11"/>
+          </p:nvPr>
+        </p:nvSpPr>
+        <p:spPr/>
+        <p:txBody>
+          <a:bodyPr/>
+          <a:lstStyle/>
+          <a:p>
+            <a:endParaRPr lang="en-US"/>
+          </a:p>
+        </p:txBody>
+      </p:sp>
+      <p:sp>
+        <p:nvSpPr>
+          <p:cNvPr id="6" name="Plassholder for lysbildenummer 5">
+            <a:extLst>
+              <a:ext uri="{FF2B5EF4-FFF2-40B4-BE49-F238E27FC236}">
+                <a16:creationId xmlns:a16="http://schemas.microsoft.com/office/drawing/2014/main" id="{8071A1D6-20DC-6372-8616-375F8BAD0FBC}"/>
+              </a:ext>
+            </a:extLst>
+          </p:cNvPr>
+          <p:cNvSpPr>
+            <a:spLocks noGrp="1"/>
+          </p:cNvSpPr>
+          <p:nvPr>
+            <p:ph type="sldNum" sz="quarter" idx="12"/>
+          </p:nvPr>
+        </p:nvSpPr>
+        <p:spPr/>
+        <p:txBody>
+          <a:bodyPr/>
+          <a:lstStyle/>
+          <a:p>
+            <a:fld id="{81D2C36F-4504-47C0-B82F-A167342A2754}" type="slidenum">
+              <a:rPr lang="en-US" smtClean="0"/>
+              <a:t>13</a:t>
+            </a:fld>
+            <a:endParaRPr lang="en-US"/>
+          </a:p>
+        </p:txBody>
+      </p:sp>
+      <p:pic>
+        <p:nvPicPr>
+          <p:cNvPr id="1026" name="Picture 2" descr="Adaline: Adaptive Linear Neuron Classifier - mlxtend">
+            <a:extLst>
+              <a:ext uri="{FF2B5EF4-FFF2-40B4-BE49-F238E27FC236}">
+                <a16:creationId xmlns:a16="http://schemas.microsoft.com/office/drawing/2014/main" id="{1B8EDFB0-A547-7E2A-D2BD-E8039252642F}"/>
+              </a:ext>
+            </a:extLst>
+          </p:cNvPr>
+          <p:cNvPicPr>
+            <a:picLocks noGrp="1" noChangeAspect="1" noChangeArrowheads="1"/>
+          </p:cNvPicPr>
+          <p:nvPr>
+            <p:ph idx="1"/>
+          </p:nvPr>
+        </p:nvPicPr>
+        <p:blipFill>
+          <a:blip r:embed="rId2">
+            <a:extLst>
+              <a:ext uri="{28A0092B-C50C-407E-A947-70E740481C1C}">
+                <a14:useLocalDpi xmlns:a14="http://schemas.microsoft.com/office/drawing/2010/main" val="0"/>
+              </a:ext>
+            </a:extLst>
+          </a:blip>
+          <a:srcRect/>
+          <a:stretch>
+            <a:fillRect/>
+          </a:stretch>
+        </p:blipFill>
+        <p:spPr bwMode="auto">
+          <a:xfrm>
+            <a:off x="1347648" y="2177625"/>
+            <a:ext cx="8630710" cy="3495081"/>
+          </a:xfrm>
+          <a:prstGeom prst="rect">
+            <a:avLst/>
+          </a:prstGeom>
+          <a:noFill/>
+          <a:extLst>
+            <a:ext uri="{909E8E84-426E-40DD-AFC4-6F175D3DCCD1}">
+              <a14:hiddenFill xmlns:a14="http://schemas.microsoft.com/office/drawing/2010/main">
+                <a:solidFill>
+                  <a:srgbClr val="FFFFFF"/>
+                </a:solidFill>
+              </a14:hiddenFill>
+            </a:ext>
+          </a:extLst>
+        </p:spPr>
+      </p:pic>
+      <p:pic>
+        <p:nvPicPr>
+          <p:cNvPr id="3" name="Bilde 2">
+            <a:extLst>
+              <a:ext uri="{FF2B5EF4-FFF2-40B4-BE49-F238E27FC236}">
+                <a16:creationId xmlns:a16="http://schemas.microsoft.com/office/drawing/2014/main" id="{F6292772-259A-2C15-B8A0-E188F28440ED}"/>
+              </a:ext>
+            </a:extLst>
+          </p:cNvPr>
+          <p:cNvPicPr>
+            <a:picLocks noChangeAspect="1"/>
+          </p:cNvPicPr>
+          <p:nvPr/>
+        </p:nvPicPr>
+        <p:blipFill>
+          <a:blip r:embed="rId3"/>
+          <a:stretch>
+            <a:fillRect/>
+          </a:stretch>
+        </p:blipFill>
+        <p:spPr>
+          <a:xfrm>
+            <a:off x="504305" y="3237906"/>
+            <a:ext cx="3744291" cy="1580582"/>
+          </a:xfrm>
+          <a:prstGeom prst="rect">
+            <a:avLst/>
+          </a:prstGeom>
+        </p:spPr>
+      </p:pic>
+      <p:pic>
+        <p:nvPicPr>
+          <p:cNvPr id="7" name="Bilde 6">
+            <a:extLst>
+              <a:ext uri="{FF2B5EF4-FFF2-40B4-BE49-F238E27FC236}">
+                <a16:creationId xmlns:a16="http://schemas.microsoft.com/office/drawing/2014/main" id="{6A3BFEB3-9AD7-A223-7B51-CAB2FF03EB5A}"/>
+              </a:ext>
+            </a:extLst>
+          </p:cNvPr>
+          <p:cNvPicPr>
+            <a:picLocks noChangeAspect="1"/>
+          </p:cNvPicPr>
+          <p:nvPr/>
+        </p:nvPicPr>
+        <p:blipFill>
+          <a:blip r:embed="rId4"/>
+          <a:stretch>
+            <a:fillRect/>
+          </a:stretch>
+        </p:blipFill>
+        <p:spPr>
+          <a:xfrm>
+            <a:off x="8881396" y="3613859"/>
+            <a:ext cx="1706910" cy="500941"/>
+          </a:xfrm>
+          <a:prstGeom prst="rect">
+            <a:avLst/>
+          </a:prstGeom>
+        </p:spPr>
+      </p:pic>
+    </p:spTree>
+    <p:extLst>
+      <p:ext uri="{BB962C8B-B14F-4D97-AF65-F5344CB8AC3E}">
+        <p14:creationId xmlns:p14="http://schemas.microsoft.com/office/powerpoint/2010/main" val="3977266458"/>
+      </p:ext>
+    </p:extLst>
+  </p:cSld>
+  <p:clrMapOvr>
+    <a:masterClrMapping/>
+  </p:clrMapOvr>
+</p:sld>
+</file>
+
+<file path=ppt/slides/slide14.xml><?xml version="1.0" encoding="utf-8"?>
+<p:sld xmlns:a="http://schemas.openxmlformats.org/drawingml/2006/main" xmlns:r="http://schemas.openxmlformats.org/officeDocument/2006/relationships" xmlns:p="http://schemas.openxmlformats.org/presentationml/2006/main">
+  <p:cSld>
+    <p:spTree>
+      <p:nvGrpSpPr>
+        <p:cNvPr id="1" name=""/>
+        <p:cNvGrpSpPr/>
+        <p:nvPr/>
+      </p:nvGrpSpPr>
+      <p:grpSpPr>
+        <a:xfrm>
+          <a:off x="0" y="0"/>
+          <a:ext cx="0" cy="0"/>
+          <a:chOff x="0" y="0"/>
+          <a:chExt cx="0" cy="0"/>
+        </a:xfrm>
+      </p:grpSpPr>
+      <p:sp>
+        <p:nvSpPr>
+          <p:cNvPr id="2" name="Tittel 1">
+            <a:extLst>
+              <a:ext uri="{FF2B5EF4-FFF2-40B4-BE49-F238E27FC236}">
+                <a16:creationId xmlns:a16="http://schemas.microsoft.com/office/drawing/2014/main" id="{770EF6D4-DAF0-2F82-35F4-B793CA2E8B41}"/>
+              </a:ext>
+            </a:extLst>
+          </p:cNvPr>
+          <p:cNvSpPr>
+            <a:spLocks noGrp="1"/>
+          </p:cNvSpPr>
+          <p:nvPr>
+            <p:ph type="title"/>
+          </p:nvPr>
+        </p:nvSpPr>
+        <p:spPr/>
+        <p:txBody>
+          <a:bodyPr/>
+          <a:lstStyle/>
+          <a:p>
+            <a:r>
+              <a:rPr lang="nb-NO" dirty="0"/>
+              <a:t>Dagens oppgave </a:t>
+            </a:r>
+          </a:p>
+        </p:txBody>
+      </p:sp>
+      <p:sp>
+        <p:nvSpPr>
+          <p:cNvPr id="3" name="Plassholder for innhold 2">
+            <a:extLst>
+              <a:ext uri="{FF2B5EF4-FFF2-40B4-BE49-F238E27FC236}">
+                <a16:creationId xmlns:a16="http://schemas.microsoft.com/office/drawing/2014/main" id="{D030D994-3DBF-23FD-B00E-B4C806686F19}"/>
+              </a:ext>
+            </a:extLst>
+          </p:cNvPr>
+          <p:cNvSpPr>
+            <a:spLocks noGrp="1"/>
+          </p:cNvSpPr>
+          <p:nvPr>
+            <p:ph idx="1"/>
+          </p:nvPr>
+        </p:nvSpPr>
+        <p:spPr/>
+        <p:txBody>
+          <a:bodyPr/>
+          <a:lstStyle/>
+          <a:p>
+            <a:pPr marL="0" indent="0">
+              <a:buNone/>
+            </a:pPr>
+            <a:r>
+              <a:rPr lang="nb-NO" dirty="0"/>
+              <a:t>Spaceship Titanic – Eik Lab </a:t>
+            </a:r>
+          </a:p>
+          <a:p>
+            <a:pPr marL="0" indent="0">
+              <a:buNone/>
+            </a:pPr>
+            <a:endParaRPr lang="nb-NO" dirty="0"/>
+          </a:p>
+          <a:p>
+            <a:pPr marL="0" indent="0">
+              <a:buNone/>
+            </a:pPr>
+            <a:endParaRPr lang="nb-NO" dirty="0">
+              <a:solidFill>
+                <a:srgbClr val="C37400"/>
+              </a:solidFill>
+            </a:endParaRPr>
+          </a:p>
+          <a:p>
+            <a:pPr marL="0" indent="0">
+              <a:buNone/>
+            </a:pPr>
+            <a:endParaRPr lang="nb-NO" dirty="0">
+              <a:solidFill>
+                <a:srgbClr val="C37400"/>
+              </a:solidFill>
+            </a:endParaRPr>
+          </a:p>
+          <a:p>
+            <a:pPr marL="0" indent="0">
+              <a:buNone/>
+            </a:pPr>
+            <a:endParaRPr lang="nb-NO" dirty="0">
+              <a:solidFill>
+                <a:srgbClr val="C37400"/>
+              </a:solidFill>
+            </a:endParaRPr>
+          </a:p>
+          <a:p>
+            <a:pPr marL="0" indent="0">
+              <a:buNone/>
+            </a:pPr>
+            <a:r>
+              <a:rPr lang="nb-NO" dirty="0">
+                <a:solidFill>
+                  <a:srgbClr val="C37400"/>
+                </a:solidFill>
+              </a:rPr>
+              <a:t>https://github.com/Eik-Lab/ML-workshop-2024</a:t>
+            </a:r>
+          </a:p>
+          <a:p>
+            <a:pPr marL="0" indent="0">
+              <a:buNone/>
+            </a:pPr>
+            <a:r>
+              <a:rPr lang="nb-NO" dirty="0">
+                <a:solidFill>
+                  <a:srgbClr val="C37400"/>
+                </a:solidFill>
+              </a:rPr>
+              <a:t>https://www.kaggle.com/competitions/spaceship-titanic-eik-lab/</a:t>
+            </a:r>
+            <a:endParaRPr lang="nb-NO" dirty="0"/>
+          </a:p>
+          <a:p>
+            <a:pPr marL="0" indent="0">
+              <a:buNone/>
+            </a:pPr>
+            <a:endParaRPr lang="nb-NO" dirty="0"/>
+          </a:p>
+        </p:txBody>
+      </p:sp>
+      <p:sp>
+        <p:nvSpPr>
+          <p:cNvPr id="4" name="Plassholder for dato 3">
+            <a:extLst>
+              <a:ext uri="{FF2B5EF4-FFF2-40B4-BE49-F238E27FC236}">
+                <a16:creationId xmlns:a16="http://schemas.microsoft.com/office/drawing/2014/main" id="{B5F3F0C3-1E8E-FADB-0AD7-DE0F51162090}"/>
+              </a:ext>
+            </a:extLst>
+          </p:cNvPr>
+          <p:cNvSpPr>
+            <a:spLocks noGrp="1"/>
+          </p:cNvSpPr>
+          <p:nvPr>
+            <p:ph type="dt" sz="half" idx="10"/>
+          </p:nvPr>
+        </p:nvSpPr>
+        <p:spPr/>
+        <p:txBody>
+          <a:bodyPr/>
+          <a:lstStyle/>
+          <a:p>
+            <a:fld id="{BE0A88F0-556B-4BB7-8AAB-D63AEB65C662}" type="datetime1">
+              <a:rPr lang="en-US" smtClean="0"/>
+              <a:t>3/14/24</a:t>
+            </a:fld>
+            <a:endParaRPr lang="en-US"/>
+          </a:p>
+        </p:txBody>
+      </p:sp>
+      <p:sp>
+        <p:nvSpPr>
+          <p:cNvPr id="5" name="Plassholder for bunntekst 4">
+            <a:extLst>
+              <a:ext uri="{FF2B5EF4-FFF2-40B4-BE49-F238E27FC236}">
+                <a16:creationId xmlns:a16="http://schemas.microsoft.com/office/drawing/2014/main" id="{39897067-4A20-95BE-28A9-E767B049C79D}"/>
+              </a:ext>
+            </a:extLst>
+          </p:cNvPr>
+          <p:cNvSpPr>
+            <a:spLocks noGrp="1"/>
+          </p:cNvSpPr>
+          <p:nvPr>
+            <p:ph type="ftr" sz="quarter" idx="11"/>
+          </p:nvPr>
+        </p:nvSpPr>
+        <p:spPr/>
+        <p:txBody>
+          <a:bodyPr/>
+          <a:lstStyle/>
+          <a:p>
+            <a:endParaRPr lang="en-US"/>
+          </a:p>
+        </p:txBody>
+      </p:sp>
+      <p:sp>
+        <p:nvSpPr>
+          <p:cNvPr id="6" name="Plassholder for lysbildenummer 5">
+            <a:extLst>
+              <a:ext uri="{FF2B5EF4-FFF2-40B4-BE49-F238E27FC236}">
+                <a16:creationId xmlns:a16="http://schemas.microsoft.com/office/drawing/2014/main" id="{DA7FD67C-35A6-F344-E840-F8FCC448AD67}"/>
+              </a:ext>
+            </a:extLst>
+          </p:cNvPr>
+          <p:cNvSpPr>
+            <a:spLocks noGrp="1"/>
+          </p:cNvSpPr>
+          <p:nvPr>
+            <p:ph type="sldNum" sz="quarter" idx="12"/>
+          </p:nvPr>
+        </p:nvSpPr>
+        <p:spPr/>
+        <p:txBody>
+          <a:bodyPr/>
+          <a:lstStyle/>
+          <a:p>
+            <a:fld id="{81D2C36F-4504-47C0-B82F-A167342A2754}" type="slidenum">
+              <a:rPr lang="en-US" smtClean="0"/>
+              <a:t>14</a:t>
+            </a:fld>
+            <a:endParaRPr lang="en-US"/>
+          </a:p>
+        </p:txBody>
+      </p:sp>
+      <p:pic>
+        <p:nvPicPr>
+          <p:cNvPr id="8" name="Bilde 7" descr="Et bilde som inneholder himmel, utendørs, natur, fjell&#10;&#10;Automatisk generert beskrivelse">
+            <a:extLst>
+              <a:ext uri="{FF2B5EF4-FFF2-40B4-BE49-F238E27FC236}">
+                <a16:creationId xmlns:a16="http://schemas.microsoft.com/office/drawing/2014/main" id="{1121985C-5FF3-AA62-CF8F-16BEFB01A4A5}"/>
+              </a:ext>
+            </a:extLst>
+          </p:cNvPr>
+          <p:cNvPicPr>
+            <a:picLocks noChangeAspect="1"/>
+          </p:cNvPicPr>
+          <p:nvPr/>
+        </p:nvPicPr>
+        <p:blipFill>
+          <a:blip r:embed="rId2"/>
+          <a:stretch>
+            <a:fillRect/>
+          </a:stretch>
+        </p:blipFill>
+        <p:spPr>
+          <a:xfrm>
+            <a:off x="5787094" y="2108595"/>
+            <a:ext cx="4806494" cy="2403247"/>
+          </a:xfrm>
+          <a:prstGeom prst="rect">
+            <a:avLst/>
+          </a:prstGeom>
+        </p:spPr>
+      </p:pic>
+    </p:spTree>
+    <p:extLst>
+      <p:ext uri="{BB962C8B-B14F-4D97-AF65-F5344CB8AC3E}">
+        <p14:creationId xmlns:p14="http://schemas.microsoft.com/office/powerpoint/2010/main" val="3793919491"/>
+      </p:ext>
+    </p:extLst>
+  </p:cSld>
+  <p:clrMapOvr>
+    <a:masterClrMapping/>
+  </p:clrMapOvr>
+</p:sld>
+</file>
+
+<file path=ppt/slides/slide15.xml><?xml version="1.0" encoding="utf-8"?>
+<p:sld xmlns:a="http://schemas.openxmlformats.org/drawingml/2006/main" xmlns:r="http://schemas.openxmlformats.org/officeDocument/2006/relationships" xmlns:p="http://schemas.openxmlformats.org/presentationml/2006/main">
+  <p:cSld>
+    <p:spTree>
+      <p:nvGrpSpPr>
+        <p:cNvPr id="1" name=""/>
+        <p:cNvGrpSpPr/>
+        <p:nvPr/>
+      </p:nvGrpSpPr>
+      <p:grpSpPr>
+        <a:xfrm>
+          <a:off x="0" y="0"/>
+          <a:ext cx="0" cy="0"/>
+          <a:chOff x="0" y="0"/>
+          <a:chExt cx="0" cy="0"/>
+        </a:xfrm>
+      </p:grpSpPr>
+      <p:sp>
+        <p:nvSpPr>
+          <p:cNvPr id="2" name="Tittel 1">
+            <a:extLst>
+              <a:ext uri="{FF2B5EF4-FFF2-40B4-BE49-F238E27FC236}">
+                <a16:creationId xmlns:a16="http://schemas.microsoft.com/office/drawing/2014/main" id="{481CB193-858A-4EAF-3315-2F82F2BBB8B4}"/>
+              </a:ext>
+            </a:extLst>
+          </p:cNvPr>
+          <p:cNvSpPr>
+            <a:spLocks noGrp="1"/>
+          </p:cNvSpPr>
+          <p:nvPr>
+            <p:ph type="title"/>
+          </p:nvPr>
+        </p:nvSpPr>
+        <p:spPr/>
+        <p:txBody>
+          <a:bodyPr/>
+          <a:lstStyle/>
+          <a:p>
+            <a:r>
+              <a:rPr lang="nb-NO" dirty="0"/>
+              <a:t>Tilbakemelding</a:t>
+            </a:r>
+          </a:p>
+        </p:txBody>
+      </p:sp>
+      <p:pic>
+        <p:nvPicPr>
+          <p:cNvPr id="7" name="Plassholder for innhold 6">
+            <a:extLst>
+              <a:ext uri="{FF2B5EF4-FFF2-40B4-BE49-F238E27FC236}">
+                <a16:creationId xmlns:a16="http://schemas.microsoft.com/office/drawing/2014/main" id="{2F528654-22C6-A7BF-0540-9AE34A45D23C}"/>
+              </a:ext>
+            </a:extLst>
+          </p:cNvPr>
+          <p:cNvPicPr>
+            <a:picLocks noGrp="1" noChangeAspect="1"/>
+          </p:cNvPicPr>
+          <p:nvPr>
+            <p:ph idx="1"/>
+          </p:nvPr>
+        </p:nvPicPr>
+        <p:blipFill>
+          <a:blip r:embed="rId2"/>
+          <a:stretch>
+            <a:fillRect/>
+          </a:stretch>
+        </p:blipFill>
+        <p:spPr>
+          <a:xfrm>
+            <a:off x="3783548" y="2230531"/>
+            <a:ext cx="3505200" cy="3467100"/>
+          </a:xfrm>
+          <a:prstGeom prst="rect">
+            <a:avLst/>
+          </a:prstGeom>
+        </p:spPr>
+      </p:pic>
+      <p:sp>
+        <p:nvSpPr>
+          <p:cNvPr id="4" name="Plassholder for dato 3">
+            <a:extLst>
+              <a:ext uri="{FF2B5EF4-FFF2-40B4-BE49-F238E27FC236}">
+                <a16:creationId xmlns:a16="http://schemas.microsoft.com/office/drawing/2014/main" id="{90EF174E-39AB-F183-189B-66D44400D55F}"/>
+              </a:ext>
+            </a:extLst>
+          </p:cNvPr>
+          <p:cNvSpPr>
+            <a:spLocks noGrp="1"/>
+          </p:cNvSpPr>
+          <p:nvPr>
+            <p:ph type="dt" sz="half" idx="10"/>
+          </p:nvPr>
+        </p:nvSpPr>
+        <p:spPr/>
+        <p:txBody>
+          <a:bodyPr/>
+          <a:lstStyle/>
+          <a:p>
+            <a:fld id="{BE0A88F0-556B-4BB7-8AAB-D63AEB65C662}" type="datetime1">
+              <a:rPr lang="en-US" smtClean="0"/>
+              <a:t>3/14/24</a:t>
+            </a:fld>
+            <a:endParaRPr lang="en-US"/>
+          </a:p>
+        </p:txBody>
+      </p:sp>
+      <p:sp>
+        <p:nvSpPr>
+          <p:cNvPr id="5" name="Plassholder for bunntekst 4">
+            <a:extLst>
+              <a:ext uri="{FF2B5EF4-FFF2-40B4-BE49-F238E27FC236}">
+                <a16:creationId xmlns:a16="http://schemas.microsoft.com/office/drawing/2014/main" id="{D837A5CF-89DC-7FF0-8546-61CA56208D9C}"/>
+              </a:ext>
+            </a:extLst>
+          </p:cNvPr>
+          <p:cNvSpPr>
+            <a:spLocks noGrp="1"/>
+          </p:cNvSpPr>
+          <p:nvPr>
+            <p:ph type="ftr" sz="quarter" idx="11"/>
+          </p:nvPr>
+        </p:nvSpPr>
+        <p:spPr/>
+        <p:txBody>
+          <a:bodyPr/>
+          <a:lstStyle/>
+          <a:p>
+            <a:endParaRPr lang="en-US" dirty="0"/>
+          </a:p>
+        </p:txBody>
+      </p:sp>
+      <p:sp>
+        <p:nvSpPr>
+          <p:cNvPr id="6" name="Plassholder for lysbildenummer 5">
+            <a:extLst>
+              <a:ext uri="{FF2B5EF4-FFF2-40B4-BE49-F238E27FC236}">
+                <a16:creationId xmlns:a16="http://schemas.microsoft.com/office/drawing/2014/main" id="{34D46C8D-7262-CEEF-8EBA-632B7E3BADC4}"/>
+              </a:ext>
+            </a:extLst>
+          </p:cNvPr>
+          <p:cNvSpPr>
+            <a:spLocks noGrp="1"/>
+          </p:cNvSpPr>
+          <p:nvPr>
+            <p:ph type="sldNum" sz="quarter" idx="12"/>
+          </p:nvPr>
+        </p:nvSpPr>
+        <p:spPr/>
+        <p:txBody>
+          <a:bodyPr/>
+          <a:lstStyle/>
+          <a:p>
+            <a:fld id="{81D2C36F-4504-47C0-B82F-A167342A2754}" type="slidenum">
+              <a:rPr lang="en-US" smtClean="0"/>
+              <a:t>15</a:t>
+            </a:fld>
+            <a:endParaRPr lang="en-US"/>
+          </a:p>
+        </p:txBody>
+      </p:sp>
+    </p:spTree>
+    <p:extLst>
+      <p:ext uri="{BB962C8B-B14F-4D97-AF65-F5344CB8AC3E}">
+        <p14:creationId xmlns:p14="http://schemas.microsoft.com/office/powerpoint/2010/main" val="2635107505"/>
+      </p:ext>
+    </p:extLst>
+  </p:cSld>
+  <p:clrMapOvr>
+    <a:masterClrMapping/>
+  </p:clrMapOvr>
+</p:sld>
+</file>
+
+<file path=ppt/slides/slide2.xml><?xml version="1.0" encoding="utf-8"?>
+<p:sld xmlns:a="http://schemas.openxmlformats.org/drawingml/2006/main" xmlns:r="http://schemas.openxmlformats.org/officeDocument/2006/relationships" xmlns:p="http://schemas.openxmlformats.org/presentationml/2006/main">
+  <p:cSld>
+    <p:spTree>
+      <p:nvGrpSpPr>
+        <p:cNvPr id="1" name=""/>
+        <p:cNvGrpSpPr/>
+        <p:nvPr/>
+      </p:nvGrpSpPr>
+      <p:grpSpPr>
+        <a:xfrm>
+          <a:off x="0" y="0"/>
+          <a:ext cx="0" cy="0"/>
+          <a:chOff x="0" y="0"/>
+          <a:chExt cx="0" cy="0"/>
+        </a:xfrm>
+      </p:grpSpPr>
+      <p:sp>
+        <p:nvSpPr>
+          <p:cNvPr id="2" name="Tittel 1">
+            <a:extLst>
+              <a:ext uri="{FF2B5EF4-FFF2-40B4-BE49-F238E27FC236}">
+                <a16:creationId xmlns:a16="http://schemas.microsoft.com/office/drawing/2014/main" id="{28C6ABCB-9368-881E-F070-54F457E28226}"/>
+              </a:ext>
+            </a:extLst>
+          </p:cNvPr>
+          <p:cNvSpPr>
+            <a:spLocks noGrp="1"/>
+          </p:cNvSpPr>
+          <p:nvPr>
+            <p:ph type="title"/>
+          </p:nvPr>
+        </p:nvSpPr>
+        <p:spPr/>
+        <p:txBody>
+          <a:bodyPr/>
+          <a:lstStyle/>
+          <a:p>
+            <a:r>
+              <a:rPr lang="nb-NO" dirty="0"/>
+              <a:t>Hva skal vi gjøre i dag</a:t>
+            </a:r>
+          </a:p>
+        </p:txBody>
+      </p:sp>
+      <p:sp>
+        <p:nvSpPr>
+          <p:cNvPr id="3" name="Plassholder for innhold 2">
+            <a:extLst>
+              <a:ext uri="{FF2B5EF4-FFF2-40B4-BE49-F238E27FC236}">
+                <a16:creationId xmlns:a16="http://schemas.microsoft.com/office/drawing/2014/main" id="{596F2F34-79F5-FB9D-4A73-FF31C091619C}"/>
+              </a:ext>
+            </a:extLst>
+          </p:cNvPr>
+          <p:cNvSpPr>
+            <a:spLocks noGrp="1"/>
+          </p:cNvSpPr>
+          <p:nvPr>
+            <p:ph idx="1"/>
+          </p:nvPr>
+        </p:nvSpPr>
+        <p:spPr/>
+        <p:txBody>
+          <a:bodyPr/>
+          <a:lstStyle/>
+          <a:p>
+            <a:r>
+              <a:rPr lang="nb-NO" dirty="0"/>
+              <a:t>Hva er maskinlæring</a:t>
+            </a:r>
+          </a:p>
+          <a:p>
+            <a:r>
+              <a:rPr lang="nb-NO" dirty="0"/>
+              <a:t>Forskjellige maskinlæringsalgoritmer </a:t>
+            </a:r>
+          </a:p>
+          <a:p>
+            <a:r>
+              <a:rPr lang="nb-NO" dirty="0"/>
+              <a:t>Hvordan fungerer en maskinlæringsmodell</a:t>
+            </a:r>
+          </a:p>
+          <a:p>
+            <a:r>
+              <a:rPr lang="nb-NO" dirty="0"/>
+              <a:t>Viktigheten rundt data og databehandling</a:t>
+            </a:r>
+          </a:p>
+          <a:p>
+            <a:r>
+              <a:rPr lang="nb-NO" dirty="0"/>
+              <a:t>Dagens konkurranse  </a:t>
+            </a:r>
+          </a:p>
+        </p:txBody>
+      </p:sp>
+      <p:sp>
+        <p:nvSpPr>
+          <p:cNvPr id="4" name="Plassholder for dato 3">
+            <a:extLst>
+              <a:ext uri="{FF2B5EF4-FFF2-40B4-BE49-F238E27FC236}">
+                <a16:creationId xmlns:a16="http://schemas.microsoft.com/office/drawing/2014/main" id="{929BD5A9-57CE-FA49-1D61-215124556072}"/>
+              </a:ext>
+            </a:extLst>
+          </p:cNvPr>
+          <p:cNvSpPr>
+            <a:spLocks noGrp="1"/>
+          </p:cNvSpPr>
+          <p:nvPr>
+            <p:ph type="dt" sz="half" idx="10"/>
+          </p:nvPr>
+        </p:nvSpPr>
+        <p:spPr/>
+        <p:txBody>
+          <a:bodyPr/>
+          <a:lstStyle/>
+          <a:p>
+            <a:fld id="{BE0A88F0-556B-4BB7-8AAB-D63AEB65C662}" type="datetime1">
+              <a:rPr lang="en-US" smtClean="0"/>
+              <a:t>3/14/24</a:t>
+            </a:fld>
+            <a:endParaRPr lang="en-US"/>
+          </a:p>
+        </p:txBody>
+      </p:sp>
+      <p:sp>
+        <p:nvSpPr>
+          <p:cNvPr id="5" name="Plassholder for bunntekst 4">
+            <a:extLst>
+              <a:ext uri="{FF2B5EF4-FFF2-40B4-BE49-F238E27FC236}">
+                <a16:creationId xmlns:a16="http://schemas.microsoft.com/office/drawing/2014/main" id="{99C1D3A4-1620-9062-E7E1-5F50CB17CAEA}"/>
+              </a:ext>
+            </a:extLst>
+          </p:cNvPr>
+          <p:cNvSpPr>
+            <a:spLocks noGrp="1"/>
+          </p:cNvSpPr>
+          <p:nvPr>
+            <p:ph type="ftr" sz="quarter" idx="11"/>
+          </p:nvPr>
+        </p:nvSpPr>
+        <p:spPr/>
+        <p:txBody>
+          <a:bodyPr/>
+          <a:lstStyle/>
+          <a:p>
+            <a:endParaRPr lang="en-US"/>
+          </a:p>
+        </p:txBody>
+      </p:sp>
+      <p:sp>
+        <p:nvSpPr>
+          <p:cNvPr id="6" name="Plassholder for lysbildenummer 5">
+            <a:extLst>
+              <a:ext uri="{FF2B5EF4-FFF2-40B4-BE49-F238E27FC236}">
+                <a16:creationId xmlns:a16="http://schemas.microsoft.com/office/drawing/2014/main" id="{3DCE8CB8-DBE7-37B3-72FE-AC4CC31FF9E9}"/>
+              </a:ext>
+            </a:extLst>
+          </p:cNvPr>
+          <p:cNvSpPr>
+            <a:spLocks noGrp="1"/>
+          </p:cNvSpPr>
+          <p:nvPr>
+            <p:ph type="sldNum" sz="quarter" idx="12"/>
+          </p:nvPr>
+        </p:nvSpPr>
+        <p:spPr/>
+        <p:txBody>
+          <a:bodyPr/>
+          <a:lstStyle/>
+          <a:p>
+            <a:fld id="{81D2C36F-4504-47C0-B82F-A167342A2754}" type="slidenum">
+              <a:rPr lang="en-US" smtClean="0"/>
+              <a:t>2</a:t>
+            </a:fld>
+            <a:endParaRPr lang="en-US"/>
+          </a:p>
+        </p:txBody>
+      </p:sp>
+    </p:spTree>
+    <p:extLst>
+      <p:ext uri="{BB962C8B-B14F-4D97-AF65-F5344CB8AC3E}">
+        <p14:creationId xmlns:p14="http://schemas.microsoft.com/office/powerpoint/2010/main" val="794222931"/>
+      </p:ext>
+    </p:extLst>
+  </p:cSld>
+  <p:clrMapOvr>
+    <a:masterClrMapping/>
+  </p:clrMapOvr>
+</p:sld>
+</file>
+
+<file path=ppt/slides/slide3.xml><?xml version="1.0" encoding="utf-8"?>
+<p:sld xmlns:a="http://schemas.openxmlformats.org/drawingml/2006/main" xmlns:r="http://schemas.openxmlformats.org/officeDocument/2006/relationships" xmlns:p="http://schemas.openxmlformats.org/presentationml/2006/main">
+  <p:cSld>
+    <p:spTree>
+      <p:nvGrpSpPr>
+        <p:cNvPr id="1" name=""/>
+        <p:cNvGrpSpPr/>
+        <p:nvPr/>
+      </p:nvGrpSpPr>
+      <p:grpSpPr>
+        <a:xfrm>
+          <a:off x="0" y="0"/>
+          <a:ext cx="0" cy="0"/>
+          <a:chOff x="0" y="0"/>
+          <a:chExt cx="0" cy="0"/>
+        </a:xfrm>
+      </p:grpSpPr>
+      <p:sp>
+        <p:nvSpPr>
+          <p:cNvPr id="2" name="Tittel 1">
+            <a:extLst>
+              <a:ext uri="{FF2B5EF4-FFF2-40B4-BE49-F238E27FC236}">
+                <a16:creationId xmlns:a16="http://schemas.microsoft.com/office/drawing/2014/main" id="{D9A3568C-2647-379D-257E-BC843BA89DD9}"/>
+              </a:ext>
+            </a:extLst>
+          </p:cNvPr>
+          <p:cNvSpPr>
+            <a:spLocks noGrp="1"/>
+          </p:cNvSpPr>
+          <p:nvPr>
+            <p:ph type="title"/>
+          </p:nvPr>
+        </p:nvSpPr>
+        <p:spPr/>
+        <p:txBody>
+          <a:bodyPr/>
+          <a:lstStyle/>
+          <a:p>
+            <a:r>
+              <a:rPr lang="nb-NO" dirty="0"/>
+              <a:t>Hva er maskinlæring?</a:t>
+            </a:r>
+          </a:p>
+        </p:txBody>
+      </p:sp>
+      <p:sp>
+        <p:nvSpPr>
+          <p:cNvPr id="3" name="Plassholder for innhold 2">
+            <a:extLst>
+              <a:ext uri="{FF2B5EF4-FFF2-40B4-BE49-F238E27FC236}">
+                <a16:creationId xmlns:a16="http://schemas.microsoft.com/office/drawing/2014/main" id="{AAF66A1E-CB6A-5905-ED64-F4552262C410}"/>
+              </a:ext>
+            </a:extLst>
+          </p:cNvPr>
+          <p:cNvSpPr>
+            <a:spLocks noGrp="1"/>
+          </p:cNvSpPr>
+          <p:nvPr>
+            <p:ph idx="1"/>
+          </p:nvPr>
+        </p:nvSpPr>
+        <p:spPr/>
+        <p:txBody>
+          <a:bodyPr>
+            <a:normAutofit/>
+          </a:bodyPr>
+          <a:lstStyle/>
+          <a:p>
+            <a:pPr marL="0" indent="0" algn="ctr">
+              <a:buNone/>
+            </a:pPr>
+            <a:r>
+              <a:rPr lang="nb-NO" sz="2400" dirty="0"/>
+              <a:t>«</a:t>
+            </a:r>
+            <a:r>
+              <a:rPr lang="nb-NO" sz="2400" i="1" dirty="0">
+                <a:effectLst/>
+                <a:latin typeface="Calibri" panose="020F0502020204030204" pitchFamily="34" charset="0"/>
+              </a:rPr>
+              <a:t>Maskinlæring er en gren av kunstig intelligens (AI) som fokuserer på utviklingen av algoritmer og teknikker som gjør datamaskiner i stand til å lære fra og utføre oppgaver uten å være eksplisitt programmert for det. I stedet for å følge strenge instruksjoner, kan maskinlæringsalgoritmer analysere store mengder data, identifisere mønstre og trekke konklusjoner basert på disse mønstrene.»</a:t>
+            </a:r>
+            <a:endParaRPr lang="nb-NO" sz="2400" dirty="0"/>
+          </a:p>
+        </p:txBody>
+      </p:sp>
+      <p:sp>
+        <p:nvSpPr>
+          <p:cNvPr id="4" name="Plassholder for dato 3">
+            <a:extLst>
+              <a:ext uri="{FF2B5EF4-FFF2-40B4-BE49-F238E27FC236}">
+                <a16:creationId xmlns:a16="http://schemas.microsoft.com/office/drawing/2014/main" id="{EE67A840-2CB1-C0A7-5C27-1E3D7CBB3547}"/>
+              </a:ext>
+            </a:extLst>
+          </p:cNvPr>
+          <p:cNvSpPr>
+            <a:spLocks noGrp="1"/>
+          </p:cNvSpPr>
+          <p:nvPr>
+            <p:ph type="dt" sz="half" idx="10"/>
+          </p:nvPr>
+        </p:nvSpPr>
+        <p:spPr/>
+        <p:txBody>
+          <a:bodyPr/>
+          <a:lstStyle/>
+          <a:p>
+            <a:fld id="{BE0A88F0-556B-4BB7-8AAB-D63AEB65C662}" type="datetime1">
+              <a:rPr lang="en-US" smtClean="0"/>
+              <a:t>3/14/24</a:t>
+            </a:fld>
+            <a:endParaRPr lang="en-US"/>
+          </a:p>
+        </p:txBody>
+      </p:sp>
+      <p:sp>
+        <p:nvSpPr>
+          <p:cNvPr id="5" name="Plassholder for bunntekst 4">
+            <a:extLst>
+              <a:ext uri="{FF2B5EF4-FFF2-40B4-BE49-F238E27FC236}">
+                <a16:creationId xmlns:a16="http://schemas.microsoft.com/office/drawing/2014/main" id="{57EDEBD0-9F26-2D48-4E2B-F14ED3566003}"/>
+              </a:ext>
+            </a:extLst>
+          </p:cNvPr>
+          <p:cNvSpPr>
+            <a:spLocks noGrp="1"/>
+          </p:cNvSpPr>
+          <p:nvPr>
+            <p:ph type="ftr" sz="quarter" idx="11"/>
+          </p:nvPr>
+        </p:nvSpPr>
+        <p:spPr/>
+        <p:txBody>
+          <a:bodyPr/>
+          <a:lstStyle/>
+          <a:p>
+            <a:endParaRPr lang="en-US"/>
+          </a:p>
+        </p:txBody>
+      </p:sp>
+      <p:sp>
+        <p:nvSpPr>
+          <p:cNvPr id="6" name="Plassholder for lysbildenummer 5">
+            <a:extLst>
+              <a:ext uri="{FF2B5EF4-FFF2-40B4-BE49-F238E27FC236}">
+                <a16:creationId xmlns:a16="http://schemas.microsoft.com/office/drawing/2014/main" id="{CE70A754-614D-E205-1CF4-EA8A78CBDE9D}"/>
+              </a:ext>
+            </a:extLst>
+          </p:cNvPr>
+          <p:cNvSpPr>
+            <a:spLocks noGrp="1"/>
+          </p:cNvSpPr>
+          <p:nvPr>
+            <p:ph type="sldNum" sz="quarter" idx="12"/>
+          </p:nvPr>
+        </p:nvSpPr>
+        <p:spPr/>
+        <p:txBody>
+          <a:bodyPr/>
+          <a:lstStyle/>
+          <a:p>
+            <a:fld id="{81D2C36F-4504-47C0-B82F-A167342A2754}" type="slidenum">
+              <a:rPr lang="en-US" smtClean="0"/>
+              <a:t>3</a:t>
+            </a:fld>
+            <a:endParaRPr lang="en-US"/>
+          </a:p>
+        </p:txBody>
+      </p:sp>
+    </p:spTree>
+    <p:extLst>
+      <p:ext uri="{BB962C8B-B14F-4D97-AF65-F5344CB8AC3E}">
+        <p14:creationId xmlns:p14="http://schemas.microsoft.com/office/powerpoint/2010/main" val="1395388191"/>
+      </p:ext>
+    </p:extLst>
+  </p:cSld>
+  <p:clrMapOvr>
+    <a:masterClrMapping/>
+  </p:clrMapOvr>
+</p:sld>
+</file>
+
+<file path=ppt/slides/slide4.xml><?xml version="1.0" encoding="utf-8"?>
+<p:sld xmlns:a="http://schemas.openxmlformats.org/drawingml/2006/main" xmlns:r="http://schemas.openxmlformats.org/officeDocument/2006/relationships" xmlns:p="http://schemas.openxmlformats.org/presentationml/2006/main">
+  <p:cSld>
+    <p:spTree>
+      <p:nvGrpSpPr>
+        <p:cNvPr id="1" name=""/>
+        <p:cNvGrpSpPr/>
+        <p:nvPr/>
+      </p:nvGrpSpPr>
+      <p:grpSpPr>
+        <a:xfrm>
+          <a:off x="0" y="0"/>
+          <a:ext cx="0" cy="0"/>
+          <a:chOff x="0" y="0"/>
+          <a:chExt cx="0" cy="0"/>
+        </a:xfrm>
+      </p:grpSpPr>
+      <p:sp>
+        <p:nvSpPr>
+          <p:cNvPr id="2" name="Tittel 1">
+            <a:extLst>
+              <a:ext uri="{FF2B5EF4-FFF2-40B4-BE49-F238E27FC236}">
+                <a16:creationId xmlns:a16="http://schemas.microsoft.com/office/drawing/2014/main" id="{04A8CDE3-A8EB-DF5B-2C35-6FF0E8C06989}"/>
+              </a:ext>
+            </a:extLst>
+          </p:cNvPr>
+          <p:cNvSpPr>
+            <a:spLocks noGrp="1"/>
+          </p:cNvSpPr>
+          <p:nvPr>
+            <p:ph type="title"/>
+          </p:nvPr>
+        </p:nvSpPr>
+        <p:spPr/>
+        <p:txBody>
+          <a:bodyPr/>
+          <a:lstStyle/>
+          <a:p>
+            <a:r>
+              <a:rPr lang="nb-NO" dirty="0"/>
+              <a:t>Hva er maskinlæring?</a:t>
+            </a:r>
+          </a:p>
+        </p:txBody>
+      </p:sp>
+      <p:sp>
+        <p:nvSpPr>
+          <p:cNvPr id="3" name="Plassholder for innhold 2">
+            <a:extLst>
+              <a:ext uri="{FF2B5EF4-FFF2-40B4-BE49-F238E27FC236}">
+                <a16:creationId xmlns:a16="http://schemas.microsoft.com/office/drawing/2014/main" id="{BD2C21B4-3DDE-B114-D531-C73BB999378E}"/>
+              </a:ext>
+            </a:extLst>
+          </p:cNvPr>
+          <p:cNvSpPr>
+            <a:spLocks noGrp="1"/>
+          </p:cNvSpPr>
+          <p:nvPr>
+            <p:ph idx="1"/>
+          </p:nvPr>
+        </p:nvSpPr>
+        <p:spPr/>
+        <p:txBody>
+          <a:bodyPr/>
+          <a:lstStyle/>
+          <a:p>
+            <a:r>
+              <a:rPr lang="nb-NO" dirty="0"/>
+              <a:t>Er AI og maskinlæring det samme? </a:t>
+            </a:r>
+          </a:p>
+          <a:p>
+            <a:pPr lvl="1"/>
+            <a:r>
+              <a:rPr lang="nb-NO" dirty="0"/>
+              <a:t>All maskinlæring er en del av AI, men ikke all AI er maskinlæring</a:t>
+            </a:r>
+          </a:p>
+          <a:p>
+            <a:r>
+              <a:rPr lang="nb-NO" dirty="0"/>
+              <a:t>Hva bruker vi det til</a:t>
+            </a:r>
+          </a:p>
+          <a:p>
+            <a:r>
+              <a:rPr lang="nb-NO" dirty="0"/>
+              <a:t>Flere former for maskinlæring </a:t>
+            </a:r>
+          </a:p>
+          <a:p>
+            <a:pPr lvl="1"/>
+            <a:r>
+              <a:rPr lang="nb-NO" dirty="0" err="1"/>
+              <a:t>Supervised</a:t>
+            </a:r>
+            <a:r>
+              <a:rPr lang="nb-NO" dirty="0"/>
+              <a:t> </a:t>
+            </a:r>
+            <a:r>
+              <a:rPr lang="nb-NO" dirty="0" err="1"/>
+              <a:t>learning</a:t>
+            </a:r>
+            <a:endParaRPr lang="nb-NO" dirty="0"/>
+          </a:p>
+          <a:p>
+            <a:pPr lvl="1"/>
+            <a:r>
+              <a:rPr lang="nb-NO" dirty="0" err="1"/>
+              <a:t>Unsupervised</a:t>
+            </a:r>
+            <a:r>
+              <a:rPr lang="nb-NO" dirty="0"/>
+              <a:t> </a:t>
+            </a:r>
+            <a:r>
+              <a:rPr lang="nb-NO" dirty="0" err="1"/>
+              <a:t>learning</a:t>
+            </a:r>
+            <a:endParaRPr lang="nb-NO" dirty="0"/>
+          </a:p>
+          <a:p>
+            <a:pPr lvl="1"/>
+            <a:r>
+              <a:rPr lang="nb-NO" dirty="0" err="1"/>
+              <a:t>Reinforced</a:t>
+            </a:r>
+            <a:r>
+              <a:rPr lang="nb-NO" dirty="0"/>
+              <a:t> </a:t>
+            </a:r>
+            <a:r>
+              <a:rPr lang="nb-NO" dirty="0" err="1"/>
+              <a:t>learning</a:t>
+            </a:r>
+            <a:r>
+              <a:rPr lang="nb-NO" dirty="0"/>
+              <a:t> </a:t>
+            </a:r>
+          </a:p>
+          <a:p>
+            <a:pPr marL="0" indent="0">
+              <a:buNone/>
+            </a:pPr>
+            <a:endParaRPr lang="nb-NO" dirty="0"/>
+          </a:p>
+        </p:txBody>
+      </p:sp>
+      <p:sp>
+        <p:nvSpPr>
+          <p:cNvPr id="4" name="Plassholder for dato 3">
+            <a:extLst>
+              <a:ext uri="{FF2B5EF4-FFF2-40B4-BE49-F238E27FC236}">
+                <a16:creationId xmlns:a16="http://schemas.microsoft.com/office/drawing/2014/main" id="{E2EDA8D8-503E-E3E9-251F-789FC8883538}"/>
+              </a:ext>
+            </a:extLst>
+          </p:cNvPr>
+          <p:cNvSpPr>
+            <a:spLocks noGrp="1"/>
+          </p:cNvSpPr>
+          <p:nvPr>
+            <p:ph type="dt" sz="half" idx="10"/>
+          </p:nvPr>
+        </p:nvSpPr>
+        <p:spPr/>
+        <p:txBody>
+          <a:bodyPr/>
+          <a:lstStyle/>
+          <a:p>
+            <a:fld id="{BE0A88F0-556B-4BB7-8AAB-D63AEB65C662}" type="datetime1">
+              <a:rPr lang="en-US" smtClean="0"/>
+              <a:t>3/14/24</a:t>
+            </a:fld>
+            <a:endParaRPr lang="en-US"/>
+          </a:p>
+        </p:txBody>
+      </p:sp>
+      <p:sp>
+        <p:nvSpPr>
+          <p:cNvPr id="5" name="Plassholder for bunntekst 4">
+            <a:extLst>
+              <a:ext uri="{FF2B5EF4-FFF2-40B4-BE49-F238E27FC236}">
+                <a16:creationId xmlns:a16="http://schemas.microsoft.com/office/drawing/2014/main" id="{AABA49A2-1107-C103-6BD3-00E9CA139A58}"/>
+              </a:ext>
+            </a:extLst>
+          </p:cNvPr>
+          <p:cNvSpPr>
+            <a:spLocks noGrp="1"/>
+          </p:cNvSpPr>
+          <p:nvPr>
+            <p:ph type="ftr" sz="quarter" idx="11"/>
+          </p:nvPr>
+        </p:nvSpPr>
+        <p:spPr/>
+        <p:txBody>
+          <a:bodyPr/>
+          <a:lstStyle/>
+          <a:p>
+            <a:endParaRPr lang="en-US"/>
+          </a:p>
+        </p:txBody>
+      </p:sp>
+      <p:sp>
+        <p:nvSpPr>
+          <p:cNvPr id="6" name="Plassholder for lysbildenummer 5">
+            <a:extLst>
+              <a:ext uri="{FF2B5EF4-FFF2-40B4-BE49-F238E27FC236}">
+                <a16:creationId xmlns:a16="http://schemas.microsoft.com/office/drawing/2014/main" id="{324E58C7-4722-22AF-2A03-7CFCD4CB17EC}"/>
+              </a:ext>
+            </a:extLst>
+          </p:cNvPr>
+          <p:cNvSpPr>
+            <a:spLocks noGrp="1"/>
+          </p:cNvSpPr>
+          <p:nvPr>
+            <p:ph type="sldNum" sz="quarter" idx="12"/>
+          </p:nvPr>
+        </p:nvSpPr>
+        <p:spPr/>
+        <p:txBody>
+          <a:bodyPr/>
+          <a:lstStyle/>
+          <a:p>
+            <a:fld id="{81D2C36F-4504-47C0-B82F-A167342A2754}" type="slidenum">
+              <a:rPr lang="en-US" smtClean="0"/>
+              <a:t>4</a:t>
+            </a:fld>
+            <a:endParaRPr lang="en-US"/>
+          </a:p>
+        </p:txBody>
+      </p:sp>
+    </p:spTree>
+    <p:extLst>
+      <p:ext uri="{BB962C8B-B14F-4D97-AF65-F5344CB8AC3E}">
+        <p14:creationId xmlns:p14="http://schemas.microsoft.com/office/powerpoint/2010/main" val="4207473267"/>
+      </p:ext>
+    </p:extLst>
+  </p:cSld>
+  <p:clrMapOvr>
+    <a:masterClrMapping/>
+  </p:clrMapOvr>
+</p:sld>
+</file>
+
+<file path=ppt/slides/slide5.xml><?xml version="1.0" encoding="utf-8"?>
+<p:sld xmlns:a="http://schemas.openxmlformats.org/drawingml/2006/main" xmlns:r="http://schemas.openxmlformats.org/officeDocument/2006/relationships" xmlns:p="http://schemas.openxmlformats.org/presentationml/2006/main">
+  <p:cSld>
+    <p:spTree>
+      <p:nvGrpSpPr>
+        <p:cNvPr id="1" name=""/>
+        <p:cNvGrpSpPr/>
+        <p:nvPr/>
+      </p:nvGrpSpPr>
+      <p:grpSpPr>
+        <a:xfrm>
+          <a:off x="0" y="0"/>
+          <a:ext cx="0" cy="0"/>
+          <a:chOff x="0" y="0"/>
+          <a:chExt cx="0" cy="0"/>
+        </a:xfrm>
+      </p:grpSpPr>
+      <p:sp>
+        <p:nvSpPr>
+          <p:cNvPr id="2" name="Tittel 1">
+            <a:extLst>
+              <a:ext uri="{FF2B5EF4-FFF2-40B4-BE49-F238E27FC236}">
+                <a16:creationId xmlns:a16="http://schemas.microsoft.com/office/drawing/2014/main" id="{DE619BA3-9285-5338-2220-B6CBF4644F48}"/>
+              </a:ext>
+            </a:extLst>
+          </p:cNvPr>
+          <p:cNvSpPr>
+            <a:spLocks noGrp="1"/>
+          </p:cNvSpPr>
+          <p:nvPr>
+            <p:ph type="title"/>
+          </p:nvPr>
+        </p:nvSpPr>
+        <p:spPr/>
+        <p:txBody>
+          <a:bodyPr/>
+          <a:lstStyle/>
+          <a:p>
+            <a:r>
+              <a:rPr lang="nb-NO" dirty="0"/>
+              <a:t>Data – preprosessering </a:t>
+            </a:r>
+          </a:p>
+        </p:txBody>
+      </p:sp>
+      <p:sp>
+        <p:nvSpPr>
+          <p:cNvPr id="3" name="Plassholder for innhold 2">
+            <a:extLst>
+              <a:ext uri="{FF2B5EF4-FFF2-40B4-BE49-F238E27FC236}">
+                <a16:creationId xmlns:a16="http://schemas.microsoft.com/office/drawing/2014/main" id="{5A7AC557-E147-90B0-56A5-3B05508FCA5E}"/>
+              </a:ext>
+            </a:extLst>
+          </p:cNvPr>
+          <p:cNvSpPr>
+            <a:spLocks noGrp="1"/>
+          </p:cNvSpPr>
+          <p:nvPr>
+            <p:ph idx="1"/>
+          </p:nvPr>
+        </p:nvSpPr>
+        <p:spPr/>
+        <p:txBody>
+          <a:bodyPr>
+            <a:normAutofit fontScale="85000" lnSpcReduction="20000"/>
+          </a:bodyPr>
+          <a:lstStyle/>
+          <a:p>
+            <a:r>
+              <a:rPr lang="nb-NO" b="1" dirty="0"/>
+              <a:t>Dårlig data = dårlig modell </a:t>
+            </a:r>
+          </a:p>
+          <a:p>
+            <a:r>
+              <a:rPr lang="nb-NO" dirty="0"/>
+              <a:t>Datasett kan inneholde</a:t>
+            </a:r>
+          </a:p>
+          <a:p>
+            <a:pPr lvl="1"/>
+            <a:r>
+              <a:rPr lang="nb-NO" dirty="0"/>
+              <a:t>Feil </a:t>
+            </a:r>
+          </a:p>
+          <a:p>
+            <a:pPr lvl="1"/>
+            <a:r>
+              <a:rPr lang="nb-NO" dirty="0" err="1"/>
+              <a:t>Outliers</a:t>
+            </a:r>
+            <a:endParaRPr lang="nb-NO" dirty="0"/>
+          </a:p>
+          <a:p>
+            <a:pPr lvl="1"/>
+            <a:r>
+              <a:rPr lang="nb-NO" dirty="0"/>
+              <a:t>Inkonsistente verdier </a:t>
+            </a:r>
+          </a:p>
+          <a:p>
+            <a:pPr lvl="1"/>
+            <a:r>
+              <a:rPr lang="nb-NO" dirty="0"/>
+              <a:t>Irrelevante verdier </a:t>
+            </a:r>
+          </a:p>
+          <a:p>
+            <a:r>
+              <a:rPr lang="nb-NO" dirty="0"/>
+              <a:t>Splitte variabler for mer informasjon</a:t>
+            </a:r>
+          </a:p>
+          <a:p>
+            <a:r>
+              <a:rPr lang="nb-NO" dirty="0"/>
+              <a:t>Dimensjonsreduksjon </a:t>
+            </a:r>
+          </a:p>
+          <a:p>
+            <a:r>
+              <a:rPr lang="nb-NO" dirty="0"/>
+              <a:t>Normalisering og skalering </a:t>
+            </a:r>
+          </a:p>
+          <a:p>
+            <a:r>
+              <a:rPr lang="nb-NO" b="1" dirty="0"/>
+              <a:t>God data = effektiv, generalisert og nøyaktig modell </a:t>
+            </a:r>
+          </a:p>
+        </p:txBody>
+      </p:sp>
+      <p:sp>
+        <p:nvSpPr>
+          <p:cNvPr id="4" name="Plassholder for dato 3">
+            <a:extLst>
+              <a:ext uri="{FF2B5EF4-FFF2-40B4-BE49-F238E27FC236}">
+                <a16:creationId xmlns:a16="http://schemas.microsoft.com/office/drawing/2014/main" id="{A306EA8A-7EE7-FD0A-3FF0-DCD61E513FCC}"/>
+              </a:ext>
+            </a:extLst>
+          </p:cNvPr>
+          <p:cNvSpPr>
+            <a:spLocks noGrp="1"/>
+          </p:cNvSpPr>
+          <p:nvPr>
+            <p:ph type="dt" sz="half" idx="10"/>
+          </p:nvPr>
+        </p:nvSpPr>
+        <p:spPr/>
+        <p:txBody>
+          <a:bodyPr/>
+          <a:lstStyle/>
+          <a:p>
+            <a:fld id="{BE0A88F0-556B-4BB7-8AAB-D63AEB65C662}" type="datetime1">
+              <a:rPr lang="en-US" smtClean="0"/>
+              <a:t>3/14/24</a:t>
+            </a:fld>
+            <a:endParaRPr lang="en-US"/>
+          </a:p>
+        </p:txBody>
+      </p:sp>
+      <p:sp>
+        <p:nvSpPr>
+          <p:cNvPr id="5" name="Plassholder for bunntekst 4">
+            <a:extLst>
+              <a:ext uri="{FF2B5EF4-FFF2-40B4-BE49-F238E27FC236}">
+                <a16:creationId xmlns:a16="http://schemas.microsoft.com/office/drawing/2014/main" id="{94C05292-BF8A-020F-83C1-D2F5C1D66D7A}"/>
+              </a:ext>
+            </a:extLst>
+          </p:cNvPr>
+          <p:cNvSpPr>
+            <a:spLocks noGrp="1"/>
+          </p:cNvSpPr>
+          <p:nvPr>
+            <p:ph type="ftr" sz="quarter" idx="11"/>
+          </p:nvPr>
+        </p:nvSpPr>
+        <p:spPr/>
+        <p:txBody>
+          <a:bodyPr/>
+          <a:lstStyle/>
+          <a:p>
+            <a:endParaRPr lang="en-US"/>
+          </a:p>
+        </p:txBody>
+      </p:sp>
+      <p:sp>
+        <p:nvSpPr>
+          <p:cNvPr id="6" name="Plassholder for lysbildenummer 5">
+            <a:extLst>
+              <a:ext uri="{FF2B5EF4-FFF2-40B4-BE49-F238E27FC236}">
+                <a16:creationId xmlns:a16="http://schemas.microsoft.com/office/drawing/2014/main" id="{76B8AC64-5F26-4656-86A3-E1131C9B8DF6}"/>
+              </a:ext>
+            </a:extLst>
+          </p:cNvPr>
+          <p:cNvSpPr>
+            <a:spLocks noGrp="1"/>
+          </p:cNvSpPr>
+          <p:nvPr>
+            <p:ph type="sldNum" sz="quarter" idx="12"/>
+          </p:nvPr>
+        </p:nvSpPr>
+        <p:spPr/>
+        <p:txBody>
+          <a:bodyPr/>
+          <a:lstStyle/>
+          <a:p>
+            <a:fld id="{81D2C36F-4504-47C0-B82F-A167342A2754}" type="slidenum">
+              <a:rPr lang="en-US" smtClean="0"/>
+              <a:t>5</a:t>
+            </a:fld>
+            <a:endParaRPr lang="en-US"/>
+          </a:p>
+        </p:txBody>
+      </p:sp>
+    </p:spTree>
+    <p:extLst>
+      <p:ext uri="{BB962C8B-B14F-4D97-AF65-F5344CB8AC3E}">
+        <p14:creationId xmlns:p14="http://schemas.microsoft.com/office/powerpoint/2010/main" val="2635031839"/>
+      </p:ext>
+    </p:extLst>
+  </p:cSld>
+  <p:clrMapOvr>
+    <a:masterClrMapping/>
+  </p:clrMapOvr>
+</p:sld>
+</file>
+
+<file path=ppt/slides/slide6.xml><?xml version="1.0" encoding="utf-8"?>
+<p:sld xmlns:a="http://schemas.openxmlformats.org/drawingml/2006/main" xmlns:r="http://schemas.openxmlformats.org/officeDocument/2006/relationships" xmlns:p="http://schemas.openxmlformats.org/presentationml/2006/main">
+  <p:cSld>
+    <p:spTree>
+      <p:nvGrpSpPr>
+        <p:cNvPr id="1" name=""/>
+        <p:cNvGrpSpPr/>
+        <p:nvPr/>
+      </p:nvGrpSpPr>
+      <p:grpSpPr>
+        <a:xfrm>
+          <a:off x="0" y="0"/>
+          <a:ext cx="0" cy="0"/>
+          <a:chOff x="0" y="0"/>
+          <a:chExt cx="0" cy="0"/>
+        </a:xfrm>
+      </p:grpSpPr>
+      <p:sp>
+        <p:nvSpPr>
+          <p:cNvPr id="2" name="Tittel 1">
+            <a:extLst>
+              <a:ext uri="{FF2B5EF4-FFF2-40B4-BE49-F238E27FC236}">
+                <a16:creationId xmlns:a16="http://schemas.microsoft.com/office/drawing/2014/main" id="{CD6D94D0-E26E-0818-A67F-793FC73D7FD5}"/>
+              </a:ext>
+            </a:extLst>
+          </p:cNvPr>
+          <p:cNvSpPr>
+            <a:spLocks noGrp="1"/>
+          </p:cNvSpPr>
+          <p:nvPr>
+            <p:ph type="title"/>
+          </p:nvPr>
+        </p:nvSpPr>
+        <p:spPr/>
+        <p:txBody>
+          <a:bodyPr/>
+          <a:lstStyle/>
+          <a:p>
+            <a:r>
+              <a:rPr lang="nb-NO" dirty="0"/>
+              <a:t>Maskinlæringsalgoritmer </a:t>
+            </a:r>
+          </a:p>
+        </p:txBody>
+      </p:sp>
+      <p:sp>
+        <p:nvSpPr>
+          <p:cNvPr id="3" name="Plassholder for innhold 2">
+            <a:extLst>
+              <a:ext uri="{FF2B5EF4-FFF2-40B4-BE49-F238E27FC236}">
+                <a16:creationId xmlns:a16="http://schemas.microsoft.com/office/drawing/2014/main" id="{F4FC6328-8AFD-7FDB-E633-3CE0F30BA18B}"/>
+              </a:ext>
+            </a:extLst>
+          </p:cNvPr>
+          <p:cNvSpPr>
+            <a:spLocks noGrp="1"/>
+          </p:cNvSpPr>
+          <p:nvPr>
+            <p:ph idx="1"/>
+          </p:nvPr>
+        </p:nvSpPr>
+        <p:spPr/>
+        <p:txBody>
+          <a:bodyPr>
+            <a:normAutofit fontScale="92500" lnSpcReduction="10000"/>
+          </a:bodyPr>
+          <a:lstStyle/>
+          <a:p>
+            <a:r>
+              <a:rPr lang="nb-NO" dirty="0" err="1"/>
+              <a:t>Perceptron</a:t>
+            </a:r>
+            <a:endParaRPr lang="nb-NO" dirty="0"/>
+          </a:p>
+          <a:p>
+            <a:r>
+              <a:rPr lang="nb-NO" dirty="0" err="1"/>
+              <a:t>Adaline</a:t>
+            </a:r>
+            <a:endParaRPr lang="nb-NO" dirty="0"/>
+          </a:p>
+          <a:p>
+            <a:r>
+              <a:rPr lang="nb-NO" dirty="0" err="1"/>
+              <a:t>Logistic</a:t>
+            </a:r>
+            <a:r>
+              <a:rPr lang="nb-NO" dirty="0"/>
+              <a:t> </a:t>
+            </a:r>
+            <a:r>
+              <a:rPr lang="nb-NO" dirty="0" err="1"/>
+              <a:t>regression</a:t>
+            </a:r>
+            <a:r>
+              <a:rPr lang="nb-NO" dirty="0"/>
+              <a:t> </a:t>
+            </a:r>
+          </a:p>
+          <a:p>
+            <a:r>
+              <a:rPr lang="nb-NO" dirty="0"/>
+              <a:t>Support </a:t>
+            </a:r>
+            <a:r>
+              <a:rPr lang="nb-NO" dirty="0" err="1"/>
+              <a:t>vector</a:t>
+            </a:r>
+            <a:r>
+              <a:rPr lang="nb-NO" dirty="0"/>
+              <a:t> </a:t>
+            </a:r>
+            <a:r>
+              <a:rPr lang="nb-NO" dirty="0" err="1"/>
+              <a:t>machine</a:t>
+            </a:r>
+            <a:r>
+              <a:rPr lang="nb-NO" dirty="0"/>
+              <a:t> (SVM)</a:t>
+            </a:r>
+          </a:p>
+          <a:p>
+            <a:r>
+              <a:rPr lang="nb-NO" dirty="0"/>
+              <a:t>K-</a:t>
+            </a:r>
+            <a:r>
+              <a:rPr lang="nb-NO" dirty="0" err="1"/>
+              <a:t>nearest</a:t>
+            </a:r>
+            <a:r>
+              <a:rPr lang="nb-NO" dirty="0"/>
+              <a:t> </a:t>
+            </a:r>
+            <a:r>
+              <a:rPr lang="nb-NO" dirty="0" err="1"/>
+              <a:t>neighbour</a:t>
+            </a:r>
+            <a:r>
+              <a:rPr lang="nb-NO" dirty="0"/>
+              <a:t> </a:t>
+            </a:r>
+          </a:p>
+          <a:p>
+            <a:r>
+              <a:rPr lang="nb-NO" dirty="0" err="1"/>
+              <a:t>Decision</a:t>
+            </a:r>
+            <a:r>
+              <a:rPr lang="nb-NO" dirty="0"/>
+              <a:t> </a:t>
+            </a:r>
+            <a:r>
+              <a:rPr lang="nb-NO" dirty="0" err="1"/>
+              <a:t>trees</a:t>
+            </a:r>
+            <a:endParaRPr lang="nb-NO" dirty="0"/>
+          </a:p>
+          <a:p>
+            <a:r>
+              <a:rPr lang="nb-NO" dirty="0"/>
+              <a:t>Random </a:t>
+            </a:r>
+            <a:r>
+              <a:rPr lang="nb-NO" dirty="0" err="1"/>
+              <a:t>forest</a:t>
+            </a:r>
+            <a:r>
+              <a:rPr lang="nb-NO" dirty="0"/>
+              <a:t> </a:t>
+            </a:r>
+          </a:p>
+          <a:p>
+            <a:r>
+              <a:rPr lang="nb-NO" dirty="0"/>
+              <a:t>Forskjellige typer regresjon</a:t>
+            </a:r>
+          </a:p>
+        </p:txBody>
+      </p:sp>
+      <p:sp>
+        <p:nvSpPr>
+          <p:cNvPr id="4" name="Plassholder for dato 3">
+            <a:extLst>
+              <a:ext uri="{FF2B5EF4-FFF2-40B4-BE49-F238E27FC236}">
+                <a16:creationId xmlns:a16="http://schemas.microsoft.com/office/drawing/2014/main" id="{7263311D-4907-4B3B-4047-085A98641C60}"/>
+              </a:ext>
+            </a:extLst>
+          </p:cNvPr>
+          <p:cNvSpPr>
+            <a:spLocks noGrp="1"/>
+          </p:cNvSpPr>
+          <p:nvPr>
+            <p:ph type="dt" sz="half" idx="10"/>
+          </p:nvPr>
+        </p:nvSpPr>
+        <p:spPr/>
+        <p:txBody>
+          <a:bodyPr/>
+          <a:lstStyle/>
+          <a:p>
+            <a:fld id="{BE0A88F0-556B-4BB7-8AAB-D63AEB65C662}" type="datetime1">
+              <a:rPr lang="en-US" smtClean="0"/>
+              <a:t>3/14/24</a:t>
+            </a:fld>
+            <a:endParaRPr lang="en-US"/>
+          </a:p>
+        </p:txBody>
+      </p:sp>
+      <p:sp>
+        <p:nvSpPr>
+          <p:cNvPr id="5" name="Plassholder for bunntekst 4">
+            <a:extLst>
+              <a:ext uri="{FF2B5EF4-FFF2-40B4-BE49-F238E27FC236}">
+                <a16:creationId xmlns:a16="http://schemas.microsoft.com/office/drawing/2014/main" id="{188C0D38-D182-6E50-3BCB-77AA1AEFAA16}"/>
+              </a:ext>
+            </a:extLst>
+          </p:cNvPr>
+          <p:cNvSpPr>
+            <a:spLocks noGrp="1"/>
+          </p:cNvSpPr>
+          <p:nvPr>
+            <p:ph type="ftr" sz="quarter" idx="11"/>
+          </p:nvPr>
+        </p:nvSpPr>
+        <p:spPr/>
+        <p:txBody>
+          <a:bodyPr/>
+          <a:lstStyle/>
+          <a:p>
+            <a:endParaRPr lang="en-US"/>
+          </a:p>
+        </p:txBody>
+      </p:sp>
+      <p:sp>
+        <p:nvSpPr>
+          <p:cNvPr id="6" name="Plassholder for lysbildenummer 5">
+            <a:extLst>
+              <a:ext uri="{FF2B5EF4-FFF2-40B4-BE49-F238E27FC236}">
+                <a16:creationId xmlns:a16="http://schemas.microsoft.com/office/drawing/2014/main" id="{3ACCC9BA-7E3B-E70F-908B-50929A98198D}"/>
+              </a:ext>
+            </a:extLst>
+          </p:cNvPr>
+          <p:cNvSpPr>
+            <a:spLocks noGrp="1"/>
+          </p:cNvSpPr>
+          <p:nvPr>
+            <p:ph type="sldNum" sz="quarter" idx="12"/>
+          </p:nvPr>
+        </p:nvSpPr>
+        <p:spPr/>
+        <p:txBody>
+          <a:bodyPr/>
+          <a:lstStyle/>
+          <a:p>
+            <a:fld id="{81D2C36F-4504-47C0-B82F-A167342A2754}" type="slidenum">
+              <a:rPr lang="en-US" smtClean="0"/>
+              <a:t>6</a:t>
+            </a:fld>
+            <a:endParaRPr lang="en-US"/>
+          </a:p>
+        </p:txBody>
+      </p:sp>
+    </p:spTree>
+    <p:extLst>
+      <p:ext uri="{BB962C8B-B14F-4D97-AF65-F5344CB8AC3E}">
+        <p14:creationId xmlns:p14="http://schemas.microsoft.com/office/powerpoint/2010/main" val="3186762183"/>
+      </p:ext>
+    </p:extLst>
+  </p:cSld>
+  <p:clrMapOvr>
+    <a:masterClrMapping/>
+  </p:clrMapOvr>
+</p:sld>
+</file>
+
+<file path=ppt/slides/slide7.xml><?xml version="1.0" encoding="utf-8"?>
+<p:sld xmlns:a="http://schemas.openxmlformats.org/drawingml/2006/main" xmlns:r="http://schemas.openxmlformats.org/officeDocument/2006/relationships" xmlns:p="http://schemas.openxmlformats.org/presentationml/2006/main">
+  <p:cSld>
+    <p:spTree>
+      <p:nvGrpSpPr>
+        <p:cNvPr id="1" name=""/>
+        <p:cNvGrpSpPr/>
+        <p:nvPr/>
+      </p:nvGrpSpPr>
+      <p:grpSpPr>
+        <a:xfrm>
+          <a:off x="0" y="0"/>
+          <a:ext cx="0" cy="0"/>
+          <a:chOff x="0" y="0"/>
+          <a:chExt cx="0" cy="0"/>
+        </a:xfrm>
+      </p:grpSpPr>
+      <p:sp>
+        <p:nvSpPr>
+          <p:cNvPr id="2" name="Tittel 1">
+            <a:extLst>
+              <a:ext uri="{FF2B5EF4-FFF2-40B4-BE49-F238E27FC236}">
+                <a16:creationId xmlns:a16="http://schemas.microsoft.com/office/drawing/2014/main" id="{764A7624-8C06-BD00-2782-42ECA48FBAF3}"/>
+              </a:ext>
+            </a:extLst>
+          </p:cNvPr>
+          <p:cNvSpPr>
+            <a:spLocks noGrp="1"/>
+          </p:cNvSpPr>
+          <p:nvPr>
+            <p:ph type="title"/>
+          </p:nvPr>
+        </p:nvSpPr>
+        <p:spPr/>
+        <p:txBody>
+          <a:bodyPr/>
+          <a:lstStyle/>
+          <a:p>
+            <a:r>
+              <a:rPr lang="nb-NO" dirty="0"/>
+              <a:t>Hyperparametere </a:t>
+            </a:r>
+          </a:p>
+        </p:txBody>
+      </p:sp>
+      <p:sp>
+        <p:nvSpPr>
+          <p:cNvPr id="3" name="Plassholder for innhold 2">
+            <a:extLst>
+              <a:ext uri="{FF2B5EF4-FFF2-40B4-BE49-F238E27FC236}">
+                <a16:creationId xmlns:a16="http://schemas.microsoft.com/office/drawing/2014/main" id="{C5301581-D295-5040-74D1-9F879C769BB4}"/>
+              </a:ext>
+            </a:extLst>
+          </p:cNvPr>
+          <p:cNvSpPr>
+            <a:spLocks noGrp="1"/>
+          </p:cNvSpPr>
+          <p:nvPr>
+            <p:ph idx="1"/>
+          </p:nvPr>
+        </p:nvSpPr>
+        <p:spPr/>
+        <p:txBody>
+          <a:bodyPr/>
+          <a:lstStyle/>
+          <a:p>
+            <a:r>
+              <a:rPr lang="nb-NO" dirty="0"/>
+              <a:t>Learning rate </a:t>
+            </a:r>
+          </a:p>
+          <a:p>
+            <a:r>
+              <a:rPr lang="nb-NO" dirty="0"/>
+              <a:t>Antall </a:t>
+            </a:r>
+            <a:r>
+              <a:rPr lang="nb-NO" dirty="0" err="1"/>
+              <a:t>epochs</a:t>
+            </a:r>
+            <a:r>
+              <a:rPr lang="nb-NO" dirty="0"/>
+              <a:t> </a:t>
+            </a:r>
+          </a:p>
+          <a:p>
+            <a:r>
+              <a:rPr lang="nb-NO" dirty="0"/>
+              <a:t>Regulariseringsparameter </a:t>
+            </a:r>
+          </a:p>
+          <a:p>
+            <a:r>
+              <a:rPr lang="nb-NO" dirty="0" err="1"/>
+              <a:t>Kerneltype</a:t>
+            </a:r>
+            <a:r>
+              <a:rPr lang="nb-NO" dirty="0"/>
+              <a:t> i SVM</a:t>
+            </a:r>
+          </a:p>
+          <a:p>
+            <a:r>
+              <a:rPr lang="nb-NO" dirty="0"/>
+              <a:t>Antall naboer i K-</a:t>
+            </a:r>
+            <a:r>
+              <a:rPr lang="nb-NO" dirty="0" err="1"/>
+              <a:t>nearest</a:t>
+            </a:r>
+            <a:r>
+              <a:rPr lang="nb-NO" dirty="0"/>
+              <a:t> </a:t>
+            </a:r>
+            <a:r>
+              <a:rPr lang="nb-NO" dirty="0" err="1"/>
+              <a:t>neighbours</a:t>
+            </a:r>
+            <a:r>
+              <a:rPr lang="nb-NO" dirty="0"/>
+              <a:t> </a:t>
+            </a:r>
+          </a:p>
+          <a:p>
+            <a:r>
+              <a:rPr lang="nb-NO" dirty="0"/>
+              <a:t>Antall trær og maksimum dybde på trær i </a:t>
+            </a:r>
+            <a:r>
+              <a:rPr lang="nb-NO" dirty="0" err="1"/>
+              <a:t>decision</a:t>
+            </a:r>
+            <a:r>
+              <a:rPr lang="nb-NO" dirty="0"/>
+              <a:t> </a:t>
+            </a:r>
+            <a:r>
+              <a:rPr lang="nb-NO" dirty="0" err="1"/>
+              <a:t>trees</a:t>
+            </a:r>
+            <a:r>
+              <a:rPr lang="nb-NO" dirty="0"/>
+              <a:t> og random </a:t>
+            </a:r>
+            <a:r>
+              <a:rPr lang="nb-NO" dirty="0" err="1"/>
+              <a:t>forest</a:t>
+            </a:r>
+            <a:r>
+              <a:rPr lang="nb-NO" dirty="0"/>
+              <a:t> </a:t>
+            </a:r>
+          </a:p>
+          <a:p>
+            <a:r>
+              <a:rPr lang="nb-NO" dirty="0"/>
+              <a:t>...</a:t>
+            </a:r>
+          </a:p>
+        </p:txBody>
+      </p:sp>
+      <p:sp>
+        <p:nvSpPr>
+          <p:cNvPr id="4" name="Plassholder for dato 3">
+            <a:extLst>
+              <a:ext uri="{FF2B5EF4-FFF2-40B4-BE49-F238E27FC236}">
+                <a16:creationId xmlns:a16="http://schemas.microsoft.com/office/drawing/2014/main" id="{B2C0800D-B615-6570-D5D1-6FA71BBDA8E5}"/>
+              </a:ext>
+            </a:extLst>
+          </p:cNvPr>
+          <p:cNvSpPr>
+            <a:spLocks noGrp="1"/>
+          </p:cNvSpPr>
+          <p:nvPr>
+            <p:ph type="dt" sz="half" idx="10"/>
+          </p:nvPr>
+        </p:nvSpPr>
+        <p:spPr/>
+        <p:txBody>
+          <a:bodyPr/>
+          <a:lstStyle/>
+          <a:p>
+            <a:fld id="{BE0A88F0-556B-4BB7-8AAB-D63AEB65C662}" type="datetime1">
+              <a:rPr lang="en-US" smtClean="0"/>
+              <a:t>3/14/24</a:t>
+            </a:fld>
+            <a:endParaRPr lang="en-US"/>
+          </a:p>
+        </p:txBody>
+      </p:sp>
+      <p:sp>
+        <p:nvSpPr>
+          <p:cNvPr id="5" name="Plassholder for bunntekst 4">
+            <a:extLst>
+              <a:ext uri="{FF2B5EF4-FFF2-40B4-BE49-F238E27FC236}">
+                <a16:creationId xmlns:a16="http://schemas.microsoft.com/office/drawing/2014/main" id="{F32B4052-0B45-CCC0-0E8D-C3031AA9AC37}"/>
+              </a:ext>
+            </a:extLst>
+          </p:cNvPr>
+          <p:cNvSpPr>
+            <a:spLocks noGrp="1"/>
+          </p:cNvSpPr>
+          <p:nvPr>
+            <p:ph type="ftr" sz="quarter" idx="11"/>
+          </p:nvPr>
+        </p:nvSpPr>
+        <p:spPr/>
+        <p:txBody>
+          <a:bodyPr/>
+          <a:lstStyle/>
+          <a:p>
+            <a:endParaRPr lang="en-US"/>
+          </a:p>
+        </p:txBody>
+      </p:sp>
+      <p:sp>
+        <p:nvSpPr>
+          <p:cNvPr id="6" name="Plassholder for lysbildenummer 5">
+            <a:extLst>
+              <a:ext uri="{FF2B5EF4-FFF2-40B4-BE49-F238E27FC236}">
+                <a16:creationId xmlns:a16="http://schemas.microsoft.com/office/drawing/2014/main" id="{D13D610A-57B4-6B5C-00E8-04775D0344AF}"/>
+              </a:ext>
+            </a:extLst>
+          </p:cNvPr>
+          <p:cNvSpPr>
+            <a:spLocks noGrp="1"/>
+          </p:cNvSpPr>
+          <p:nvPr>
+            <p:ph type="sldNum" sz="quarter" idx="12"/>
+          </p:nvPr>
+        </p:nvSpPr>
+        <p:spPr/>
+        <p:txBody>
+          <a:bodyPr/>
+          <a:lstStyle/>
+          <a:p>
+            <a:fld id="{81D2C36F-4504-47C0-B82F-A167342A2754}" type="slidenum">
+              <a:rPr lang="en-US" smtClean="0"/>
+              <a:t>7</a:t>
+            </a:fld>
+            <a:endParaRPr lang="en-US"/>
+          </a:p>
+        </p:txBody>
+      </p:sp>
+    </p:spTree>
+    <p:extLst>
+      <p:ext uri="{BB962C8B-B14F-4D97-AF65-F5344CB8AC3E}">
+        <p14:creationId xmlns:p14="http://schemas.microsoft.com/office/powerpoint/2010/main" val="3461974455"/>
+      </p:ext>
+    </p:extLst>
+  </p:cSld>
+  <p:clrMapOvr>
+    <a:masterClrMapping/>
+  </p:clrMapOvr>
+</p:sld>
+</file>
+
+<file path=ppt/slides/slide8.xml><?xml version="1.0" encoding="utf-8"?>
+<p:sld xmlns:a="http://schemas.openxmlformats.org/drawingml/2006/main" xmlns:r="http://schemas.openxmlformats.org/officeDocument/2006/relationships" xmlns:p="http://schemas.openxmlformats.org/presentationml/2006/main">
+  <p:cSld>
+    <p:spTree>
+      <p:nvGrpSpPr>
+        <p:cNvPr id="1" name=""/>
+        <p:cNvGrpSpPr/>
+        <p:nvPr/>
+      </p:nvGrpSpPr>
+      <p:grpSpPr>
+        <a:xfrm>
+          <a:off x="0" y="0"/>
+          <a:ext cx="0" cy="0"/>
+          <a:chOff x="0" y="0"/>
+          <a:chExt cx="0" cy="0"/>
+        </a:xfrm>
+      </p:grpSpPr>
+      <p:sp>
+        <p:nvSpPr>
+          <p:cNvPr id="2" name="Tittel 1">
+            <a:extLst>
+              <a:ext uri="{FF2B5EF4-FFF2-40B4-BE49-F238E27FC236}">
+                <a16:creationId xmlns:a16="http://schemas.microsoft.com/office/drawing/2014/main" id="{57FB405D-A07A-0977-E1ED-ADC243BD6748}"/>
+              </a:ext>
+            </a:extLst>
+          </p:cNvPr>
+          <p:cNvSpPr>
+            <a:spLocks noGrp="1"/>
+          </p:cNvSpPr>
+          <p:nvPr>
+            <p:ph type="title"/>
+          </p:nvPr>
+        </p:nvSpPr>
+        <p:spPr/>
+        <p:txBody>
+          <a:bodyPr/>
+          <a:lstStyle/>
+          <a:p>
+            <a:r>
+              <a:rPr lang="nb-NO" dirty="0" err="1"/>
+              <a:t>Adaline</a:t>
+            </a:r>
+            <a:r>
+              <a:rPr lang="nb-NO" dirty="0"/>
+              <a:t> – Adaptive Linear Neuron</a:t>
+            </a:r>
+          </a:p>
+        </p:txBody>
+      </p:sp>
+      <p:sp>
+        <p:nvSpPr>
+          <p:cNvPr id="4" name="Plassholder for dato 3">
+            <a:extLst>
+              <a:ext uri="{FF2B5EF4-FFF2-40B4-BE49-F238E27FC236}">
+                <a16:creationId xmlns:a16="http://schemas.microsoft.com/office/drawing/2014/main" id="{FD21E666-42AA-E5F4-E3AC-92A39C6577F8}"/>
+              </a:ext>
+            </a:extLst>
+          </p:cNvPr>
+          <p:cNvSpPr>
+            <a:spLocks noGrp="1"/>
+          </p:cNvSpPr>
+          <p:nvPr>
+            <p:ph type="dt" sz="half" idx="10"/>
+          </p:nvPr>
+        </p:nvSpPr>
+        <p:spPr/>
+        <p:txBody>
+          <a:bodyPr/>
+          <a:lstStyle/>
+          <a:p>
+            <a:fld id="{BE0A88F0-556B-4BB7-8AAB-D63AEB65C662}" type="datetime1">
+              <a:rPr lang="en-US" smtClean="0"/>
+              <a:t>3/14/24</a:t>
+            </a:fld>
+            <a:endParaRPr lang="en-US"/>
+          </a:p>
+        </p:txBody>
+      </p:sp>
+      <p:sp>
+        <p:nvSpPr>
+          <p:cNvPr id="5" name="Plassholder for bunntekst 4">
+            <a:extLst>
+              <a:ext uri="{FF2B5EF4-FFF2-40B4-BE49-F238E27FC236}">
+                <a16:creationId xmlns:a16="http://schemas.microsoft.com/office/drawing/2014/main" id="{8DFDC586-6F3E-289D-7995-E0D57AC63C1C}"/>
+              </a:ext>
+            </a:extLst>
+          </p:cNvPr>
+          <p:cNvSpPr>
+            <a:spLocks noGrp="1"/>
+          </p:cNvSpPr>
+          <p:nvPr>
+            <p:ph type="ftr" sz="quarter" idx="11"/>
+          </p:nvPr>
+        </p:nvSpPr>
+        <p:spPr/>
+        <p:txBody>
+          <a:bodyPr/>
+          <a:lstStyle/>
+          <a:p>
+            <a:endParaRPr lang="en-US"/>
+          </a:p>
+        </p:txBody>
+      </p:sp>
+      <p:sp>
+        <p:nvSpPr>
+          <p:cNvPr id="6" name="Plassholder for lysbildenummer 5">
+            <a:extLst>
+              <a:ext uri="{FF2B5EF4-FFF2-40B4-BE49-F238E27FC236}">
+                <a16:creationId xmlns:a16="http://schemas.microsoft.com/office/drawing/2014/main" id="{8071A1D6-20DC-6372-8616-375F8BAD0FBC}"/>
+              </a:ext>
+            </a:extLst>
+          </p:cNvPr>
+          <p:cNvSpPr>
+            <a:spLocks noGrp="1"/>
+          </p:cNvSpPr>
+          <p:nvPr>
+            <p:ph type="sldNum" sz="quarter" idx="12"/>
+          </p:nvPr>
+        </p:nvSpPr>
+        <p:spPr/>
+        <p:txBody>
+          <a:bodyPr/>
+          <a:lstStyle/>
+          <a:p>
+            <a:fld id="{81D2C36F-4504-47C0-B82F-A167342A2754}" type="slidenum">
+              <a:rPr lang="en-US" smtClean="0"/>
+              <a:t>8</a:t>
+            </a:fld>
+            <a:endParaRPr lang="en-US"/>
+          </a:p>
+        </p:txBody>
+      </p:sp>
+      <p:pic>
+        <p:nvPicPr>
+          <p:cNvPr id="1026" name="Picture 2" descr="Adaline: Adaptive Linear Neuron Classifier - mlxtend">
+            <a:extLst>
+              <a:ext uri="{FF2B5EF4-FFF2-40B4-BE49-F238E27FC236}">
+                <a16:creationId xmlns:a16="http://schemas.microsoft.com/office/drawing/2014/main" id="{1B8EDFB0-A547-7E2A-D2BD-E8039252642F}"/>
+              </a:ext>
+            </a:extLst>
+          </p:cNvPr>
+          <p:cNvPicPr>
+            <a:picLocks noGrp="1" noChangeAspect="1" noChangeArrowheads="1"/>
+          </p:cNvPicPr>
+          <p:nvPr>
+            <p:ph idx="1"/>
+          </p:nvPr>
+        </p:nvPicPr>
+        <p:blipFill>
+          <a:blip r:embed="rId2">
+            <a:extLst>
+              <a:ext uri="{28A0092B-C50C-407E-A947-70E740481C1C}">
+                <a14:useLocalDpi xmlns:a14="http://schemas.microsoft.com/office/drawing/2010/main" val="0"/>
+              </a:ext>
+            </a:extLst>
+          </a:blip>
+          <a:srcRect/>
+          <a:stretch>
+            <a:fillRect/>
+          </a:stretch>
+        </p:blipFill>
+        <p:spPr bwMode="auto">
+          <a:xfrm>
+            <a:off x="1347648" y="2177625"/>
+            <a:ext cx="8630710" cy="3495081"/>
+          </a:xfrm>
+          <a:prstGeom prst="rect">
+            <a:avLst/>
+          </a:prstGeom>
+          <a:noFill/>
+          <a:extLst>
+            <a:ext uri="{909E8E84-426E-40DD-AFC4-6F175D3DCCD1}">
+              <a14:hiddenFill xmlns:a14="http://schemas.microsoft.com/office/drawing/2010/main">
+                <a:solidFill>
+                  <a:srgbClr val="FFFFFF"/>
+                </a:solidFill>
+              </a14:hiddenFill>
+            </a:ext>
+          </a:extLst>
+        </p:spPr>
+      </p:pic>
+    </p:spTree>
+    <p:extLst>
+      <p:ext uri="{BB962C8B-B14F-4D97-AF65-F5344CB8AC3E}">
+        <p14:creationId xmlns:p14="http://schemas.microsoft.com/office/powerpoint/2010/main" val="4210979009"/>
+      </p:ext>
+    </p:extLst>
+  </p:cSld>
+  <p:clrMapOvr>
+    <a:masterClrMapping/>
+  </p:clrMapOvr>
+</p:sld>
+</file>
+
+<file path=ppt/slides/slide9.xml><?xml version="1.0" encoding="utf-8"?>
+<p:sld xmlns:a="http://schemas.openxmlformats.org/drawingml/2006/main" xmlns:r="http://schemas.openxmlformats.org/officeDocument/2006/relationships" xmlns:p="http://schemas.openxmlformats.org/presentationml/2006/main">
+  <p:cSld>
+    <p:spTree>
+      <p:nvGrpSpPr>
+        <p:cNvPr id="1" name=""/>
+        <p:cNvGrpSpPr/>
+        <p:nvPr/>
+      </p:nvGrpSpPr>
+      <p:grpSpPr>
+        <a:xfrm>
+          <a:off x="0" y="0"/>
+          <a:ext cx="0" cy="0"/>
+          <a:chOff x="0" y="0"/>
+          <a:chExt cx="0" cy="0"/>
+        </a:xfrm>
+      </p:grpSpPr>
+      <p:sp>
+        <p:nvSpPr>
+          <p:cNvPr id="2" name="Tittel 1">
+            <a:extLst>
+              <a:ext uri="{FF2B5EF4-FFF2-40B4-BE49-F238E27FC236}">
+                <a16:creationId xmlns:a16="http://schemas.microsoft.com/office/drawing/2014/main" id="{B6E9F6C3-E042-A9CB-37C1-F48572FA3418}"/>
+              </a:ext>
+            </a:extLst>
+          </p:cNvPr>
+          <p:cNvSpPr>
+            <a:spLocks noGrp="1"/>
+          </p:cNvSpPr>
+          <p:nvPr>
+            <p:ph type="title"/>
+          </p:nvPr>
+        </p:nvSpPr>
+        <p:spPr/>
+        <p:txBody>
+          <a:bodyPr/>
+          <a:lstStyle/>
+          <a:p>
+            <a:r>
+              <a:rPr lang="nb-NO" dirty="0" err="1"/>
+              <a:t>Adaline</a:t>
+            </a:r>
+            <a:r>
+              <a:rPr lang="nb-NO" dirty="0"/>
+              <a:t> - Data og vekter </a:t>
+            </a:r>
+          </a:p>
+        </p:txBody>
+      </p:sp>
+      <p:pic>
+        <p:nvPicPr>
+          <p:cNvPr id="7" name="Plassholder for innhold 6">
+            <a:extLst>
+              <a:ext uri="{FF2B5EF4-FFF2-40B4-BE49-F238E27FC236}">
+                <a16:creationId xmlns:a16="http://schemas.microsoft.com/office/drawing/2014/main" id="{A1914997-AD25-2E20-EA6C-A999EA4C18E4}"/>
+              </a:ext>
+            </a:extLst>
+          </p:cNvPr>
+          <p:cNvPicPr>
+            <a:picLocks noGrp="1" noChangeAspect="1"/>
+          </p:cNvPicPr>
+          <p:nvPr>
+            <p:ph idx="1"/>
+          </p:nvPr>
+        </p:nvPicPr>
+        <p:blipFill>
+          <a:blip r:embed="rId2"/>
+          <a:stretch>
+            <a:fillRect/>
+          </a:stretch>
+        </p:blipFill>
+        <p:spPr>
+          <a:xfrm>
+            <a:off x="1142982" y="2091306"/>
+            <a:ext cx="2463800" cy="3581400"/>
+          </a:xfrm>
+          <a:prstGeom prst="rect">
+            <a:avLst/>
+          </a:prstGeom>
+        </p:spPr>
+      </p:pic>
+      <p:sp>
+        <p:nvSpPr>
+          <p:cNvPr id="4" name="Plassholder for dato 3">
+            <a:extLst>
+              <a:ext uri="{FF2B5EF4-FFF2-40B4-BE49-F238E27FC236}">
+                <a16:creationId xmlns:a16="http://schemas.microsoft.com/office/drawing/2014/main" id="{14255D5D-CD38-DC22-3FC8-75BB61F3A5A0}"/>
+              </a:ext>
+            </a:extLst>
+          </p:cNvPr>
+          <p:cNvSpPr>
+            <a:spLocks noGrp="1"/>
+          </p:cNvSpPr>
+          <p:nvPr>
+            <p:ph type="dt" sz="half" idx="10"/>
+          </p:nvPr>
+        </p:nvSpPr>
+        <p:spPr/>
+        <p:txBody>
+          <a:bodyPr/>
+          <a:lstStyle/>
+          <a:p>
+            <a:fld id="{BE0A88F0-556B-4BB7-8AAB-D63AEB65C662}" type="datetime1">
+              <a:rPr lang="en-US" smtClean="0"/>
+              <a:t>3/14/24</a:t>
+            </a:fld>
+            <a:endParaRPr lang="en-US"/>
+          </a:p>
+        </p:txBody>
+      </p:sp>
+      <p:sp>
+        <p:nvSpPr>
+          <p:cNvPr id="5" name="Plassholder for bunntekst 4">
+            <a:extLst>
+              <a:ext uri="{FF2B5EF4-FFF2-40B4-BE49-F238E27FC236}">
+                <a16:creationId xmlns:a16="http://schemas.microsoft.com/office/drawing/2014/main" id="{89A83550-4F31-942C-48EB-33ADBB68484D}"/>
+              </a:ext>
+            </a:extLst>
+          </p:cNvPr>
+          <p:cNvSpPr>
+            <a:spLocks noGrp="1"/>
+          </p:cNvSpPr>
+          <p:nvPr>
+            <p:ph type="ftr" sz="quarter" idx="11"/>
+          </p:nvPr>
+        </p:nvSpPr>
+        <p:spPr/>
+        <p:txBody>
+          <a:bodyPr/>
+          <a:lstStyle/>
+          <a:p>
+            <a:endParaRPr lang="en-US"/>
+          </a:p>
+        </p:txBody>
+      </p:sp>
+      <p:sp>
+        <p:nvSpPr>
+          <p:cNvPr id="6" name="Plassholder for lysbildenummer 5">
+            <a:extLst>
+              <a:ext uri="{FF2B5EF4-FFF2-40B4-BE49-F238E27FC236}">
+                <a16:creationId xmlns:a16="http://schemas.microsoft.com/office/drawing/2014/main" id="{FED975BA-2238-17D6-FF43-852294BD2FD5}"/>
+              </a:ext>
+            </a:extLst>
+          </p:cNvPr>
+          <p:cNvSpPr>
+            <a:spLocks noGrp="1"/>
+          </p:cNvSpPr>
+          <p:nvPr>
+            <p:ph type="sldNum" sz="quarter" idx="12"/>
+          </p:nvPr>
+        </p:nvSpPr>
+        <p:spPr/>
+        <p:txBody>
+          <a:bodyPr/>
+          <a:lstStyle/>
+          <a:p>
+            <a:fld id="{81D2C36F-4504-47C0-B82F-A167342A2754}" type="slidenum">
+              <a:rPr lang="en-US" smtClean="0"/>
+              <a:t>9</a:t>
+            </a:fld>
+            <a:endParaRPr lang="en-US"/>
+          </a:p>
+        </p:txBody>
+      </p:sp>
+      <p:sp>
+        <p:nvSpPr>
+          <p:cNvPr id="9" name="TekstSylinder 8">
+            <a:extLst>
+              <a:ext uri="{FF2B5EF4-FFF2-40B4-BE49-F238E27FC236}">
+                <a16:creationId xmlns:a16="http://schemas.microsoft.com/office/drawing/2014/main" id="{CE1E41A5-51F5-A31F-F61E-9AA15A6470A4}"/>
+              </a:ext>
+            </a:extLst>
+          </p:cNvPr>
+          <p:cNvSpPr txBox="1"/>
+          <p:nvPr/>
+        </p:nvSpPr>
+        <p:spPr>
+          <a:xfrm>
+            <a:off x="3935636" y="3893022"/>
+            <a:ext cx="6557211" cy="369332"/>
+          </a:xfrm>
+          <a:prstGeom prst="rect">
+            <a:avLst/>
+          </a:prstGeom>
+          <a:noFill/>
+        </p:spPr>
+        <p:txBody>
+          <a:bodyPr wrap="square" rtlCol="0">
+            <a:spAutoFit/>
+          </a:bodyPr>
+          <a:lstStyle/>
+          <a:p>
+            <a:r>
+              <a:rPr lang="nb-NO" dirty="0">
+                <a:solidFill>
+                  <a:schemeClr val="accent1"/>
+                </a:solidFill>
+              </a:rPr>
+              <a:t>w er en tilfeldig valgt vektor med vekter </a:t>
+            </a:r>
+          </a:p>
+        </p:txBody>
+      </p:sp>
+      <p:pic>
+        <p:nvPicPr>
+          <p:cNvPr id="3" name="Bilde 2">
+            <a:extLst>
+              <a:ext uri="{FF2B5EF4-FFF2-40B4-BE49-F238E27FC236}">
+                <a16:creationId xmlns:a16="http://schemas.microsoft.com/office/drawing/2014/main" id="{31363B64-CF0C-9F61-4F00-F25F35F0DB93}"/>
+              </a:ext>
+            </a:extLst>
+          </p:cNvPr>
+          <p:cNvPicPr>
+            <a:picLocks noChangeAspect="1"/>
+          </p:cNvPicPr>
+          <p:nvPr/>
+        </p:nvPicPr>
+        <p:blipFill>
+          <a:blip r:embed="rId3"/>
+          <a:stretch>
+            <a:fillRect/>
+          </a:stretch>
+        </p:blipFill>
+        <p:spPr>
+          <a:xfrm>
+            <a:off x="3935635" y="2091306"/>
+            <a:ext cx="3744291" cy="1580582"/>
+          </a:xfrm>
+          <a:prstGeom prst="rect">
+            <a:avLst/>
+          </a:prstGeom>
+        </p:spPr>
+      </p:pic>
+      <p:sp>
+        <p:nvSpPr>
+          <p:cNvPr id="10" name="TekstSylinder 9">
+            <a:extLst>
+              <a:ext uri="{FF2B5EF4-FFF2-40B4-BE49-F238E27FC236}">
+                <a16:creationId xmlns:a16="http://schemas.microsoft.com/office/drawing/2014/main" id="{FBCD6E44-0619-543E-E923-278BC2BBCAE0}"/>
+              </a:ext>
+            </a:extLst>
+          </p:cNvPr>
+          <p:cNvSpPr txBox="1"/>
+          <p:nvPr/>
+        </p:nvSpPr>
+        <p:spPr>
+          <a:xfrm>
+            <a:off x="7964905" y="2382253"/>
+            <a:ext cx="1505540" cy="646331"/>
+          </a:xfrm>
+          <a:prstGeom prst="rect">
+            <a:avLst/>
+          </a:prstGeom>
+          <a:noFill/>
+        </p:spPr>
+        <p:txBody>
+          <a:bodyPr wrap="none" rtlCol="0">
+            <a:spAutoFit/>
+          </a:bodyPr>
+          <a:lstStyle/>
+          <a:p>
+            <a:r>
+              <a:rPr lang="nb-NO" dirty="0"/>
+              <a:t>y = 1 = rose</a:t>
+            </a:r>
+          </a:p>
+          <a:p>
+            <a:r>
+              <a:rPr lang="nb-NO" dirty="0"/>
+              <a:t>y = 2 = tulipan </a:t>
+            </a:r>
+          </a:p>
+        </p:txBody>
+      </p:sp>
+    </p:spTree>
+    <p:extLst>
+      <p:ext uri="{BB962C8B-B14F-4D97-AF65-F5344CB8AC3E}">
+        <p14:creationId xmlns:p14="http://schemas.microsoft.com/office/powerpoint/2010/main" val="4235522582"/>
+      </p:ext>
+    </p:extLst>
+  </p:cSld>
+  <p:clrMapOvr>
+    <a:masterClrMapping/>
+  </p:clrMapOvr>
+</p:sld>
+</file>
+
 <file path=ppt/theme/theme1.xml><?xml version="1.0" encoding="utf-8"?>
-<a:theme xmlns:a="http://schemas.openxmlformats.org/drawingml/2006/main" name="Office-tema">
+<a:theme xmlns:a="http://schemas.openxmlformats.org/drawingml/2006/main" name="MemoVTI">
   <a:themeElements>
-    <a:clrScheme name="Office">
+    <a:clrScheme name="Blue">
       <a:dk1>
-        <a:sysClr val="windowText" lastClr="000000"/>
+        <a:srgbClr val="000000"/>
       </a:dk1>
       <a:lt1>
-        <a:sysClr val="window" lastClr="FFFFFF"/>
+        <a:srgbClr val="FFFFFF"/>
       </a:lt1>
       <a:dk2>
-        <a:srgbClr val="44546A"/>
+        <a:srgbClr val="153A63"/>
       </a:dk2>
       <a:lt2>
-        <a:srgbClr val="E7E6E6"/>
+        <a:srgbClr val="DBEFF9"/>
       </a:lt2>
       <a:accent1>
-        <a:srgbClr val="4472C4"/>
+        <a:srgbClr val="0F6FC6"/>
       </a:accent1>
       <a:accent2>
-        <a:srgbClr val="ED7D31"/>
+        <a:srgbClr val="009DD9"/>
       </a:accent2>
       <a:accent3>
-        <a:srgbClr val="A5A5A5"/>
+        <a:srgbClr val="09B8C0"/>
       </a:accent3>
       <a:accent4>
-        <a:srgbClr val="FFC000"/>
+        <a:srgbClr val="0EBC8C"/>
       </a:accent4>
       <a:accent5>
-        <a:srgbClr val="5B9BD5"/>
+        <a:srgbClr val="71B959"/>
       </a:accent5>
       <a:accent6>
-        <a:srgbClr val="70AD47"/>
+        <a:srgbClr val="96B042"/>
       </a:accent6>
       <a:hlink>
-        <a:srgbClr val="0563C1"/>
+        <a:srgbClr val="C37400"/>
       </a:hlink>
       <a:folHlink>
-        <a:srgbClr val="954F72"/>
+        <a:srgbClr val="4F9085"/>
       </a:folHlink>
     </a:clrScheme>
-    <a:fontScheme name="Office">
+    <a:fontScheme name="Elephant Univers Condensed">
       <a:majorFont>
-        <a:latin typeface="Calibri Light" panose="020F0302020204030204"/>
+        <a:latin typeface="Elephant"/>
         <a:ea typeface=""/>
         <a:cs typeface=""/>
-        <a:font script="Jpan" typeface="游ゴシック Light"/>
-        <a:font script="Hang" typeface="맑은 고딕"/>
-        <a:font script="Hans" typeface="等线 Light"/>
-        <a:font script="Hant" typeface="新細明體"/>
-        <a:font script="Arab" typeface="Times New Roman"/>
-        <a:font script="Hebr" typeface="Times New Roman"/>
-        <a:font script="Thai" typeface="Angsana New"/>
-        <a:font script="Ethi" typeface="Nyala"/>
-        <a:font script="Beng" typeface="Vrinda"/>
-        <a:font script="Gujr" typeface="Shruti"/>
-        <a:font script="Khmr" typeface="MoolBoran"/>
-        <a:font script="Knda" typeface="Tunga"/>
-        <a:font script="Guru" typeface="Raavi"/>
-        <a:font script="Cans" typeface="Euphemia"/>
-        <a:font script="Cher" typeface="Plantagenet Cherokee"/>
-        <a:font script="Yiii" typeface="Microsoft Yi Baiti"/>
-        <a:font script="Tibt" typeface="Microsoft Himalaya"/>
-        <a:font script="Thaa" typeface="MV Boli"/>
-        <a:font script="Deva" typeface="Mangal"/>
-        <a:font script="Telu" typeface="Gautami"/>
-        <a:font script="Taml" typeface="Latha"/>
-        <a:font script="Syrc" typeface="Estrangelo Edessa"/>
-        <a:font script="Orya" typeface="Kalinga"/>
-        <a:font script="Mlym" typeface="Kartika"/>
-        <a:font script="Laoo" typeface="DokChampa"/>
-        <a:font script="Sinh" typeface="Iskoola Pota"/>
-        <a:font script="Mong" typeface="Mongolian Baiti"/>
-        <a:font script="Viet" typeface="Times New Roman"/>
-        <a:font script="Uigh" typeface="Microsoft Uighur"/>
-        <a:font script="Geor" typeface="Sylfaen"/>
-        <a:font script="Armn" typeface="Arial"/>
-        <a:font script="Bugi" typeface="Leelawadee UI"/>
-        <a:font script="Bopo" typeface="Microsoft JhengHei"/>
-        <a:font script="Java" typeface="Javanese Text"/>
-        <a:font script="Lisu" typeface="Segoe UI"/>
-        <a:font script="Mymr" typeface="Myanmar Text"/>
-        <a:font script="Nkoo" typeface="Ebrima"/>
-        <a:font script="Olck" typeface="Nirmala UI"/>
-        <a:font script="Osma" typeface="Ebrima"/>
-        <a:font script="Phag" typeface="Phagspa"/>
-        <a:font script="Syrn" typeface="Estrangelo Edessa"/>
-        <a:font script="Syrj" typeface="Estrangelo Edessa"/>
-        <a:font script="Syre" typeface="Estrangelo Edessa"/>
-        <a:font script="Sora" typeface="Nirmala UI"/>
-        <a:font script="Tale" typeface="Microsoft Tai Le"/>
-        <a:font script="Talu" typeface="Microsoft New Tai Lue"/>
-        <a:font script="Tfng" typeface="Ebrima"/>
       </a:majorFont>
       <a:minorFont>
-        <a:latin typeface="Calibri" panose="020F0502020204030204"/>
+        <a:latin typeface="Univers Condensed"/>
         <a:ea typeface=""/>
         <a:cs typeface=""/>
-        <a:font script="Jpan" typeface="游ゴシック"/>
-        <a:font script="Hang" typeface="맑은 고딕"/>
-        <a:font script="Hans" typeface="等线"/>
-        <a:font script="Hant" typeface="新細明體"/>
-        <a:font script="Arab" typeface="Arial"/>
-        <a:font script="Hebr" typeface="Arial"/>
-        <a:font script="Thai" typeface="Cordia New"/>
-        <a:font script="Ethi" typeface="Nyala"/>
-        <a:font script="Beng" typeface="Vrinda"/>
-        <a:font script="Gujr" typeface="Shruti"/>
-        <a:font script="Khmr" typeface="DaunPenh"/>
-        <a:font script="Knda" typeface="Tunga"/>
-        <a:font script="Guru" typeface="Raavi"/>
-        <a:font script="Cans" typeface="Euphemia"/>
-        <a:font script="Cher" typeface="Plantagenet Cherokee"/>
-        <a:font script="Yiii" typeface="Microsoft Yi Baiti"/>
-        <a:font script="Tibt" typeface="Microsoft Himalaya"/>
-        <a:font script="Thaa" typeface="MV Boli"/>
-        <a:font script="Deva" typeface="Mangal"/>
-        <a:font script="Telu" typeface="Gautami"/>
-        <a:font script="Taml" typeface="Latha"/>
-        <a:font script="Syrc" typeface="Estrangelo Edessa"/>
-        <a:font script="Orya" typeface="Kalinga"/>
-        <a:font script="Mlym" typeface="Kartika"/>
-        <a:font script="Laoo" typeface="DokChampa"/>
-        <a:font script="Sinh" typeface="Iskoola Pota"/>
-        <a:font script="Mong" typeface="Mongolian Baiti"/>
-        <a:font script="Viet" typeface="Arial"/>
-        <a:font script="Uigh" typeface="Microsoft Uighur"/>
-        <a:font script="Geor" typeface="Sylfaen"/>
-        <a:font script="Armn" typeface="Arial"/>
-        <a:font script="Bugi" typeface="Leelawadee UI"/>
-        <a:font script="Bopo" typeface="Microsoft JhengHei"/>
-        <a:font script="Java" typeface="Javanese Text"/>
-        <a:font script="Lisu" typeface="Segoe UI"/>
-        <a:font script="Mymr" typeface="Myanmar Text"/>
-        <a:font script="Nkoo" typeface="Ebrima"/>
-        <a:font script="Olck" typeface="Nirmala UI"/>
-        <a:font script="Osma" typeface="Ebrima"/>
-        <a:font script="Phag" typeface="Phagspa"/>
-        <a:font script="Syrn" typeface="Estrangelo Edessa"/>
-        <a:font script="Syrj" typeface="Estrangelo Edessa"/>
-        <a:font script="Syre" typeface="Estrangelo Edessa"/>
-        <a:font script="Sora" typeface="Nirmala UI"/>
-        <a:font script="Tale" typeface="Microsoft Tai Le"/>
-        <a:font script="Talu" typeface="Microsoft New Tai Lue"/>
-        <a:font script="Tfng" typeface="Ebrima"/>
       </a:minorFont>
     </a:fontScheme>
     <a:fmtScheme name="Office">
@@ -3673,7 +8154,322 @@
   <a:extraClrSchemeLst/>
   <a:extLst>
     <a:ext uri="{05A4C25C-085E-4340-85A3-A5531E510DB2}">
-      <thm15:themeFamily xmlns:thm15="http://schemas.microsoft.com/office/thememl/2012/main" name="Office Theme" id="{62F939B6-93AF-4DB8-9C6B-D6C7DFDC589F}" vid="{4A3C46E8-61CC-4603-A589-7422A47A8E4A}"/>
+      <thm15:themeFamily xmlns:thm15="http://schemas.microsoft.com/office/thememl/2012/main" name="MemoVTI" id="{DF30D94D-D909-45F8-8565-C675708280D4}" vid="{636A8D8B-0354-48FA-9492-83E81C261610}"/>
+    </a:ext>
+  </a:extLst>
+</a:theme>
+</file>
+
+<file path=ppt/theme/theme2.xml><?xml version="1.0" encoding="utf-8"?>
+<a:theme xmlns:a="http://schemas.openxmlformats.org/drawingml/2006/main" name="Office-tema">
+  <a:themeElements>
+    <a:clrScheme name="Office">
+      <a:dk1>
+        <a:sysClr val="windowText" lastClr="000000"/>
+      </a:dk1>
+      <a:lt1>
+        <a:sysClr val="window" lastClr="FFFFFF"/>
+      </a:lt1>
+      <a:dk2>
+        <a:srgbClr val="0E2841"/>
+      </a:dk2>
+      <a:lt2>
+        <a:srgbClr val="E8E8E8"/>
+      </a:lt2>
+      <a:accent1>
+        <a:srgbClr val="156082"/>
+      </a:accent1>
+      <a:accent2>
+        <a:srgbClr val="E97132"/>
+      </a:accent2>
+      <a:accent3>
+        <a:srgbClr val="196B24"/>
+      </a:accent3>
+      <a:accent4>
+        <a:srgbClr val="0F9ED5"/>
+      </a:accent4>
+      <a:accent5>
+        <a:srgbClr val="A02B93"/>
+      </a:accent5>
+      <a:accent6>
+        <a:srgbClr val="4EA72E"/>
+      </a:accent6>
+      <a:hlink>
+        <a:srgbClr val="467886"/>
+      </a:hlink>
+      <a:folHlink>
+        <a:srgbClr val="96607D"/>
+      </a:folHlink>
+    </a:clrScheme>
+    <a:fontScheme name="Office">
+      <a:majorFont>
+        <a:latin typeface="Aptos Display" panose="02110004020202020204"/>
+        <a:ea typeface=""/>
+        <a:cs typeface=""/>
+        <a:font script="Jpan" typeface="游ゴシック Light"/>
+        <a:font script="Hang" typeface="맑은 고딕"/>
+        <a:font script="Hans" typeface="等线 Light"/>
+        <a:font script="Hant" typeface="新細明體"/>
+        <a:font script="Arab" typeface="Times New Roman"/>
+        <a:font script="Hebr" typeface="Times New Roman"/>
+        <a:font script="Thai" typeface="Angsana New"/>
+        <a:font script="Ethi" typeface="Nyala"/>
+        <a:font script="Beng" typeface="Vrinda"/>
+        <a:font script="Gujr" typeface="Shruti"/>
+        <a:font script="Khmr" typeface="MoolBoran"/>
+        <a:font script="Knda" typeface="Tunga"/>
+        <a:font script="Guru" typeface="Raavi"/>
+        <a:font script="Cans" typeface="Euphemia"/>
+        <a:font script="Cher" typeface="Plantagenet Cherokee"/>
+        <a:font script="Yiii" typeface="Microsoft Yi Baiti"/>
+        <a:font script="Tibt" typeface="Microsoft Himalaya"/>
+        <a:font script="Thaa" typeface="MV Boli"/>
+        <a:font script="Deva" typeface="Mangal"/>
+        <a:font script="Telu" typeface="Gautami"/>
+        <a:font script="Taml" typeface="Latha"/>
+        <a:font script="Syrc" typeface="Estrangelo Edessa"/>
+        <a:font script="Orya" typeface="Kalinga"/>
+        <a:font script="Mlym" typeface="Kartika"/>
+        <a:font script="Laoo" typeface="DokChampa"/>
+        <a:font script="Sinh" typeface="Iskoola Pota"/>
+        <a:font script="Mong" typeface="Mongolian Baiti"/>
+        <a:font script="Viet" typeface="Times New Roman"/>
+        <a:font script="Uigh" typeface="Microsoft Uighur"/>
+        <a:font script="Geor" typeface="Sylfaen"/>
+        <a:font script="Armn" typeface="Arial"/>
+        <a:font script="Bugi" typeface="Leelawadee UI"/>
+        <a:font script="Bopo" typeface="Microsoft JhengHei"/>
+        <a:font script="Java" typeface="Javanese Text"/>
+        <a:font script="Lisu" typeface="Segoe UI"/>
+        <a:font script="Mymr" typeface="Myanmar Text"/>
+        <a:font script="Nkoo" typeface="Ebrima"/>
+        <a:font script="Olck" typeface="Nirmala UI"/>
+        <a:font script="Osma" typeface="Ebrima"/>
+        <a:font script="Phag" typeface="Phagspa"/>
+        <a:font script="Syrn" typeface="Estrangelo Edessa"/>
+        <a:font script="Syrj" typeface="Estrangelo Edessa"/>
+        <a:font script="Syre" typeface="Estrangelo Edessa"/>
+        <a:font script="Sora" typeface="Nirmala UI"/>
+        <a:font script="Tale" typeface="Microsoft Tai Le"/>
+        <a:font script="Talu" typeface="Microsoft New Tai Lue"/>
+        <a:font script="Tfng" typeface="Ebrima"/>
+      </a:majorFont>
+      <a:minorFont>
+        <a:latin typeface="Aptos" panose="02110004020202020204"/>
+        <a:ea typeface=""/>
+        <a:cs typeface=""/>
+        <a:font script="Jpan" typeface="游ゴシック"/>
+        <a:font script="Hang" typeface="맑은 고딕"/>
+        <a:font script="Hans" typeface="等线"/>
+        <a:font script="Hant" typeface="新細明體"/>
+        <a:font script="Arab" typeface="Arial"/>
+        <a:font script="Hebr" typeface="Arial"/>
+        <a:font script="Thai" typeface="Cordia New"/>
+        <a:font script="Ethi" typeface="Nyala"/>
+        <a:font script="Beng" typeface="Vrinda"/>
+        <a:font script="Gujr" typeface="Shruti"/>
+        <a:font script="Khmr" typeface="DaunPenh"/>
+        <a:font script="Knda" typeface="Tunga"/>
+        <a:font script="Guru" typeface="Raavi"/>
+        <a:font script="Cans" typeface="Euphemia"/>
+        <a:font script="Cher" typeface="Plantagenet Cherokee"/>
+        <a:font script="Yiii" typeface="Microsoft Yi Baiti"/>
+        <a:font script="Tibt" typeface="Microsoft Himalaya"/>
+        <a:font script="Thaa" typeface="MV Boli"/>
+        <a:font script="Deva" typeface="Mangal"/>
+        <a:font script="Telu" typeface="Gautami"/>
+        <a:font script="Taml" typeface="Latha"/>
+        <a:font script="Syrc" typeface="Estrangelo Edessa"/>
+        <a:font script="Orya" typeface="Kalinga"/>
+        <a:font script="Mlym" typeface="Kartika"/>
+        <a:font script="Laoo" typeface="DokChampa"/>
+        <a:font script="Sinh" typeface="Iskoola Pota"/>
+        <a:font script="Mong" typeface="Mongolian Baiti"/>
+        <a:font script="Viet" typeface="Arial"/>
+        <a:font script="Uigh" typeface="Microsoft Uighur"/>
+        <a:font script="Geor" typeface="Sylfaen"/>
+        <a:font script="Armn" typeface="Arial"/>
+        <a:font script="Bugi" typeface="Leelawadee UI"/>
+        <a:font script="Bopo" typeface="Microsoft JhengHei"/>
+        <a:font script="Java" typeface="Javanese Text"/>
+        <a:font script="Lisu" typeface="Segoe UI"/>
+        <a:font script="Mymr" typeface="Myanmar Text"/>
+        <a:font script="Nkoo" typeface="Ebrima"/>
+        <a:font script="Olck" typeface="Nirmala UI"/>
+        <a:font script="Osma" typeface="Ebrima"/>
+        <a:font script="Phag" typeface="Phagspa"/>
+        <a:font script="Syrn" typeface="Estrangelo Edessa"/>
+        <a:font script="Syrj" typeface="Estrangelo Edessa"/>
+        <a:font script="Syre" typeface="Estrangelo Edessa"/>
+        <a:font script="Sora" typeface="Nirmala UI"/>
+        <a:font script="Tale" typeface="Microsoft Tai Le"/>
+        <a:font script="Talu" typeface="Microsoft New Tai Lue"/>
+        <a:font script="Tfng" typeface="Ebrima"/>
+      </a:minorFont>
+    </a:fontScheme>
+    <a:fmtScheme name="Office">
+      <a:fillStyleLst>
+        <a:solidFill>
+          <a:schemeClr val="phClr"/>
+        </a:solidFill>
+        <a:gradFill rotWithShape="1">
+          <a:gsLst>
+            <a:gs pos="0">
+              <a:schemeClr val="phClr">
+                <a:lumMod val="110000"/>
+                <a:satMod val="105000"/>
+                <a:tint val="67000"/>
+              </a:schemeClr>
+            </a:gs>
+            <a:gs pos="50000">
+              <a:schemeClr val="phClr">
+                <a:lumMod val="105000"/>
+                <a:satMod val="103000"/>
+                <a:tint val="73000"/>
+              </a:schemeClr>
+            </a:gs>
+            <a:gs pos="100000">
+              <a:schemeClr val="phClr">
+                <a:lumMod val="105000"/>
+                <a:satMod val="109000"/>
+                <a:tint val="81000"/>
+              </a:schemeClr>
+            </a:gs>
+          </a:gsLst>
+          <a:lin ang="5400000" scaled="0"/>
+        </a:gradFill>
+        <a:gradFill rotWithShape="1">
+          <a:gsLst>
+            <a:gs pos="0">
+              <a:schemeClr val="phClr">
+                <a:satMod val="103000"/>
+                <a:lumMod val="102000"/>
+                <a:tint val="94000"/>
+              </a:schemeClr>
+            </a:gs>
+            <a:gs pos="50000">
+              <a:schemeClr val="phClr">
+                <a:satMod val="110000"/>
+                <a:lumMod val="100000"/>
+                <a:shade val="100000"/>
+              </a:schemeClr>
+            </a:gs>
+            <a:gs pos="100000">
+              <a:schemeClr val="phClr">
+                <a:lumMod val="99000"/>
+                <a:satMod val="120000"/>
+                <a:shade val="78000"/>
+              </a:schemeClr>
+            </a:gs>
+          </a:gsLst>
+          <a:lin ang="5400000" scaled="0"/>
+        </a:gradFill>
+      </a:fillStyleLst>
+      <a:lnStyleLst>
+        <a:ln w="12700" cap="flat" cmpd="sng" algn="ctr">
+          <a:solidFill>
+            <a:schemeClr val="phClr"/>
+          </a:solidFill>
+          <a:prstDash val="solid"/>
+          <a:miter lim="800000"/>
+        </a:ln>
+        <a:ln w="19050" cap="flat" cmpd="sng" algn="ctr">
+          <a:solidFill>
+            <a:schemeClr val="phClr"/>
+          </a:solidFill>
+          <a:prstDash val="solid"/>
+          <a:miter lim="800000"/>
+        </a:ln>
+        <a:ln w="25400" cap="flat" cmpd="sng" algn="ctr">
+          <a:solidFill>
+            <a:schemeClr val="phClr"/>
+          </a:solidFill>
+          <a:prstDash val="solid"/>
+          <a:miter lim="800000"/>
+        </a:ln>
+      </a:lnStyleLst>
+      <a:effectStyleLst>
+        <a:effectStyle>
+          <a:effectLst/>
+        </a:effectStyle>
+        <a:effectStyle>
+          <a:effectLst/>
+        </a:effectStyle>
+        <a:effectStyle>
+          <a:effectLst>
+            <a:outerShdw blurRad="57150" dist="19050" dir="5400000" algn="ctr" rotWithShape="0">
+              <a:srgbClr val="000000">
+                <a:alpha val="63000"/>
+              </a:srgbClr>
+            </a:outerShdw>
+          </a:effectLst>
+        </a:effectStyle>
+      </a:effectStyleLst>
+      <a:bgFillStyleLst>
+        <a:solidFill>
+          <a:schemeClr val="phClr"/>
+        </a:solidFill>
+        <a:solidFill>
+          <a:schemeClr val="phClr">
+            <a:tint val="95000"/>
+            <a:satMod val="170000"/>
+          </a:schemeClr>
+        </a:solidFill>
+        <a:gradFill rotWithShape="1">
+          <a:gsLst>
+            <a:gs pos="0">
+              <a:schemeClr val="phClr">
+                <a:tint val="93000"/>
+                <a:satMod val="150000"/>
+                <a:shade val="98000"/>
+                <a:lumMod val="102000"/>
+              </a:schemeClr>
+            </a:gs>
+            <a:gs pos="50000">
+              <a:schemeClr val="phClr">
+                <a:tint val="98000"/>
+                <a:satMod val="130000"/>
+                <a:shade val="90000"/>
+                <a:lumMod val="103000"/>
+              </a:schemeClr>
+            </a:gs>
+            <a:gs pos="100000">
+              <a:schemeClr val="phClr">
+                <a:shade val="63000"/>
+                <a:satMod val="120000"/>
+              </a:schemeClr>
+            </a:gs>
+          </a:gsLst>
+          <a:lin ang="5400000" scaled="0"/>
+        </a:gradFill>
+      </a:bgFillStyleLst>
+    </a:fmtScheme>
+  </a:themeElements>
+  <a:objectDefaults>
+    <a:lnDef>
+      <a:spPr/>
+      <a:bodyPr/>
+      <a:lstStyle/>
+      <a:style>
+        <a:lnRef idx="2">
+          <a:schemeClr val="accent1"/>
+        </a:lnRef>
+        <a:fillRef idx="0">
+          <a:schemeClr val="accent1"/>
+        </a:fillRef>
+        <a:effectRef idx="1">
+          <a:schemeClr val="accent1"/>
+        </a:effectRef>
+        <a:fontRef idx="minor">
+          <a:schemeClr val="tx1"/>
+        </a:fontRef>
+      </a:style>
+    </a:lnDef>
+  </a:objectDefaults>
+  <a:extraClrSchemeLst/>
+  <a:extLst>
+    <a:ext uri="{05A4C25C-085E-4340-85A3-A5531E510DB2}">
+      <thm15:themeFamily xmlns:thm15="http://schemas.microsoft.com/office/thememl/2012/main" name="Office Theme" id="{2E142A2C-CD16-42D6-873A-C26D2A0506FA}" vid="{1BDDFF52-6CD6-40A5-AB3C-68EB2F1E4D0A}"/>
     </a:ext>
   </a:extLst>
 </a:theme>

--- a/Presentasjon_ML.pptx
+++ b/Presentasjon_ML.pptx
@@ -211,7 +211,7 @@
           <a:p>
             <a:fld id="{3CD0CE7B-105B-664E-9F80-728B06ECFBFE}" type="datetimeFigureOut">
               <a:rPr lang="nb-NO" smtClean="0"/>
-              <a:t>14.03.2024</a:t>
+              <a:t>18.03.2024</a:t>
             </a:fld>
             <a:endParaRPr lang="nb-NO"/>
           </a:p>
@@ -634,7 +634,7 @@
           <a:p>
             <a:fld id="{098A0168-EB40-45AF-89A1-87DE0A55FFC6}" type="datetime1">
               <a:rPr lang="en-US" smtClean="0"/>
-              <a:t>3/14/24</a:t>
+              <a:t>3/18/24</a:t>
             </a:fld>
             <a:endParaRPr lang="en-US"/>
           </a:p>
@@ -885,7 +885,7 @@
           <a:p>
             <a:fld id="{8F8CA68F-747D-436A-B5BB-2EBC3ED499E4}" type="datetime1">
               <a:rPr lang="en-US" smtClean="0"/>
-              <a:t>3/14/24</a:t>
+              <a:t>3/18/24</a:t>
             </a:fld>
             <a:endParaRPr lang="en-US"/>
           </a:p>
@@ -1095,7 +1095,7 @@
           <a:p>
             <a:fld id="{6DD8DC11-9E39-40A0-B3DC-E3F2AD04A616}" type="datetime1">
               <a:rPr lang="en-US" smtClean="0"/>
-              <a:t>3/14/24</a:t>
+              <a:t>3/18/24</a:t>
             </a:fld>
             <a:endParaRPr lang="en-US"/>
           </a:p>
@@ -1305,7 +1305,7 @@
           <a:p>
             <a:fld id="{BE0A88F0-556B-4BB7-8AAB-D63AEB65C662}" type="datetime1">
               <a:rPr lang="en-US" smtClean="0"/>
-              <a:t>3/14/24</a:t>
+              <a:t>3/18/24</a:t>
             </a:fld>
             <a:endParaRPr lang="en-US"/>
           </a:p>
@@ -1622,7 +1622,7 @@
           <a:p>
             <a:fld id="{60E05506-6815-4E0E-B1DE-ECA35C2016DF}" type="datetime1">
               <a:rPr lang="en-US" smtClean="0"/>
-              <a:t>3/14/24</a:t>
+              <a:t>3/18/24</a:t>
             </a:fld>
             <a:endParaRPr lang="en-US"/>
           </a:p>
@@ -1895,7 +1895,7 @@
           <a:p>
             <a:fld id="{FC6E85F7-A724-48A4-9D33-CEBC5174E865}" type="datetime1">
               <a:rPr lang="en-US" smtClean="0"/>
-              <a:t>3/14/24</a:t>
+              <a:t>3/18/24</a:t>
             </a:fld>
             <a:endParaRPr lang="en-US"/>
           </a:p>
@@ -2406,7 +2406,7 @@
           <a:p>
             <a:fld id="{42806E7A-BDD3-46A3-BEE2-EB821F9236B4}" type="datetime1">
               <a:rPr lang="en-US" smtClean="0"/>
-              <a:t>3/14/24</a:t>
+              <a:t>3/18/24</a:t>
             </a:fld>
             <a:endParaRPr lang="en-US"/>
           </a:p>
@@ -2639,7 +2639,7 @@
           <a:p>
             <a:fld id="{9ED1540C-9440-4E7A-B71A-BEFEE06869E3}" type="datetime1">
               <a:rPr lang="en-US" smtClean="0"/>
-              <a:t>3/14/24</a:t>
+              <a:t>3/18/24</a:t>
             </a:fld>
             <a:endParaRPr lang="en-US"/>
           </a:p>
@@ -2752,7 +2752,7 @@
           <a:p>
             <a:fld id="{E0318DDB-88AC-4039-B59C-B05DC4C9C16C}" type="datetime1">
               <a:rPr lang="en-US" smtClean="0"/>
-              <a:t>3/14/24</a:t>
+              <a:t>3/18/24</a:t>
             </a:fld>
             <a:endParaRPr lang="en-US"/>
           </a:p>
@@ -3067,7 +3067,7 @@
           <a:p>
             <a:fld id="{E082ABFB-60E7-4BA1-866A-7059F058065B}" type="datetime1">
               <a:rPr lang="en-US" smtClean="0"/>
-              <a:t>3/14/24</a:t>
+              <a:t>3/18/24</a:t>
             </a:fld>
             <a:endParaRPr lang="en-US"/>
           </a:p>
@@ -3359,7 +3359,7 @@
           <a:p>
             <a:fld id="{2694112F-55F4-4776-A323-7418930321C8}" type="datetime1">
               <a:rPr lang="en-US" smtClean="0"/>
-              <a:t>3/14/24</a:t>
+              <a:t>3/18/24</a:t>
             </a:fld>
             <a:endParaRPr lang="en-US"/>
           </a:p>
@@ -3654,7 +3654,7 @@
           <a:p>
             <a:fld id="{CFBEA57F-793F-4683-BD8A-741FD4B89154}" type="datetime1">
               <a:rPr lang="en-US" smtClean="0"/>
-              <a:t>3/14/24</a:t>
+              <a:t>3/18/24</a:t>
             </a:fld>
             <a:endParaRPr lang="en-US" dirty="0"/>
           </a:p>
@@ -4857,7 +4857,7 @@
           <a:p>
             <a:fld id="{BE0A88F0-556B-4BB7-8AAB-D63AEB65C662}" type="datetime1">
               <a:rPr lang="en-US" smtClean="0"/>
-              <a:t>3/14/24</a:t>
+              <a:t>3/18/24</a:t>
             </a:fld>
             <a:endParaRPr lang="en-US"/>
           </a:p>
@@ -5051,7 +5051,7 @@
           <a:p>
             <a:fld id="{BE0A88F0-556B-4BB7-8AAB-D63AEB65C662}" type="datetime1">
               <a:rPr lang="en-US" smtClean="0"/>
-              <a:t>3/14/24</a:t>
+              <a:t>3/18/24</a:t>
             </a:fld>
             <a:endParaRPr lang="en-US"/>
           </a:p>
@@ -5275,7 +5275,7 @@
           <a:p>
             <a:fld id="{BE0A88F0-556B-4BB7-8AAB-D63AEB65C662}" type="datetime1">
               <a:rPr lang="en-US" smtClean="0"/>
-              <a:t>3/14/24</a:t>
+              <a:t>3/18/24</a:t>
             </a:fld>
             <a:endParaRPr lang="en-US"/>
           </a:p>
@@ -5469,7 +5469,7 @@
           <a:p>
             <a:fld id="{BE0A88F0-556B-4BB7-8AAB-D63AEB65C662}" type="datetime1">
               <a:rPr lang="en-US" smtClean="0"/>
-              <a:t>3/14/24</a:t>
+              <a:t>3/18/24</a:t>
             </a:fld>
             <a:endParaRPr lang="en-US"/>
           </a:p>
@@ -5819,7 +5819,7 @@
           <a:p>
             <a:fld id="{BE0A88F0-556B-4BB7-8AAB-D63AEB65C662}" type="datetime1">
               <a:rPr lang="en-US" smtClean="0"/>
-              <a:t>3/14/24</a:t>
+              <a:t>3/18/24</a:t>
             </a:fld>
             <a:endParaRPr lang="en-US"/>
           </a:p>
@@ -6022,7 +6022,7 @@
           <a:p>
             <a:fld id="{BE0A88F0-556B-4BB7-8AAB-D63AEB65C662}" type="datetime1">
               <a:rPr lang="en-US" smtClean="0"/>
-              <a:t>3/14/24</a:t>
+              <a:t>3/18/24</a:t>
             </a:fld>
             <a:endParaRPr lang="en-US"/>
           </a:p>
@@ -6169,19 +6169,33 @@
           <a:p>
             <a:r>
               <a:rPr lang="nb-NO" dirty="0"/>
+              <a:t>Viktigheten rundt data og databehandling</a:t>
+            </a:r>
+          </a:p>
+          <a:p>
+            <a:r>
+              <a:rPr lang="nb-NO" dirty="0"/>
               <a:t>Forskjellige maskinlæringsalgoritmer </a:t>
             </a:r>
           </a:p>
           <a:p>
             <a:r>
               <a:rPr lang="nb-NO" dirty="0"/>
-              <a:t>Hvordan fungerer en maskinlæringsmodell</a:t>
+              <a:t>Hyperparametere </a:t>
             </a:r>
           </a:p>
           <a:p>
             <a:r>
               <a:rPr lang="nb-NO" dirty="0"/>
-              <a:t>Viktigheten rundt data og databehandling</a:t>
+              <a:t>Hvordan fungerer en maskinlæringsmodell – </a:t>
+            </a:r>
+            <a:r>
+              <a:rPr lang="nb-NO" dirty="0" err="1"/>
+              <a:t>Adaline</a:t>
+            </a:r>
+            <a:r>
+              <a:rPr lang="nb-NO" dirty="0"/>
+              <a:t> </a:t>
             </a:r>
           </a:p>
           <a:p>
@@ -6215,7 +6229,7 @@
           <a:p>
             <a:fld id="{BE0A88F0-556B-4BB7-8AAB-D63AEB65C662}" type="datetime1">
               <a:rPr lang="en-US" smtClean="0"/>
-              <a:t>3/14/24</a:t>
+              <a:t>3/18/24</a:t>
             </a:fld>
             <a:endParaRPr lang="en-US"/>
           </a:p>
@@ -6397,7 +6411,7 @@
           <a:p>
             <a:fld id="{BE0A88F0-556B-4BB7-8AAB-D63AEB65C662}" type="datetime1">
               <a:rPr lang="en-US" smtClean="0"/>
-              <a:t>3/14/24</a:t>
+              <a:t>3/18/24</a:t>
             </a:fld>
             <a:endParaRPr lang="en-US"/>
           </a:p>
@@ -6642,7 +6656,7 @@
           <a:p>
             <a:fld id="{BE0A88F0-556B-4BB7-8AAB-D63AEB65C662}" type="datetime1">
               <a:rPr lang="en-US" smtClean="0"/>
-              <a:t>3/14/24</a:t>
+              <a:t>3/18/24</a:t>
             </a:fld>
             <a:endParaRPr lang="en-US"/>
           </a:p>
@@ -6872,7 +6886,7 @@
           <a:p>
             <a:fld id="{BE0A88F0-556B-4BB7-8AAB-D63AEB65C662}" type="datetime1">
               <a:rPr lang="en-US" smtClean="0"/>
-              <a:t>3/14/24</a:t>
+              <a:t>3/18/24</a:t>
             </a:fld>
             <a:endParaRPr lang="en-US"/>
           </a:p>
@@ -7148,7 +7162,7 @@
           <a:p>
             <a:fld id="{BE0A88F0-556B-4BB7-8AAB-D63AEB65C662}" type="datetime1">
               <a:rPr lang="en-US" smtClean="0"/>
-              <a:t>3/14/24</a:t>
+              <a:t>3/18/24</a:t>
             </a:fld>
             <a:endParaRPr lang="en-US"/>
           </a:p>
@@ -7405,7 +7419,7 @@
           <a:p>
             <a:fld id="{BE0A88F0-556B-4BB7-8AAB-D63AEB65C662}" type="datetime1">
               <a:rPr lang="en-US" smtClean="0"/>
-              <a:t>3/14/24</a:t>
+              <a:t>3/18/24</a:t>
             </a:fld>
             <a:endParaRPr lang="en-US"/>
           </a:p>
@@ -7550,7 +7564,7 @@
           <a:p>
             <a:fld id="{BE0A88F0-556B-4BB7-8AAB-D63AEB65C662}" type="datetime1">
               <a:rPr lang="en-US" smtClean="0"/>
-              <a:t>3/14/24</a:t>
+              <a:t>3/18/24</a:t>
             </a:fld>
             <a:endParaRPr lang="en-US"/>
           </a:p>
@@ -7776,7 +7790,7 @@
           <a:p>
             <a:fld id="{BE0A88F0-556B-4BB7-8AAB-D63AEB65C662}" type="datetime1">
               <a:rPr lang="en-US" smtClean="0"/>
-              <a:t>3/14/24</a:t>
+              <a:t>3/18/24</a:t>
             </a:fld>
             <a:endParaRPr lang="en-US"/>
           </a:p>

--- a/Presentasjon_ML.pptx
+++ b/Presentasjon_ML.pptx
@@ -5,24 +5,25 @@
     <p:sldMasterId id="2147483763" r:id="rId1"/>
   </p:sldMasterIdLst>
   <p:notesMasterIdLst>
-    <p:notesMasterId r:id="rId17"/>
+    <p:notesMasterId r:id="rId18"/>
   </p:notesMasterIdLst>
   <p:sldIdLst>
     <p:sldId id="256" r:id="rId2"/>
     <p:sldId id="258" r:id="rId3"/>
     <p:sldId id="257" r:id="rId4"/>
     <p:sldId id="264" r:id="rId5"/>
-    <p:sldId id="261" r:id="rId6"/>
-    <p:sldId id="259" r:id="rId7"/>
-    <p:sldId id="275" r:id="rId8"/>
-    <p:sldId id="265" r:id="rId9"/>
-    <p:sldId id="266" r:id="rId10"/>
-    <p:sldId id="267" r:id="rId11"/>
-    <p:sldId id="272" r:id="rId12"/>
-    <p:sldId id="273" r:id="rId13"/>
-    <p:sldId id="274" r:id="rId14"/>
-    <p:sldId id="263" r:id="rId15"/>
-    <p:sldId id="271" r:id="rId16"/>
+    <p:sldId id="276" r:id="rId6"/>
+    <p:sldId id="261" r:id="rId7"/>
+    <p:sldId id="259" r:id="rId8"/>
+    <p:sldId id="275" r:id="rId9"/>
+    <p:sldId id="265" r:id="rId10"/>
+    <p:sldId id="266" r:id="rId11"/>
+    <p:sldId id="267" r:id="rId12"/>
+    <p:sldId id="272" r:id="rId13"/>
+    <p:sldId id="273" r:id="rId14"/>
+    <p:sldId id="274" r:id="rId15"/>
+    <p:sldId id="263" r:id="rId16"/>
+    <p:sldId id="271" r:id="rId17"/>
   </p:sldIdLst>
   <p:sldSz cx="12192000" cy="6858000"/>
   <p:notesSz cx="6858000" cy="9144000"/>
@@ -211,7 +212,7 @@
           <a:p>
             <a:fld id="{3CD0CE7B-105B-664E-9F80-728B06ECFBFE}" type="datetimeFigureOut">
               <a:rPr lang="nb-NO" smtClean="0"/>
-              <a:t>18.03.2024</a:t>
+              <a:t>19.03.2024</a:t>
             </a:fld>
             <a:endParaRPr lang="nb-NO"/>
           </a:p>
@@ -478,6 +479,90 @@
 </p:notesMaster>
 </file>
 
+<file path=ppt/notesSlides/notesSlide1.xml><?xml version="1.0" encoding="utf-8"?>
+<p:notes xmlns:a="http://schemas.openxmlformats.org/drawingml/2006/main" xmlns:r="http://schemas.openxmlformats.org/officeDocument/2006/relationships" xmlns:p="http://schemas.openxmlformats.org/presentationml/2006/main">
+  <p:cSld>
+    <p:spTree>
+      <p:nvGrpSpPr>
+        <p:cNvPr id="1" name=""/>
+        <p:cNvGrpSpPr/>
+        <p:nvPr/>
+      </p:nvGrpSpPr>
+      <p:grpSpPr>
+        <a:xfrm>
+          <a:off x="0" y="0"/>
+          <a:ext cx="0" cy="0"/>
+          <a:chOff x="0" y="0"/>
+          <a:chExt cx="0" cy="0"/>
+        </a:xfrm>
+      </p:grpSpPr>
+      <p:sp>
+        <p:nvSpPr>
+          <p:cNvPr id="2" name="Plassholder for lysbilde 1"/>
+          <p:cNvSpPr>
+            <a:spLocks noGrp="1" noRot="1" noChangeAspect="1"/>
+          </p:cNvSpPr>
+          <p:nvPr>
+            <p:ph type="sldImg"/>
+          </p:nvPr>
+        </p:nvSpPr>
+        <p:spPr/>
+      </p:sp>
+      <p:sp>
+        <p:nvSpPr>
+          <p:cNvPr id="3" name="Plassholder for notater 2"/>
+          <p:cNvSpPr>
+            <a:spLocks noGrp="1"/>
+          </p:cNvSpPr>
+          <p:nvPr>
+            <p:ph type="body" idx="1"/>
+          </p:nvPr>
+        </p:nvSpPr>
+        <p:spPr/>
+        <p:txBody>
+          <a:bodyPr/>
+          <a:lstStyle/>
+          <a:p>
+            <a:endParaRPr lang="nb-NO" dirty="0"/>
+          </a:p>
+        </p:txBody>
+      </p:sp>
+      <p:sp>
+        <p:nvSpPr>
+          <p:cNvPr id="4" name="Plassholder for lysbildenummer 3"/>
+          <p:cNvSpPr>
+            <a:spLocks noGrp="1"/>
+          </p:cNvSpPr>
+          <p:nvPr>
+            <p:ph type="sldNum" sz="quarter" idx="5"/>
+          </p:nvPr>
+        </p:nvSpPr>
+        <p:spPr/>
+        <p:txBody>
+          <a:bodyPr/>
+          <a:lstStyle/>
+          <a:p>
+            <a:fld id="{A8973B08-6CC6-B249-BAB9-BF2D16965BAC}" type="slidenum">
+              <a:rPr lang="nb-NO" smtClean="0"/>
+              <a:t>1</a:t>
+            </a:fld>
+            <a:endParaRPr lang="nb-NO"/>
+          </a:p>
+        </p:txBody>
+      </p:sp>
+    </p:spTree>
+    <p:extLst>
+      <p:ext uri="{BB962C8B-B14F-4D97-AF65-F5344CB8AC3E}">
+        <p14:creationId xmlns:p14="http://schemas.microsoft.com/office/powerpoint/2010/main" val="1288961090"/>
+      </p:ext>
+    </p:extLst>
+  </p:cSld>
+  <p:clrMapOvr>
+    <a:masterClrMapping/>
+  </p:clrMapOvr>
+</p:notes>
+</file>
+
 <file path=ppt/slideLayouts/slideLayout1.xml><?xml version="1.0" encoding="utf-8"?>
 <p:sldLayout xmlns:a="http://schemas.openxmlformats.org/drawingml/2006/main" xmlns:r="http://schemas.openxmlformats.org/officeDocument/2006/relationships" xmlns:p="http://schemas.openxmlformats.org/presentationml/2006/main" type="title" preserve="1">
   <p:cSld name="Title Slide">
@@ -634,7 +719,7 @@
           <a:p>
             <a:fld id="{098A0168-EB40-45AF-89A1-87DE0A55FFC6}" type="datetime1">
               <a:rPr lang="en-US" smtClean="0"/>
-              <a:t>3/18/24</a:t>
+              <a:t>3/19/24</a:t>
             </a:fld>
             <a:endParaRPr lang="en-US"/>
           </a:p>
@@ -885,7 +970,7 @@
           <a:p>
             <a:fld id="{8F8CA68F-747D-436A-B5BB-2EBC3ED499E4}" type="datetime1">
               <a:rPr lang="en-US" smtClean="0"/>
-              <a:t>3/18/24</a:t>
+              <a:t>3/19/24</a:t>
             </a:fld>
             <a:endParaRPr lang="en-US"/>
           </a:p>
@@ -1095,7 +1180,7 @@
           <a:p>
             <a:fld id="{6DD8DC11-9E39-40A0-B3DC-E3F2AD04A616}" type="datetime1">
               <a:rPr lang="en-US" smtClean="0"/>
-              <a:t>3/18/24</a:t>
+              <a:t>3/19/24</a:t>
             </a:fld>
             <a:endParaRPr lang="en-US"/>
           </a:p>
@@ -1305,7 +1390,7 @@
           <a:p>
             <a:fld id="{BE0A88F0-556B-4BB7-8AAB-D63AEB65C662}" type="datetime1">
               <a:rPr lang="en-US" smtClean="0"/>
-              <a:t>3/18/24</a:t>
+              <a:t>3/19/24</a:t>
             </a:fld>
             <a:endParaRPr lang="en-US"/>
           </a:p>
@@ -1622,7 +1707,7 @@
           <a:p>
             <a:fld id="{60E05506-6815-4E0E-B1DE-ECA35C2016DF}" type="datetime1">
               <a:rPr lang="en-US" smtClean="0"/>
-              <a:t>3/18/24</a:t>
+              <a:t>3/19/24</a:t>
             </a:fld>
             <a:endParaRPr lang="en-US"/>
           </a:p>
@@ -1895,7 +1980,7 @@
           <a:p>
             <a:fld id="{FC6E85F7-A724-48A4-9D33-CEBC5174E865}" type="datetime1">
               <a:rPr lang="en-US" smtClean="0"/>
-              <a:t>3/18/24</a:t>
+              <a:t>3/19/24</a:t>
             </a:fld>
             <a:endParaRPr lang="en-US"/>
           </a:p>
@@ -2406,7 +2491,7 @@
           <a:p>
             <a:fld id="{42806E7A-BDD3-46A3-BEE2-EB821F9236B4}" type="datetime1">
               <a:rPr lang="en-US" smtClean="0"/>
-              <a:t>3/18/24</a:t>
+              <a:t>3/19/24</a:t>
             </a:fld>
             <a:endParaRPr lang="en-US"/>
           </a:p>
@@ -2639,7 +2724,7 @@
           <a:p>
             <a:fld id="{9ED1540C-9440-4E7A-B71A-BEFEE06869E3}" type="datetime1">
               <a:rPr lang="en-US" smtClean="0"/>
-              <a:t>3/18/24</a:t>
+              <a:t>3/19/24</a:t>
             </a:fld>
             <a:endParaRPr lang="en-US"/>
           </a:p>
@@ -2752,7 +2837,7 @@
           <a:p>
             <a:fld id="{E0318DDB-88AC-4039-B59C-B05DC4C9C16C}" type="datetime1">
               <a:rPr lang="en-US" smtClean="0"/>
-              <a:t>3/18/24</a:t>
+              <a:t>3/19/24</a:t>
             </a:fld>
             <a:endParaRPr lang="en-US"/>
           </a:p>
@@ -3067,7 +3152,7 @@
           <a:p>
             <a:fld id="{E082ABFB-60E7-4BA1-866A-7059F058065B}" type="datetime1">
               <a:rPr lang="en-US" smtClean="0"/>
-              <a:t>3/18/24</a:t>
+              <a:t>3/19/24</a:t>
             </a:fld>
             <a:endParaRPr lang="en-US"/>
           </a:p>
@@ -3359,7 +3444,7 @@
           <a:p>
             <a:fld id="{2694112F-55F4-4776-A323-7418930321C8}" type="datetime1">
               <a:rPr lang="en-US" smtClean="0"/>
-              <a:t>3/18/24</a:t>
+              <a:t>3/19/24</a:t>
             </a:fld>
             <a:endParaRPr lang="en-US"/>
           </a:p>
@@ -3654,7 +3739,7 @@
           <a:p>
             <a:fld id="{CFBEA57F-793F-4683-BD8A-741FD4B89154}" type="datetime1">
               <a:rPr lang="en-US" smtClean="0"/>
-              <a:t>3/18/24</a:t>
+              <a:t>3/19/24</a:t>
             </a:fld>
             <a:endParaRPr lang="en-US" dirty="0"/>
           </a:p>
@@ -4305,7 +4390,7 @@
           <p:nvPr/>
         </p:nvPicPr>
         <p:blipFill rotWithShape="1">
-          <a:blip r:embed="rId2"/>
+          <a:blip r:embed="rId3"/>
           <a:srcRect t="9160" b="6570"/>
           <a:stretch/>
         </p:blipFill>
@@ -4807,7 +4892,7 @@
           <p:cNvPr id="2" name="Tittel 1">
             <a:extLst>
               <a:ext uri="{FF2B5EF4-FFF2-40B4-BE49-F238E27FC236}">
-                <a16:creationId xmlns:a16="http://schemas.microsoft.com/office/drawing/2014/main" id="{57FB405D-A07A-0977-E1ED-ADC243BD6748}"/>
+                <a16:creationId xmlns:a16="http://schemas.microsoft.com/office/drawing/2014/main" id="{B6E9F6C3-E042-A9CB-37C1-F48572FA3418}"/>
               </a:ext>
             </a:extLst>
           </p:cNvPr>
@@ -4829,17 +4914,49 @@
             </a:r>
             <a:r>
               <a:rPr lang="nb-NO" dirty="0"/>
-              <a:t> – Adaptive Linear Neuron</a:t>
-            </a:r>
-          </a:p>
-        </p:txBody>
-      </p:sp>
+              <a:t> - Data og vekter </a:t>
+            </a:r>
+          </a:p>
+        </p:txBody>
+      </p:sp>
+      <p:pic>
+        <p:nvPicPr>
+          <p:cNvPr id="7" name="Plassholder for innhold 6">
+            <a:extLst>
+              <a:ext uri="{FF2B5EF4-FFF2-40B4-BE49-F238E27FC236}">
+                <a16:creationId xmlns:a16="http://schemas.microsoft.com/office/drawing/2014/main" id="{A1914997-AD25-2E20-EA6C-A999EA4C18E4}"/>
+              </a:ext>
+            </a:extLst>
+          </p:cNvPr>
+          <p:cNvPicPr>
+            <a:picLocks noGrp="1" noChangeAspect="1"/>
+          </p:cNvPicPr>
+          <p:nvPr>
+            <p:ph idx="1"/>
+          </p:nvPr>
+        </p:nvPicPr>
+        <p:blipFill>
+          <a:blip r:embed="rId2"/>
+          <a:stretch>
+            <a:fillRect/>
+          </a:stretch>
+        </p:blipFill>
+        <p:spPr>
+          <a:xfrm>
+            <a:off x="1142982" y="2091306"/>
+            <a:ext cx="2463800" cy="3581400"/>
+          </a:xfrm>
+          <a:prstGeom prst="rect">
+            <a:avLst/>
+          </a:prstGeom>
+        </p:spPr>
+      </p:pic>
       <p:sp>
         <p:nvSpPr>
           <p:cNvPr id="4" name="Plassholder for dato 3">
             <a:extLst>
               <a:ext uri="{FF2B5EF4-FFF2-40B4-BE49-F238E27FC236}">
-                <a16:creationId xmlns:a16="http://schemas.microsoft.com/office/drawing/2014/main" id="{FD21E666-42AA-E5F4-E3AC-92A39C6577F8}"/>
+                <a16:creationId xmlns:a16="http://schemas.microsoft.com/office/drawing/2014/main" id="{14255D5D-CD38-DC22-3FC8-75BB61F3A5A0}"/>
               </a:ext>
             </a:extLst>
           </p:cNvPr>
@@ -4857,7 +4974,7 @@
           <a:p>
             <a:fld id="{BE0A88F0-556B-4BB7-8AAB-D63AEB65C662}" type="datetime1">
               <a:rPr lang="en-US" smtClean="0"/>
-              <a:t>3/18/24</a:t>
+              <a:t>3/19/24</a:t>
             </a:fld>
             <a:endParaRPr lang="en-US"/>
           </a:p>
@@ -4868,7 +4985,7 @@
           <p:cNvPr id="5" name="Plassholder for bunntekst 4">
             <a:extLst>
               <a:ext uri="{FF2B5EF4-FFF2-40B4-BE49-F238E27FC236}">
-                <a16:creationId xmlns:a16="http://schemas.microsoft.com/office/drawing/2014/main" id="{8DFDC586-6F3E-289D-7995-E0D57AC63C1C}"/>
+                <a16:creationId xmlns:a16="http://schemas.microsoft.com/office/drawing/2014/main" id="{89A83550-4F31-942C-48EB-33ADBB68484D}"/>
               </a:ext>
             </a:extLst>
           </p:cNvPr>
@@ -4893,7 +5010,7 @@
           <p:cNvPr id="6" name="Plassholder for lysbildenummer 5">
             <a:extLst>
               <a:ext uri="{FF2B5EF4-FFF2-40B4-BE49-F238E27FC236}">
-                <a16:creationId xmlns:a16="http://schemas.microsoft.com/office/drawing/2014/main" id="{8071A1D6-20DC-6372-8616-375F8BAD0FBC}"/>
+                <a16:creationId xmlns:a16="http://schemas.microsoft.com/office/drawing/2014/main" id="{FED975BA-2238-17D6-FF43-852294BD2FD5}"/>
               </a:ext>
             </a:extLst>
           </p:cNvPr>
@@ -4912,6 +5029,261 @@
             <a:fld id="{81D2C36F-4504-47C0-B82F-A167342A2754}" type="slidenum">
               <a:rPr lang="en-US" smtClean="0"/>
               <a:t>10</a:t>
+            </a:fld>
+            <a:endParaRPr lang="en-US"/>
+          </a:p>
+        </p:txBody>
+      </p:sp>
+      <p:sp>
+        <p:nvSpPr>
+          <p:cNvPr id="9" name="TekstSylinder 8">
+            <a:extLst>
+              <a:ext uri="{FF2B5EF4-FFF2-40B4-BE49-F238E27FC236}">
+                <a16:creationId xmlns:a16="http://schemas.microsoft.com/office/drawing/2014/main" id="{CE1E41A5-51F5-A31F-F61E-9AA15A6470A4}"/>
+              </a:ext>
+            </a:extLst>
+          </p:cNvPr>
+          <p:cNvSpPr txBox="1"/>
+          <p:nvPr/>
+        </p:nvSpPr>
+        <p:spPr>
+          <a:xfrm>
+            <a:off x="3935636" y="3893022"/>
+            <a:ext cx="6557211" cy="369332"/>
+          </a:xfrm>
+          <a:prstGeom prst="rect">
+            <a:avLst/>
+          </a:prstGeom>
+          <a:noFill/>
+        </p:spPr>
+        <p:txBody>
+          <a:bodyPr wrap="square" rtlCol="0">
+            <a:spAutoFit/>
+          </a:bodyPr>
+          <a:lstStyle/>
+          <a:p>
+            <a:r>
+              <a:rPr lang="nb-NO" dirty="0">
+                <a:solidFill>
+                  <a:schemeClr val="accent1"/>
+                </a:solidFill>
+              </a:rPr>
+              <a:t>w er en tilfeldig valgt vektor med vekter </a:t>
+            </a:r>
+          </a:p>
+        </p:txBody>
+      </p:sp>
+      <p:pic>
+        <p:nvPicPr>
+          <p:cNvPr id="3" name="Bilde 2">
+            <a:extLst>
+              <a:ext uri="{FF2B5EF4-FFF2-40B4-BE49-F238E27FC236}">
+                <a16:creationId xmlns:a16="http://schemas.microsoft.com/office/drawing/2014/main" id="{31363B64-CF0C-9F61-4F00-F25F35F0DB93}"/>
+              </a:ext>
+            </a:extLst>
+          </p:cNvPr>
+          <p:cNvPicPr>
+            <a:picLocks noChangeAspect="1"/>
+          </p:cNvPicPr>
+          <p:nvPr/>
+        </p:nvPicPr>
+        <p:blipFill>
+          <a:blip r:embed="rId3"/>
+          <a:stretch>
+            <a:fillRect/>
+          </a:stretch>
+        </p:blipFill>
+        <p:spPr>
+          <a:xfrm>
+            <a:off x="3935635" y="2091306"/>
+            <a:ext cx="3744291" cy="1580582"/>
+          </a:xfrm>
+          <a:prstGeom prst="rect">
+            <a:avLst/>
+          </a:prstGeom>
+        </p:spPr>
+      </p:pic>
+      <p:sp>
+        <p:nvSpPr>
+          <p:cNvPr id="10" name="TekstSylinder 9">
+            <a:extLst>
+              <a:ext uri="{FF2B5EF4-FFF2-40B4-BE49-F238E27FC236}">
+                <a16:creationId xmlns:a16="http://schemas.microsoft.com/office/drawing/2014/main" id="{FBCD6E44-0619-543E-E923-278BC2BBCAE0}"/>
+              </a:ext>
+            </a:extLst>
+          </p:cNvPr>
+          <p:cNvSpPr txBox="1"/>
+          <p:nvPr/>
+        </p:nvSpPr>
+        <p:spPr>
+          <a:xfrm>
+            <a:off x="7964905" y="2382253"/>
+            <a:ext cx="1505540" cy="646331"/>
+          </a:xfrm>
+          <a:prstGeom prst="rect">
+            <a:avLst/>
+          </a:prstGeom>
+          <a:noFill/>
+        </p:spPr>
+        <p:txBody>
+          <a:bodyPr wrap="none" rtlCol="0">
+            <a:spAutoFit/>
+          </a:bodyPr>
+          <a:lstStyle/>
+          <a:p>
+            <a:r>
+              <a:rPr lang="nb-NO" dirty="0"/>
+              <a:t>y = 1 = rose</a:t>
+            </a:r>
+          </a:p>
+          <a:p>
+            <a:r>
+              <a:rPr lang="nb-NO" dirty="0"/>
+              <a:t>y = 2 = tulipan </a:t>
+            </a:r>
+          </a:p>
+        </p:txBody>
+      </p:sp>
+    </p:spTree>
+    <p:extLst>
+      <p:ext uri="{BB962C8B-B14F-4D97-AF65-F5344CB8AC3E}">
+        <p14:creationId xmlns:p14="http://schemas.microsoft.com/office/powerpoint/2010/main" val="4235522582"/>
+      </p:ext>
+    </p:extLst>
+  </p:cSld>
+  <p:clrMapOvr>
+    <a:masterClrMapping/>
+  </p:clrMapOvr>
+</p:sld>
+</file>
+
+<file path=ppt/slides/slide11.xml><?xml version="1.0" encoding="utf-8"?>
+<p:sld xmlns:a="http://schemas.openxmlformats.org/drawingml/2006/main" xmlns:r="http://schemas.openxmlformats.org/officeDocument/2006/relationships" xmlns:p="http://schemas.openxmlformats.org/presentationml/2006/main">
+  <p:cSld>
+    <p:spTree>
+      <p:nvGrpSpPr>
+        <p:cNvPr id="1" name=""/>
+        <p:cNvGrpSpPr/>
+        <p:nvPr/>
+      </p:nvGrpSpPr>
+      <p:grpSpPr>
+        <a:xfrm>
+          <a:off x="0" y="0"/>
+          <a:ext cx="0" cy="0"/>
+          <a:chOff x="0" y="0"/>
+          <a:chExt cx="0" cy="0"/>
+        </a:xfrm>
+      </p:grpSpPr>
+      <p:sp>
+        <p:nvSpPr>
+          <p:cNvPr id="2" name="Tittel 1">
+            <a:extLst>
+              <a:ext uri="{FF2B5EF4-FFF2-40B4-BE49-F238E27FC236}">
+                <a16:creationId xmlns:a16="http://schemas.microsoft.com/office/drawing/2014/main" id="{57FB405D-A07A-0977-E1ED-ADC243BD6748}"/>
+              </a:ext>
+            </a:extLst>
+          </p:cNvPr>
+          <p:cNvSpPr>
+            <a:spLocks noGrp="1"/>
+          </p:cNvSpPr>
+          <p:nvPr>
+            <p:ph type="title"/>
+          </p:nvPr>
+        </p:nvSpPr>
+        <p:spPr/>
+        <p:txBody>
+          <a:bodyPr/>
+          <a:lstStyle/>
+          <a:p>
+            <a:r>
+              <a:rPr lang="nb-NO" dirty="0" err="1"/>
+              <a:t>Adaline</a:t>
+            </a:r>
+            <a:r>
+              <a:rPr lang="nb-NO" dirty="0"/>
+              <a:t> – Adaptive Linear Neuron</a:t>
+            </a:r>
+          </a:p>
+        </p:txBody>
+      </p:sp>
+      <p:sp>
+        <p:nvSpPr>
+          <p:cNvPr id="4" name="Plassholder for dato 3">
+            <a:extLst>
+              <a:ext uri="{FF2B5EF4-FFF2-40B4-BE49-F238E27FC236}">
+                <a16:creationId xmlns:a16="http://schemas.microsoft.com/office/drawing/2014/main" id="{FD21E666-42AA-E5F4-E3AC-92A39C6577F8}"/>
+              </a:ext>
+            </a:extLst>
+          </p:cNvPr>
+          <p:cNvSpPr>
+            <a:spLocks noGrp="1"/>
+          </p:cNvSpPr>
+          <p:nvPr>
+            <p:ph type="dt" sz="half" idx="10"/>
+          </p:nvPr>
+        </p:nvSpPr>
+        <p:spPr/>
+        <p:txBody>
+          <a:bodyPr/>
+          <a:lstStyle/>
+          <a:p>
+            <a:fld id="{BE0A88F0-556B-4BB7-8AAB-D63AEB65C662}" type="datetime1">
+              <a:rPr lang="en-US" smtClean="0"/>
+              <a:t>3/19/24</a:t>
+            </a:fld>
+            <a:endParaRPr lang="en-US"/>
+          </a:p>
+        </p:txBody>
+      </p:sp>
+      <p:sp>
+        <p:nvSpPr>
+          <p:cNvPr id="5" name="Plassholder for bunntekst 4">
+            <a:extLst>
+              <a:ext uri="{FF2B5EF4-FFF2-40B4-BE49-F238E27FC236}">
+                <a16:creationId xmlns:a16="http://schemas.microsoft.com/office/drawing/2014/main" id="{8DFDC586-6F3E-289D-7995-E0D57AC63C1C}"/>
+              </a:ext>
+            </a:extLst>
+          </p:cNvPr>
+          <p:cNvSpPr>
+            <a:spLocks noGrp="1"/>
+          </p:cNvSpPr>
+          <p:nvPr>
+            <p:ph type="ftr" sz="quarter" idx="11"/>
+          </p:nvPr>
+        </p:nvSpPr>
+        <p:spPr/>
+        <p:txBody>
+          <a:bodyPr/>
+          <a:lstStyle/>
+          <a:p>
+            <a:endParaRPr lang="en-US"/>
+          </a:p>
+        </p:txBody>
+      </p:sp>
+      <p:sp>
+        <p:nvSpPr>
+          <p:cNvPr id="6" name="Plassholder for lysbildenummer 5">
+            <a:extLst>
+              <a:ext uri="{FF2B5EF4-FFF2-40B4-BE49-F238E27FC236}">
+                <a16:creationId xmlns:a16="http://schemas.microsoft.com/office/drawing/2014/main" id="{8071A1D6-20DC-6372-8616-375F8BAD0FBC}"/>
+              </a:ext>
+            </a:extLst>
+          </p:cNvPr>
+          <p:cNvSpPr>
+            <a:spLocks noGrp="1"/>
+          </p:cNvSpPr>
+          <p:nvPr>
+            <p:ph type="sldNum" sz="quarter" idx="12"/>
+          </p:nvPr>
+        </p:nvSpPr>
+        <p:spPr/>
+        <p:txBody>
+          <a:bodyPr/>
+          <a:lstStyle/>
+          <a:p>
+            <a:fld id="{81D2C36F-4504-47C0-B82F-A167342A2754}" type="slidenum">
+              <a:rPr lang="en-US" smtClean="0"/>
+              <a:t>11</a:t>
             </a:fld>
             <a:endParaRPr lang="en-US"/>
           </a:p>
@@ -4979,7 +5351,7 @@
 </p:sld>
 </file>
 
-<file path=ppt/slides/slide11.xml><?xml version="1.0" encoding="utf-8"?>
+<file path=ppt/slides/slide12.xml><?xml version="1.0" encoding="utf-8"?>
 <p:sld xmlns:a="http://schemas.openxmlformats.org/drawingml/2006/main" xmlns:r="http://schemas.openxmlformats.org/officeDocument/2006/relationships" xmlns:p="http://schemas.openxmlformats.org/presentationml/2006/main">
   <p:cSld>
     <p:spTree>
@@ -5051,7 +5423,7 @@
           <a:p>
             <a:fld id="{BE0A88F0-556B-4BB7-8AAB-D63AEB65C662}" type="datetime1">
               <a:rPr lang="en-US" smtClean="0"/>
-              <a:t>3/18/24</a:t>
+              <a:t>3/19/24</a:t>
             </a:fld>
             <a:endParaRPr lang="en-US"/>
           </a:p>
@@ -5105,7 +5477,7 @@
           <a:p>
             <a:fld id="{81D2C36F-4504-47C0-B82F-A167342A2754}" type="slidenum">
               <a:rPr lang="en-US" smtClean="0"/>
-              <a:t>11</a:t>
+              <a:t>12</a:t>
             </a:fld>
             <a:endParaRPr lang="en-US"/>
           </a:p>
@@ -5203,7 +5575,7 @@
 </p:sld>
 </file>
 
-<file path=ppt/slides/slide12.xml><?xml version="1.0" encoding="utf-8"?>
+<file path=ppt/slides/slide13.xml><?xml version="1.0" encoding="utf-8"?>
 <p:sld xmlns:a="http://schemas.openxmlformats.org/drawingml/2006/main" xmlns:r="http://schemas.openxmlformats.org/officeDocument/2006/relationships" xmlns:p="http://schemas.openxmlformats.org/presentationml/2006/main">
   <p:cSld>
     <p:spTree>
@@ -5275,7 +5647,7 @@
           <a:p>
             <a:fld id="{BE0A88F0-556B-4BB7-8AAB-D63AEB65C662}" type="datetime1">
               <a:rPr lang="en-US" smtClean="0"/>
-              <a:t>3/18/24</a:t>
+              <a:t>3/19/24</a:t>
             </a:fld>
             <a:endParaRPr lang="en-US"/>
           </a:p>
@@ -5329,7 +5701,7 @@
           <a:p>
             <a:fld id="{81D2C36F-4504-47C0-B82F-A167342A2754}" type="slidenum">
               <a:rPr lang="en-US" smtClean="0"/>
-              <a:t>12</a:t>
+              <a:t>13</a:t>
             </a:fld>
             <a:endParaRPr lang="en-US"/>
           </a:p>
@@ -5397,7 +5769,7 @@
 </p:sld>
 </file>
 
-<file path=ppt/slides/slide13.xml><?xml version="1.0" encoding="utf-8"?>
+<file path=ppt/slides/slide14.xml><?xml version="1.0" encoding="utf-8"?>
 <p:sld xmlns:a="http://schemas.openxmlformats.org/drawingml/2006/main" xmlns:r="http://schemas.openxmlformats.org/officeDocument/2006/relationships" xmlns:p="http://schemas.openxmlformats.org/presentationml/2006/main">
   <p:cSld>
     <p:spTree>
@@ -5469,7 +5841,7 @@
           <a:p>
             <a:fld id="{BE0A88F0-556B-4BB7-8AAB-D63AEB65C662}" type="datetime1">
               <a:rPr lang="en-US" smtClean="0"/>
-              <a:t>3/18/24</a:t>
+              <a:t>3/19/24</a:t>
             </a:fld>
             <a:endParaRPr lang="en-US"/>
           </a:p>
@@ -5523,7 +5895,7 @@
           <a:p>
             <a:fld id="{81D2C36F-4504-47C0-B82F-A167342A2754}" type="slidenum">
               <a:rPr lang="en-US" smtClean="0"/>
-              <a:t>13</a:t>
+              <a:t>14</a:t>
             </a:fld>
             <a:endParaRPr lang="en-US"/>
           </a:p>
@@ -5610,10 +5982,10 @@
       </p:pic>
       <p:pic>
         <p:nvPicPr>
-          <p:cNvPr id="7" name="Bilde 6">
-            <a:extLst>
-              <a:ext uri="{FF2B5EF4-FFF2-40B4-BE49-F238E27FC236}">
-                <a16:creationId xmlns:a16="http://schemas.microsoft.com/office/drawing/2014/main" id="{6A3BFEB3-9AD7-A223-7B51-CAB2FF03EB5A}"/>
+          <p:cNvPr id="8" name="Bilde 7">
+            <a:extLst>
+              <a:ext uri="{FF2B5EF4-FFF2-40B4-BE49-F238E27FC236}">
+                <a16:creationId xmlns:a16="http://schemas.microsoft.com/office/drawing/2014/main" id="{AF503D85-7441-906B-13EC-9509E89777DA}"/>
               </a:ext>
             </a:extLst>
           </p:cNvPr>
@@ -5630,8 +6002,8 @@
         </p:blipFill>
         <p:spPr>
           <a:xfrm>
-            <a:off x="8881396" y="3613859"/>
-            <a:ext cx="1706910" cy="500941"/>
+            <a:off x="8879100" y="3649133"/>
+            <a:ext cx="1099258" cy="321734"/>
           </a:xfrm>
           <a:prstGeom prst="rect">
             <a:avLst/>
@@ -5651,7 +6023,7 @@
 </p:sld>
 </file>
 
-<file path=ppt/slides/slide14.xml><?xml version="1.0" encoding="utf-8"?>
+<file path=ppt/slides/slide15.xml><?xml version="1.0" encoding="utf-8"?>
 <p:sld xmlns:a="http://schemas.openxmlformats.org/drawingml/2006/main" xmlns:r="http://schemas.openxmlformats.org/officeDocument/2006/relationships" xmlns:p="http://schemas.openxmlformats.org/presentationml/2006/main">
   <p:cSld>
     <p:spTree>
@@ -5774,26 +6146,6 @@
               <a:t>https://github.com/Eik-Lab/ML-workshop-2024</a:t>
             </a:r>
           </a:p>
-          <a:p>
-            <a:pPr marL="0" indent="0">
-              <a:buNone/>
-            </a:pPr>
-            <a:r>
-              <a:rPr lang="nb-NO" dirty="0">
-                <a:solidFill>
-                  <a:srgbClr val="C37400"/>
-                </a:solidFill>
-              </a:rPr>
-              <a:t>https://www.kaggle.com/competitions/spaceship-titanic-eik-lab/</a:t>
-            </a:r>
-            <a:endParaRPr lang="nb-NO" dirty="0"/>
-          </a:p>
-          <a:p>
-            <a:pPr marL="0" indent="0">
-              <a:buNone/>
-            </a:pPr>
-            <a:endParaRPr lang="nb-NO" dirty="0"/>
-          </a:p>
         </p:txBody>
       </p:sp>
       <p:sp>
@@ -5819,7 +6171,7 @@
           <a:p>
             <a:fld id="{BE0A88F0-556B-4BB7-8AAB-D63AEB65C662}" type="datetime1">
               <a:rPr lang="en-US" smtClean="0"/>
-              <a:t>3/18/24</a:t>
+              <a:t>3/19/24</a:t>
             </a:fld>
             <a:endParaRPr lang="en-US"/>
           </a:p>
@@ -5873,7 +6225,7 @@
           <a:p>
             <a:fld id="{81D2C36F-4504-47C0-B82F-A167342A2754}" type="slidenum">
               <a:rPr lang="en-US" smtClean="0"/>
-              <a:t>14</a:t>
+              <a:t>15</a:t>
             </a:fld>
             <a:endParaRPr lang="en-US"/>
           </a:p>
@@ -5922,7 +6274,7 @@
 </p:sld>
 </file>
 
-<file path=ppt/slides/slide15.xml><?xml version="1.0" encoding="utf-8"?>
+<file path=ppt/slides/slide16.xml><?xml version="1.0" encoding="utf-8"?>
 <p:sld xmlns:a="http://schemas.openxmlformats.org/drawingml/2006/main" xmlns:r="http://schemas.openxmlformats.org/officeDocument/2006/relationships" xmlns:p="http://schemas.openxmlformats.org/presentationml/2006/main">
   <p:cSld>
     <p:spTree>
@@ -6022,7 +6374,7 @@
           <a:p>
             <a:fld id="{BE0A88F0-556B-4BB7-8AAB-D63AEB65C662}" type="datetime1">
               <a:rPr lang="en-US" smtClean="0"/>
-              <a:t>3/18/24</a:t>
+              <a:t>3/19/24</a:t>
             </a:fld>
             <a:endParaRPr lang="en-US"/>
           </a:p>
@@ -6076,7 +6428,7 @@
           <a:p>
             <a:fld id="{81D2C36F-4504-47C0-B82F-A167342A2754}" type="slidenum">
               <a:rPr lang="en-US" smtClean="0"/>
-              <a:t>15</a:t>
+              <a:t>16</a:t>
             </a:fld>
             <a:endParaRPr lang="en-US"/>
           </a:p>
@@ -6229,7 +6581,7 @@
           <a:p>
             <a:fld id="{BE0A88F0-556B-4BB7-8AAB-D63AEB65C662}" type="datetime1">
               <a:rPr lang="en-US" smtClean="0"/>
-              <a:t>3/18/24</a:t>
+              <a:t>3/19/24</a:t>
             </a:fld>
             <a:endParaRPr lang="en-US"/>
           </a:p>
@@ -6382,7 +6734,14 @@
                 <a:effectLst/>
                 <a:latin typeface="Calibri" panose="020F0502020204030204" pitchFamily="34" charset="0"/>
               </a:rPr>
-              <a:t>Maskinlæring er en gren av kunstig intelligens (AI) som fokuserer på utviklingen av algoritmer og teknikker som gjør datamaskiner i stand til å lære fra og utføre oppgaver uten å være eksplisitt programmert for det. I stedet for å følge strenge instruksjoner, kan maskinlæringsalgoritmer analysere store mengder data, identifisere mønstre og trekke konklusjoner basert på disse mønstrene.»</a:t>
+              <a:t>Maskinlæring er en gren av kunstig intelligens (AI) som fokuserer på utviklingen av algoritmer og teknikker som gjør datamaskiner i stand til å lære fra og utføre oppgaver uten å være eksplisitt programmert for det. I stedet for å følge strenge instruksjoner, kan maskinlæringsalgoritmer analysere store mengder data, identifisere mønstre og trekke konklusjoner basert på disse mønstrene.» -</a:t>
+            </a:r>
+            <a:r>
+              <a:rPr lang="nb-NO" sz="2400" i="1" dirty="0" err="1">
+                <a:effectLst/>
+                <a:latin typeface="Calibri" panose="020F0502020204030204" pitchFamily="34" charset="0"/>
+              </a:rPr>
+              <a:t>ChatGPT</a:t>
             </a:r>
             <a:endParaRPr lang="nb-NO" sz="2400" dirty="0"/>
           </a:p>
@@ -6411,7 +6770,7 @@
           <a:p>
             <a:fld id="{BE0A88F0-556B-4BB7-8AAB-D63AEB65C662}" type="datetime1">
               <a:rPr lang="en-US" smtClean="0"/>
-              <a:t>3/18/24</a:t>
+              <a:t>3/19/24</a:t>
             </a:fld>
             <a:endParaRPr lang="en-US"/>
           </a:p>
@@ -6656,7 +7015,7 @@
           <a:p>
             <a:fld id="{BE0A88F0-556B-4BB7-8AAB-D63AEB65C662}" type="datetime1">
               <a:rPr lang="en-US" smtClean="0"/>
-              <a:t>3/18/24</a:t>
+              <a:t>3/19/24</a:t>
             </a:fld>
             <a:endParaRPr lang="en-US"/>
           </a:p>
@@ -6751,7 +7110,7 @@
           <p:cNvPr id="2" name="Tittel 1">
             <a:extLst>
               <a:ext uri="{FF2B5EF4-FFF2-40B4-BE49-F238E27FC236}">
-                <a16:creationId xmlns:a16="http://schemas.microsoft.com/office/drawing/2014/main" id="{DE619BA3-9285-5338-2220-B6CBF4644F48}"/>
+                <a16:creationId xmlns:a16="http://schemas.microsoft.com/office/drawing/2014/main" id="{D1980A1F-F668-52F3-896C-BB07358A86F1}"/>
               </a:ext>
             </a:extLst>
           </p:cNvPr>
@@ -6769,7 +7128,7 @@
           <a:p>
             <a:r>
               <a:rPr lang="nb-NO" dirty="0"/>
-              <a:t>Data – preprosessering </a:t>
+              <a:t>Maskinlæringsmodell</a:t>
             </a:r>
           </a:p>
         </p:txBody>
@@ -6779,7 +7138,7 @@
           <p:cNvPr id="3" name="Plassholder for innhold 2">
             <a:extLst>
               <a:ext uri="{FF2B5EF4-FFF2-40B4-BE49-F238E27FC236}">
-                <a16:creationId xmlns:a16="http://schemas.microsoft.com/office/drawing/2014/main" id="{5A7AC557-E147-90B0-56A5-3B05508FCA5E}"/>
+                <a16:creationId xmlns:a16="http://schemas.microsoft.com/office/drawing/2014/main" id="{6AFD2BA7-3326-7986-E75B-660A65374F5C}"/>
               </a:ext>
             </a:extLst>
           </p:cNvPr>
@@ -6792,73 +7151,56 @@
         </p:nvSpPr>
         <p:spPr/>
         <p:txBody>
-          <a:bodyPr>
-            <a:normAutofit fontScale="85000" lnSpcReduction="20000"/>
-          </a:bodyPr>
-          <a:lstStyle/>
-          <a:p>
-            <a:r>
-              <a:rPr lang="nb-NO" b="1" dirty="0"/>
-              <a:t>Dårlig data = dårlig modell </a:t>
-            </a:r>
-          </a:p>
-          <a:p>
+          <a:bodyPr/>
+          <a:lstStyle/>
+          <a:p>
+            <a:pPr marL="342900" indent="-342900">
+              <a:buFont typeface="+mj-lt"/>
+              <a:buAutoNum type="arabicPeriod"/>
+            </a:pPr>
             <a:r>
               <a:rPr lang="nb-NO" dirty="0"/>
-              <a:t>Datasett kan inneholde</a:t>
-            </a:r>
-          </a:p>
-          <a:p>
-            <a:pPr lvl="1"/>
+              <a:t>Databehandling </a:t>
+            </a:r>
+          </a:p>
+          <a:p>
+            <a:pPr marL="342900" indent="-342900">
+              <a:buFont typeface="+mj-lt"/>
+              <a:buAutoNum type="arabicPeriod"/>
+            </a:pPr>
             <a:r>
               <a:rPr lang="nb-NO" dirty="0"/>
-              <a:t>Feil </a:t>
-            </a:r>
-          </a:p>
-          <a:p>
-            <a:pPr lvl="1"/>
-            <a:r>
-              <a:rPr lang="nb-NO" dirty="0" err="1"/>
-              <a:t>Outliers</a:t>
-            </a:r>
-            <a:endParaRPr lang="nb-NO" dirty="0"/>
-          </a:p>
-          <a:p>
-            <a:pPr lvl="1"/>
+              <a:t>Velge maskinlæringsalgoritme </a:t>
+            </a:r>
+          </a:p>
+          <a:p>
+            <a:pPr marL="342900" indent="-342900">
+              <a:buFont typeface="+mj-lt"/>
+              <a:buAutoNum type="arabicPeriod"/>
+            </a:pPr>
             <a:r>
               <a:rPr lang="nb-NO" dirty="0"/>
-              <a:t>Inkonsistente verdier </a:t>
-            </a:r>
-          </a:p>
-          <a:p>
-            <a:pPr lvl="1"/>
+              <a:t>Velge hyperparametere </a:t>
+            </a:r>
+          </a:p>
+          <a:p>
+            <a:pPr marL="342900" indent="-342900">
+              <a:buFont typeface="+mj-lt"/>
+              <a:buAutoNum type="arabicPeriod"/>
+            </a:pPr>
             <a:r>
               <a:rPr lang="nb-NO" dirty="0"/>
-              <a:t>Irrelevante verdier </a:t>
-            </a:r>
-          </a:p>
-          <a:p>
+              <a:t>Trene maskinlæringsmodellen ved å slå sammen data, algoritme og hyperparametere</a:t>
+            </a:r>
+          </a:p>
+          <a:p>
+            <a:pPr marL="342900" indent="-342900">
+              <a:buFont typeface="+mj-lt"/>
+              <a:buAutoNum type="arabicPeriod"/>
+            </a:pPr>
             <a:r>
               <a:rPr lang="nb-NO" dirty="0"/>
-              <a:t>Splitte variabler for mer informasjon</a:t>
-            </a:r>
-          </a:p>
-          <a:p>
-            <a:r>
-              <a:rPr lang="nb-NO" dirty="0"/>
-              <a:t>Dimensjonsreduksjon </a:t>
-            </a:r>
-          </a:p>
-          <a:p>
-            <a:r>
-              <a:rPr lang="nb-NO" dirty="0"/>
-              <a:t>Normalisering og skalering </a:t>
-            </a:r>
-          </a:p>
-          <a:p>
-            <a:r>
-              <a:rPr lang="nb-NO" b="1" dirty="0"/>
-              <a:t>God data = effektiv, generalisert og nøyaktig modell </a:t>
+              <a:t>Bruke resultatet til å klassifisere ukjent data </a:t>
             </a:r>
           </a:p>
         </p:txBody>
@@ -6868,7 +7210,7 @@
           <p:cNvPr id="4" name="Plassholder for dato 3">
             <a:extLst>
               <a:ext uri="{FF2B5EF4-FFF2-40B4-BE49-F238E27FC236}">
-                <a16:creationId xmlns:a16="http://schemas.microsoft.com/office/drawing/2014/main" id="{A306EA8A-7EE7-FD0A-3FF0-DCD61E513FCC}"/>
+                <a16:creationId xmlns:a16="http://schemas.microsoft.com/office/drawing/2014/main" id="{33F497BC-67BC-8427-8BA1-3FCF577F74CA}"/>
               </a:ext>
             </a:extLst>
           </p:cNvPr>
@@ -6886,7 +7228,7 @@
           <a:p>
             <a:fld id="{BE0A88F0-556B-4BB7-8AAB-D63AEB65C662}" type="datetime1">
               <a:rPr lang="en-US" smtClean="0"/>
-              <a:t>3/18/24</a:t>
+              <a:t>3/19/24</a:t>
             </a:fld>
             <a:endParaRPr lang="en-US"/>
           </a:p>
@@ -6897,7 +7239,7 @@
           <p:cNvPr id="5" name="Plassholder for bunntekst 4">
             <a:extLst>
               <a:ext uri="{FF2B5EF4-FFF2-40B4-BE49-F238E27FC236}">
-                <a16:creationId xmlns:a16="http://schemas.microsoft.com/office/drawing/2014/main" id="{94C05292-BF8A-020F-83C1-D2F5C1D66D7A}"/>
+                <a16:creationId xmlns:a16="http://schemas.microsoft.com/office/drawing/2014/main" id="{0877BED6-2277-6690-898E-9CFDF8FB632F}"/>
               </a:ext>
             </a:extLst>
           </p:cNvPr>
@@ -6922,7 +7264,7 @@
           <p:cNvPr id="6" name="Plassholder for lysbildenummer 5">
             <a:extLst>
               <a:ext uri="{FF2B5EF4-FFF2-40B4-BE49-F238E27FC236}">
-                <a16:creationId xmlns:a16="http://schemas.microsoft.com/office/drawing/2014/main" id="{76B8AC64-5F26-4656-86A3-E1131C9B8DF6}"/>
+                <a16:creationId xmlns:a16="http://schemas.microsoft.com/office/drawing/2014/main" id="{20348EE9-5E5E-FF41-F290-D7D39F76460B}"/>
               </a:ext>
             </a:extLst>
           </p:cNvPr>
@@ -6949,7 +7291,7 @@
     </p:spTree>
     <p:extLst>
       <p:ext uri="{BB962C8B-B14F-4D97-AF65-F5344CB8AC3E}">
-        <p14:creationId xmlns:p14="http://schemas.microsoft.com/office/powerpoint/2010/main" val="2635031839"/>
+        <p14:creationId xmlns:p14="http://schemas.microsoft.com/office/powerpoint/2010/main" val="1708421157"/>
       </p:ext>
     </p:extLst>
   </p:cSld>
@@ -6981,7 +7323,7 @@
           <p:cNvPr id="2" name="Tittel 1">
             <a:extLst>
               <a:ext uri="{FF2B5EF4-FFF2-40B4-BE49-F238E27FC236}">
-                <a16:creationId xmlns:a16="http://schemas.microsoft.com/office/drawing/2014/main" id="{CD6D94D0-E26E-0818-A67F-793FC73D7FD5}"/>
+                <a16:creationId xmlns:a16="http://schemas.microsoft.com/office/drawing/2014/main" id="{DE619BA3-9285-5338-2220-B6CBF4644F48}"/>
               </a:ext>
             </a:extLst>
           </p:cNvPr>
@@ -6999,7 +7341,7 @@
           <a:p>
             <a:r>
               <a:rPr lang="nb-NO" dirty="0"/>
-              <a:t>Maskinlæringsalgoritmer </a:t>
+              <a:t>Data – preprosessering </a:t>
             </a:r>
           </a:p>
         </p:txBody>
@@ -7009,7 +7351,7 @@
           <p:cNvPr id="3" name="Plassholder for innhold 2">
             <a:extLst>
               <a:ext uri="{FF2B5EF4-FFF2-40B4-BE49-F238E27FC236}">
-                <a16:creationId xmlns:a16="http://schemas.microsoft.com/office/drawing/2014/main" id="{F4FC6328-8AFD-7FDB-E633-3CE0F30BA18B}"/>
+                <a16:creationId xmlns:a16="http://schemas.microsoft.com/office/drawing/2014/main" id="{5A7AC557-E147-90B0-56A5-3B05508FCA5E}"/>
               </a:ext>
             </a:extLst>
           </p:cNvPr>
@@ -7020,121 +7362,87 @@
             <p:ph idx="1"/>
           </p:nvPr>
         </p:nvSpPr>
-        <p:spPr/>
+        <p:spPr>
+          <a:xfrm>
+            <a:off x="838199" y="2108595"/>
+            <a:ext cx="9527275" cy="3868872"/>
+          </a:xfrm>
+        </p:spPr>
         <p:txBody>
           <a:bodyPr>
-            <a:normAutofit fontScale="92500" lnSpcReduction="10000"/>
+            <a:normAutofit fontScale="77500" lnSpcReduction="20000"/>
           </a:bodyPr>
           <a:lstStyle/>
           <a:p>
             <a:r>
+              <a:rPr lang="nb-NO" b="1" dirty="0"/>
+              <a:t>Dårlig data = dårlig modell </a:t>
+            </a:r>
+          </a:p>
+          <a:p>
+            <a:r>
+              <a:rPr lang="nb-NO" dirty="0"/>
+              <a:t>Datasett kan inneholde</a:t>
+            </a:r>
+          </a:p>
+          <a:p>
+            <a:pPr lvl="1"/>
+            <a:r>
+              <a:rPr lang="nb-NO" dirty="0"/>
+              <a:t>Feil </a:t>
+            </a:r>
+          </a:p>
+          <a:p>
+            <a:pPr lvl="1"/>
+            <a:r>
+              <a:rPr lang="nb-NO" dirty="0"/>
+              <a:t>Manglende verdier</a:t>
+            </a:r>
+          </a:p>
+          <a:p>
+            <a:pPr lvl="1"/>
+            <a:r>
               <a:rPr lang="nb-NO" dirty="0" err="1"/>
-              <a:t>Perceptron</a:t>
+              <a:t>Outliers</a:t>
             </a:r>
             <a:endParaRPr lang="nb-NO" dirty="0"/>
           </a:p>
           <a:p>
-            <a:r>
-              <a:rPr lang="nb-NO" dirty="0" err="1"/>
-              <a:t>Adaline</a:t>
-            </a:r>
-            <a:endParaRPr lang="nb-NO" dirty="0"/>
-          </a:p>
-          <a:p>
-            <a:r>
-              <a:rPr lang="nb-NO" dirty="0" err="1"/>
-              <a:t>Logistic</a:t>
-            </a:r>
+            <a:pPr lvl="1"/>
             <a:r>
               <a:rPr lang="nb-NO" dirty="0"/>
-              <a:t> </a:t>
-            </a:r>
-            <a:r>
-              <a:rPr lang="nb-NO" dirty="0" err="1"/>
-              <a:t>regression</a:t>
-            </a:r>
+              <a:t>Inkonsistente verdier </a:t>
+            </a:r>
+          </a:p>
+          <a:p>
+            <a:pPr lvl="1"/>
             <a:r>
               <a:rPr lang="nb-NO" dirty="0"/>
-              <a:t> </a:t>
+              <a:t>Irrelevante verdier </a:t>
             </a:r>
           </a:p>
           <a:p>
             <a:r>
               <a:rPr lang="nb-NO" dirty="0"/>
-              <a:t>Support </a:t>
-            </a:r>
-            <a:r>
-              <a:rPr lang="nb-NO" dirty="0" err="1"/>
-              <a:t>vector</a:t>
-            </a:r>
+              <a:t>Splitte variabler for mer informasjon</a:t>
+            </a:r>
+          </a:p>
+          <a:p>
             <a:r>
               <a:rPr lang="nb-NO" dirty="0"/>
-              <a:t> </a:t>
-            </a:r>
-            <a:r>
-              <a:rPr lang="nb-NO" dirty="0" err="1"/>
-              <a:t>machine</a:t>
-            </a:r>
+              <a:t>Dimensjonsreduksjon </a:t>
+            </a:r>
+          </a:p>
+          <a:p>
             <a:r>
               <a:rPr lang="nb-NO" dirty="0"/>
-              <a:t> (SVM)</a:t>
-            </a:r>
-          </a:p>
-          <a:p>
-            <a:r>
-              <a:rPr lang="nb-NO" dirty="0"/>
-              <a:t>K-</a:t>
-            </a:r>
-            <a:r>
-              <a:rPr lang="nb-NO" dirty="0" err="1"/>
-              <a:t>nearest</a:t>
-            </a:r>
-            <a:r>
-              <a:rPr lang="nb-NO" dirty="0"/>
-              <a:t> </a:t>
-            </a:r>
-            <a:r>
-              <a:rPr lang="nb-NO" dirty="0" err="1"/>
-              <a:t>neighbour</a:t>
-            </a:r>
-            <a:r>
-              <a:rPr lang="nb-NO" dirty="0"/>
-              <a:t> </a:t>
-            </a:r>
-          </a:p>
-          <a:p>
-            <a:r>
-              <a:rPr lang="nb-NO" dirty="0" err="1"/>
-              <a:t>Decision</a:t>
-            </a:r>
-            <a:r>
-              <a:rPr lang="nb-NO" dirty="0"/>
-              <a:t> </a:t>
-            </a:r>
-            <a:r>
-              <a:rPr lang="nb-NO" dirty="0" err="1"/>
-              <a:t>trees</a:t>
-            </a:r>
-            <a:endParaRPr lang="nb-NO" dirty="0"/>
-          </a:p>
-          <a:p>
-            <a:r>
-              <a:rPr lang="nb-NO" dirty="0"/>
-              <a:t>Random </a:t>
-            </a:r>
-            <a:r>
-              <a:rPr lang="nb-NO" dirty="0" err="1"/>
-              <a:t>forest</a:t>
-            </a:r>
-            <a:r>
-              <a:rPr lang="nb-NO" dirty="0"/>
-              <a:t> </a:t>
-            </a:r>
-          </a:p>
-          <a:p>
-            <a:r>
-              <a:rPr lang="nb-NO" dirty="0"/>
-              <a:t>Forskjellige typer regresjon</a:t>
+              <a:t>Normalisering og skalering </a:t>
+            </a:r>
+          </a:p>
+          <a:p>
+            <a:r>
+              <a:rPr lang="nb-NO" b="1" dirty="0"/>
+              <a:t>God data = effektiv, generalisert og nøyaktig modell </a:t>
             </a:r>
           </a:p>
         </p:txBody>
@@ -7144,7 +7452,7 @@
           <p:cNvPr id="4" name="Plassholder for dato 3">
             <a:extLst>
               <a:ext uri="{FF2B5EF4-FFF2-40B4-BE49-F238E27FC236}">
-                <a16:creationId xmlns:a16="http://schemas.microsoft.com/office/drawing/2014/main" id="{7263311D-4907-4B3B-4047-085A98641C60}"/>
+                <a16:creationId xmlns:a16="http://schemas.microsoft.com/office/drawing/2014/main" id="{A306EA8A-7EE7-FD0A-3FF0-DCD61E513FCC}"/>
               </a:ext>
             </a:extLst>
           </p:cNvPr>
@@ -7162,7 +7470,7 @@
           <a:p>
             <a:fld id="{BE0A88F0-556B-4BB7-8AAB-D63AEB65C662}" type="datetime1">
               <a:rPr lang="en-US" smtClean="0"/>
-              <a:t>3/18/24</a:t>
+              <a:t>3/19/24</a:t>
             </a:fld>
             <a:endParaRPr lang="en-US"/>
           </a:p>
@@ -7173,7 +7481,7 @@
           <p:cNvPr id="5" name="Plassholder for bunntekst 4">
             <a:extLst>
               <a:ext uri="{FF2B5EF4-FFF2-40B4-BE49-F238E27FC236}">
-                <a16:creationId xmlns:a16="http://schemas.microsoft.com/office/drawing/2014/main" id="{188C0D38-D182-6E50-3BCB-77AA1AEFAA16}"/>
+                <a16:creationId xmlns:a16="http://schemas.microsoft.com/office/drawing/2014/main" id="{94C05292-BF8A-020F-83C1-D2F5C1D66D7A}"/>
               </a:ext>
             </a:extLst>
           </p:cNvPr>
@@ -7198,7 +7506,7 @@
           <p:cNvPr id="6" name="Plassholder for lysbildenummer 5">
             <a:extLst>
               <a:ext uri="{FF2B5EF4-FFF2-40B4-BE49-F238E27FC236}">
-                <a16:creationId xmlns:a16="http://schemas.microsoft.com/office/drawing/2014/main" id="{3ACCC9BA-7E3B-E70F-908B-50929A98198D}"/>
+                <a16:creationId xmlns:a16="http://schemas.microsoft.com/office/drawing/2014/main" id="{76B8AC64-5F26-4656-86A3-E1131C9B8DF6}"/>
               </a:ext>
             </a:extLst>
           </p:cNvPr>
@@ -7222,10 +7530,40 @@
           </a:p>
         </p:txBody>
       </p:sp>
+      <p:pic>
+        <p:nvPicPr>
+          <p:cNvPr id="7" name="Bilde 6">
+            <a:extLst>
+              <a:ext uri="{FF2B5EF4-FFF2-40B4-BE49-F238E27FC236}">
+                <a16:creationId xmlns:a16="http://schemas.microsoft.com/office/drawing/2014/main" id="{B8661A50-B806-C6C0-06E9-ED853F825D66}"/>
+              </a:ext>
+            </a:extLst>
+          </p:cNvPr>
+          <p:cNvPicPr>
+            <a:picLocks noChangeAspect="1"/>
+          </p:cNvPicPr>
+          <p:nvPr/>
+        </p:nvPicPr>
+        <p:blipFill>
+          <a:blip r:embed="rId2"/>
+          <a:stretch>
+            <a:fillRect/>
+          </a:stretch>
+        </p:blipFill>
+        <p:spPr>
+          <a:xfrm>
+            <a:off x="6849296" y="2108595"/>
+            <a:ext cx="3744291" cy="1580582"/>
+          </a:xfrm>
+          <a:prstGeom prst="rect">
+            <a:avLst/>
+          </a:prstGeom>
+        </p:spPr>
+      </p:pic>
     </p:spTree>
     <p:extLst>
       <p:ext uri="{BB962C8B-B14F-4D97-AF65-F5344CB8AC3E}">
-        <p14:creationId xmlns:p14="http://schemas.microsoft.com/office/powerpoint/2010/main" val="3186762183"/>
+        <p14:creationId xmlns:p14="http://schemas.microsoft.com/office/powerpoint/2010/main" val="2635031839"/>
       </p:ext>
     </p:extLst>
   </p:cSld>
@@ -7257,7 +7595,7 @@
           <p:cNvPr id="2" name="Tittel 1">
             <a:extLst>
               <a:ext uri="{FF2B5EF4-FFF2-40B4-BE49-F238E27FC236}">
-                <a16:creationId xmlns:a16="http://schemas.microsoft.com/office/drawing/2014/main" id="{764A7624-8C06-BD00-2782-42ECA48FBAF3}"/>
+                <a16:creationId xmlns:a16="http://schemas.microsoft.com/office/drawing/2014/main" id="{CD6D94D0-E26E-0818-A67F-793FC73D7FD5}"/>
               </a:ext>
             </a:extLst>
           </p:cNvPr>
@@ -7275,7 +7613,7 @@
           <a:p>
             <a:r>
               <a:rPr lang="nb-NO" dirty="0"/>
-              <a:t>Hyperparametere </a:t>
+              <a:t>Maskinlæringsalgoritmer </a:t>
             </a:r>
           </a:p>
         </p:txBody>
@@ -7285,7 +7623,7 @@
           <p:cNvPr id="3" name="Plassholder for innhold 2">
             <a:extLst>
               <a:ext uri="{FF2B5EF4-FFF2-40B4-BE49-F238E27FC236}">
-                <a16:creationId xmlns:a16="http://schemas.microsoft.com/office/drawing/2014/main" id="{C5301581-D295-5040-74D1-9F879C769BB4}"/>
+                <a16:creationId xmlns:a16="http://schemas.microsoft.com/office/drawing/2014/main" id="{F4FC6328-8AFD-7FDB-E633-3CE0F30BA18B}"/>
               </a:ext>
             </a:extLst>
           </p:cNvPr>
@@ -7298,48 +7636,68 @@
         </p:nvSpPr>
         <p:spPr/>
         <p:txBody>
-          <a:bodyPr/>
-          <a:lstStyle/>
-          <a:p>
-            <a:r>
-              <a:rPr lang="nb-NO" dirty="0"/>
-              <a:t>Learning rate </a:t>
-            </a:r>
-          </a:p>
-          <a:p>
-            <a:r>
-              <a:rPr lang="nb-NO" dirty="0"/>
-              <a:t>Antall </a:t>
-            </a:r>
+          <a:bodyPr>
+            <a:normAutofit fontScale="92500" lnSpcReduction="10000"/>
+          </a:bodyPr>
+          <a:lstStyle/>
+          <a:p>
             <a:r>
               <a:rPr lang="nb-NO" dirty="0" err="1"/>
-              <a:t>epochs</a:t>
+              <a:t>Perceptron</a:t>
+            </a:r>
+            <a:endParaRPr lang="nb-NO" dirty="0"/>
+          </a:p>
+          <a:p>
+            <a:r>
+              <a:rPr lang="nb-NO" dirty="0" err="1"/>
+              <a:t>Adaline</a:t>
+            </a:r>
+            <a:endParaRPr lang="nb-NO" dirty="0"/>
+          </a:p>
+          <a:p>
+            <a:r>
+              <a:rPr lang="nb-NO" dirty="0" err="1"/>
+              <a:t>Logistic</a:t>
             </a:r>
             <a:r>
               <a:rPr lang="nb-NO" dirty="0"/>
               <a:t> </a:t>
             </a:r>
-          </a:p>
-          <a:p>
+            <a:r>
+              <a:rPr lang="nb-NO" dirty="0" err="1"/>
+              <a:t>regression</a:t>
+            </a:r>
             <a:r>
               <a:rPr lang="nb-NO" dirty="0"/>
-              <a:t>Regulariseringsparameter </a:t>
-            </a:r>
-          </a:p>
-          <a:p>
+              <a:t> </a:t>
+            </a:r>
+          </a:p>
+          <a:p>
+            <a:r>
+              <a:rPr lang="nb-NO" dirty="0"/>
+              <a:t>Support </a:t>
+            </a:r>
             <a:r>
               <a:rPr lang="nb-NO" dirty="0" err="1"/>
-              <a:t>Kerneltype</a:t>
+              <a:t>vector</a:t>
             </a:r>
             <a:r>
               <a:rPr lang="nb-NO" dirty="0"/>
-              <a:t> i SVM</a:t>
-            </a:r>
-          </a:p>
-          <a:p>
+              <a:t> </a:t>
+            </a:r>
+            <a:r>
+              <a:rPr lang="nb-NO" dirty="0" err="1"/>
+              <a:t>machine</a:t>
+            </a:r>
             <a:r>
               <a:rPr lang="nb-NO" dirty="0"/>
-              <a:t>Antall naboer i K-</a:t>
+              <a:t> (SVM)</a:t>
+            </a:r>
+          </a:p>
+          <a:p>
+            <a:r>
+              <a:rPr lang="nb-NO" dirty="0"/>
+              <a:t>K-</a:t>
             </a:r>
             <a:r>
               <a:rPr lang="nb-NO" dirty="0" err="1"/>
@@ -7351,7 +7709,7 @@
             </a:r>
             <a:r>
               <a:rPr lang="nb-NO" dirty="0" err="1"/>
-              <a:t>neighbours</a:t>
+              <a:t>neighbour</a:t>
             </a:r>
             <a:r>
               <a:rPr lang="nb-NO" dirty="0"/>
@@ -7360,12 +7718,8 @@
           </a:p>
           <a:p>
             <a:r>
-              <a:rPr lang="nb-NO" dirty="0"/>
-              <a:t>Antall trær og maksimum dybde på trær i </a:t>
-            </a:r>
-            <a:r>
               <a:rPr lang="nb-NO" dirty="0" err="1"/>
-              <a:t>decision</a:t>
+              <a:t>Decision</a:t>
             </a:r>
             <a:r>
               <a:rPr lang="nb-NO" dirty="0"/>
@@ -7375,9 +7729,12 @@
               <a:rPr lang="nb-NO" dirty="0" err="1"/>
               <a:t>trees</a:t>
             </a:r>
+            <a:endParaRPr lang="nb-NO" dirty="0"/>
+          </a:p>
+          <a:p>
             <a:r>
               <a:rPr lang="nb-NO" dirty="0"/>
-              <a:t> og random </a:t>
+              <a:t>Random </a:t>
             </a:r>
             <a:r>
               <a:rPr lang="nb-NO" dirty="0" err="1"/>
@@ -7391,7 +7748,7 @@
           <a:p>
             <a:r>
               <a:rPr lang="nb-NO" dirty="0"/>
-              <a:t>...</a:t>
+              <a:t>Forskjellige typer regresjon</a:t>
             </a:r>
           </a:p>
         </p:txBody>
@@ -7401,7 +7758,7 @@
           <p:cNvPr id="4" name="Plassholder for dato 3">
             <a:extLst>
               <a:ext uri="{FF2B5EF4-FFF2-40B4-BE49-F238E27FC236}">
-                <a16:creationId xmlns:a16="http://schemas.microsoft.com/office/drawing/2014/main" id="{B2C0800D-B615-6570-D5D1-6FA71BBDA8E5}"/>
+                <a16:creationId xmlns:a16="http://schemas.microsoft.com/office/drawing/2014/main" id="{7263311D-4907-4B3B-4047-085A98641C60}"/>
               </a:ext>
             </a:extLst>
           </p:cNvPr>
@@ -7419,7 +7776,7 @@
           <a:p>
             <a:fld id="{BE0A88F0-556B-4BB7-8AAB-D63AEB65C662}" type="datetime1">
               <a:rPr lang="en-US" smtClean="0"/>
-              <a:t>3/18/24</a:t>
+              <a:t>3/19/24</a:t>
             </a:fld>
             <a:endParaRPr lang="en-US"/>
           </a:p>
@@ -7430,7 +7787,7 @@
           <p:cNvPr id="5" name="Plassholder for bunntekst 4">
             <a:extLst>
               <a:ext uri="{FF2B5EF4-FFF2-40B4-BE49-F238E27FC236}">
-                <a16:creationId xmlns:a16="http://schemas.microsoft.com/office/drawing/2014/main" id="{F32B4052-0B45-CCC0-0E8D-C3031AA9AC37}"/>
+                <a16:creationId xmlns:a16="http://schemas.microsoft.com/office/drawing/2014/main" id="{188C0D38-D182-6E50-3BCB-77AA1AEFAA16}"/>
               </a:ext>
             </a:extLst>
           </p:cNvPr>
@@ -7455,7 +7812,7 @@
           <p:cNvPr id="6" name="Plassholder for lysbildenummer 5">
             <a:extLst>
               <a:ext uri="{FF2B5EF4-FFF2-40B4-BE49-F238E27FC236}">
-                <a16:creationId xmlns:a16="http://schemas.microsoft.com/office/drawing/2014/main" id="{D13D610A-57B4-6B5C-00E8-04775D0344AF}"/>
+                <a16:creationId xmlns:a16="http://schemas.microsoft.com/office/drawing/2014/main" id="{3ACCC9BA-7E3B-E70F-908B-50929A98198D}"/>
               </a:ext>
             </a:extLst>
           </p:cNvPr>
@@ -7482,7 +7839,7 @@
     </p:spTree>
     <p:extLst>
       <p:ext uri="{BB962C8B-B14F-4D97-AF65-F5344CB8AC3E}">
-        <p14:creationId xmlns:p14="http://schemas.microsoft.com/office/powerpoint/2010/main" val="3461974455"/>
+        <p14:creationId xmlns:p14="http://schemas.microsoft.com/office/powerpoint/2010/main" val="3186762183"/>
       </p:ext>
     </p:extLst>
   </p:cSld>
@@ -7514,7 +7871,7 @@
           <p:cNvPr id="2" name="Tittel 1">
             <a:extLst>
               <a:ext uri="{FF2B5EF4-FFF2-40B4-BE49-F238E27FC236}">
-                <a16:creationId xmlns:a16="http://schemas.microsoft.com/office/drawing/2014/main" id="{57FB405D-A07A-0977-E1ED-ADC243BD6748}"/>
+                <a16:creationId xmlns:a16="http://schemas.microsoft.com/office/drawing/2014/main" id="{764A7624-8C06-BD00-2782-42ECA48FBAF3}"/>
               </a:ext>
             </a:extLst>
           </p:cNvPr>
@@ -7531,12 +7888,124 @@
           <a:lstStyle/>
           <a:p>
             <a:r>
+              <a:rPr lang="nb-NO" dirty="0"/>
+              <a:t>Hyperparametere </a:t>
+            </a:r>
+          </a:p>
+        </p:txBody>
+      </p:sp>
+      <p:sp>
+        <p:nvSpPr>
+          <p:cNvPr id="3" name="Plassholder for innhold 2">
+            <a:extLst>
+              <a:ext uri="{FF2B5EF4-FFF2-40B4-BE49-F238E27FC236}">
+                <a16:creationId xmlns:a16="http://schemas.microsoft.com/office/drawing/2014/main" id="{C5301581-D295-5040-74D1-9F879C769BB4}"/>
+              </a:ext>
+            </a:extLst>
+          </p:cNvPr>
+          <p:cNvSpPr>
+            <a:spLocks noGrp="1"/>
+          </p:cNvSpPr>
+          <p:nvPr>
+            <p:ph idx="1"/>
+          </p:nvPr>
+        </p:nvSpPr>
+        <p:spPr/>
+        <p:txBody>
+          <a:bodyPr/>
+          <a:lstStyle/>
+          <a:p>
+            <a:r>
+              <a:rPr lang="nb-NO" dirty="0"/>
+              <a:t>Learning rate </a:t>
+            </a:r>
+          </a:p>
+          <a:p>
+            <a:r>
+              <a:rPr lang="nb-NO" dirty="0"/>
+              <a:t>Antall </a:t>
+            </a:r>
+            <a:r>
               <a:rPr lang="nb-NO" dirty="0" err="1"/>
-              <a:t>Adaline</a:t>
+              <a:t>epochs</a:t>
             </a:r>
             <a:r>
               <a:rPr lang="nb-NO" dirty="0"/>
-              <a:t> – Adaptive Linear Neuron</a:t>
+              <a:t> </a:t>
+            </a:r>
+          </a:p>
+          <a:p>
+            <a:r>
+              <a:rPr lang="nb-NO" dirty="0"/>
+              <a:t>Regulariseringsparameter </a:t>
+            </a:r>
+          </a:p>
+          <a:p>
+            <a:r>
+              <a:rPr lang="nb-NO" dirty="0" err="1"/>
+              <a:t>Kerneltype</a:t>
+            </a:r>
+            <a:r>
+              <a:rPr lang="nb-NO" dirty="0"/>
+              <a:t> i SVM</a:t>
+            </a:r>
+          </a:p>
+          <a:p>
+            <a:r>
+              <a:rPr lang="nb-NO" dirty="0"/>
+              <a:t>Antall naboer i K-</a:t>
+            </a:r>
+            <a:r>
+              <a:rPr lang="nb-NO" dirty="0" err="1"/>
+              <a:t>nearest</a:t>
+            </a:r>
+            <a:r>
+              <a:rPr lang="nb-NO" dirty="0"/>
+              <a:t> </a:t>
+            </a:r>
+            <a:r>
+              <a:rPr lang="nb-NO" dirty="0" err="1"/>
+              <a:t>neighbours</a:t>
+            </a:r>
+            <a:r>
+              <a:rPr lang="nb-NO" dirty="0"/>
+              <a:t> </a:t>
+            </a:r>
+          </a:p>
+          <a:p>
+            <a:r>
+              <a:rPr lang="nb-NO" dirty="0"/>
+              <a:t>Antall trær og maksimum dybde på trær i </a:t>
+            </a:r>
+            <a:r>
+              <a:rPr lang="nb-NO" dirty="0" err="1"/>
+              <a:t>decision</a:t>
+            </a:r>
+            <a:r>
+              <a:rPr lang="nb-NO" dirty="0"/>
+              <a:t> </a:t>
+            </a:r>
+            <a:r>
+              <a:rPr lang="nb-NO" dirty="0" err="1"/>
+              <a:t>trees</a:t>
+            </a:r>
+            <a:r>
+              <a:rPr lang="nb-NO" dirty="0"/>
+              <a:t> og random </a:t>
+            </a:r>
+            <a:r>
+              <a:rPr lang="nb-NO" dirty="0" err="1"/>
+              <a:t>forest</a:t>
+            </a:r>
+            <a:r>
+              <a:rPr lang="nb-NO" dirty="0"/>
+              <a:t> </a:t>
+            </a:r>
+          </a:p>
+          <a:p>
+            <a:r>
+              <a:rPr lang="nb-NO" dirty="0"/>
+              <a:t>...</a:t>
             </a:r>
           </a:p>
         </p:txBody>
@@ -7546,7 +8015,7 @@
           <p:cNvPr id="4" name="Plassholder for dato 3">
             <a:extLst>
               <a:ext uri="{FF2B5EF4-FFF2-40B4-BE49-F238E27FC236}">
-                <a16:creationId xmlns:a16="http://schemas.microsoft.com/office/drawing/2014/main" id="{FD21E666-42AA-E5F4-E3AC-92A39C6577F8}"/>
+                <a16:creationId xmlns:a16="http://schemas.microsoft.com/office/drawing/2014/main" id="{B2C0800D-B615-6570-D5D1-6FA71BBDA8E5}"/>
               </a:ext>
             </a:extLst>
           </p:cNvPr>
@@ -7564,7 +8033,7 @@
           <a:p>
             <a:fld id="{BE0A88F0-556B-4BB7-8AAB-D63AEB65C662}" type="datetime1">
               <a:rPr lang="en-US" smtClean="0"/>
-              <a:t>3/18/24</a:t>
+              <a:t>3/19/24</a:t>
             </a:fld>
             <a:endParaRPr lang="en-US"/>
           </a:p>
@@ -7575,7 +8044,7 @@
           <p:cNvPr id="5" name="Plassholder for bunntekst 4">
             <a:extLst>
               <a:ext uri="{FF2B5EF4-FFF2-40B4-BE49-F238E27FC236}">
-                <a16:creationId xmlns:a16="http://schemas.microsoft.com/office/drawing/2014/main" id="{8DFDC586-6F3E-289D-7995-E0D57AC63C1C}"/>
+                <a16:creationId xmlns:a16="http://schemas.microsoft.com/office/drawing/2014/main" id="{F32B4052-0B45-CCC0-0E8D-C3031AA9AC37}"/>
               </a:ext>
             </a:extLst>
           </p:cNvPr>
@@ -7600,7 +8069,7 @@
           <p:cNvPr id="6" name="Plassholder for lysbildenummer 5">
             <a:extLst>
               <a:ext uri="{FF2B5EF4-FFF2-40B4-BE49-F238E27FC236}">
-                <a16:creationId xmlns:a16="http://schemas.microsoft.com/office/drawing/2014/main" id="{8071A1D6-20DC-6372-8616-375F8BAD0FBC}"/>
+                <a16:creationId xmlns:a16="http://schemas.microsoft.com/office/drawing/2014/main" id="{D13D610A-57B4-6B5C-00E8-04775D0344AF}"/>
               </a:ext>
             </a:extLst>
           </p:cNvPr>
@@ -7619,6 +8088,151 @@
             <a:fld id="{81D2C36F-4504-47C0-B82F-A167342A2754}" type="slidenum">
               <a:rPr lang="en-US" smtClean="0"/>
               <a:t>8</a:t>
+            </a:fld>
+            <a:endParaRPr lang="en-US"/>
+          </a:p>
+        </p:txBody>
+      </p:sp>
+    </p:spTree>
+    <p:extLst>
+      <p:ext uri="{BB962C8B-B14F-4D97-AF65-F5344CB8AC3E}">
+        <p14:creationId xmlns:p14="http://schemas.microsoft.com/office/powerpoint/2010/main" val="3461974455"/>
+      </p:ext>
+    </p:extLst>
+  </p:cSld>
+  <p:clrMapOvr>
+    <a:masterClrMapping/>
+  </p:clrMapOvr>
+</p:sld>
+</file>
+
+<file path=ppt/slides/slide9.xml><?xml version="1.0" encoding="utf-8"?>
+<p:sld xmlns:a="http://schemas.openxmlformats.org/drawingml/2006/main" xmlns:r="http://schemas.openxmlformats.org/officeDocument/2006/relationships" xmlns:p="http://schemas.openxmlformats.org/presentationml/2006/main">
+  <p:cSld>
+    <p:spTree>
+      <p:nvGrpSpPr>
+        <p:cNvPr id="1" name=""/>
+        <p:cNvGrpSpPr/>
+        <p:nvPr/>
+      </p:nvGrpSpPr>
+      <p:grpSpPr>
+        <a:xfrm>
+          <a:off x="0" y="0"/>
+          <a:ext cx="0" cy="0"/>
+          <a:chOff x="0" y="0"/>
+          <a:chExt cx="0" cy="0"/>
+        </a:xfrm>
+      </p:grpSpPr>
+      <p:sp>
+        <p:nvSpPr>
+          <p:cNvPr id="2" name="Tittel 1">
+            <a:extLst>
+              <a:ext uri="{FF2B5EF4-FFF2-40B4-BE49-F238E27FC236}">
+                <a16:creationId xmlns:a16="http://schemas.microsoft.com/office/drawing/2014/main" id="{57FB405D-A07A-0977-E1ED-ADC243BD6748}"/>
+              </a:ext>
+            </a:extLst>
+          </p:cNvPr>
+          <p:cNvSpPr>
+            <a:spLocks noGrp="1"/>
+          </p:cNvSpPr>
+          <p:nvPr>
+            <p:ph type="title"/>
+          </p:nvPr>
+        </p:nvSpPr>
+        <p:spPr/>
+        <p:txBody>
+          <a:bodyPr/>
+          <a:lstStyle/>
+          <a:p>
+            <a:r>
+              <a:rPr lang="nb-NO" dirty="0" err="1"/>
+              <a:t>Adaline</a:t>
+            </a:r>
+            <a:r>
+              <a:rPr lang="nb-NO" dirty="0"/>
+              <a:t> – Adaptive Linear Neuron</a:t>
+            </a:r>
+          </a:p>
+        </p:txBody>
+      </p:sp>
+      <p:sp>
+        <p:nvSpPr>
+          <p:cNvPr id="4" name="Plassholder for dato 3">
+            <a:extLst>
+              <a:ext uri="{FF2B5EF4-FFF2-40B4-BE49-F238E27FC236}">
+                <a16:creationId xmlns:a16="http://schemas.microsoft.com/office/drawing/2014/main" id="{FD21E666-42AA-E5F4-E3AC-92A39C6577F8}"/>
+              </a:ext>
+            </a:extLst>
+          </p:cNvPr>
+          <p:cNvSpPr>
+            <a:spLocks noGrp="1"/>
+          </p:cNvSpPr>
+          <p:nvPr>
+            <p:ph type="dt" sz="half" idx="10"/>
+          </p:nvPr>
+        </p:nvSpPr>
+        <p:spPr/>
+        <p:txBody>
+          <a:bodyPr/>
+          <a:lstStyle/>
+          <a:p>
+            <a:fld id="{BE0A88F0-556B-4BB7-8AAB-D63AEB65C662}" type="datetime1">
+              <a:rPr lang="en-US" smtClean="0"/>
+              <a:t>3/19/24</a:t>
+            </a:fld>
+            <a:endParaRPr lang="en-US"/>
+          </a:p>
+        </p:txBody>
+      </p:sp>
+      <p:sp>
+        <p:nvSpPr>
+          <p:cNvPr id="5" name="Plassholder for bunntekst 4">
+            <a:extLst>
+              <a:ext uri="{FF2B5EF4-FFF2-40B4-BE49-F238E27FC236}">
+                <a16:creationId xmlns:a16="http://schemas.microsoft.com/office/drawing/2014/main" id="{8DFDC586-6F3E-289D-7995-E0D57AC63C1C}"/>
+              </a:ext>
+            </a:extLst>
+          </p:cNvPr>
+          <p:cNvSpPr>
+            <a:spLocks noGrp="1"/>
+          </p:cNvSpPr>
+          <p:nvPr>
+            <p:ph type="ftr" sz="quarter" idx="11"/>
+          </p:nvPr>
+        </p:nvSpPr>
+        <p:spPr/>
+        <p:txBody>
+          <a:bodyPr/>
+          <a:lstStyle/>
+          <a:p>
+            <a:endParaRPr lang="en-US"/>
+          </a:p>
+        </p:txBody>
+      </p:sp>
+      <p:sp>
+        <p:nvSpPr>
+          <p:cNvPr id="6" name="Plassholder for lysbildenummer 5">
+            <a:extLst>
+              <a:ext uri="{FF2B5EF4-FFF2-40B4-BE49-F238E27FC236}">
+                <a16:creationId xmlns:a16="http://schemas.microsoft.com/office/drawing/2014/main" id="{8071A1D6-20DC-6372-8616-375F8BAD0FBC}"/>
+              </a:ext>
+            </a:extLst>
+          </p:cNvPr>
+          <p:cNvSpPr>
+            <a:spLocks noGrp="1"/>
+          </p:cNvSpPr>
+          <p:nvPr>
+            <p:ph type="sldNum" sz="quarter" idx="12"/>
+          </p:nvPr>
+        </p:nvSpPr>
+        <p:spPr/>
+        <p:txBody>
+          <a:bodyPr/>
+          <a:lstStyle/>
+          <a:p>
+            <a:fld id="{81D2C36F-4504-47C0-B82F-A167342A2754}" type="slidenum">
+              <a:rPr lang="en-US" smtClean="0"/>
+              <a:t>9</a:t>
             </a:fld>
             <a:endParaRPr lang="en-US"/>
           </a:p>
@@ -7677,293 +8291,6 @@
     <p:extLst>
       <p:ext uri="{BB962C8B-B14F-4D97-AF65-F5344CB8AC3E}">
         <p14:creationId xmlns:p14="http://schemas.microsoft.com/office/powerpoint/2010/main" val="4210979009"/>
-      </p:ext>
-    </p:extLst>
-  </p:cSld>
-  <p:clrMapOvr>
-    <a:masterClrMapping/>
-  </p:clrMapOvr>
-</p:sld>
-</file>
-
-<file path=ppt/slides/slide9.xml><?xml version="1.0" encoding="utf-8"?>
-<p:sld xmlns:a="http://schemas.openxmlformats.org/drawingml/2006/main" xmlns:r="http://schemas.openxmlformats.org/officeDocument/2006/relationships" xmlns:p="http://schemas.openxmlformats.org/presentationml/2006/main">
-  <p:cSld>
-    <p:spTree>
-      <p:nvGrpSpPr>
-        <p:cNvPr id="1" name=""/>
-        <p:cNvGrpSpPr/>
-        <p:nvPr/>
-      </p:nvGrpSpPr>
-      <p:grpSpPr>
-        <a:xfrm>
-          <a:off x="0" y="0"/>
-          <a:ext cx="0" cy="0"/>
-          <a:chOff x="0" y="0"/>
-          <a:chExt cx="0" cy="0"/>
-        </a:xfrm>
-      </p:grpSpPr>
-      <p:sp>
-        <p:nvSpPr>
-          <p:cNvPr id="2" name="Tittel 1">
-            <a:extLst>
-              <a:ext uri="{FF2B5EF4-FFF2-40B4-BE49-F238E27FC236}">
-                <a16:creationId xmlns:a16="http://schemas.microsoft.com/office/drawing/2014/main" id="{B6E9F6C3-E042-A9CB-37C1-F48572FA3418}"/>
-              </a:ext>
-            </a:extLst>
-          </p:cNvPr>
-          <p:cNvSpPr>
-            <a:spLocks noGrp="1"/>
-          </p:cNvSpPr>
-          <p:nvPr>
-            <p:ph type="title"/>
-          </p:nvPr>
-        </p:nvSpPr>
-        <p:spPr/>
-        <p:txBody>
-          <a:bodyPr/>
-          <a:lstStyle/>
-          <a:p>
-            <a:r>
-              <a:rPr lang="nb-NO" dirty="0" err="1"/>
-              <a:t>Adaline</a:t>
-            </a:r>
-            <a:r>
-              <a:rPr lang="nb-NO" dirty="0"/>
-              <a:t> - Data og vekter </a:t>
-            </a:r>
-          </a:p>
-        </p:txBody>
-      </p:sp>
-      <p:pic>
-        <p:nvPicPr>
-          <p:cNvPr id="7" name="Plassholder for innhold 6">
-            <a:extLst>
-              <a:ext uri="{FF2B5EF4-FFF2-40B4-BE49-F238E27FC236}">
-                <a16:creationId xmlns:a16="http://schemas.microsoft.com/office/drawing/2014/main" id="{A1914997-AD25-2E20-EA6C-A999EA4C18E4}"/>
-              </a:ext>
-            </a:extLst>
-          </p:cNvPr>
-          <p:cNvPicPr>
-            <a:picLocks noGrp="1" noChangeAspect="1"/>
-          </p:cNvPicPr>
-          <p:nvPr>
-            <p:ph idx="1"/>
-          </p:nvPr>
-        </p:nvPicPr>
-        <p:blipFill>
-          <a:blip r:embed="rId2"/>
-          <a:stretch>
-            <a:fillRect/>
-          </a:stretch>
-        </p:blipFill>
-        <p:spPr>
-          <a:xfrm>
-            <a:off x="1142982" y="2091306"/>
-            <a:ext cx="2463800" cy="3581400"/>
-          </a:xfrm>
-          <a:prstGeom prst="rect">
-            <a:avLst/>
-          </a:prstGeom>
-        </p:spPr>
-      </p:pic>
-      <p:sp>
-        <p:nvSpPr>
-          <p:cNvPr id="4" name="Plassholder for dato 3">
-            <a:extLst>
-              <a:ext uri="{FF2B5EF4-FFF2-40B4-BE49-F238E27FC236}">
-                <a16:creationId xmlns:a16="http://schemas.microsoft.com/office/drawing/2014/main" id="{14255D5D-CD38-DC22-3FC8-75BB61F3A5A0}"/>
-              </a:ext>
-            </a:extLst>
-          </p:cNvPr>
-          <p:cNvSpPr>
-            <a:spLocks noGrp="1"/>
-          </p:cNvSpPr>
-          <p:nvPr>
-            <p:ph type="dt" sz="half" idx="10"/>
-          </p:nvPr>
-        </p:nvSpPr>
-        <p:spPr/>
-        <p:txBody>
-          <a:bodyPr/>
-          <a:lstStyle/>
-          <a:p>
-            <a:fld id="{BE0A88F0-556B-4BB7-8AAB-D63AEB65C662}" type="datetime1">
-              <a:rPr lang="en-US" smtClean="0"/>
-              <a:t>3/18/24</a:t>
-            </a:fld>
-            <a:endParaRPr lang="en-US"/>
-          </a:p>
-        </p:txBody>
-      </p:sp>
-      <p:sp>
-        <p:nvSpPr>
-          <p:cNvPr id="5" name="Plassholder for bunntekst 4">
-            <a:extLst>
-              <a:ext uri="{FF2B5EF4-FFF2-40B4-BE49-F238E27FC236}">
-                <a16:creationId xmlns:a16="http://schemas.microsoft.com/office/drawing/2014/main" id="{89A83550-4F31-942C-48EB-33ADBB68484D}"/>
-              </a:ext>
-            </a:extLst>
-          </p:cNvPr>
-          <p:cNvSpPr>
-            <a:spLocks noGrp="1"/>
-          </p:cNvSpPr>
-          <p:nvPr>
-            <p:ph type="ftr" sz="quarter" idx="11"/>
-          </p:nvPr>
-        </p:nvSpPr>
-        <p:spPr/>
-        <p:txBody>
-          <a:bodyPr/>
-          <a:lstStyle/>
-          <a:p>
-            <a:endParaRPr lang="en-US"/>
-          </a:p>
-        </p:txBody>
-      </p:sp>
-      <p:sp>
-        <p:nvSpPr>
-          <p:cNvPr id="6" name="Plassholder for lysbildenummer 5">
-            <a:extLst>
-              <a:ext uri="{FF2B5EF4-FFF2-40B4-BE49-F238E27FC236}">
-                <a16:creationId xmlns:a16="http://schemas.microsoft.com/office/drawing/2014/main" id="{FED975BA-2238-17D6-FF43-852294BD2FD5}"/>
-              </a:ext>
-            </a:extLst>
-          </p:cNvPr>
-          <p:cNvSpPr>
-            <a:spLocks noGrp="1"/>
-          </p:cNvSpPr>
-          <p:nvPr>
-            <p:ph type="sldNum" sz="quarter" idx="12"/>
-          </p:nvPr>
-        </p:nvSpPr>
-        <p:spPr/>
-        <p:txBody>
-          <a:bodyPr/>
-          <a:lstStyle/>
-          <a:p>
-            <a:fld id="{81D2C36F-4504-47C0-B82F-A167342A2754}" type="slidenum">
-              <a:rPr lang="en-US" smtClean="0"/>
-              <a:t>9</a:t>
-            </a:fld>
-            <a:endParaRPr lang="en-US"/>
-          </a:p>
-        </p:txBody>
-      </p:sp>
-      <p:sp>
-        <p:nvSpPr>
-          <p:cNvPr id="9" name="TekstSylinder 8">
-            <a:extLst>
-              <a:ext uri="{FF2B5EF4-FFF2-40B4-BE49-F238E27FC236}">
-                <a16:creationId xmlns:a16="http://schemas.microsoft.com/office/drawing/2014/main" id="{CE1E41A5-51F5-A31F-F61E-9AA15A6470A4}"/>
-              </a:ext>
-            </a:extLst>
-          </p:cNvPr>
-          <p:cNvSpPr txBox="1"/>
-          <p:nvPr/>
-        </p:nvSpPr>
-        <p:spPr>
-          <a:xfrm>
-            <a:off x="3935636" y="3893022"/>
-            <a:ext cx="6557211" cy="369332"/>
-          </a:xfrm>
-          <a:prstGeom prst="rect">
-            <a:avLst/>
-          </a:prstGeom>
-          <a:noFill/>
-        </p:spPr>
-        <p:txBody>
-          <a:bodyPr wrap="square" rtlCol="0">
-            <a:spAutoFit/>
-          </a:bodyPr>
-          <a:lstStyle/>
-          <a:p>
-            <a:r>
-              <a:rPr lang="nb-NO" dirty="0">
-                <a:solidFill>
-                  <a:schemeClr val="accent1"/>
-                </a:solidFill>
-              </a:rPr>
-              <a:t>w er en tilfeldig valgt vektor med vekter </a:t>
-            </a:r>
-          </a:p>
-        </p:txBody>
-      </p:sp>
-      <p:pic>
-        <p:nvPicPr>
-          <p:cNvPr id="3" name="Bilde 2">
-            <a:extLst>
-              <a:ext uri="{FF2B5EF4-FFF2-40B4-BE49-F238E27FC236}">
-                <a16:creationId xmlns:a16="http://schemas.microsoft.com/office/drawing/2014/main" id="{31363B64-CF0C-9F61-4F00-F25F35F0DB93}"/>
-              </a:ext>
-            </a:extLst>
-          </p:cNvPr>
-          <p:cNvPicPr>
-            <a:picLocks noChangeAspect="1"/>
-          </p:cNvPicPr>
-          <p:nvPr/>
-        </p:nvPicPr>
-        <p:blipFill>
-          <a:blip r:embed="rId3"/>
-          <a:stretch>
-            <a:fillRect/>
-          </a:stretch>
-        </p:blipFill>
-        <p:spPr>
-          <a:xfrm>
-            <a:off x="3935635" y="2091306"/>
-            <a:ext cx="3744291" cy="1580582"/>
-          </a:xfrm>
-          <a:prstGeom prst="rect">
-            <a:avLst/>
-          </a:prstGeom>
-        </p:spPr>
-      </p:pic>
-      <p:sp>
-        <p:nvSpPr>
-          <p:cNvPr id="10" name="TekstSylinder 9">
-            <a:extLst>
-              <a:ext uri="{FF2B5EF4-FFF2-40B4-BE49-F238E27FC236}">
-                <a16:creationId xmlns:a16="http://schemas.microsoft.com/office/drawing/2014/main" id="{FBCD6E44-0619-543E-E923-278BC2BBCAE0}"/>
-              </a:ext>
-            </a:extLst>
-          </p:cNvPr>
-          <p:cNvSpPr txBox="1"/>
-          <p:nvPr/>
-        </p:nvSpPr>
-        <p:spPr>
-          <a:xfrm>
-            <a:off x="7964905" y="2382253"/>
-            <a:ext cx="1505540" cy="646331"/>
-          </a:xfrm>
-          <a:prstGeom prst="rect">
-            <a:avLst/>
-          </a:prstGeom>
-          <a:noFill/>
-        </p:spPr>
-        <p:txBody>
-          <a:bodyPr wrap="none" rtlCol="0">
-            <a:spAutoFit/>
-          </a:bodyPr>
-          <a:lstStyle/>
-          <a:p>
-            <a:r>
-              <a:rPr lang="nb-NO" dirty="0"/>
-              <a:t>y = 1 = rose</a:t>
-            </a:r>
-          </a:p>
-          <a:p>
-            <a:r>
-              <a:rPr lang="nb-NO" dirty="0"/>
-              <a:t>y = 2 = tulipan </a:t>
-            </a:r>
-          </a:p>
-        </p:txBody>
-      </p:sp>
-    </p:spTree>
-    <p:extLst>
-      <p:ext uri="{BB962C8B-B14F-4D97-AF65-F5344CB8AC3E}">
-        <p14:creationId xmlns:p14="http://schemas.microsoft.com/office/powerpoint/2010/main" val="4235522582"/>
       </p:ext>
     </p:extLst>
   </p:cSld>
